--- a/api/templates/brochure_ru.pptx
+++ b/api/templates/brochure_ru.pptx
@@ -315,7 +315,7 @@
             <a:fld id="{1D8BD707-D9CF-40AE-B4C6-C98DA3205C09}" type="datetimeFigureOut">
               <a:rPr lang="en-US" smtClean="0"/>
               <a:pPr/>
-              <a:t>1/29/2026</a:t>
+              <a:t>2/2/2026</a:t>
             </a:fld>
             <a:endParaRPr lang="en-US"/>
           </a:p>
@@ -480,7 +480,7 @@
             <a:fld id="{1D8BD707-D9CF-40AE-B4C6-C98DA3205C09}" type="datetimeFigureOut">
               <a:rPr lang="en-US" smtClean="0"/>
               <a:pPr/>
-              <a:t>1/29/2026</a:t>
+              <a:t>2/2/2026</a:t>
             </a:fld>
             <a:endParaRPr lang="en-US"/>
           </a:p>
@@ -655,7 +655,7 @@
             <a:fld id="{1D8BD707-D9CF-40AE-B4C6-C98DA3205C09}" type="datetimeFigureOut">
               <a:rPr lang="en-US" smtClean="0"/>
               <a:pPr/>
-              <a:t>1/29/2026</a:t>
+              <a:t>2/2/2026</a:t>
             </a:fld>
             <a:endParaRPr lang="en-US"/>
           </a:p>
@@ -820,7 +820,7 @@
             <a:fld id="{1D8BD707-D9CF-40AE-B4C6-C98DA3205C09}" type="datetimeFigureOut">
               <a:rPr lang="en-US" smtClean="0"/>
               <a:pPr/>
-              <a:t>1/29/2026</a:t>
+              <a:t>2/2/2026</a:t>
             </a:fld>
             <a:endParaRPr lang="en-US"/>
           </a:p>
@@ -1062,7 +1062,7 @@
             <a:fld id="{1D8BD707-D9CF-40AE-B4C6-C98DA3205C09}" type="datetimeFigureOut">
               <a:rPr lang="en-US" smtClean="0"/>
               <a:pPr/>
-              <a:t>1/29/2026</a:t>
+              <a:t>2/2/2026</a:t>
             </a:fld>
             <a:endParaRPr lang="en-US"/>
           </a:p>
@@ -1344,7 +1344,7 @@
             <a:fld id="{1D8BD707-D9CF-40AE-B4C6-C98DA3205C09}" type="datetimeFigureOut">
               <a:rPr lang="en-US" smtClean="0"/>
               <a:pPr/>
-              <a:t>1/29/2026</a:t>
+              <a:t>2/2/2026</a:t>
             </a:fld>
             <a:endParaRPr lang="en-US"/>
           </a:p>
@@ -1760,7 +1760,7 @@
             <a:fld id="{1D8BD707-D9CF-40AE-B4C6-C98DA3205C09}" type="datetimeFigureOut">
               <a:rPr lang="en-US" smtClean="0"/>
               <a:pPr/>
-              <a:t>1/29/2026</a:t>
+              <a:t>2/2/2026</a:t>
             </a:fld>
             <a:endParaRPr lang="en-US"/>
           </a:p>
@@ -1874,7 +1874,7 @@
             <a:fld id="{1D8BD707-D9CF-40AE-B4C6-C98DA3205C09}" type="datetimeFigureOut">
               <a:rPr lang="en-US" smtClean="0"/>
               <a:pPr/>
-              <a:t>1/29/2026</a:t>
+              <a:t>2/2/2026</a:t>
             </a:fld>
             <a:endParaRPr lang="en-US"/>
           </a:p>
@@ -1966,7 +1966,7 @@
             <a:fld id="{1D8BD707-D9CF-40AE-B4C6-C98DA3205C09}" type="datetimeFigureOut">
               <a:rPr lang="en-US" smtClean="0"/>
               <a:pPr/>
-              <a:t>1/29/2026</a:t>
+              <a:t>2/2/2026</a:t>
             </a:fld>
             <a:endParaRPr lang="en-US"/>
           </a:p>
@@ -2238,7 +2238,7 @@
             <a:fld id="{1D8BD707-D9CF-40AE-B4C6-C98DA3205C09}" type="datetimeFigureOut">
               <a:rPr lang="en-US" smtClean="0"/>
               <a:pPr/>
-              <a:t>1/29/2026</a:t>
+              <a:t>2/2/2026</a:t>
             </a:fld>
             <a:endParaRPr lang="en-US"/>
           </a:p>
@@ -2487,7 +2487,7 @@
             <a:fld id="{1D8BD707-D9CF-40AE-B4C6-C98DA3205C09}" type="datetimeFigureOut">
               <a:rPr lang="en-US" smtClean="0"/>
               <a:pPr/>
-              <a:t>1/29/2026</a:t>
+              <a:t>2/2/2026</a:t>
             </a:fld>
             <a:endParaRPr lang="en-US"/>
           </a:p>
@@ -2695,7 +2695,7 @@
             <a:fld id="{1D8BD707-D9CF-40AE-B4C6-C98DA3205C09}" type="datetimeFigureOut">
               <a:rPr lang="en-US" smtClean="0"/>
               <a:pPr/>
-              <a:t>1/29/2026</a:t>
+              <a:t>2/2/2026</a:t>
             </a:fld>
             <a:endParaRPr lang="en-US"/>
           </a:p>
@@ -3069,7 +3069,9 @@
       <p:grpSp>
         <p:nvGrpSpPr>
           <p:cNvPr id="2" name="Group 2"/>
-          <p:cNvGrpSpPr/>
+          <p:cNvGrpSpPr>
+            <a:grpSpLocks noGrp="1" noUngrp="1" noRot="1" noMove="1" noResize="1"/>
+          </p:cNvGrpSpPr>
           <p:nvPr/>
         </p:nvGrpSpPr>
         <p:grpSpPr>
@@ -3083,7 +3085,9 @@
         <p:sp>
           <p:nvSpPr>
             <p:cNvPr id="3" name="Freeform 3"/>
-            <p:cNvSpPr/>
+            <p:cNvSpPr>
+              <a:spLocks noGrp="1" noRot="1" noMove="1" noResize="1" noEditPoints="1" noAdjustHandles="1" noChangeArrowheads="1" noChangeShapeType="1"/>
+            </p:cNvSpPr>
             <p:nvPr/>
           </p:nvSpPr>
           <p:spPr>
@@ -3146,13 +3150,18 @@
           </p:spPr>
           <p:txBody>
             <a:bodyPr/>
-            <a:p/>
+            <a:lstStyle/>
+            <a:p>
+              <a:endParaRPr/>
+            </a:p>
           </p:txBody>
         </p:sp>
         <p:sp>
           <p:nvSpPr>
             <p:cNvPr id="4" name="TextBox 4"/>
-            <p:cNvSpPr txBox="1"/>
+            <p:cNvSpPr txBox="1">
+              <a:spLocks noGrp="1" noRot="1" noMove="1" noResize="1" noEditPoints="1" noAdjustHandles="1" noChangeArrowheads="1" noChangeShapeType="1"/>
+            </p:cNvSpPr>
             <p:nvPr/>
           </p:nvSpPr>
           <p:spPr>
@@ -3181,7 +3190,9 @@
       <p:grpSp>
         <p:nvGrpSpPr>
           <p:cNvPr id="5" name="Group 5"/>
-          <p:cNvGrpSpPr/>
+          <p:cNvGrpSpPr>
+            <a:grpSpLocks noGrp="1" noUngrp="1" noRot="1" noMove="1" noResize="1"/>
+          </p:cNvGrpSpPr>
           <p:nvPr/>
         </p:nvGrpSpPr>
         <p:grpSpPr>
@@ -3195,7 +3206,9 @@
         <p:grpSp>
           <p:nvGrpSpPr>
             <p:cNvPr id="6" name="Group 6"/>
-            <p:cNvGrpSpPr/>
+            <p:cNvGrpSpPr>
+              <a:grpSpLocks noGrp="1" noUngrp="1" noRot="1" noMove="1" noResize="1"/>
+            </p:cNvGrpSpPr>
             <p:nvPr/>
           </p:nvGrpSpPr>
           <p:grpSpPr>
@@ -3209,7 +3222,9 @@
           <p:sp>
             <p:nvSpPr>
               <p:cNvPr id="7" name="Freeform 7"/>
-              <p:cNvSpPr/>
+              <p:cNvSpPr>
+                <a:spLocks noGrp="1" noRot="1" noMove="1" noResize="1" noEditPoints="1" noAdjustHandles="1" noChangeArrowheads="1" noChangeShapeType="1"/>
+              </p:cNvSpPr>
               <p:nvPr/>
             </p:nvSpPr>
             <p:spPr>
@@ -3267,13 +3282,18 @@
             </p:spPr>
             <p:txBody>
               <a:bodyPr/>
-              <a:p/>
+              <a:lstStyle/>
+              <a:p>
+                <a:endParaRPr/>
+              </a:p>
             </p:txBody>
           </p:sp>
           <p:sp>
             <p:nvSpPr>
               <p:cNvPr id="8" name="TextBox 8"/>
-              <p:cNvSpPr txBox="1"/>
+              <p:cNvSpPr txBox="1">
+                <a:spLocks noGrp="1" noRot="1" noMove="1" noResize="1" noEditPoints="1" noAdjustHandles="1" noChangeArrowheads="1" noChangeShapeType="1"/>
+              </p:cNvSpPr>
               <p:nvPr/>
             </p:nvSpPr>
             <p:spPr>
@@ -3302,7 +3322,9 @@
         <p:grpSp>
           <p:nvGrpSpPr>
             <p:cNvPr id="9" name="Group 9"/>
-            <p:cNvGrpSpPr/>
+            <p:cNvGrpSpPr>
+              <a:grpSpLocks noGrp="1" noUngrp="1" noRot="1" noMove="1" noResize="1"/>
+            </p:cNvGrpSpPr>
             <p:nvPr/>
           </p:nvGrpSpPr>
           <p:grpSpPr>
@@ -3316,7 +3338,9 @@
           <p:sp>
             <p:nvSpPr>
               <p:cNvPr id="10" name="Freeform 10"/>
-              <p:cNvSpPr/>
+              <p:cNvSpPr>
+                <a:spLocks noGrp="1" noRot="1" noMove="1" noResize="1" noEditPoints="1" noAdjustHandles="1" noChangeArrowheads="1" noChangeShapeType="1"/>
+              </p:cNvSpPr>
               <p:nvPr/>
             </p:nvSpPr>
             <p:spPr>
@@ -3374,13 +3398,18 @@
             </p:spPr>
             <p:txBody>
               <a:bodyPr/>
-              <a:p/>
+              <a:lstStyle/>
+              <a:p>
+                <a:endParaRPr/>
+              </a:p>
             </p:txBody>
           </p:sp>
           <p:sp>
             <p:nvSpPr>
               <p:cNvPr id="11" name="TextBox 11"/>
-              <p:cNvSpPr txBox="1"/>
+              <p:cNvSpPr txBox="1">
+                <a:spLocks noGrp="1" noRot="1" noMove="1" noResize="1" noEditPoints="1" noAdjustHandles="1" noChangeArrowheads="1" noChangeShapeType="1"/>
+              </p:cNvSpPr>
               <p:nvPr/>
             </p:nvSpPr>
             <p:spPr>
@@ -3409,7 +3438,9 @@
         <p:grpSp>
           <p:nvGrpSpPr>
             <p:cNvPr id="12" name="Group 12"/>
-            <p:cNvGrpSpPr/>
+            <p:cNvGrpSpPr>
+              <a:grpSpLocks noGrp="1" noUngrp="1" noRot="1" noMove="1" noResize="1"/>
+            </p:cNvGrpSpPr>
             <p:nvPr/>
           </p:nvGrpSpPr>
           <p:grpSpPr>
@@ -3423,7 +3454,9 @@
           <p:sp>
             <p:nvSpPr>
               <p:cNvPr id="13" name="Freeform 13"/>
-              <p:cNvSpPr/>
+              <p:cNvSpPr>
+                <a:spLocks noGrp="1" noRot="1" noMove="1" noResize="1" noEditPoints="1" noAdjustHandles="1" noChangeArrowheads="1" noChangeShapeType="1"/>
+              </p:cNvSpPr>
               <p:nvPr/>
             </p:nvSpPr>
             <p:spPr>
@@ -3481,13 +3514,18 @@
             </p:spPr>
             <p:txBody>
               <a:bodyPr/>
-              <a:p/>
+              <a:lstStyle/>
+              <a:p>
+                <a:endParaRPr/>
+              </a:p>
             </p:txBody>
           </p:sp>
           <p:sp>
             <p:nvSpPr>
               <p:cNvPr id="14" name="TextBox 14"/>
-              <p:cNvSpPr txBox="1"/>
+              <p:cNvSpPr txBox="1">
+                <a:spLocks noGrp="1" noRot="1" noMove="1" noResize="1" noEditPoints="1" noAdjustHandles="1" noChangeArrowheads="1" noChangeShapeType="1"/>
+              </p:cNvSpPr>
               <p:nvPr/>
             </p:nvSpPr>
             <p:spPr>
@@ -3517,7 +3555,9 @@
       <p:grpSp>
         <p:nvGrpSpPr>
           <p:cNvPr id="15" name="Group 15"/>
-          <p:cNvGrpSpPr/>
+          <p:cNvGrpSpPr>
+            <a:grpSpLocks noGrp="1" noUngrp="1" noRot="1" noMove="1" noResize="1"/>
+          </p:cNvGrpSpPr>
           <p:nvPr/>
         </p:nvGrpSpPr>
         <p:grpSpPr>
@@ -3531,7 +3571,9 @@
         <p:grpSp>
           <p:nvGrpSpPr>
             <p:cNvPr id="16" name="Group 16"/>
-            <p:cNvGrpSpPr/>
+            <p:cNvGrpSpPr>
+              <a:grpSpLocks noGrp="1" noUngrp="1" noRot="1" noMove="1" noResize="1"/>
+            </p:cNvGrpSpPr>
             <p:nvPr/>
           </p:nvGrpSpPr>
           <p:grpSpPr>
@@ -3545,7 +3587,9 @@
           <p:sp>
             <p:nvSpPr>
               <p:cNvPr id="17" name="Freeform 17"/>
-              <p:cNvSpPr/>
+              <p:cNvSpPr>
+                <a:spLocks noGrp="1" noRot="1" noMove="1" noResize="1" noEditPoints="1" noAdjustHandles="1" noChangeArrowheads="1" noChangeShapeType="1"/>
+              </p:cNvSpPr>
               <p:nvPr/>
             </p:nvSpPr>
             <p:spPr>
@@ -3594,13 +3638,18 @@
             </p:spPr>
             <p:txBody>
               <a:bodyPr/>
-              <a:p/>
+              <a:lstStyle/>
+              <a:p>
+                <a:endParaRPr/>
+              </a:p>
             </p:txBody>
           </p:sp>
           <p:sp>
             <p:nvSpPr>
               <p:cNvPr id="18" name="TextBox 18"/>
-              <p:cNvSpPr txBox="1"/>
+              <p:cNvSpPr txBox="1">
+                <a:spLocks noGrp="1" noRot="1" noMove="1" noResize="1" noEditPoints="1" noAdjustHandles="1" noChangeArrowheads="1" noChangeShapeType="1"/>
+              </p:cNvSpPr>
               <p:nvPr/>
             </p:nvSpPr>
             <p:spPr>
@@ -3629,7 +3678,9 @@
         <p:sp>
           <p:nvSpPr>
             <p:cNvPr id="19" name="AutoShape 19"/>
-            <p:cNvSpPr/>
+            <p:cNvSpPr>
+              <a:spLocks noGrp="1" noRot="1" noMove="1" noResize="1" noEditPoints="1" noAdjustHandles="1" noChangeArrowheads="1" noChangeShapeType="1"/>
+            </p:cNvSpPr>
             <p:nvPr/>
           </p:nvSpPr>
           <p:spPr>
@@ -3651,13 +3702,18 @@
           </p:spPr>
           <p:txBody>
             <a:bodyPr/>
-            <a:p/>
+            <a:lstStyle/>
+            <a:p>
+              <a:endParaRPr/>
+            </a:p>
           </p:txBody>
         </p:sp>
         <p:sp>
           <p:nvSpPr>
             <p:cNvPr id="20" name="TextBox 20"/>
-            <p:cNvSpPr txBox="1"/>
+            <p:cNvSpPr txBox="1">
+              <a:spLocks noGrp="1" noRot="1" noMove="1" noResize="1" noEditPoints="1" noAdjustHandles="1" noChangeArrowheads="1" noChangeShapeType="1"/>
+            </p:cNvSpPr>
             <p:nvPr/>
           </p:nvSpPr>
           <p:spPr>
@@ -3717,7 +3773,9 @@
         <p:grpSp>
           <p:nvGrpSpPr>
             <p:cNvPr id="21" name="Group 21"/>
-            <p:cNvGrpSpPr/>
+            <p:cNvGrpSpPr>
+              <a:grpSpLocks noGrp="1" noUngrp="1" noRot="1" noMove="1" noResize="1"/>
+            </p:cNvGrpSpPr>
             <p:nvPr/>
           </p:nvGrpSpPr>
           <p:grpSpPr>
@@ -3731,7 +3789,9 @@
           <p:sp>
             <p:nvSpPr>
               <p:cNvPr id="22" name="Freeform 22"/>
-              <p:cNvSpPr/>
+              <p:cNvSpPr>
+                <a:spLocks noGrp="1" noRot="1" noMove="1" noResize="1" noEditPoints="1" noAdjustHandles="1" noChangeArrowheads="1" noChangeShapeType="1"/>
+              </p:cNvSpPr>
               <p:nvPr/>
             </p:nvSpPr>
             <p:spPr>
@@ -3780,13 +3840,18 @@
             </p:spPr>
             <p:txBody>
               <a:bodyPr/>
-              <a:p/>
+              <a:lstStyle/>
+              <a:p>
+                <a:endParaRPr/>
+              </a:p>
             </p:txBody>
           </p:sp>
           <p:sp>
             <p:nvSpPr>
               <p:cNvPr id="23" name="TextBox 23"/>
-              <p:cNvSpPr txBox="1"/>
+              <p:cNvSpPr txBox="1">
+                <a:spLocks noGrp="1" noRot="1" noMove="1" noResize="1" noEditPoints="1" noAdjustHandles="1" noChangeArrowheads="1" noChangeShapeType="1"/>
+              </p:cNvSpPr>
               <p:nvPr/>
             </p:nvSpPr>
             <p:spPr>
@@ -3815,7 +3880,9 @@
         <p:grpSp>
           <p:nvGrpSpPr>
             <p:cNvPr id="24" name="Group 24"/>
-            <p:cNvGrpSpPr/>
+            <p:cNvGrpSpPr>
+              <a:grpSpLocks noGrp="1" noUngrp="1" noRot="1" noMove="1" noResize="1"/>
+            </p:cNvGrpSpPr>
             <p:nvPr/>
           </p:nvGrpSpPr>
           <p:grpSpPr>
@@ -3829,7 +3896,9 @@
           <p:sp>
             <p:nvSpPr>
               <p:cNvPr id="25" name="Freeform 25"/>
-              <p:cNvSpPr/>
+              <p:cNvSpPr>
+                <a:spLocks noGrp="1" noRot="1" noMove="1" noResize="1" noEditPoints="1" noAdjustHandles="1" noChangeArrowheads="1" noChangeShapeType="1"/>
+              </p:cNvSpPr>
               <p:nvPr/>
             </p:nvSpPr>
             <p:spPr>
@@ -3878,13 +3947,18 @@
             </p:spPr>
             <p:txBody>
               <a:bodyPr/>
-              <a:p/>
+              <a:lstStyle/>
+              <a:p>
+                <a:endParaRPr/>
+              </a:p>
             </p:txBody>
           </p:sp>
           <p:sp>
             <p:nvSpPr>
               <p:cNvPr id="26" name="TextBox 26"/>
-              <p:cNvSpPr txBox="1"/>
+              <p:cNvSpPr txBox="1">
+                <a:spLocks noGrp="1" noRot="1" noMove="1" noResize="1" noEditPoints="1" noAdjustHandles="1" noChangeArrowheads="1" noChangeShapeType="1"/>
+              </p:cNvSpPr>
               <p:nvPr/>
             </p:nvSpPr>
             <p:spPr>
@@ -3913,7 +3987,9 @@
         <p:sp>
           <p:nvSpPr>
             <p:cNvPr id="27" name="AutoShape 27"/>
-            <p:cNvSpPr/>
+            <p:cNvSpPr>
+              <a:spLocks noGrp="1" noRot="1" noMove="1" noResize="1" noEditPoints="1" noAdjustHandles="1" noChangeArrowheads="1" noChangeShapeType="1"/>
+            </p:cNvSpPr>
             <p:nvPr/>
           </p:nvSpPr>
           <p:spPr>
@@ -3935,13 +4011,18 @@
           </p:spPr>
           <p:txBody>
             <a:bodyPr/>
-            <a:p/>
+            <a:lstStyle/>
+            <a:p>
+              <a:endParaRPr/>
+            </a:p>
           </p:txBody>
         </p:sp>
         <p:sp>
           <p:nvSpPr>
             <p:cNvPr id="28" name="AutoShape 28"/>
-            <p:cNvSpPr/>
+            <p:cNvSpPr>
+              <a:spLocks noGrp="1" noRot="1" noMove="1" noResize="1" noEditPoints="1" noAdjustHandles="1" noChangeArrowheads="1" noChangeShapeType="1"/>
+            </p:cNvSpPr>
             <p:nvPr/>
           </p:nvSpPr>
           <p:spPr>
@@ -3963,13 +4044,18 @@
           </p:spPr>
           <p:txBody>
             <a:bodyPr/>
-            <a:p/>
+            <a:lstStyle/>
+            <a:p>
+              <a:endParaRPr/>
+            </a:p>
           </p:txBody>
         </p:sp>
         <p:sp>
           <p:nvSpPr>
             <p:cNvPr id="29" name="TextBox 29"/>
-            <p:cNvSpPr txBox="1"/>
+            <p:cNvSpPr txBox="1">
+              <a:spLocks noGrp="1" noRot="1" noMove="1" noResize="1" noEditPoints="1" noAdjustHandles="1" noChangeArrowheads="1" noChangeShapeType="1"/>
+            </p:cNvSpPr>
             <p:nvPr/>
           </p:nvSpPr>
           <p:spPr>
@@ -4029,7 +4115,9 @@
         <p:sp>
           <p:nvSpPr>
             <p:cNvPr id="30" name="TextBox 30"/>
-            <p:cNvSpPr txBox="1"/>
+            <p:cNvSpPr txBox="1">
+              <a:spLocks noGrp="1" noRot="1" noMove="1" noResize="1" noEditPoints="1" noAdjustHandles="1" noChangeArrowheads="1" noChangeShapeType="1"/>
+            </p:cNvSpPr>
             <p:nvPr/>
           </p:nvSpPr>
           <p:spPr>
@@ -4090,7 +4178,9 @@
       <p:grpSp>
         <p:nvGrpSpPr>
           <p:cNvPr id="31" name="Group 31"/>
-          <p:cNvGrpSpPr/>
+          <p:cNvGrpSpPr>
+            <a:grpSpLocks noGrp="1" noUngrp="1" noRot="1" noMove="1" noResize="1"/>
+          </p:cNvGrpSpPr>
           <p:nvPr/>
         </p:nvGrpSpPr>
         <p:grpSpPr>
@@ -4104,7 +4194,9 @@
         <p:sp>
           <p:nvSpPr>
             <p:cNvPr id="32" name="Freeform 32"/>
-            <p:cNvSpPr/>
+            <p:cNvSpPr>
+              <a:spLocks noGrp="1" noRot="1" noMove="1" noResize="1" noEditPoints="1" noAdjustHandles="1" noChangeArrowheads="1" noChangeShapeType="1"/>
+            </p:cNvSpPr>
             <p:nvPr/>
           </p:nvSpPr>
           <p:spPr>
@@ -4153,13 +4245,18 @@
           </p:spPr>
           <p:txBody>
             <a:bodyPr/>
-            <a:p/>
+            <a:lstStyle/>
+            <a:p>
+              <a:endParaRPr/>
+            </a:p>
           </p:txBody>
         </p:sp>
         <p:sp>
           <p:nvSpPr>
             <p:cNvPr id="33" name="TextBox 33"/>
-            <p:cNvSpPr txBox="1"/>
+            <p:cNvSpPr txBox="1">
+              <a:spLocks noGrp="1" noRot="1" noMove="1" noResize="1" noEditPoints="1" noAdjustHandles="1" noChangeArrowheads="1" noChangeShapeType="1"/>
+            </p:cNvSpPr>
             <p:nvPr/>
           </p:nvSpPr>
           <p:spPr>
@@ -4188,7 +4285,9 @@
       <p:grpSp>
         <p:nvGrpSpPr>
           <p:cNvPr id="34" name="Group 34"/>
-          <p:cNvGrpSpPr/>
+          <p:cNvGrpSpPr>
+            <a:grpSpLocks noGrp="1" noUngrp="1" noRot="1" noMove="1" noResize="1"/>
+          </p:cNvGrpSpPr>
           <p:nvPr/>
         </p:nvGrpSpPr>
         <p:grpSpPr>
@@ -4202,7 +4301,9 @@
         <p:sp>
           <p:nvSpPr>
             <p:cNvPr id="35" name="Freeform 35"/>
-            <p:cNvSpPr/>
+            <p:cNvSpPr>
+              <a:spLocks noGrp="1" noRot="1" noMove="1" noResize="1" noEditPoints="1" noAdjustHandles="1" noChangeArrowheads="1" noChangeShapeType="1"/>
+            </p:cNvSpPr>
             <p:nvPr/>
           </p:nvSpPr>
           <p:spPr>
@@ -4251,13 +4352,18 @@
           </p:spPr>
           <p:txBody>
             <a:bodyPr/>
-            <a:p/>
+            <a:lstStyle/>
+            <a:p>
+              <a:endParaRPr/>
+            </a:p>
           </p:txBody>
         </p:sp>
         <p:sp>
           <p:nvSpPr>
             <p:cNvPr id="36" name="TextBox 36"/>
-            <p:cNvSpPr txBox="1"/>
+            <p:cNvSpPr txBox="1">
+              <a:spLocks noGrp="1" noRot="1" noMove="1" noResize="1" noEditPoints="1" noAdjustHandles="1" noChangeArrowheads="1" noChangeShapeType="1"/>
+            </p:cNvSpPr>
             <p:nvPr/>
           </p:nvSpPr>
           <p:spPr>
@@ -4286,7 +4392,9 @@
       <p:grpSp>
         <p:nvGrpSpPr>
           <p:cNvPr id="37" name="Group 37"/>
-          <p:cNvGrpSpPr/>
+          <p:cNvGrpSpPr>
+            <a:grpSpLocks noGrp="1" noUngrp="1" noRot="1" noMove="1" noResize="1"/>
+          </p:cNvGrpSpPr>
           <p:nvPr/>
         </p:nvGrpSpPr>
         <p:grpSpPr>
@@ -4300,7 +4408,9 @@
         <p:sp>
           <p:nvSpPr>
             <p:cNvPr id="38" name="Freeform 38"/>
-            <p:cNvSpPr/>
+            <p:cNvSpPr>
+              <a:spLocks noGrp="1" noRot="1" noMove="1" noResize="1" noEditPoints="1" noAdjustHandles="1" noChangeArrowheads="1" noChangeShapeType="1"/>
+            </p:cNvSpPr>
             <p:nvPr/>
           </p:nvSpPr>
           <p:spPr>
@@ -4349,13 +4459,18 @@
           </p:spPr>
           <p:txBody>
             <a:bodyPr/>
-            <a:p/>
+            <a:lstStyle/>
+            <a:p>
+              <a:endParaRPr/>
+            </a:p>
           </p:txBody>
         </p:sp>
         <p:sp>
           <p:nvSpPr>
             <p:cNvPr id="39" name="TextBox 39"/>
-            <p:cNvSpPr txBox="1"/>
+            <p:cNvSpPr txBox="1">
+              <a:spLocks noGrp="1" noRot="1" noMove="1" noResize="1" noEditPoints="1" noAdjustHandles="1" noChangeArrowheads="1" noChangeShapeType="1"/>
+            </p:cNvSpPr>
             <p:nvPr/>
           </p:nvSpPr>
           <p:spPr>
@@ -4384,7 +4499,9 @@
       <p:sp>
         <p:nvSpPr>
           <p:cNvPr id="40" name="AutoShape 40"/>
-          <p:cNvSpPr/>
+          <p:cNvSpPr>
+            <a:spLocks noGrp="1" noRot="1" noMove="1" noResize="1" noEditPoints="1" noAdjustHandles="1" noChangeArrowheads="1" noChangeShapeType="1"/>
+          </p:cNvSpPr>
           <p:nvPr/>
         </p:nvSpPr>
         <p:spPr>
@@ -4406,13 +4523,18 @@
         </p:spPr>
         <p:txBody>
           <a:bodyPr/>
-          <a:p/>
+          <a:lstStyle/>
+          <a:p>
+            <a:endParaRPr/>
+          </a:p>
         </p:txBody>
       </p:sp>
       <p:sp>
         <p:nvSpPr>
           <p:cNvPr id="41" name="AutoShape 41"/>
-          <p:cNvSpPr/>
+          <p:cNvSpPr>
+            <a:spLocks noGrp="1" noRot="1" noMove="1" noResize="1" noEditPoints="1" noAdjustHandles="1" noChangeArrowheads="1" noChangeShapeType="1"/>
+          </p:cNvSpPr>
           <p:nvPr/>
         </p:nvSpPr>
         <p:spPr>
@@ -4434,13 +4556,18 @@
         </p:spPr>
         <p:txBody>
           <a:bodyPr/>
-          <a:p/>
+          <a:lstStyle/>
+          <a:p>
+            <a:endParaRPr/>
+          </a:p>
         </p:txBody>
       </p:sp>
       <p:sp>
         <p:nvSpPr>
           <p:cNvPr id="42" name="AutoShape 42"/>
-          <p:cNvSpPr/>
+          <p:cNvSpPr>
+            <a:spLocks noGrp="1" noRot="1" noMove="1" noResize="1" noEditPoints="1" noAdjustHandles="1" noChangeArrowheads="1" noChangeShapeType="1"/>
+          </p:cNvSpPr>
           <p:nvPr/>
         </p:nvSpPr>
         <p:spPr>
@@ -4462,13 +4589,18 @@
         </p:spPr>
         <p:txBody>
           <a:bodyPr/>
-          <a:p/>
+          <a:lstStyle/>
+          <a:p>
+            <a:endParaRPr/>
+          </a:p>
         </p:txBody>
       </p:sp>
       <p:sp>
         <p:nvSpPr>
           <p:cNvPr id="43" name="TextBox 43"/>
-          <p:cNvSpPr txBox="1"/>
+          <p:cNvSpPr txBox="1">
+            <a:spLocks noGrp="1" noRot="1" noMove="1" noResize="1" noEditPoints="1" noAdjustHandles="1" noChangeArrowheads="1" noChangeShapeType="1"/>
+          </p:cNvSpPr>
           <p:nvPr/>
         </p:nvSpPr>
         <p:spPr>
@@ -4779,7 +4911,9 @@
       <p:sp>
         <p:nvSpPr>
           <p:cNvPr id="44" name="TextBox 44"/>
-          <p:cNvSpPr txBox="1"/>
+          <p:cNvSpPr txBox="1">
+            <a:spLocks noGrp="1" noRot="1" noMove="1" noResize="1" noEditPoints="1" noAdjustHandles="1" noChangeArrowheads="1" noChangeShapeType="1"/>
+          </p:cNvSpPr>
           <p:nvPr/>
         </p:nvSpPr>
         <p:spPr>
@@ -4984,7 +5118,9 @@
       <p:sp>
         <p:nvSpPr>
           <p:cNvPr id="45" name="TextBox 45"/>
-          <p:cNvSpPr txBox="1"/>
+          <p:cNvSpPr txBox="1">
+            <a:spLocks noGrp="1" noRot="1" noMove="1" noResize="1" noEditPoints="1" noAdjustHandles="1" noChangeArrowheads="1" noChangeShapeType="1"/>
+          </p:cNvSpPr>
           <p:nvPr/>
         </p:nvSpPr>
         <p:spPr>
@@ -5225,7 +5361,9 @@
       <p:sp>
         <p:nvSpPr>
           <p:cNvPr id="46" name="AutoShape 46"/>
-          <p:cNvSpPr/>
+          <p:cNvSpPr>
+            <a:spLocks noGrp="1" noRot="1" noMove="1" noResize="1" noEditPoints="1" noAdjustHandles="1" noChangeArrowheads="1" noChangeShapeType="1"/>
+          </p:cNvSpPr>
           <p:nvPr/>
         </p:nvSpPr>
         <p:spPr>
@@ -5247,13 +5385,18 @@
         </p:spPr>
         <p:txBody>
           <a:bodyPr/>
-          <a:p/>
+          <a:lstStyle/>
+          <a:p>
+            <a:endParaRPr/>
+          </a:p>
         </p:txBody>
       </p:sp>
       <p:grpSp>
         <p:nvGrpSpPr>
           <p:cNvPr id="47" name="Group 47"/>
-          <p:cNvGrpSpPr/>
+          <p:cNvGrpSpPr>
+            <a:grpSpLocks noGrp="1" noUngrp="1" noRot="1" noMove="1" noResize="1"/>
+          </p:cNvGrpSpPr>
           <p:nvPr/>
         </p:nvGrpSpPr>
         <p:grpSpPr>
@@ -5267,7 +5410,9 @@
         <p:sp>
           <p:nvSpPr>
             <p:cNvPr id="48" name="Freeform 48"/>
-            <p:cNvSpPr/>
+            <p:cNvSpPr>
+              <a:spLocks noGrp="1" noRot="1" noMove="1" noResize="1" noEditPoints="1" noAdjustHandles="1" noChangeArrowheads="1" noChangeShapeType="1"/>
+            </p:cNvSpPr>
             <p:nvPr/>
           </p:nvSpPr>
           <p:spPr>
@@ -5316,13 +5461,18 @@
           </p:spPr>
           <p:txBody>
             <a:bodyPr/>
-            <a:p/>
+            <a:lstStyle/>
+            <a:p>
+              <a:endParaRPr/>
+            </a:p>
           </p:txBody>
         </p:sp>
         <p:sp>
           <p:nvSpPr>
             <p:cNvPr id="49" name="TextBox 49"/>
-            <p:cNvSpPr txBox="1"/>
+            <p:cNvSpPr txBox="1">
+              <a:spLocks noGrp="1" noRot="1" noMove="1" noResize="1" noEditPoints="1" noAdjustHandles="1" noChangeArrowheads="1" noChangeShapeType="1"/>
+            </p:cNvSpPr>
             <p:nvPr/>
           </p:nvSpPr>
           <p:spPr>
@@ -5351,7 +5501,9 @@
       <p:grpSp>
         <p:nvGrpSpPr>
           <p:cNvPr id="50" name="Group 50"/>
-          <p:cNvGrpSpPr/>
+          <p:cNvGrpSpPr>
+            <a:grpSpLocks noGrp="1" noUngrp="1" noRot="1" noMove="1" noResize="1"/>
+          </p:cNvGrpSpPr>
           <p:nvPr/>
         </p:nvGrpSpPr>
         <p:grpSpPr>
@@ -5365,7 +5517,9 @@
         <p:sp>
           <p:nvSpPr>
             <p:cNvPr id="51" name="Freeform 51"/>
-            <p:cNvSpPr/>
+            <p:cNvSpPr>
+              <a:spLocks noGrp="1" noRot="1" noMove="1" noResize="1" noEditPoints="1" noAdjustHandles="1" noChangeArrowheads="1" noChangeShapeType="1"/>
+            </p:cNvSpPr>
             <p:nvPr/>
           </p:nvSpPr>
           <p:spPr>
@@ -5414,13 +5568,18 @@
           </p:spPr>
           <p:txBody>
             <a:bodyPr/>
-            <a:p/>
+            <a:lstStyle/>
+            <a:p>
+              <a:endParaRPr/>
+            </a:p>
           </p:txBody>
         </p:sp>
         <p:sp>
           <p:nvSpPr>
             <p:cNvPr id="52" name="TextBox 52"/>
-            <p:cNvSpPr txBox="1"/>
+            <p:cNvSpPr txBox="1">
+              <a:spLocks noGrp="1" noRot="1" noMove="1" noResize="1" noEditPoints="1" noAdjustHandles="1" noChangeArrowheads="1" noChangeShapeType="1"/>
+            </p:cNvSpPr>
             <p:nvPr/>
           </p:nvSpPr>
           <p:spPr>
@@ -5449,7 +5608,9 @@
       <p:grpSp>
         <p:nvGrpSpPr>
           <p:cNvPr id="53" name="Group 53"/>
-          <p:cNvGrpSpPr/>
+          <p:cNvGrpSpPr>
+            <a:grpSpLocks noGrp="1" noUngrp="1" noRot="1" noMove="1" noResize="1"/>
+          </p:cNvGrpSpPr>
           <p:nvPr/>
         </p:nvGrpSpPr>
         <p:grpSpPr>
@@ -5463,7 +5624,9 @@
         <p:sp>
           <p:nvSpPr>
             <p:cNvPr id="54" name="Freeform 54"/>
-            <p:cNvSpPr/>
+            <p:cNvSpPr>
+              <a:spLocks noGrp="1" noRot="1" noMove="1" noResize="1" noEditPoints="1" noAdjustHandles="1" noChangeArrowheads="1" noChangeShapeType="1"/>
+            </p:cNvSpPr>
             <p:nvPr/>
           </p:nvSpPr>
           <p:spPr>
@@ -5512,13 +5675,18 @@
           </p:spPr>
           <p:txBody>
             <a:bodyPr/>
-            <a:p/>
+            <a:lstStyle/>
+            <a:p>
+              <a:endParaRPr/>
+            </a:p>
           </p:txBody>
         </p:sp>
         <p:sp>
           <p:nvSpPr>
             <p:cNvPr id="55" name="TextBox 55"/>
-            <p:cNvSpPr txBox="1"/>
+            <p:cNvSpPr txBox="1">
+              <a:spLocks noGrp="1" noRot="1" noMove="1" noResize="1" noEditPoints="1" noAdjustHandles="1" noChangeArrowheads="1" noChangeShapeType="1"/>
+            </p:cNvSpPr>
             <p:nvPr/>
           </p:nvSpPr>
           <p:spPr>
@@ -5547,7 +5715,9 @@
       <p:grpSp>
         <p:nvGrpSpPr>
           <p:cNvPr id="56" name="Group 56"/>
-          <p:cNvGrpSpPr/>
+          <p:cNvGrpSpPr>
+            <a:grpSpLocks noGrp="1" noUngrp="1" noRot="1" noMove="1" noResize="1"/>
+          </p:cNvGrpSpPr>
           <p:nvPr/>
         </p:nvGrpSpPr>
         <p:grpSpPr>
@@ -5561,7 +5731,9 @@
         <p:sp>
           <p:nvSpPr>
             <p:cNvPr id="57" name="Freeform 57"/>
-            <p:cNvSpPr/>
+            <p:cNvSpPr>
+              <a:spLocks noGrp="1" noRot="1" noMove="1" noResize="1" noEditPoints="1" noAdjustHandles="1" noChangeArrowheads="1" noChangeShapeType="1"/>
+            </p:cNvSpPr>
             <p:nvPr/>
           </p:nvSpPr>
           <p:spPr>
@@ -5610,13 +5782,18 @@
           </p:spPr>
           <p:txBody>
             <a:bodyPr/>
-            <a:p/>
+            <a:lstStyle/>
+            <a:p>
+              <a:endParaRPr/>
+            </a:p>
           </p:txBody>
         </p:sp>
         <p:sp>
           <p:nvSpPr>
             <p:cNvPr id="58" name="TextBox 58"/>
-            <p:cNvSpPr txBox="1"/>
+            <p:cNvSpPr txBox="1">
+              <a:spLocks noGrp="1" noRot="1" noMove="1" noResize="1" noEditPoints="1" noAdjustHandles="1" noChangeArrowheads="1" noChangeShapeType="1"/>
+            </p:cNvSpPr>
             <p:nvPr/>
           </p:nvSpPr>
           <p:spPr>
@@ -5645,7 +5822,9 @@
       <p:sp>
         <p:nvSpPr>
           <p:cNvPr id="59" name="AutoShape 59"/>
-          <p:cNvSpPr/>
+          <p:cNvSpPr>
+            <a:spLocks noGrp="1" noRot="1" noMove="1" noResize="1" noEditPoints="1" noAdjustHandles="1" noChangeArrowheads="1" noChangeShapeType="1"/>
+          </p:cNvSpPr>
           <p:nvPr/>
         </p:nvSpPr>
         <p:spPr>
@@ -5667,13 +5846,18 @@
         </p:spPr>
         <p:txBody>
           <a:bodyPr/>
-          <a:p/>
+          <a:lstStyle/>
+          <a:p>
+            <a:endParaRPr/>
+          </a:p>
         </p:txBody>
       </p:sp>
       <p:sp>
         <p:nvSpPr>
           <p:cNvPr id="60" name="AutoShape 60"/>
-          <p:cNvSpPr/>
+          <p:cNvSpPr>
+            <a:spLocks noGrp="1" noRot="1" noMove="1" noResize="1" noEditPoints="1" noAdjustHandles="1" noChangeArrowheads="1" noChangeShapeType="1"/>
+          </p:cNvSpPr>
           <p:nvPr/>
         </p:nvSpPr>
         <p:spPr>
@@ -5695,13 +5879,18 @@
         </p:spPr>
         <p:txBody>
           <a:bodyPr/>
-          <a:p/>
+          <a:lstStyle/>
+          <a:p>
+            <a:endParaRPr/>
+          </a:p>
         </p:txBody>
       </p:sp>
       <p:sp>
         <p:nvSpPr>
           <p:cNvPr id="61" name="AutoShape 61"/>
-          <p:cNvSpPr/>
+          <p:cNvSpPr>
+            <a:spLocks noGrp="1" noRot="1" noMove="1" noResize="1" noEditPoints="1" noAdjustHandles="1" noChangeArrowheads="1" noChangeShapeType="1"/>
+          </p:cNvSpPr>
           <p:nvPr/>
         </p:nvSpPr>
         <p:spPr>
@@ -5723,13 +5912,18 @@
         </p:spPr>
         <p:txBody>
           <a:bodyPr/>
-          <a:p/>
+          <a:lstStyle/>
+          <a:p>
+            <a:endParaRPr/>
+          </a:p>
         </p:txBody>
       </p:sp>
       <p:sp>
         <p:nvSpPr>
           <p:cNvPr id="62" name="Freeform 62"/>
-          <p:cNvSpPr/>
+          <p:cNvSpPr>
+            <a:spLocks noGrp="1" noRot="1" noMove="1" noResize="1" noEditPoints="1" noAdjustHandles="1" noChangeArrowheads="1" noChangeShapeType="1"/>
+          </p:cNvSpPr>
           <p:nvPr/>
         </p:nvSpPr>
         <p:spPr>
@@ -5773,13 +5967,18 @@
         </p:spPr>
         <p:txBody>
           <a:bodyPr/>
-          <a:p/>
+          <a:lstStyle/>
+          <a:p>
+            <a:endParaRPr/>
+          </a:p>
         </p:txBody>
       </p:sp>
       <p:sp>
         <p:nvSpPr>
           <p:cNvPr id="63" name="Freeform 63"/>
-          <p:cNvSpPr/>
+          <p:cNvSpPr>
+            <a:spLocks noGrp="1" noRot="1" noMove="1" noResize="1" noEditPoints="1" noAdjustHandles="1" noChangeArrowheads="1" noChangeShapeType="1"/>
+          </p:cNvSpPr>
           <p:nvPr/>
         </p:nvSpPr>
         <p:spPr>
@@ -5823,13 +6022,18 @@
         </p:spPr>
         <p:txBody>
           <a:bodyPr/>
-          <a:p/>
+          <a:lstStyle/>
+          <a:p>
+            <a:endParaRPr/>
+          </a:p>
         </p:txBody>
       </p:sp>
       <p:sp>
         <p:nvSpPr>
           <p:cNvPr id="64" name="TextBox 64"/>
-          <p:cNvSpPr txBox="1"/>
+          <p:cNvSpPr txBox="1">
+            <a:spLocks noGrp="1" noRot="1" noMove="1" noResize="1" noEditPoints="1" noAdjustHandles="1" noChangeArrowheads="1" noChangeShapeType="1"/>
+          </p:cNvSpPr>
           <p:nvPr/>
         </p:nvSpPr>
         <p:spPr>
@@ -5889,7 +6093,9 @@
       <p:sp>
         <p:nvSpPr>
           <p:cNvPr id="65" name="TextBox 65"/>
-          <p:cNvSpPr txBox="1"/>
+          <p:cNvSpPr txBox="1">
+            <a:spLocks noGrp="1" noRot="1" noMove="1" noResize="1" noEditPoints="1" noAdjustHandles="1" noChangeArrowheads="1" noChangeShapeType="1"/>
+          </p:cNvSpPr>
           <p:nvPr/>
         </p:nvSpPr>
         <p:spPr>
@@ -6193,7 +6399,9 @@
       <p:sp>
         <p:nvSpPr>
           <p:cNvPr id="66" name="TextBox 66"/>
-          <p:cNvSpPr txBox="1"/>
+          <p:cNvSpPr txBox="1">
+            <a:spLocks noGrp="1" noRot="1" noMove="1" noResize="1" noEditPoints="1" noAdjustHandles="1" noChangeArrowheads="1" noChangeShapeType="1"/>
+          </p:cNvSpPr>
           <p:nvPr/>
         </p:nvSpPr>
         <p:spPr>
@@ -6401,7 +6609,9 @@
       <p:sp>
         <p:nvSpPr>
           <p:cNvPr id="67" name="TextBox 67"/>
-          <p:cNvSpPr txBox="1"/>
+          <p:cNvSpPr txBox="1">
+            <a:spLocks noGrp="1" noRot="1" noMove="1" noResize="1" noEditPoints="1" noAdjustHandles="1" noChangeArrowheads="1" noChangeShapeType="1"/>
+          </p:cNvSpPr>
           <p:nvPr/>
         </p:nvSpPr>
         <p:spPr>
@@ -6647,7 +6857,9 @@
       <p:sp>
         <p:nvSpPr>
           <p:cNvPr id="68" name="TextBox 68"/>
-          <p:cNvSpPr txBox="1"/>
+          <p:cNvSpPr txBox="1">
+            <a:spLocks noGrp="1" noRot="1" noMove="1" noResize="1" noEditPoints="1" noAdjustHandles="1" noChangeArrowheads="1" noChangeShapeType="1"/>
+          </p:cNvSpPr>
           <p:nvPr/>
         </p:nvSpPr>
         <p:spPr>
@@ -6688,7 +6900,9 @@
       <p:sp>
         <p:nvSpPr>
           <p:cNvPr id="69" name="TextBox 69"/>
-          <p:cNvSpPr txBox="1"/>
+          <p:cNvSpPr txBox="1">
+            <a:spLocks noGrp="1" noRot="1" noMove="1" noResize="1" noEditPoints="1" noAdjustHandles="1" noChangeArrowheads="1" noChangeShapeType="1"/>
+          </p:cNvSpPr>
           <p:nvPr/>
         </p:nvSpPr>
         <p:spPr>
@@ -7139,7 +7353,9 @@
       <p:sp>
         <p:nvSpPr>
           <p:cNvPr id="70" name="TextBox 70"/>
-          <p:cNvSpPr txBox="1"/>
+          <p:cNvSpPr txBox="1">
+            <a:spLocks noGrp="1" noRot="1" noMove="1" noResize="1" noEditPoints="1" noAdjustHandles="1" noChangeArrowheads="1" noChangeShapeType="1"/>
+          </p:cNvSpPr>
           <p:nvPr/>
         </p:nvSpPr>
         <p:spPr>
@@ -7180,7 +7396,9 @@
       <p:sp>
         <p:nvSpPr>
           <p:cNvPr id="71" name="TextBox 71"/>
-          <p:cNvSpPr txBox="1"/>
+          <p:cNvSpPr txBox="1">
+            <a:spLocks noGrp="1" noRot="1" noMove="1" noResize="1" noEditPoints="1" noAdjustHandles="1" noChangeArrowheads="1" noChangeShapeType="1"/>
+          </p:cNvSpPr>
           <p:nvPr/>
         </p:nvSpPr>
         <p:spPr>
@@ -7221,7 +7439,9 @@
       <p:sp>
         <p:nvSpPr>
           <p:cNvPr id="72" name="TextBox 72"/>
-          <p:cNvSpPr txBox="1"/>
+          <p:cNvSpPr txBox="1">
+            <a:spLocks noGrp="1" noRot="1" noMove="1" noResize="1" noEditPoints="1" noAdjustHandles="1" noChangeArrowheads="1" noChangeShapeType="1"/>
+          </p:cNvSpPr>
           <p:nvPr/>
         </p:nvSpPr>
         <p:spPr>
@@ -7377,7 +7597,10 @@
           </p:spPr>
           <p:txBody>
             <a:bodyPr/>
-            <a:p/>
+            <a:lstStyle/>
+            <a:p>
+              <a:endParaRPr/>
+            </a:p>
           </p:txBody>
         </p:sp>
         <p:grpSp>
@@ -7435,7 +7658,10 @@
             </p:spPr>
             <p:txBody>
               <a:bodyPr/>
-              <a:p/>
+              <a:lstStyle/>
+              <a:p>
+                <a:endParaRPr/>
+              </a:p>
             </p:txBody>
           </p:sp>
           <p:sp>
@@ -7492,14 +7718,19 @@
           </p:spPr>
           <p:txBody>
             <a:bodyPr/>
-            <a:p/>
+            <a:lstStyle/>
+            <a:p>
+              <a:endParaRPr/>
+            </a:p>
           </p:txBody>
         </p:sp>
       </p:grpSp>
       <p:grpSp>
         <p:nvGrpSpPr>
           <p:cNvPr id="8" name="Group 8"/>
-          <p:cNvGrpSpPr/>
+          <p:cNvGrpSpPr>
+            <a:grpSpLocks noGrp="1" noUngrp="1" noRot="1" noMove="1" noResize="1"/>
+          </p:cNvGrpSpPr>
           <p:nvPr/>
         </p:nvGrpSpPr>
         <p:grpSpPr>
@@ -7513,7 +7744,9 @@
         <p:sp>
           <p:nvSpPr>
             <p:cNvPr id="9" name="Freeform 9"/>
-            <p:cNvSpPr/>
+            <p:cNvSpPr>
+              <a:spLocks noGrp="1" noRot="1" noMove="1" noResize="1" noEditPoints="1" noAdjustHandles="1" noChangeArrowheads="1" noChangeShapeType="1"/>
+            </p:cNvSpPr>
             <p:nvPr/>
           </p:nvSpPr>
           <p:spPr>
@@ -7576,13 +7809,18 @@
           </p:spPr>
           <p:txBody>
             <a:bodyPr/>
-            <a:p/>
+            <a:lstStyle/>
+            <a:p>
+              <a:endParaRPr/>
+            </a:p>
           </p:txBody>
         </p:sp>
         <p:sp>
           <p:nvSpPr>
             <p:cNvPr id="10" name="TextBox 10"/>
-            <p:cNvSpPr txBox="1"/>
+            <p:cNvSpPr txBox="1">
+              <a:spLocks noGrp="1" noRot="1" noMove="1" noResize="1" noEditPoints="1" noAdjustHandles="1" noChangeArrowheads="1" noChangeShapeType="1"/>
+            </p:cNvSpPr>
             <p:nvPr/>
           </p:nvSpPr>
           <p:spPr>
@@ -7616,10 +7854,10 @@
         </p:nvGrpSpPr>
         <p:grpSpPr>
           <a:xfrm>
-            <a:off x="108000" y="1827439"/>
-            <a:ext cx="3437775" cy="3160475"/>
-            <a:chOff x="0" y="0"/>
-            <a:chExt cx="4583700" cy="4213966"/>
+            <a:off x="108000" y="1898877"/>
+            <a:ext cx="3437775" cy="2142431"/>
+            <a:chOff x="0" y="95250"/>
+            <a:chExt cx="4583700" cy="2856574"/>
           </a:xfrm>
         </p:grpSpPr>
         <p:grpSp>
@@ -7677,7 +7915,10 @@
             </p:spPr>
             <p:txBody>
               <a:bodyPr/>
-              <a:p/>
+              <a:lstStyle/>
+              <a:p>
+                <a:endParaRPr/>
+              </a:p>
             </p:txBody>
           </p:sp>
           <p:sp>
@@ -7764,7 +8005,10 @@
             </p:spPr>
             <p:txBody>
               <a:bodyPr/>
-              <a:p/>
+              <a:lstStyle/>
+              <a:p>
+                <a:endParaRPr/>
+              </a:p>
             </p:txBody>
           </p:sp>
           <p:sp>
@@ -7878,71 +8122,13 @@
             </a:p>
           </p:txBody>
         </p:sp>
-        <p:sp>
-          <p:nvSpPr>
-            <p:cNvPr id="20" name="TextBox 20"/>
-            <p:cNvSpPr txBox="1"/>
-            <p:nvPr/>
-          </p:nvSpPr>
-          <p:spPr>
-            <a:xfrm>
-              <a:off x="754013" y="3602699"/>
-              <a:ext cx="2950019" cy="611267"/>
-            </a:xfrm>
-            <a:prstGeom prst="rect">
-              <a:avLst/>
-            </a:prstGeom>
-          </p:spPr>
-          <p:txBody>
-            <a:bodyPr lIns="0" tIns="0" rIns="0" bIns="0" rtlCol="0" anchor="t">
-              <a:spAutoFit/>
-            </a:bodyPr>
-            <a:lstStyle/>
-            <a:p>
-              <a:pPr algn="ctr">
-                <a:lnSpc>
-                  <a:spcPts val="2038"/>
-                </a:lnSpc>
-              </a:pPr>
-              <a:r>
-                <a:rPr lang="en-US" sz="910">
-                  <a:solidFill>
-                    <a:srgbClr val="000000"/>
-                  </a:solidFill>
-                  <a:latin typeface="Circe"/>
-                  <a:ea typeface="Circe"/>
-                  <a:cs typeface="Circe"/>
-                  <a:sym typeface="Circe"/>
-                </a:rPr>
-                <a:t>Код безопасен и уникален — </a:t>
-              </a:r>
-            </a:p>
-            <a:p>
-              <a:pPr algn="ctr">
-                <a:lnSpc>
-                  <a:spcPts val="2038"/>
-                </a:lnSpc>
-              </a:pPr>
-              <a:r>
-                <a:rPr lang="en-US" sz="910">
-                  <a:solidFill>
-                    <a:srgbClr val="000000"/>
-                  </a:solidFill>
-                  <a:latin typeface="Circe"/>
-                  <a:ea typeface="Circe"/>
-                  <a:cs typeface="Circe"/>
-                  <a:sym typeface="Circe"/>
-                </a:rPr>
-                <a:t>действует только для вашего номера.</a:t>
-              </a:r>
-            </a:p>
-          </p:txBody>
-        </p:sp>
       </p:grpSp>
       <p:sp>
         <p:nvSpPr>
           <p:cNvPr id="21" name="Freeform 21"/>
-          <p:cNvSpPr/>
+          <p:cNvSpPr>
+            <a:spLocks noGrp="1" noRot="1" noMove="1" noResize="1" noEditPoints="1" noAdjustHandles="1" noChangeArrowheads="1" noChangeShapeType="1"/>
+          </p:cNvSpPr>
           <p:nvPr/>
         </p:nvSpPr>
         <p:spPr>
@@ -7986,13 +8172,18 @@
         </p:spPr>
         <p:txBody>
           <a:bodyPr/>
-          <a:p/>
+          <a:lstStyle/>
+          <a:p>
+            <a:endParaRPr/>
+          </a:p>
         </p:txBody>
       </p:sp>
       <p:sp>
         <p:nvSpPr>
           <p:cNvPr id="22" name="Freeform 22"/>
-          <p:cNvSpPr/>
+          <p:cNvSpPr>
+            <a:spLocks noGrp="1" noRot="1" noMove="1" noResize="1" noEditPoints="1" noAdjustHandles="1" noChangeArrowheads="1" noChangeShapeType="1"/>
+          </p:cNvSpPr>
           <p:nvPr/>
         </p:nvSpPr>
         <p:spPr>
@@ -8036,7 +8227,10 @@
         </p:spPr>
         <p:txBody>
           <a:bodyPr/>
-          <a:p/>
+          <a:lstStyle/>
+          <a:p>
+            <a:endParaRPr/>
+          </a:p>
         </p:txBody>
       </p:sp>
       <p:sp>
@@ -8082,38 +8276,6 @@
       </p:sp>
       <p:sp>
         <p:nvSpPr>
-          <p:cNvPr id="24" name="TextBox 24"/>
-          <p:cNvSpPr txBox="1"/>
-          <p:nvPr/>
-        </p:nvSpPr>
-        <p:spPr>
-          <a:xfrm>
-            <a:off x="4170785" y="492342"/>
-            <a:ext cx="2350430" cy="447402"/>
-          </a:xfrm>
-          <a:prstGeom prst="rect">
-            <a:avLst/>
-          </a:prstGeom>
-        </p:spPr>
-        <p:txBody>
-          <a:bodyPr lIns="0" tIns="0" rIns="0" bIns="0" rtlCol="0" anchor="t">
-            <a:spAutoFit/>
-          </a:bodyPr>
-          <a:lstStyle/>
-          <a:p>
-            <a:pPr algn="ctr">
-              <a:lnSpc>
-                <a:spcPts val="3350"/>
-              </a:lnSpc>
-            </a:pPr>
-            <a:r>
-              <a:t>{{PASSWORD}}</a:t>
-            </a:r>
-          </a:p>
-        </p:txBody>
-      </p:sp>
-      <p:sp>
-        <p:nvSpPr>
           <p:cNvPr id="25" name="TextBox 25"/>
           <p:cNvSpPr txBox="1"/>
           <p:nvPr/>
@@ -8191,7 +8353,9 @@
       <p:sp>
         <p:nvSpPr>
           <p:cNvPr id="26" name="TextBox 26"/>
-          <p:cNvSpPr txBox="1"/>
+          <p:cNvSpPr txBox="1">
+            <a:spLocks noGrp="1" noRot="1" noMove="1" noResize="1" noEditPoints="1" noAdjustHandles="1" noChangeArrowheads="1" noChangeShapeType="1"/>
+          </p:cNvSpPr>
           <p:nvPr/>
         </p:nvSpPr>
         <p:spPr>
@@ -8351,16 +8515,100 @@
               </a:lnSpc>
             </a:pPr>
             <a:r>
-              <a:rPr lang="en-US" sz="910">
-                <a:solidFill>
-                  <a:srgbClr val="000000"/>
-                </a:solidFill>
-                <a:latin typeface="Circe"/>
-                <a:ea typeface="Circe"/>
-                <a:cs typeface="Circe"/>
-                <a:sym typeface="Circe"/>
-              </a:rPr>
-              <a:t>Фирменные пижамы, свечи и сувениры —</a:t>
+              <a:rPr lang="en-US" sz="910" dirty="0" err="1">
+                <a:solidFill>
+                  <a:srgbClr val="000000"/>
+                </a:solidFill>
+                <a:latin typeface="Circe"/>
+                <a:ea typeface="Circe"/>
+                <a:cs typeface="Circe"/>
+                <a:sym typeface="Circe"/>
+              </a:rPr>
+              <a:t>Фирменные</a:t>
+            </a:r>
+            <a:r>
+              <a:rPr lang="en-US" sz="910" dirty="0">
+                <a:solidFill>
+                  <a:srgbClr val="000000"/>
+                </a:solidFill>
+                <a:latin typeface="Circe"/>
+                <a:ea typeface="Circe"/>
+                <a:cs typeface="Circe"/>
+                <a:sym typeface="Circe"/>
+              </a:rPr>
+              <a:t> </a:t>
+            </a:r>
+            <a:r>
+              <a:rPr lang="en-US" sz="910" dirty="0" err="1">
+                <a:solidFill>
+                  <a:srgbClr val="000000"/>
+                </a:solidFill>
+                <a:latin typeface="Circe"/>
+                <a:ea typeface="Circe"/>
+                <a:cs typeface="Circe"/>
+                <a:sym typeface="Circe"/>
+              </a:rPr>
+              <a:t>пижамы</a:t>
+            </a:r>
+            <a:r>
+              <a:rPr lang="en-US" sz="910" dirty="0">
+                <a:solidFill>
+                  <a:srgbClr val="000000"/>
+                </a:solidFill>
+                <a:latin typeface="Circe"/>
+                <a:ea typeface="Circe"/>
+                <a:cs typeface="Circe"/>
+                <a:sym typeface="Circe"/>
+              </a:rPr>
+              <a:t>, </a:t>
+            </a:r>
+            <a:r>
+              <a:rPr lang="en-US" sz="910" dirty="0" err="1">
+                <a:solidFill>
+                  <a:srgbClr val="000000"/>
+                </a:solidFill>
+                <a:latin typeface="Circe"/>
+                <a:ea typeface="Circe"/>
+                <a:cs typeface="Circe"/>
+                <a:sym typeface="Circe"/>
+              </a:rPr>
+              <a:t>свечи</a:t>
+            </a:r>
+            <a:r>
+              <a:rPr lang="en-US" sz="910" dirty="0">
+                <a:solidFill>
+                  <a:srgbClr val="000000"/>
+                </a:solidFill>
+                <a:latin typeface="Circe"/>
+                <a:ea typeface="Circe"/>
+                <a:cs typeface="Circe"/>
+                <a:sym typeface="Circe"/>
+              </a:rPr>
+              <a:t> и </a:t>
+            </a:r>
+            <a:r>
+              <a:rPr lang="en-US" sz="910" dirty="0" err="1">
+                <a:solidFill>
+                  <a:srgbClr val="000000"/>
+                </a:solidFill>
+                <a:latin typeface="Circe"/>
+                <a:ea typeface="Circe"/>
+                <a:cs typeface="Circe"/>
+                <a:sym typeface="Circe"/>
+              </a:rPr>
+              <a:t>сувениры</a:t>
+            </a:r>
+            <a:r>
+              <a:rPr lang="en-US" sz="910" dirty="0">
+                <a:solidFill>
+                  <a:srgbClr val="000000"/>
+                </a:solidFill>
+                <a:latin typeface="Circe"/>
+                <a:ea typeface="Circe"/>
+                <a:cs typeface="Circe"/>
+                <a:sym typeface="Circe"/>
+              </a:rPr>
+              <a:t> —</a:t>
             </a:r>
           </a:p>
           <a:p>
@@ -8370,16 +8618,136 @@
               </a:lnSpc>
             </a:pPr>
             <a:r>
-              <a:rPr lang="en-US" sz="910">
-                <a:solidFill>
-                  <a:srgbClr val="000000"/>
-                </a:solidFill>
-                <a:latin typeface="Circe"/>
-                <a:ea typeface="Circe"/>
-                <a:cs typeface="Circe"/>
-                <a:sym typeface="Circe"/>
-              </a:rPr>
-              <a:t> всё можно посмотреть на ресепшене или по QR</a:t>
+              <a:rPr lang="en-US" sz="910" dirty="0">
+                <a:solidFill>
+                  <a:srgbClr val="000000"/>
+                </a:solidFill>
+                <a:latin typeface="Circe"/>
+                <a:ea typeface="Circe"/>
+                <a:cs typeface="Circe"/>
+                <a:sym typeface="Circe"/>
+              </a:rPr>
+              <a:t> </a:t>
+            </a:r>
+            <a:r>
+              <a:rPr lang="en-US" sz="910" dirty="0" err="1">
+                <a:solidFill>
+                  <a:srgbClr val="000000"/>
+                </a:solidFill>
+                <a:latin typeface="Circe"/>
+                <a:ea typeface="Circe"/>
+                <a:cs typeface="Circe"/>
+                <a:sym typeface="Circe"/>
+              </a:rPr>
+              <a:t>всё</a:t>
+            </a:r>
+            <a:r>
+              <a:rPr lang="en-US" sz="910" dirty="0">
+                <a:solidFill>
+                  <a:srgbClr val="000000"/>
+                </a:solidFill>
+                <a:latin typeface="Circe"/>
+                <a:ea typeface="Circe"/>
+                <a:cs typeface="Circe"/>
+                <a:sym typeface="Circe"/>
+              </a:rPr>
+              <a:t> можно </a:t>
+            </a:r>
+            <a:r>
+              <a:rPr lang="en-US" sz="910" dirty="0" err="1">
+                <a:solidFill>
+                  <a:srgbClr val="000000"/>
+                </a:solidFill>
+                <a:latin typeface="Circe"/>
+                <a:ea typeface="Circe"/>
+                <a:cs typeface="Circe"/>
+                <a:sym typeface="Circe"/>
+              </a:rPr>
+              <a:t>посмотреть</a:t>
+            </a:r>
+            <a:r>
+              <a:rPr lang="en-US" sz="910" dirty="0">
+                <a:solidFill>
+                  <a:srgbClr val="000000"/>
+                </a:solidFill>
+                <a:latin typeface="Circe"/>
+                <a:ea typeface="Circe"/>
+                <a:cs typeface="Circe"/>
+                <a:sym typeface="Circe"/>
+              </a:rPr>
+              <a:t> </a:t>
+            </a:r>
+            <a:r>
+              <a:rPr lang="en-US" sz="910" dirty="0" err="1">
+                <a:solidFill>
+                  <a:srgbClr val="000000"/>
+                </a:solidFill>
+                <a:latin typeface="Circe"/>
+                <a:ea typeface="Circe"/>
+                <a:cs typeface="Circe"/>
+                <a:sym typeface="Circe"/>
+              </a:rPr>
+              <a:t>на</a:t>
+            </a:r>
+            <a:r>
+              <a:rPr lang="en-US" sz="910" dirty="0">
+                <a:solidFill>
+                  <a:srgbClr val="000000"/>
+                </a:solidFill>
+                <a:latin typeface="Circe"/>
+                <a:ea typeface="Circe"/>
+                <a:cs typeface="Circe"/>
+                <a:sym typeface="Circe"/>
+              </a:rPr>
+              <a:t> </a:t>
+            </a:r>
+            <a:r>
+              <a:rPr lang="en-US" sz="910" dirty="0" err="1">
+                <a:solidFill>
+                  <a:srgbClr val="000000"/>
+                </a:solidFill>
+                <a:latin typeface="Circe"/>
+                <a:ea typeface="Circe"/>
+                <a:cs typeface="Circe"/>
+                <a:sym typeface="Circe"/>
+              </a:rPr>
+              <a:t>ресепшене</a:t>
+            </a:r>
+            <a:r>
+              <a:rPr lang="en-US" sz="910" dirty="0">
+                <a:solidFill>
+                  <a:srgbClr val="000000"/>
+                </a:solidFill>
+                <a:latin typeface="Circe"/>
+                <a:ea typeface="Circe"/>
+                <a:cs typeface="Circe"/>
+                <a:sym typeface="Circe"/>
+              </a:rPr>
+              <a:t> </a:t>
+            </a:r>
+            <a:r>
+              <a:rPr lang="en-US" sz="910" dirty="0" err="1">
+                <a:solidFill>
+                  <a:srgbClr val="000000"/>
+                </a:solidFill>
+                <a:latin typeface="Circe"/>
+                <a:ea typeface="Circe"/>
+                <a:cs typeface="Circe"/>
+                <a:sym typeface="Circe"/>
+              </a:rPr>
+              <a:t>или</a:t>
+            </a:r>
+            <a:r>
+              <a:rPr lang="en-US" sz="910" dirty="0">
+                <a:solidFill>
+                  <a:srgbClr val="000000"/>
+                </a:solidFill>
+                <a:latin typeface="Circe"/>
+                <a:ea typeface="Circe"/>
+                <a:cs typeface="Circe"/>
+                <a:sym typeface="Circe"/>
+              </a:rPr>
+              <a:t> по QR</a:t>
             </a:r>
           </a:p>
         </p:txBody>
@@ -8387,7 +8755,9 @@
       <p:sp>
         <p:nvSpPr>
           <p:cNvPr id="29" name="TextBox 29"/>
-          <p:cNvSpPr txBox="1"/>
+          <p:cNvSpPr txBox="1">
+            <a:spLocks noGrp="1" noRot="1" noMove="1" noResize="1" noEditPoints="1" noAdjustHandles="1" noChangeArrowheads="1" noChangeShapeType="1"/>
+          </p:cNvSpPr>
           <p:nvPr/>
         </p:nvSpPr>
         <p:spPr>
@@ -8411,16 +8781,76 @@
               </a:lnSpc>
             </a:pPr>
             <a:r>
-              <a:rPr lang="en-US" sz="910">
-                <a:solidFill>
-                  <a:srgbClr val="000000"/>
-                </a:solidFill>
-                <a:latin typeface="Circe"/>
-                <a:ea typeface="Circe"/>
-                <a:cs typeface="Circe"/>
-                <a:sym typeface="Circe"/>
-              </a:rPr>
-              <a:t>Оставайтесь на связи с ARTSTUDIO</a:t>
+              <a:rPr lang="en-US" sz="910" dirty="0" err="1">
+                <a:solidFill>
+                  <a:srgbClr val="000000"/>
+                </a:solidFill>
+                <a:latin typeface="Circe"/>
+                <a:ea typeface="Circe"/>
+                <a:cs typeface="Circe"/>
+                <a:sym typeface="Circe"/>
+              </a:rPr>
+              <a:t>Оставайтесь</a:t>
+            </a:r>
+            <a:r>
+              <a:rPr lang="en-US" sz="910" dirty="0">
+                <a:solidFill>
+                  <a:srgbClr val="000000"/>
+                </a:solidFill>
+                <a:latin typeface="Circe"/>
+                <a:ea typeface="Circe"/>
+                <a:cs typeface="Circe"/>
+                <a:sym typeface="Circe"/>
+              </a:rPr>
+              <a:t> </a:t>
+            </a:r>
+            <a:r>
+              <a:rPr lang="en-US" sz="910" dirty="0" err="1">
+                <a:solidFill>
+                  <a:srgbClr val="000000"/>
+                </a:solidFill>
+                <a:latin typeface="Circe"/>
+                <a:ea typeface="Circe"/>
+                <a:cs typeface="Circe"/>
+                <a:sym typeface="Circe"/>
+              </a:rPr>
+              <a:t>на</a:t>
+            </a:r>
+            <a:r>
+              <a:rPr lang="en-US" sz="910" dirty="0">
+                <a:solidFill>
+                  <a:srgbClr val="000000"/>
+                </a:solidFill>
+                <a:latin typeface="Circe"/>
+                <a:ea typeface="Circe"/>
+                <a:cs typeface="Circe"/>
+                <a:sym typeface="Circe"/>
+              </a:rPr>
+              <a:t> </a:t>
+            </a:r>
+            <a:r>
+              <a:rPr lang="en-US" sz="910" dirty="0" err="1">
+                <a:solidFill>
+                  <a:srgbClr val="000000"/>
+                </a:solidFill>
+                <a:latin typeface="Circe"/>
+                <a:ea typeface="Circe"/>
+                <a:cs typeface="Circe"/>
+                <a:sym typeface="Circe"/>
+              </a:rPr>
+              <a:t>связи</a:t>
+            </a:r>
+            <a:r>
+              <a:rPr lang="en-US" sz="910" dirty="0">
+                <a:solidFill>
+                  <a:srgbClr val="000000"/>
+                </a:solidFill>
+                <a:latin typeface="Circe"/>
+                <a:ea typeface="Circe"/>
+                <a:cs typeface="Circe"/>
+                <a:sym typeface="Circe"/>
+              </a:rPr>
+              <a:t> с ARTSTUDIO</a:t>
             </a:r>
           </a:p>
           <a:p>
@@ -8430,16 +8860,112 @@
               </a:lnSpc>
             </a:pPr>
             <a:r>
-              <a:rPr lang="en-US" sz="910">
-                <a:solidFill>
-                  <a:srgbClr val="000000"/>
-                </a:solidFill>
-                <a:latin typeface="Circe"/>
-                <a:ea typeface="Circe"/>
-                <a:cs typeface="Circe"/>
-                <a:sym typeface="Circe"/>
-              </a:rPr>
-              <a:t> Контакты, соцсети, помощь — всё по QR</a:t>
+              <a:rPr lang="en-US" sz="910" dirty="0">
+                <a:solidFill>
+                  <a:srgbClr val="000000"/>
+                </a:solidFill>
+                <a:latin typeface="Circe"/>
+                <a:ea typeface="Circe"/>
+                <a:cs typeface="Circe"/>
+                <a:sym typeface="Circe"/>
+              </a:rPr>
+              <a:t> </a:t>
+            </a:r>
+            <a:r>
+              <a:rPr lang="en-US" sz="910" dirty="0" err="1">
+                <a:solidFill>
+                  <a:srgbClr val="000000"/>
+                </a:solidFill>
+                <a:latin typeface="Circe"/>
+                <a:ea typeface="Circe"/>
+                <a:cs typeface="Circe"/>
+                <a:sym typeface="Circe"/>
+              </a:rPr>
+              <a:t>Контакты</a:t>
+            </a:r>
+            <a:r>
+              <a:rPr lang="en-US" sz="910" dirty="0">
+                <a:solidFill>
+                  <a:srgbClr val="000000"/>
+                </a:solidFill>
+                <a:latin typeface="Circe"/>
+                <a:ea typeface="Circe"/>
+                <a:cs typeface="Circe"/>
+                <a:sym typeface="Circe"/>
+              </a:rPr>
+              <a:t>, </a:t>
+            </a:r>
+            <a:r>
+              <a:rPr lang="en-US" sz="910" dirty="0" err="1">
+                <a:solidFill>
+                  <a:srgbClr val="000000"/>
+                </a:solidFill>
+                <a:latin typeface="Circe"/>
+                <a:ea typeface="Circe"/>
+                <a:cs typeface="Circe"/>
+                <a:sym typeface="Circe"/>
+              </a:rPr>
+              <a:t>соцсети</a:t>
+            </a:r>
+            <a:r>
+              <a:rPr lang="en-US" sz="910" dirty="0">
+                <a:solidFill>
+                  <a:srgbClr val="000000"/>
+                </a:solidFill>
+                <a:latin typeface="Circe"/>
+                <a:ea typeface="Circe"/>
+                <a:cs typeface="Circe"/>
+                <a:sym typeface="Circe"/>
+              </a:rPr>
+              <a:t>, </a:t>
+            </a:r>
+            <a:r>
+              <a:rPr lang="en-US" sz="910" dirty="0" err="1">
+                <a:solidFill>
+                  <a:srgbClr val="000000"/>
+                </a:solidFill>
+                <a:latin typeface="Circe"/>
+                <a:ea typeface="Circe"/>
+                <a:cs typeface="Circe"/>
+                <a:sym typeface="Circe"/>
+              </a:rPr>
+              <a:t>помощь</a:t>
+            </a:r>
+            <a:r>
+              <a:rPr lang="en-US" sz="910" dirty="0">
+                <a:solidFill>
+                  <a:srgbClr val="000000"/>
+                </a:solidFill>
+                <a:latin typeface="Circe"/>
+                <a:ea typeface="Circe"/>
+                <a:cs typeface="Circe"/>
+                <a:sym typeface="Circe"/>
+              </a:rPr>
+              <a:t> — </a:t>
+            </a:r>
+            <a:r>
+              <a:rPr lang="en-US" sz="910" dirty="0" err="1">
+                <a:solidFill>
+                  <a:srgbClr val="000000"/>
+                </a:solidFill>
+                <a:latin typeface="Circe"/>
+                <a:ea typeface="Circe"/>
+                <a:cs typeface="Circe"/>
+                <a:sym typeface="Circe"/>
+              </a:rPr>
+              <a:t>всё</a:t>
+            </a:r>
+            <a:r>
+              <a:rPr lang="en-US" sz="910" dirty="0">
+                <a:solidFill>
+                  <a:srgbClr val="000000"/>
+                </a:solidFill>
+                <a:latin typeface="Circe"/>
+                <a:ea typeface="Circe"/>
+                <a:cs typeface="Circe"/>
+                <a:sym typeface="Circe"/>
+              </a:rPr>
+              <a:t> по QR</a:t>
             </a:r>
           </a:p>
         </p:txBody>
@@ -8447,7 +8973,9 @@
       <p:sp>
         <p:nvSpPr>
           <p:cNvPr id="30" name="Freeform 30"/>
-          <p:cNvSpPr/>
+          <p:cNvSpPr>
+            <a:spLocks noGrp="1" noRot="1" noMove="1" noResize="1" noEditPoints="1" noAdjustHandles="1" noChangeArrowheads="1" noChangeShapeType="1"/>
+          </p:cNvSpPr>
           <p:nvPr/>
         </p:nvSpPr>
         <p:spPr>
@@ -8491,18 +9019,66 @@
         </p:spPr>
         <p:txBody>
           <a:bodyPr/>
-          <a:p/>
+          <a:lstStyle/>
+          <a:p>
+            <a:endParaRPr/>
+          </a:p>
         </p:txBody>
       </p:sp>
       <p:sp>
         <p:nvSpPr>
-          <p:cNvPr id="31" name="TextBox 30"/>
+          <p:cNvPr id="34" name="TextBox 23">
+            <a:extLst>
+              <a:ext uri="{FF2B5EF4-FFF2-40B4-BE49-F238E27FC236}">
+                <a16:creationId xmlns:a16="http://schemas.microsoft.com/office/drawing/2014/main" id="{7A0A1435-2C4A-4101-4978-1E9B77CD33AA}"/>
+              </a:ext>
+            </a:extLst>
+          </p:cNvPr>
           <p:cNvSpPr txBox="1"/>
           <p:nvPr/>
         </p:nvSpPr>
         <p:spPr>
           <a:xfrm>
-            <a:off x="644114" y="4035116"/>
+            <a:off x="960067" y="3545464"/>
+            <a:ext cx="2350430" cy="447402"/>
+          </a:xfrm>
+          <a:prstGeom prst="rect">
+            <a:avLst/>
+          </a:prstGeom>
+        </p:spPr>
+        <p:txBody>
+          <a:bodyPr lIns="0" tIns="0" rIns="0" bIns="0" rtlCol="0" anchor="t">
+            <a:spAutoFit/>
+          </a:bodyPr>
+          <a:lstStyle/>
+          <a:p>
+            <a:pPr algn="ctr">
+              <a:lnSpc>
+                <a:spcPts val="3350"/>
+              </a:lnSpc>
+            </a:pPr>
+            <a:r>
+              <a:rPr dirty="0"/>
+              <a:t>{{PASSWORD}}</a:t>
+            </a:r>
+          </a:p>
+        </p:txBody>
+      </p:sp>
+      <p:sp>
+        <p:nvSpPr>
+          <p:cNvPr id="35" name="TextBox 34">
+            <a:extLst>
+              <a:ext uri="{FF2B5EF4-FFF2-40B4-BE49-F238E27FC236}">
+                <a16:creationId xmlns:a16="http://schemas.microsoft.com/office/drawing/2014/main" id="{0C58998C-0CA6-9063-7A28-63D6374BAC76}"/>
+              </a:ext>
+            </a:extLst>
+          </p:cNvPr>
+          <p:cNvSpPr txBox="1"/>
+          <p:nvPr/>
+        </p:nvSpPr>
+        <p:spPr>
+          <a:xfrm>
+            <a:off x="1021173" y="4879052"/>
             <a:ext cx="1150000" cy="1150000"/>
           </a:xfrm>
           <a:prstGeom prst="rect">
@@ -8517,7 +9093,182 @@
           <a:lstStyle/>
           <a:p>
             <a:r>
+              <a:rPr dirty="0"/>
               <a:t>{{QR_WIFI}}</a:t>
+            </a:r>
+          </a:p>
+        </p:txBody>
+      </p:sp>
+      <p:sp>
+        <p:nvSpPr>
+          <p:cNvPr id="36" name="TextBox 20">
+            <a:extLst>
+              <a:ext uri="{FF2B5EF4-FFF2-40B4-BE49-F238E27FC236}">
+                <a16:creationId xmlns:a16="http://schemas.microsoft.com/office/drawing/2014/main" id="{273FECF4-1F2B-96E4-4C9D-51AA7559EBA8}"/>
+              </a:ext>
+            </a:extLst>
+          </p:cNvPr>
+          <p:cNvSpPr txBox="1"/>
+          <p:nvPr/>
+        </p:nvSpPr>
+        <p:spPr>
+          <a:xfrm>
+            <a:off x="575886" y="4158791"/>
+            <a:ext cx="2212514" cy="483850"/>
+          </a:xfrm>
+          <a:prstGeom prst="rect">
+            <a:avLst/>
+          </a:prstGeom>
+        </p:spPr>
+        <p:txBody>
+          <a:bodyPr lIns="0" tIns="0" rIns="0" bIns="0" rtlCol="0" anchor="t">
+            <a:spAutoFit/>
+          </a:bodyPr>
+          <a:lstStyle/>
+          <a:p>
+            <a:pPr algn="ctr">
+              <a:lnSpc>
+                <a:spcPts val="2038"/>
+              </a:lnSpc>
+            </a:pPr>
+            <a:r>
+              <a:rPr lang="en-US" sz="910" dirty="0">
+                <a:solidFill>
+                  <a:srgbClr val="000000"/>
+                </a:solidFill>
+                <a:latin typeface="Circe"/>
+                <a:ea typeface="Circe"/>
+                <a:cs typeface="Circe"/>
+                <a:sym typeface="Circe"/>
+              </a:rPr>
+              <a:t>Код </a:t>
+            </a:r>
+            <a:r>
+              <a:rPr lang="en-US" sz="910" dirty="0" err="1">
+                <a:solidFill>
+                  <a:srgbClr val="000000"/>
+                </a:solidFill>
+                <a:latin typeface="Circe"/>
+                <a:ea typeface="Circe"/>
+                <a:cs typeface="Circe"/>
+                <a:sym typeface="Circe"/>
+              </a:rPr>
+              <a:t>безопасен</a:t>
+            </a:r>
+            <a:r>
+              <a:rPr lang="en-US" sz="910" dirty="0">
+                <a:solidFill>
+                  <a:srgbClr val="000000"/>
+                </a:solidFill>
+                <a:latin typeface="Circe"/>
+                <a:ea typeface="Circe"/>
+                <a:cs typeface="Circe"/>
+                <a:sym typeface="Circe"/>
+              </a:rPr>
+              <a:t> и </a:t>
+            </a:r>
+            <a:r>
+              <a:rPr lang="en-US" sz="910" dirty="0" err="1">
+                <a:solidFill>
+                  <a:srgbClr val="000000"/>
+                </a:solidFill>
+                <a:latin typeface="Circe"/>
+                <a:ea typeface="Circe"/>
+                <a:cs typeface="Circe"/>
+                <a:sym typeface="Circe"/>
+              </a:rPr>
+              <a:t>уникален</a:t>
+            </a:r>
+            <a:r>
+              <a:rPr lang="en-US" sz="910" dirty="0">
+                <a:solidFill>
+                  <a:srgbClr val="000000"/>
+                </a:solidFill>
+                <a:latin typeface="Circe"/>
+                <a:ea typeface="Circe"/>
+                <a:cs typeface="Circe"/>
+                <a:sym typeface="Circe"/>
+              </a:rPr>
+              <a:t> — </a:t>
+            </a:r>
+          </a:p>
+          <a:p>
+            <a:pPr algn="ctr">
+              <a:lnSpc>
+                <a:spcPts val="2038"/>
+              </a:lnSpc>
+            </a:pPr>
+            <a:r>
+              <a:rPr lang="en-US" sz="910" dirty="0" err="1">
+                <a:solidFill>
+                  <a:srgbClr val="000000"/>
+                </a:solidFill>
+                <a:latin typeface="Circe"/>
+                <a:ea typeface="Circe"/>
+                <a:cs typeface="Circe"/>
+                <a:sym typeface="Circe"/>
+              </a:rPr>
+              <a:t>действует</a:t>
+            </a:r>
+            <a:r>
+              <a:rPr lang="en-US" sz="910" dirty="0">
+                <a:solidFill>
+                  <a:srgbClr val="000000"/>
+                </a:solidFill>
+                <a:latin typeface="Circe"/>
+                <a:ea typeface="Circe"/>
+                <a:cs typeface="Circe"/>
+                <a:sym typeface="Circe"/>
+              </a:rPr>
+              <a:t> только для </a:t>
+            </a:r>
+            <a:r>
+              <a:rPr lang="en-US" sz="910" dirty="0" err="1">
+                <a:solidFill>
+                  <a:srgbClr val="000000"/>
+                </a:solidFill>
+                <a:latin typeface="Circe"/>
+                <a:ea typeface="Circe"/>
+                <a:cs typeface="Circe"/>
+                <a:sym typeface="Circe"/>
+              </a:rPr>
+              <a:t>вашего</a:t>
+            </a:r>
+            <a:r>
+              <a:rPr lang="en-US" sz="910" dirty="0">
+                <a:solidFill>
+                  <a:srgbClr val="000000"/>
+                </a:solidFill>
+                <a:latin typeface="Circe"/>
+                <a:ea typeface="Circe"/>
+                <a:cs typeface="Circe"/>
+                <a:sym typeface="Circe"/>
+              </a:rPr>
+              <a:t> </a:t>
+            </a:r>
+            <a:r>
+              <a:rPr lang="en-US" sz="910" dirty="0" err="1">
+                <a:solidFill>
+                  <a:srgbClr val="000000"/>
+                </a:solidFill>
+                <a:latin typeface="Circe"/>
+                <a:ea typeface="Circe"/>
+                <a:cs typeface="Circe"/>
+                <a:sym typeface="Circe"/>
+              </a:rPr>
+              <a:t>номера</a:t>
+            </a:r>
+            <a:r>
+              <a:rPr lang="en-US" sz="910" dirty="0">
+                <a:solidFill>
+                  <a:srgbClr val="000000"/>
+                </a:solidFill>
+                <a:latin typeface="Circe"/>
+                <a:ea typeface="Circe"/>
+                <a:cs typeface="Circe"/>
+                <a:sym typeface="Circe"/>
+              </a:rPr>
+              <a:t>..</a:t>
             </a:r>
           </a:p>
         </p:txBody>

--- a/api/templates/brochure_ru.pptx
+++ b/api/templates/brochure_ru.pptx
@@ -9039,8 +9039,8 @@
         </p:nvSpPr>
         <p:spPr>
           <a:xfrm>
-            <a:off x="960067" y="3545464"/>
-            <a:ext cx="2350430" cy="447402"/>
+            <a:off x="888976" y="3565121"/>
+            <a:ext cx="2350430" cy="396262"/>
           </a:xfrm>
           <a:prstGeom prst="rect">
             <a:avLst/>
@@ -9058,7 +9058,9 @@
               </a:lnSpc>
             </a:pPr>
             <a:r>
-              <a:rPr dirty="0"/>
+              <a:rPr dirty="0">
+                <a:latin typeface="Circe" panose="020B0502020203020203" pitchFamily="34" charset="-52"/>
+              </a:rPr>
               <a:t>{{PASSWORD}}</a:t>
             </a:r>
           </a:p>
@@ -9078,8 +9080,8 @@
         </p:nvSpPr>
         <p:spPr>
           <a:xfrm>
-            <a:off x="1021173" y="4879052"/>
-            <a:ext cx="1150000" cy="1150000"/>
+            <a:off x="1143198" y="4904003"/>
+            <a:ext cx="1307902" cy="369332"/>
           </a:xfrm>
           <a:prstGeom prst="rect">
             <a:avLst/>
@@ -9087,7 +9089,7 @@
           <a:noFill/>
         </p:spPr>
         <p:txBody>
-          <a:bodyPr wrap="none">
+          <a:bodyPr wrap="square">
             <a:spAutoFit/>
           </a:bodyPr>
           <a:lstStyle/>
@@ -9113,7 +9115,7 @@
         </p:nvSpPr>
         <p:spPr>
           <a:xfrm>
-            <a:off x="575886" y="4158791"/>
+            <a:off x="618768" y="4150805"/>
             <a:ext cx="2212514" cy="483850"/>
           </a:xfrm>
           <a:prstGeom prst="rect">

--- a/api/templates/brochure_ru.pptx
+++ b/api/templates/brochure_ru.pptx
@@ -4,29 +4,32 @@
   <p:sldMasterIdLst>
     <p:sldMasterId id="2147483648" r:id="rId1"/>
   </p:sldMasterIdLst>
+  <p:notesMasterIdLst>
+    <p:notesMasterId r:id="rId4"/>
+  </p:notesMasterIdLst>
   <p:sldIdLst>
     <p:sldId id="258" r:id="rId2"/>
     <p:sldId id="259" r:id="rId3"/>
   </p:sldIdLst>
-  <p:sldSz cx="10693400" cy="7556500"/>
-  <p:notesSz cx="6858000" cy="9144000"/>
+  <p:sldSz cx="9906000" cy="6858000" type="A4"/>
+  <p:notesSz cx="9144000" cy="6858000"/>
   <p:embeddedFontLst>
     <p:embeddedFont>
       <p:font typeface="Circe" panose="020B0502020203020203" pitchFamily="34" charset="-52"/>
-      <p:regular r:id="rId4"/>
+      <p:regular r:id="rId5"/>
     </p:embeddedFont>
     <p:embeddedFont>
       <p:font typeface="Circe Bold" panose="020B0602020203020203" pitchFamily="34" charset="-52"/>
-      <p:regular r:id="rId5"/>
-      <p:bold r:id="rId6"/>
+      <p:regular r:id="rId6"/>
+      <p:bold r:id="rId7"/>
     </p:embeddedFont>
   </p:embeddedFontLst>
   <p:defaultTextStyle>
     <a:defPPr>
       <a:defRPr lang="en-US"/>
     </a:defPPr>
-    <a:lvl1pPr marL="0" algn="l" defTabSz="914400" rtl="0" eaLnBrk="1" latinLnBrk="0" hangingPunct="1">
-      <a:defRPr sz="1800" kern="1200">
+    <a:lvl1pPr marL="0" algn="l" defTabSz="839876" rtl="0" eaLnBrk="1" latinLnBrk="0" hangingPunct="1">
+      <a:defRPr sz="1653" kern="1200">
         <a:solidFill>
           <a:schemeClr val="tx1"/>
         </a:solidFill>
@@ -35,8 +38,8 @@
         <a:cs typeface="+mn-cs"/>
       </a:defRPr>
     </a:lvl1pPr>
-    <a:lvl2pPr marL="457200" algn="l" defTabSz="914400" rtl="0" eaLnBrk="1" latinLnBrk="0" hangingPunct="1">
-      <a:defRPr sz="1800" kern="1200">
+    <a:lvl2pPr marL="419938" algn="l" defTabSz="839876" rtl="0" eaLnBrk="1" latinLnBrk="0" hangingPunct="1">
+      <a:defRPr sz="1653" kern="1200">
         <a:solidFill>
           <a:schemeClr val="tx1"/>
         </a:solidFill>
@@ -45,8 +48,8 @@
         <a:cs typeface="+mn-cs"/>
       </a:defRPr>
     </a:lvl2pPr>
-    <a:lvl3pPr marL="914400" algn="l" defTabSz="914400" rtl="0" eaLnBrk="1" latinLnBrk="0" hangingPunct="1">
-      <a:defRPr sz="1800" kern="1200">
+    <a:lvl3pPr marL="839876" algn="l" defTabSz="839876" rtl="0" eaLnBrk="1" latinLnBrk="0" hangingPunct="1">
+      <a:defRPr sz="1653" kern="1200">
         <a:solidFill>
           <a:schemeClr val="tx1"/>
         </a:solidFill>
@@ -55,8 +58,8 @@
         <a:cs typeface="+mn-cs"/>
       </a:defRPr>
     </a:lvl3pPr>
-    <a:lvl4pPr marL="1371600" algn="l" defTabSz="914400" rtl="0" eaLnBrk="1" latinLnBrk="0" hangingPunct="1">
-      <a:defRPr sz="1800" kern="1200">
+    <a:lvl4pPr marL="1259815" algn="l" defTabSz="839876" rtl="0" eaLnBrk="1" latinLnBrk="0" hangingPunct="1">
+      <a:defRPr sz="1653" kern="1200">
         <a:solidFill>
           <a:schemeClr val="tx1"/>
         </a:solidFill>
@@ -65,8 +68,8 @@
         <a:cs typeface="+mn-cs"/>
       </a:defRPr>
     </a:lvl4pPr>
-    <a:lvl5pPr marL="1828800" algn="l" defTabSz="914400" rtl="0" eaLnBrk="1" latinLnBrk="0" hangingPunct="1">
-      <a:defRPr sz="1800" kern="1200">
+    <a:lvl5pPr marL="1679753" algn="l" defTabSz="839876" rtl="0" eaLnBrk="1" latinLnBrk="0" hangingPunct="1">
+      <a:defRPr sz="1653" kern="1200">
         <a:solidFill>
           <a:schemeClr val="tx1"/>
         </a:solidFill>
@@ -75,8 +78,8 @@
         <a:cs typeface="+mn-cs"/>
       </a:defRPr>
     </a:lvl5pPr>
-    <a:lvl6pPr marL="2286000" algn="l" defTabSz="914400" rtl="0" eaLnBrk="1" latinLnBrk="0" hangingPunct="1">
-      <a:defRPr sz="1800" kern="1200">
+    <a:lvl6pPr marL="2099691" algn="l" defTabSz="839876" rtl="0" eaLnBrk="1" latinLnBrk="0" hangingPunct="1">
+      <a:defRPr sz="1653" kern="1200">
         <a:solidFill>
           <a:schemeClr val="tx1"/>
         </a:solidFill>
@@ -85,8 +88,8 @@
         <a:cs typeface="+mn-cs"/>
       </a:defRPr>
     </a:lvl6pPr>
-    <a:lvl7pPr marL="2743200" algn="l" defTabSz="914400" rtl="0" eaLnBrk="1" latinLnBrk="0" hangingPunct="1">
-      <a:defRPr sz="1800" kern="1200">
+    <a:lvl7pPr marL="2519629" algn="l" defTabSz="839876" rtl="0" eaLnBrk="1" latinLnBrk="0" hangingPunct="1">
+      <a:defRPr sz="1653" kern="1200">
         <a:solidFill>
           <a:schemeClr val="tx1"/>
         </a:solidFill>
@@ -95,8 +98,8 @@
         <a:cs typeface="+mn-cs"/>
       </a:defRPr>
     </a:lvl7pPr>
-    <a:lvl8pPr marL="3200400" algn="l" defTabSz="914400" rtl="0" eaLnBrk="1" latinLnBrk="0" hangingPunct="1">
-      <a:defRPr sz="1800" kern="1200">
+    <a:lvl8pPr marL="2939567" algn="l" defTabSz="839876" rtl="0" eaLnBrk="1" latinLnBrk="0" hangingPunct="1">
+      <a:defRPr sz="1653" kern="1200">
         <a:solidFill>
           <a:schemeClr val="tx1"/>
         </a:solidFill>
@@ -105,8 +108,8 @@
         <a:cs typeface="+mn-cs"/>
       </a:defRPr>
     </a:lvl8pPr>
-    <a:lvl9pPr marL="3657600" algn="l" defTabSz="914400" rtl="0" eaLnBrk="1" latinLnBrk="0" hangingPunct="1">
-      <a:defRPr sz="1800" kern="1200">
+    <a:lvl9pPr marL="3359506" algn="l" defTabSz="839876" rtl="0" eaLnBrk="1" latinLnBrk="0" hangingPunct="1">
+      <a:defRPr sz="1653" kern="1200">
         <a:solidFill>
           <a:schemeClr val="tx1"/>
         </a:solidFill>
@@ -119,12 +122,12 @@
   <p:extLst>
     <p:ext uri="{EFAFB233-063F-42B5-8137-9DF3F51BA10A}">
       <p15:sldGuideLst xmlns:p15="http://schemas.microsoft.com/office/powerpoint/2012/main">
-        <p15:guide id="1" orient="horz" pos="2160">
+        <p15:guide id="1" orient="horz" pos="1960" userDrawn="1">
           <p15:clr>
             <a:srgbClr val="A4A3A4"/>
           </p15:clr>
         </p15:guide>
-        <p15:guide id="2" pos="2880">
+        <p15:guide id="2" pos="2668" userDrawn="1">
           <p15:clr>
             <a:srgbClr val="A4A3A4"/>
           </p15:clr>
@@ -133,6 +136,355 @@
     </p:ext>
   </p:extLst>
 </p:presentation>
+</file>
+
+<file path=ppt/notesMasters/notesMaster1.xml><?xml version="1.0" encoding="utf-8"?>
+<p:notesMaster xmlns:a="http://schemas.openxmlformats.org/drawingml/2006/main" xmlns:r="http://schemas.openxmlformats.org/officeDocument/2006/relationships" xmlns:p="http://schemas.openxmlformats.org/presentationml/2006/main">
+  <p:cSld>
+    <p:bg>
+      <p:bgRef idx="1001">
+        <a:schemeClr val="bg1"/>
+      </p:bgRef>
+    </p:bg>
+    <p:spTree>
+      <p:nvGrpSpPr>
+        <p:cNvPr id="1" name=""/>
+        <p:cNvGrpSpPr/>
+        <p:nvPr/>
+      </p:nvGrpSpPr>
+      <p:grpSpPr>
+        <a:xfrm>
+          <a:off x="0" y="0"/>
+          <a:ext cx="0" cy="0"/>
+          <a:chOff x="0" y="0"/>
+          <a:chExt cx="0" cy="0"/>
+        </a:xfrm>
+      </p:grpSpPr>
+      <p:sp>
+        <p:nvSpPr>
+          <p:cNvPr id="2" name="Верхний колонтитул 1"/>
+          <p:cNvSpPr>
+            <a:spLocks noGrp="1"/>
+          </p:cNvSpPr>
+          <p:nvPr>
+            <p:ph type="hdr" sz="quarter"/>
+          </p:nvPr>
+        </p:nvSpPr>
+        <p:spPr>
+          <a:xfrm>
+            <a:off x="0" y="0"/>
+            <a:ext cx="3962400" cy="344091"/>
+          </a:xfrm>
+          <a:prstGeom prst="rect">
+            <a:avLst/>
+          </a:prstGeom>
+        </p:spPr>
+        <p:txBody>
+          <a:bodyPr vert="horz" lIns="91440" tIns="45720" rIns="91440" bIns="45720" rtlCol="0"/>
+          <a:lstStyle>
+            <a:lvl1pPr algn="l">
+              <a:defRPr sz="1200"/>
+            </a:lvl1pPr>
+          </a:lstStyle>
+          <a:p>
+            <a:endParaRPr lang="ru-RU"/>
+          </a:p>
+        </p:txBody>
+      </p:sp>
+      <p:sp>
+        <p:nvSpPr>
+          <p:cNvPr id="3" name="Дата 2"/>
+          <p:cNvSpPr>
+            <a:spLocks noGrp="1"/>
+          </p:cNvSpPr>
+          <p:nvPr>
+            <p:ph type="dt" idx="1"/>
+          </p:nvPr>
+        </p:nvSpPr>
+        <p:spPr>
+          <a:xfrm>
+            <a:off x="5179484" y="0"/>
+            <a:ext cx="3962400" cy="344091"/>
+          </a:xfrm>
+          <a:prstGeom prst="rect">
+            <a:avLst/>
+          </a:prstGeom>
+        </p:spPr>
+        <p:txBody>
+          <a:bodyPr vert="horz" lIns="91440" tIns="45720" rIns="91440" bIns="45720" rtlCol="0"/>
+          <a:lstStyle>
+            <a:lvl1pPr algn="r">
+              <a:defRPr sz="1200"/>
+            </a:lvl1pPr>
+          </a:lstStyle>
+          <a:p>
+            <a:fld id="{A9DBA436-FE9E-413B-8597-292C6F6EB6EC}" type="datetimeFigureOut">
+              <a:rPr lang="ru-RU" smtClean="0"/>
+              <a:t>02.02.2026</a:t>
+            </a:fld>
+            <a:endParaRPr lang="ru-RU"/>
+          </a:p>
+        </p:txBody>
+      </p:sp>
+      <p:sp>
+        <p:nvSpPr>
+          <p:cNvPr id="4" name="Образ слайда 3"/>
+          <p:cNvSpPr>
+            <a:spLocks noGrp="1" noRot="1" noChangeAspect="1"/>
+          </p:cNvSpPr>
+          <p:nvPr>
+            <p:ph type="sldImg" idx="2"/>
+          </p:nvPr>
+        </p:nvSpPr>
+        <p:spPr>
+          <a:xfrm>
+            <a:off x="2900363" y="857250"/>
+            <a:ext cx="3343275" cy="2314575"/>
+          </a:xfrm>
+          <a:prstGeom prst="rect">
+            <a:avLst/>
+          </a:prstGeom>
+          <a:noFill/>
+          <a:ln w="12700">
+            <a:solidFill>
+              <a:prstClr val="black"/>
+            </a:solidFill>
+          </a:ln>
+        </p:spPr>
+        <p:txBody>
+          <a:bodyPr vert="horz" lIns="91440" tIns="45720" rIns="91440" bIns="45720" rtlCol="0" anchor="ctr"/>
+          <a:lstStyle/>
+          <a:p>
+            <a:endParaRPr lang="ru-RU"/>
+          </a:p>
+        </p:txBody>
+      </p:sp>
+      <p:sp>
+        <p:nvSpPr>
+          <p:cNvPr id="5" name="Заметки 4"/>
+          <p:cNvSpPr>
+            <a:spLocks noGrp="1"/>
+          </p:cNvSpPr>
+          <p:nvPr>
+            <p:ph type="body" sz="quarter" idx="3"/>
+          </p:nvPr>
+        </p:nvSpPr>
+        <p:spPr>
+          <a:xfrm>
+            <a:off x="914400" y="3300412"/>
+            <a:ext cx="7315200" cy="2700338"/>
+          </a:xfrm>
+          <a:prstGeom prst="rect">
+            <a:avLst/>
+          </a:prstGeom>
+        </p:spPr>
+        <p:txBody>
+          <a:bodyPr vert="horz" lIns="91440" tIns="45720" rIns="91440" bIns="45720" rtlCol="0"/>
+          <a:lstStyle/>
+          <a:p>
+            <a:pPr lvl="0"/>
+            <a:r>
+              <a:rPr lang="ru-RU"/>
+              <a:t>Образец текста</a:t>
+            </a:r>
+          </a:p>
+          <a:p>
+            <a:pPr lvl="1"/>
+            <a:r>
+              <a:rPr lang="ru-RU"/>
+              <a:t>Второй уровень</a:t>
+            </a:r>
+          </a:p>
+          <a:p>
+            <a:pPr lvl="2"/>
+            <a:r>
+              <a:rPr lang="ru-RU"/>
+              <a:t>Третий уровень</a:t>
+            </a:r>
+          </a:p>
+          <a:p>
+            <a:pPr lvl="3"/>
+            <a:r>
+              <a:rPr lang="ru-RU"/>
+              <a:t>Четвертый уровень</a:t>
+            </a:r>
+          </a:p>
+          <a:p>
+            <a:pPr lvl="4"/>
+            <a:r>
+              <a:rPr lang="ru-RU"/>
+              <a:t>Пятый уровень</a:t>
+            </a:r>
+          </a:p>
+        </p:txBody>
+      </p:sp>
+      <p:sp>
+        <p:nvSpPr>
+          <p:cNvPr id="6" name="Нижний колонтитул 5"/>
+          <p:cNvSpPr>
+            <a:spLocks noGrp="1"/>
+          </p:cNvSpPr>
+          <p:nvPr>
+            <p:ph type="ftr" sz="quarter" idx="4"/>
+          </p:nvPr>
+        </p:nvSpPr>
+        <p:spPr>
+          <a:xfrm>
+            <a:off x="0" y="6513910"/>
+            <a:ext cx="3962400" cy="344090"/>
+          </a:xfrm>
+          <a:prstGeom prst="rect">
+            <a:avLst/>
+          </a:prstGeom>
+        </p:spPr>
+        <p:txBody>
+          <a:bodyPr vert="horz" lIns="91440" tIns="45720" rIns="91440" bIns="45720" rtlCol="0" anchor="b"/>
+          <a:lstStyle>
+            <a:lvl1pPr algn="l">
+              <a:defRPr sz="1200"/>
+            </a:lvl1pPr>
+          </a:lstStyle>
+          <a:p>
+            <a:endParaRPr lang="ru-RU"/>
+          </a:p>
+        </p:txBody>
+      </p:sp>
+      <p:sp>
+        <p:nvSpPr>
+          <p:cNvPr id="7" name="Номер слайда 6"/>
+          <p:cNvSpPr>
+            <a:spLocks noGrp="1"/>
+          </p:cNvSpPr>
+          <p:nvPr>
+            <p:ph type="sldNum" sz="quarter" idx="5"/>
+          </p:nvPr>
+        </p:nvSpPr>
+        <p:spPr>
+          <a:xfrm>
+            <a:off x="5179484" y="6513910"/>
+            <a:ext cx="3962400" cy="344090"/>
+          </a:xfrm>
+          <a:prstGeom prst="rect">
+            <a:avLst/>
+          </a:prstGeom>
+        </p:spPr>
+        <p:txBody>
+          <a:bodyPr vert="horz" lIns="91440" tIns="45720" rIns="91440" bIns="45720" rtlCol="0" anchor="b"/>
+          <a:lstStyle>
+            <a:lvl1pPr algn="r">
+              <a:defRPr sz="1200"/>
+            </a:lvl1pPr>
+          </a:lstStyle>
+          <a:p>
+            <a:fld id="{2232AD27-D838-416A-BE6A-297BD9691216}" type="slidenum">
+              <a:rPr lang="ru-RU" smtClean="0"/>
+              <a:t>‹#›</a:t>
+            </a:fld>
+            <a:endParaRPr lang="ru-RU"/>
+          </a:p>
+        </p:txBody>
+      </p:sp>
+    </p:spTree>
+    <p:extLst>
+      <p:ext uri="{BB962C8B-B14F-4D97-AF65-F5344CB8AC3E}">
+        <p14:creationId xmlns:p14="http://schemas.microsoft.com/office/powerpoint/2010/main" val="3475294194"/>
+      </p:ext>
+    </p:extLst>
+  </p:cSld>
+  <p:clrMap bg1="lt1" tx1="dk1" bg2="lt2" tx2="dk2" accent1="accent1" accent2="accent2" accent3="accent3" accent4="accent4" accent5="accent5" accent6="accent6" hlink="hlink" folHlink="folHlink"/>
+  <p:notesStyle>
+    <a:lvl1pPr marL="0" algn="l" defTabSz="839876" rtl="0" eaLnBrk="1" latinLnBrk="0" hangingPunct="1">
+      <a:defRPr sz="1102" kern="1200">
+        <a:solidFill>
+          <a:schemeClr val="tx1"/>
+        </a:solidFill>
+        <a:latin typeface="+mn-lt"/>
+        <a:ea typeface="+mn-ea"/>
+        <a:cs typeface="+mn-cs"/>
+      </a:defRPr>
+    </a:lvl1pPr>
+    <a:lvl2pPr marL="419938" algn="l" defTabSz="839876" rtl="0" eaLnBrk="1" latinLnBrk="0" hangingPunct="1">
+      <a:defRPr sz="1102" kern="1200">
+        <a:solidFill>
+          <a:schemeClr val="tx1"/>
+        </a:solidFill>
+        <a:latin typeface="+mn-lt"/>
+        <a:ea typeface="+mn-ea"/>
+        <a:cs typeface="+mn-cs"/>
+      </a:defRPr>
+    </a:lvl2pPr>
+    <a:lvl3pPr marL="839876" algn="l" defTabSz="839876" rtl="0" eaLnBrk="1" latinLnBrk="0" hangingPunct="1">
+      <a:defRPr sz="1102" kern="1200">
+        <a:solidFill>
+          <a:schemeClr val="tx1"/>
+        </a:solidFill>
+        <a:latin typeface="+mn-lt"/>
+        <a:ea typeface="+mn-ea"/>
+        <a:cs typeface="+mn-cs"/>
+      </a:defRPr>
+    </a:lvl3pPr>
+    <a:lvl4pPr marL="1259815" algn="l" defTabSz="839876" rtl="0" eaLnBrk="1" latinLnBrk="0" hangingPunct="1">
+      <a:defRPr sz="1102" kern="1200">
+        <a:solidFill>
+          <a:schemeClr val="tx1"/>
+        </a:solidFill>
+        <a:latin typeface="+mn-lt"/>
+        <a:ea typeface="+mn-ea"/>
+        <a:cs typeface="+mn-cs"/>
+      </a:defRPr>
+    </a:lvl4pPr>
+    <a:lvl5pPr marL="1679753" algn="l" defTabSz="839876" rtl="0" eaLnBrk="1" latinLnBrk="0" hangingPunct="1">
+      <a:defRPr sz="1102" kern="1200">
+        <a:solidFill>
+          <a:schemeClr val="tx1"/>
+        </a:solidFill>
+        <a:latin typeface="+mn-lt"/>
+        <a:ea typeface="+mn-ea"/>
+        <a:cs typeface="+mn-cs"/>
+      </a:defRPr>
+    </a:lvl5pPr>
+    <a:lvl6pPr marL="2099691" algn="l" defTabSz="839876" rtl="0" eaLnBrk="1" latinLnBrk="0" hangingPunct="1">
+      <a:defRPr sz="1102" kern="1200">
+        <a:solidFill>
+          <a:schemeClr val="tx1"/>
+        </a:solidFill>
+        <a:latin typeface="+mn-lt"/>
+        <a:ea typeface="+mn-ea"/>
+        <a:cs typeface="+mn-cs"/>
+      </a:defRPr>
+    </a:lvl6pPr>
+    <a:lvl7pPr marL="2519629" algn="l" defTabSz="839876" rtl="0" eaLnBrk="1" latinLnBrk="0" hangingPunct="1">
+      <a:defRPr sz="1102" kern="1200">
+        <a:solidFill>
+          <a:schemeClr val="tx1"/>
+        </a:solidFill>
+        <a:latin typeface="+mn-lt"/>
+        <a:ea typeface="+mn-ea"/>
+        <a:cs typeface="+mn-cs"/>
+      </a:defRPr>
+    </a:lvl7pPr>
+    <a:lvl8pPr marL="2939567" algn="l" defTabSz="839876" rtl="0" eaLnBrk="1" latinLnBrk="0" hangingPunct="1">
+      <a:defRPr sz="1102" kern="1200">
+        <a:solidFill>
+          <a:schemeClr val="tx1"/>
+        </a:solidFill>
+        <a:latin typeface="+mn-lt"/>
+        <a:ea typeface="+mn-ea"/>
+        <a:cs typeface="+mn-cs"/>
+      </a:defRPr>
+    </a:lvl8pPr>
+    <a:lvl9pPr marL="3359506" algn="l" defTabSz="839876" rtl="0" eaLnBrk="1" latinLnBrk="0" hangingPunct="1">
+      <a:defRPr sz="1102" kern="1200">
+        <a:solidFill>
+          <a:schemeClr val="tx1"/>
+        </a:solidFill>
+        <a:latin typeface="+mn-lt"/>
+        <a:ea typeface="+mn-ea"/>
+        <a:cs typeface="+mn-cs"/>
+      </a:defRPr>
+    </a:lvl9pPr>
+  </p:notesStyle>
+</p:notesMaster>
 </file>
 
 <file path=ppt/slideLayouts/slideLayout1.xml><?xml version="1.0" encoding="utf-8"?>
@@ -164,8 +516,8 @@
         </p:nvSpPr>
         <p:spPr>
           <a:xfrm>
-            <a:off x="685800" y="2130425"/>
-            <a:ext cx="7772400" cy="1470025"/>
+            <a:off x="635301" y="1933496"/>
+            <a:ext cx="7200086" cy="1334140"/>
           </a:xfrm>
         </p:spPr>
         <p:txBody>
@@ -191,8 +543,8 @@
         </p:nvSpPr>
         <p:spPr>
           <a:xfrm>
-            <a:off x="1371600" y="3886200"/>
-            <a:ext cx="6400800" cy="1752600"/>
+            <a:off x="1270603" y="3526971"/>
+            <a:ext cx="5929482" cy="1590595"/>
           </a:xfrm>
         </p:spPr>
         <p:txBody>
@@ -208,7 +560,7 @@
                 </a:solidFill>
               </a:defRPr>
             </a:lvl1pPr>
-            <a:lvl2pPr marL="457200" indent="0" algn="ctr">
+            <a:lvl2pPr marL="414955" indent="0" algn="ctr">
               <a:buNone/>
               <a:defRPr>
                 <a:solidFill>
@@ -218,7 +570,7 @@
                 </a:solidFill>
               </a:defRPr>
             </a:lvl2pPr>
-            <a:lvl3pPr marL="914400" indent="0" algn="ctr">
+            <a:lvl3pPr marL="829909" indent="0" algn="ctr">
               <a:buNone/>
               <a:defRPr>
                 <a:solidFill>
@@ -228,7 +580,7 @@
                 </a:solidFill>
               </a:defRPr>
             </a:lvl3pPr>
-            <a:lvl4pPr marL="1371600" indent="0" algn="ctr">
+            <a:lvl4pPr marL="1244864" indent="0" algn="ctr">
               <a:buNone/>
               <a:defRPr>
                 <a:solidFill>
@@ -238,7 +590,7 @@
                 </a:solidFill>
               </a:defRPr>
             </a:lvl4pPr>
-            <a:lvl5pPr marL="1828800" indent="0" algn="ctr">
+            <a:lvl5pPr marL="1659819" indent="0" algn="ctr">
               <a:buNone/>
               <a:defRPr>
                 <a:solidFill>
@@ -248,7 +600,7 @@
                 </a:solidFill>
               </a:defRPr>
             </a:lvl5pPr>
-            <a:lvl6pPr marL="2286000" indent="0" algn="ctr">
+            <a:lvl6pPr marL="2074774" indent="0" algn="ctr">
               <a:buNone/>
               <a:defRPr>
                 <a:solidFill>
@@ -258,7 +610,7 @@
                 </a:solidFill>
               </a:defRPr>
             </a:lvl6pPr>
-            <a:lvl7pPr marL="2743200" indent="0" algn="ctr">
+            <a:lvl7pPr marL="2489728" indent="0" algn="ctr">
               <a:buNone/>
               <a:defRPr>
                 <a:solidFill>
@@ -268,7 +620,7 @@
                 </a:solidFill>
               </a:defRPr>
             </a:lvl7pPr>
-            <a:lvl8pPr marL="3200400" indent="0" algn="ctr">
+            <a:lvl8pPr marL="2904683" indent="0" algn="ctr">
               <a:buNone/>
               <a:defRPr>
                 <a:solidFill>
@@ -278,7 +630,7 @@
                 </a:solidFill>
               </a:defRPr>
             </a:lvl8pPr>
-            <a:lvl9pPr marL="3657600" indent="0" algn="ctr">
+            <a:lvl9pPr marL="3319638" indent="0" algn="ctr">
               <a:buNone/>
               <a:defRPr>
                 <a:solidFill>
@@ -566,8 +918,8 @@
         </p:nvSpPr>
         <p:spPr>
           <a:xfrm>
-            <a:off x="6629400" y="274638"/>
-            <a:ext cx="2057400" cy="5851525"/>
+            <a:off x="6141249" y="249252"/>
+            <a:ext cx="1905905" cy="5310628"/>
           </a:xfrm>
         </p:spPr>
         <p:txBody>
@@ -593,8 +945,8 @@
         </p:nvSpPr>
         <p:spPr>
           <a:xfrm>
-            <a:off x="457200" y="274638"/>
-            <a:ext cx="6019800" cy="5851525"/>
+            <a:off x="423534" y="249252"/>
+            <a:ext cx="5576537" cy="5310628"/>
           </a:xfrm>
         </p:spPr>
         <p:txBody>
@@ -906,15 +1258,15 @@
         </p:nvSpPr>
         <p:spPr>
           <a:xfrm>
-            <a:off x="722313" y="4406900"/>
-            <a:ext cx="7772400" cy="1362075"/>
+            <a:off x="669126" y="3999540"/>
+            <a:ext cx="7200086" cy="1236169"/>
           </a:xfrm>
         </p:spPr>
         <p:txBody>
           <a:bodyPr anchor="t"/>
           <a:lstStyle>
             <a:lvl1pPr algn="l">
-              <a:defRPr sz="4000" b="1" cap="all"/>
+              <a:defRPr sz="3630" b="1" cap="all"/>
             </a:lvl1pPr>
           </a:lstStyle>
           <a:p>
@@ -937,8 +1289,8 @@
         </p:nvSpPr>
         <p:spPr>
           <a:xfrm>
-            <a:off x="722313" y="2906713"/>
-            <a:ext cx="7772400" cy="1500187"/>
+            <a:off x="669126" y="2638026"/>
+            <a:ext cx="7200086" cy="1361514"/>
           </a:xfrm>
         </p:spPr>
         <p:txBody>
@@ -946,7 +1298,7 @@
           <a:lstStyle>
             <a:lvl1pPr marL="0" indent="0">
               <a:buNone/>
-              <a:defRPr sz="2000">
+              <a:defRPr sz="1815">
                 <a:solidFill>
                   <a:schemeClr val="tx1">
                     <a:tint val="75000"/>
@@ -954,9 +1306,9 @@
                 </a:solidFill>
               </a:defRPr>
             </a:lvl1pPr>
-            <a:lvl2pPr marL="457200" indent="0">
+            <a:lvl2pPr marL="414955" indent="0">
               <a:buNone/>
-              <a:defRPr sz="1800">
+              <a:defRPr sz="1634">
                 <a:solidFill>
                   <a:schemeClr val="tx1">
                     <a:tint val="75000"/>
@@ -964,9 +1316,9 @@
                 </a:solidFill>
               </a:defRPr>
             </a:lvl2pPr>
-            <a:lvl3pPr marL="914400" indent="0">
+            <a:lvl3pPr marL="829909" indent="0">
               <a:buNone/>
-              <a:defRPr sz="1600">
+              <a:defRPr sz="1452">
                 <a:solidFill>
                   <a:schemeClr val="tx1">
                     <a:tint val="75000"/>
@@ -974,9 +1326,9 @@
                 </a:solidFill>
               </a:defRPr>
             </a:lvl3pPr>
-            <a:lvl4pPr marL="1371600" indent="0">
+            <a:lvl4pPr marL="1244864" indent="0">
               <a:buNone/>
-              <a:defRPr sz="1400">
+              <a:defRPr sz="1271">
                 <a:solidFill>
                   <a:schemeClr val="tx1">
                     <a:tint val="75000"/>
@@ -984,9 +1336,9 @@
                 </a:solidFill>
               </a:defRPr>
             </a:lvl4pPr>
-            <a:lvl5pPr marL="1828800" indent="0">
+            <a:lvl5pPr marL="1659819" indent="0">
               <a:buNone/>
-              <a:defRPr sz="1400">
+              <a:defRPr sz="1271">
                 <a:solidFill>
                   <a:schemeClr val="tx1">
                     <a:tint val="75000"/>
@@ -994,9 +1346,9 @@
                 </a:solidFill>
               </a:defRPr>
             </a:lvl5pPr>
-            <a:lvl6pPr marL="2286000" indent="0">
+            <a:lvl6pPr marL="2074774" indent="0">
               <a:buNone/>
-              <a:defRPr sz="1400">
+              <a:defRPr sz="1271">
                 <a:solidFill>
                   <a:schemeClr val="tx1">
                     <a:tint val="75000"/>
@@ -1004,9 +1356,9 @@
                 </a:solidFill>
               </a:defRPr>
             </a:lvl6pPr>
-            <a:lvl7pPr marL="2743200" indent="0">
+            <a:lvl7pPr marL="2489728" indent="0">
               <a:buNone/>
-              <a:defRPr sz="1400">
+              <a:defRPr sz="1271">
                 <a:solidFill>
                   <a:schemeClr val="tx1">
                     <a:tint val="75000"/>
@@ -1014,9 +1366,9 @@
                 </a:solidFill>
               </a:defRPr>
             </a:lvl7pPr>
-            <a:lvl8pPr marL="3200400" indent="0">
+            <a:lvl8pPr marL="2904683" indent="0">
               <a:buNone/>
-              <a:defRPr sz="1400">
+              <a:defRPr sz="1271">
                 <a:solidFill>
                   <a:schemeClr val="tx1">
                     <a:tint val="75000"/>
@@ -1024,9 +1376,9 @@
                 </a:solidFill>
               </a:defRPr>
             </a:lvl8pPr>
-            <a:lvl9pPr marL="3657600" indent="0">
+            <a:lvl9pPr marL="3319638" indent="0">
               <a:buNone/>
-              <a:defRPr sz="1400">
+              <a:defRPr sz="1271">
                 <a:solidFill>
                   <a:schemeClr val="tx1">
                     <a:tint val="75000"/>
@@ -1170,39 +1522,39 @@
         </p:nvSpPr>
         <p:spPr>
           <a:xfrm>
-            <a:off x="457200" y="1600200"/>
-            <a:ext cx="4038600" cy="4525963"/>
+            <a:off x="423534" y="1452283"/>
+            <a:ext cx="3741221" cy="4107597"/>
           </a:xfrm>
         </p:spPr>
         <p:txBody>
           <a:bodyPr/>
           <a:lstStyle>
             <a:lvl1pPr>
-              <a:defRPr sz="2800"/>
+              <a:defRPr sz="2541"/>
             </a:lvl1pPr>
             <a:lvl2pPr>
-              <a:defRPr sz="2400"/>
+              <a:defRPr sz="2178"/>
             </a:lvl2pPr>
             <a:lvl3pPr>
-              <a:defRPr sz="2000"/>
+              <a:defRPr sz="1815"/>
             </a:lvl3pPr>
             <a:lvl4pPr>
-              <a:defRPr sz="1800"/>
+              <a:defRPr sz="1634"/>
             </a:lvl4pPr>
             <a:lvl5pPr>
-              <a:defRPr sz="1800"/>
+              <a:defRPr sz="1634"/>
             </a:lvl5pPr>
             <a:lvl6pPr>
-              <a:defRPr sz="1800"/>
+              <a:defRPr sz="1634"/>
             </a:lvl6pPr>
             <a:lvl7pPr>
-              <a:defRPr sz="1800"/>
+              <a:defRPr sz="1634"/>
             </a:lvl7pPr>
             <a:lvl8pPr>
-              <a:defRPr sz="1800"/>
+              <a:defRPr sz="1634"/>
             </a:lvl8pPr>
             <a:lvl9pPr>
-              <a:defRPr sz="1800"/>
+              <a:defRPr sz="1634"/>
             </a:lvl9pPr>
           </a:lstStyle>
           <a:p>
@@ -1254,39 +1606,39 @@
         </p:nvSpPr>
         <p:spPr>
           <a:xfrm>
-            <a:off x="4648200" y="1600200"/>
-            <a:ext cx="4038600" cy="4525963"/>
+            <a:off x="4305933" y="1452283"/>
+            <a:ext cx="3741221" cy="4107597"/>
           </a:xfrm>
         </p:spPr>
         <p:txBody>
           <a:bodyPr/>
           <a:lstStyle>
             <a:lvl1pPr>
-              <a:defRPr sz="2800"/>
+              <a:defRPr sz="2541"/>
             </a:lvl1pPr>
             <a:lvl2pPr>
-              <a:defRPr sz="2400"/>
+              <a:defRPr sz="2178"/>
             </a:lvl2pPr>
             <a:lvl3pPr>
-              <a:defRPr sz="2000"/>
+              <a:defRPr sz="1815"/>
             </a:lvl3pPr>
             <a:lvl4pPr>
-              <a:defRPr sz="1800"/>
+              <a:defRPr sz="1634"/>
             </a:lvl4pPr>
             <a:lvl5pPr>
-              <a:defRPr sz="1800"/>
+              <a:defRPr sz="1634"/>
             </a:lvl5pPr>
             <a:lvl6pPr>
-              <a:defRPr sz="1800"/>
+              <a:defRPr sz="1634"/>
             </a:lvl6pPr>
             <a:lvl7pPr>
-              <a:defRPr sz="1800"/>
+              <a:defRPr sz="1634"/>
             </a:lvl7pPr>
             <a:lvl8pPr>
-              <a:defRPr sz="1800"/>
+              <a:defRPr sz="1634"/>
             </a:lvl8pPr>
             <a:lvl9pPr>
-              <a:defRPr sz="1800"/>
+              <a:defRPr sz="1634"/>
             </a:lvl9pPr>
           </a:lstStyle>
           <a:p>
@@ -1456,8 +1808,8 @@
         </p:nvSpPr>
         <p:spPr>
           <a:xfrm>
-            <a:off x="457200" y="1535113"/>
-            <a:ext cx="4040188" cy="639762"/>
+            <a:off x="423534" y="1393212"/>
+            <a:ext cx="3742692" cy="580624"/>
           </a:xfrm>
         </p:spPr>
         <p:txBody>
@@ -1465,39 +1817,39 @@
           <a:lstStyle>
             <a:lvl1pPr marL="0" indent="0">
               <a:buNone/>
-              <a:defRPr sz="2400" b="1"/>
+              <a:defRPr sz="2178" b="1"/>
             </a:lvl1pPr>
-            <a:lvl2pPr marL="457200" indent="0">
+            <a:lvl2pPr marL="414955" indent="0">
               <a:buNone/>
-              <a:defRPr sz="2000" b="1"/>
+              <a:defRPr sz="1815" b="1"/>
             </a:lvl2pPr>
-            <a:lvl3pPr marL="914400" indent="0">
+            <a:lvl3pPr marL="829909" indent="0">
               <a:buNone/>
-              <a:defRPr sz="1800" b="1"/>
+              <a:defRPr sz="1634" b="1"/>
             </a:lvl3pPr>
-            <a:lvl4pPr marL="1371600" indent="0">
+            <a:lvl4pPr marL="1244864" indent="0">
               <a:buNone/>
-              <a:defRPr sz="1600" b="1"/>
+              <a:defRPr sz="1452" b="1"/>
             </a:lvl4pPr>
-            <a:lvl5pPr marL="1828800" indent="0">
+            <a:lvl5pPr marL="1659819" indent="0">
               <a:buNone/>
-              <a:defRPr sz="1600" b="1"/>
+              <a:defRPr sz="1452" b="1"/>
             </a:lvl5pPr>
-            <a:lvl6pPr marL="2286000" indent="0">
+            <a:lvl6pPr marL="2074774" indent="0">
               <a:buNone/>
-              <a:defRPr sz="1600" b="1"/>
+              <a:defRPr sz="1452" b="1"/>
             </a:lvl6pPr>
-            <a:lvl7pPr marL="2743200" indent="0">
+            <a:lvl7pPr marL="2489728" indent="0">
               <a:buNone/>
-              <a:defRPr sz="1600" b="1"/>
+              <a:defRPr sz="1452" b="1"/>
             </a:lvl7pPr>
-            <a:lvl8pPr marL="3200400" indent="0">
+            <a:lvl8pPr marL="2904683" indent="0">
               <a:buNone/>
-              <a:defRPr sz="1600" b="1"/>
+              <a:defRPr sz="1452" b="1"/>
             </a:lvl8pPr>
-            <a:lvl9pPr marL="3657600" indent="0">
+            <a:lvl9pPr marL="3319638" indent="0">
               <a:buNone/>
-              <a:defRPr sz="1600" b="1"/>
+              <a:defRPr sz="1452" b="1"/>
             </a:lvl9pPr>
           </a:lstStyle>
           <a:p>
@@ -1521,39 +1873,39 @@
         </p:nvSpPr>
         <p:spPr>
           <a:xfrm>
-            <a:off x="457200" y="2174875"/>
-            <a:ext cx="4040188" cy="3951288"/>
+            <a:off x="423534" y="1973836"/>
+            <a:ext cx="3742692" cy="3586043"/>
           </a:xfrm>
         </p:spPr>
         <p:txBody>
           <a:bodyPr/>
           <a:lstStyle>
             <a:lvl1pPr>
-              <a:defRPr sz="2400"/>
+              <a:defRPr sz="2178"/>
             </a:lvl1pPr>
             <a:lvl2pPr>
-              <a:defRPr sz="2000"/>
+              <a:defRPr sz="1815"/>
             </a:lvl2pPr>
             <a:lvl3pPr>
-              <a:defRPr sz="1800"/>
+              <a:defRPr sz="1634"/>
             </a:lvl3pPr>
             <a:lvl4pPr>
-              <a:defRPr sz="1600"/>
+              <a:defRPr sz="1452"/>
             </a:lvl4pPr>
             <a:lvl5pPr>
-              <a:defRPr sz="1600"/>
+              <a:defRPr sz="1452"/>
             </a:lvl5pPr>
             <a:lvl6pPr>
-              <a:defRPr sz="1600"/>
+              <a:defRPr sz="1452"/>
             </a:lvl6pPr>
             <a:lvl7pPr>
-              <a:defRPr sz="1600"/>
+              <a:defRPr sz="1452"/>
             </a:lvl7pPr>
             <a:lvl8pPr>
-              <a:defRPr sz="1600"/>
+              <a:defRPr sz="1452"/>
             </a:lvl8pPr>
             <a:lvl9pPr>
-              <a:defRPr sz="1600"/>
+              <a:defRPr sz="1452"/>
             </a:lvl9pPr>
           </a:lstStyle>
           <a:p>
@@ -1605,8 +1957,8 @@
         </p:nvSpPr>
         <p:spPr>
           <a:xfrm>
-            <a:off x="4645025" y="1535113"/>
-            <a:ext cx="4041775" cy="639762"/>
+            <a:off x="4302993" y="1393212"/>
+            <a:ext cx="3744162" cy="580624"/>
           </a:xfrm>
         </p:spPr>
         <p:txBody>
@@ -1614,39 +1966,39 @@
           <a:lstStyle>
             <a:lvl1pPr marL="0" indent="0">
               <a:buNone/>
-              <a:defRPr sz="2400" b="1"/>
+              <a:defRPr sz="2178" b="1"/>
             </a:lvl1pPr>
-            <a:lvl2pPr marL="457200" indent="0">
+            <a:lvl2pPr marL="414955" indent="0">
               <a:buNone/>
-              <a:defRPr sz="2000" b="1"/>
+              <a:defRPr sz="1815" b="1"/>
             </a:lvl2pPr>
-            <a:lvl3pPr marL="914400" indent="0">
+            <a:lvl3pPr marL="829909" indent="0">
               <a:buNone/>
-              <a:defRPr sz="1800" b="1"/>
+              <a:defRPr sz="1634" b="1"/>
             </a:lvl3pPr>
-            <a:lvl4pPr marL="1371600" indent="0">
+            <a:lvl4pPr marL="1244864" indent="0">
               <a:buNone/>
-              <a:defRPr sz="1600" b="1"/>
+              <a:defRPr sz="1452" b="1"/>
             </a:lvl4pPr>
-            <a:lvl5pPr marL="1828800" indent="0">
+            <a:lvl5pPr marL="1659819" indent="0">
               <a:buNone/>
-              <a:defRPr sz="1600" b="1"/>
+              <a:defRPr sz="1452" b="1"/>
             </a:lvl5pPr>
-            <a:lvl6pPr marL="2286000" indent="0">
+            <a:lvl6pPr marL="2074774" indent="0">
               <a:buNone/>
-              <a:defRPr sz="1600" b="1"/>
+              <a:defRPr sz="1452" b="1"/>
             </a:lvl6pPr>
-            <a:lvl7pPr marL="2743200" indent="0">
+            <a:lvl7pPr marL="2489728" indent="0">
               <a:buNone/>
-              <a:defRPr sz="1600" b="1"/>
+              <a:defRPr sz="1452" b="1"/>
             </a:lvl7pPr>
-            <a:lvl8pPr marL="3200400" indent="0">
+            <a:lvl8pPr marL="2904683" indent="0">
               <a:buNone/>
-              <a:defRPr sz="1600" b="1"/>
+              <a:defRPr sz="1452" b="1"/>
             </a:lvl8pPr>
-            <a:lvl9pPr marL="3657600" indent="0">
+            <a:lvl9pPr marL="3319638" indent="0">
               <a:buNone/>
-              <a:defRPr sz="1600" b="1"/>
+              <a:defRPr sz="1452" b="1"/>
             </a:lvl9pPr>
           </a:lstStyle>
           <a:p>
@@ -1670,39 +2022,39 @@
         </p:nvSpPr>
         <p:spPr>
           <a:xfrm>
-            <a:off x="4645025" y="2174875"/>
-            <a:ext cx="4041775" cy="3951288"/>
+            <a:off x="4302993" y="1973836"/>
+            <a:ext cx="3744162" cy="3586043"/>
           </a:xfrm>
         </p:spPr>
         <p:txBody>
           <a:bodyPr/>
           <a:lstStyle>
             <a:lvl1pPr>
-              <a:defRPr sz="2400"/>
+              <a:defRPr sz="2178"/>
             </a:lvl1pPr>
             <a:lvl2pPr>
-              <a:defRPr sz="2000"/>
+              <a:defRPr sz="1815"/>
             </a:lvl2pPr>
             <a:lvl3pPr>
-              <a:defRPr sz="1800"/>
+              <a:defRPr sz="1634"/>
             </a:lvl3pPr>
             <a:lvl4pPr>
-              <a:defRPr sz="1600"/>
+              <a:defRPr sz="1452"/>
             </a:lvl4pPr>
             <a:lvl5pPr>
-              <a:defRPr sz="1600"/>
+              <a:defRPr sz="1452"/>
             </a:lvl5pPr>
             <a:lvl6pPr>
-              <a:defRPr sz="1600"/>
+              <a:defRPr sz="1452"/>
             </a:lvl6pPr>
             <a:lvl7pPr>
-              <a:defRPr sz="1600"/>
+              <a:defRPr sz="1452"/>
             </a:lvl7pPr>
             <a:lvl8pPr>
-              <a:defRPr sz="1600"/>
+              <a:defRPr sz="1452"/>
             </a:lvl8pPr>
             <a:lvl9pPr>
-              <a:defRPr sz="1600"/>
+              <a:defRPr sz="1452"/>
             </a:lvl9pPr>
           </a:lstStyle>
           <a:p>
@@ -2052,15 +2404,15 @@
         </p:nvSpPr>
         <p:spPr>
           <a:xfrm>
-            <a:off x="457200" y="273050"/>
-            <a:ext cx="3008313" cy="1162050"/>
+            <a:off x="423535" y="247810"/>
+            <a:ext cx="2786798" cy="1054634"/>
           </a:xfrm>
         </p:spPr>
         <p:txBody>
           <a:bodyPr anchor="b"/>
           <a:lstStyle>
             <a:lvl1pPr algn="l">
-              <a:defRPr sz="2000" b="1"/>
+              <a:defRPr sz="1815" b="1"/>
             </a:lvl1pPr>
           </a:lstStyle>
           <a:p>
@@ -2083,39 +2435,39 @@
         </p:nvSpPr>
         <p:spPr>
           <a:xfrm>
-            <a:off x="3575050" y="273050"/>
-            <a:ext cx="5111750" cy="5853113"/>
+            <a:off x="3311804" y="247811"/>
+            <a:ext cx="4735350" cy="5312069"/>
           </a:xfrm>
         </p:spPr>
         <p:txBody>
           <a:bodyPr/>
           <a:lstStyle>
             <a:lvl1pPr>
-              <a:defRPr sz="3200"/>
+              <a:defRPr sz="2904"/>
             </a:lvl1pPr>
             <a:lvl2pPr>
-              <a:defRPr sz="2800"/>
+              <a:defRPr sz="2541"/>
             </a:lvl2pPr>
             <a:lvl3pPr>
-              <a:defRPr sz="2400"/>
+              <a:defRPr sz="2178"/>
             </a:lvl3pPr>
             <a:lvl4pPr>
-              <a:defRPr sz="2000"/>
+              <a:defRPr sz="1815"/>
             </a:lvl4pPr>
             <a:lvl5pPr>
-              <a:defRPr sz="2000"/>
+              <a:defRPr sz="1815"/>
             </a:lvl5pPr>
             <a:lvl6pPr>
-              <a:defRPr sz="2000"/>
+              <a:defRPr sz="1815"/>
             </a:lvl6pPr>
             <a:lvl7pPr>
-              <a:defRPr sz="2000"/>
+              <a:defRPr sz="1815"/>
             </a:lvl7pPr>
             <a:lvl8pPr>
-              <a:defRPr sz="2000"/>
+              <a:defRPr sz="1815"/>
             </a:lvl8pPr>
             <a:lvl9pPr>
-              <a:defRPr sz="2000"/>
+              <a:defRPr sz="1815"/>
             </a:lvl9pPr>
           </a:lstStyle>
           <a:p>
@@ -2167,8 +2519,8 @@
         </p:nvSpPr>
         <p:spPr>
           <a:xfrm>
-            <a:off x="457200" y="1435100"/>
-            <a:ext cx="3008313" cy="4691063"/>
+            <a:off x="423535" y="1302444"/>
+            <a:ext cx="2786798" cy="4257435"/>
           </a:xfrm>
         </p:spPr>
         <p:txBody>
@@ -2176,39 +2528,39 @@
           <a:lstStyle>
             <a:lvl1pPr marL="0" indent="0">
               <a:buNone/>
-              <a:defRPr sz="1400"/>
+              <a:defRPr sz="1271"/>
             </a:lvl1pPr>
-            <a:lvl2pPr marL="457200" indent="0">
+            <a:lvl2pPr marL="414955" indent="0">
               <a:buNone/>
-              <a:defRPr sz="1200"/>
+              <a:defRPr sz="1089"/>
             </a:lvl2pPr>
-            <a:lvl3pPr marL="914400" indent="0">
+            <a:lvl3pPr marL="829909" indent="0">
               <a:buNone/>
-              <a:defRPr sz="1000"/>
+              <a:defRPr sz="908"/>
             </a:lvl3pPr>
-            <a:lvl4pPr marL="1371600" indent="0">
+            <a:lvl4pPr marL="1244864" indent="0">
               <a:buNone/>
-              <a:defRPr sz="900"/>
+              <a:defRPr sz="817"/>
             </a:lvl4pPr>
-            <a:lvl5pPr marL="1828800" indent="0">
+            <a:lvl5pPr marL="1659819" indent="0">
               <a:buNone/>
-              <a:defRPr sz="900"/>
+              <a:defRPr sz="817"/>
             </a:lvl5pPr>
-            <a:lvl6pPr marL="2286000" indent="0">
+            <a:lvl6pPr marL="2074774" indent="0">
               <a:buNone/>
-              <a:defRPr sz="900"/>
+              <a:defRPr sz="817"/>
             </a:lvl6pPr>
-            <a:lvl7pPr marL="2743200" indent="0">
+            <a:lvl7pPr marL="2489728" indent="0">
               <a:buNone/>
-              <a:defRPr sz="900"/>
+              <a:defRPr sz="817"/>
             </a:lvl7pPr>
-            <a:lvl8pPr marL="3200400" indent="0">
+            <a:lvl8pPr marL="2904683" indent="0">
               <a:buNone/>
-              <a:defRPr sz="900"/>
+              <a:defRPr sz="817"/>
             </a:lvl8pPr>
-            <a:lvl9pPr marL="3657600" indent="0">
+            <a:lvl9pPr marL="3319638" indent="0">
               <a:buNone/>
-              <a:defRPr sz="900"/>
+              <a:defRPr sz="817"/>
             </a:lvl9pPr>
           </a:lstStyle>
           <a:p>
@@ -2324,15 +2676,15 @@
         </p:nvSpPr>
         <p:spPr>
           <a:xfrm>
-            <a:off x="1792288" y="4800600"/>
-            <a:ext cx="5486400" cy="566738"/>
+            <a:off x="1660314" y="4356847"/>
+            <a:ext cx="5082413" cy="514350"/>
           </a:xfrm>
         </p:spPr>
         <p:txBody>
           <a:bodyPr anchor="b"/>
           <a:lstStyle>
             <a:lvl1pPr algn="l">
-              <a:defRPr sz="2000" b="1"/>
+              <a:defRPr sz="1815" b="1"/>
             </a:lvl1pPr>
           </a:lstStyle>
           <a:p>
@@ -2355,8 +2707,8 @@
         </p:nvSpPr>
         <p:spPr>
           <a:xfrm>
-            <a:off x="1792288" y="612775"/>
-            <a:ext cx="5486400" cy="4114800"/>
+            <a:off x="1660314" y="556132"/>
+            <a:ext cx="5082413" cy="3734440"/>
           </a:xfrm>
         </p:spPr>
         <p:txBody>
@@ -2364,39 +2716,39 @@
           <a:lstStyle>
             <a:lvl1pPr marL="0" indent="0">
               <a:buNone/>
-              <a:defRPr sz="3200"/>
+              <a:defRPr sz="2904"/>
             </a:lvl1pPr>
-            <a:lvl2pPr marL="457200" indent="0">
+            <a:lvl2pPr marL="414955" indent="0">
               <a:buNone/>
-              <a:defRPr sz="2800"/>
+              <a:defRPr sz="2541"/>
             </a:lvl2pPr>
-            <a:lvl3pPr marL="914400" indent="0">
+            <a:lvl3pPr marL="829909" indent="0">
               <a:buNone/>
-              <a:defRPr sz="2400"/>
+              <a:defRPr sz="2178"/>
             </a:lvl3pPr>
-            <a:lvl4pPr marL="1371600" indent="0">
+            <a:lvl4pPr marL="1244864" indent="0">
               <a:buNone/>
-              <a:defRPr sz="2000"/>
+              <a:defRPr sz="1815"/>
             </a:lvl4pPr>
-            <a:lvl5pPr marL="1828800" indent="0">
+            <a:lvl5pPr marL="1659819" indent="0">
               <a:buNone/>
-              <a:defRPr sz="2000"/>
+              <a:defRPr sz="1815"/>
             </a:lvl5pPr>
-            <a:lvl6pPr marL="2286000" indent="0">
+            <a:lvl6pPr marL="2074774" indent="0">
               <a:buNone/>
-              <a:defRPr sz="2000"/>
+              <a:defRPr sz="1815"/>
             </a:lvl6pPr>
-            <a:lvl7pPr marL="2743200" indent="0">
+            <a:lvl7pPr marL="2489728" indent="0">
               <a:buNone/>
-              <a:defRPr sz="2000"/>
+              <a:defRPr sz="1815"/>
             </a:lvl7pPr>
-            <a:lvl8pPr marL="3200400" indent="0">
+            <a:lvl8pPr marL="2904683" indent="0">
               <a:buNone/>
-              <a:defRPr sz="2000"/>
+              <a:defRPr sz="1815"/>
             </a:lvl8pPr>
-            <a:lvl9pPr marL="3657600" indent="0">
+            <a:lvl9pPr marL="3319638" indent="0">
               <a:buNone/>
-              <a:defRPr sz="2000"/>
+              <a:defRPr sz="1815"/>
             </a:lvl9pPr>
           </a:lstStyle>
           <a:p>
@@ -2416,8 +2768,8 @@
         </p:nvSpPr>
         <p:spPr>
           <a:xfrm>
-            <a:off x="1792288" y="5367338"/>
-            <a:ext cx="5486400" cy="804862"/>
+            <a:off x="1660314" y="4871198"/>
+            <a:ext cx="5082413" cy="730463"/>
           </a:xfrm>
         </p:spPr>
         <p:txBody>
@@ -2425,39 +2777,39 @@
           <a:lstStyle>
             <a:lvl1pPr marL="0" indent="0">
               <a:buNone/>
-              <a:defRPr sz="1400"/>
+              <a:defRPr sz="1271"/>
             </a:lvl1pPr>
-            <a:lvl2pPr marL="457200" indent="0">
+            <a:lvl2pPr marL="414955" indent="0">
               <a:buNone/>
-              <a:defRPr sz="1200"/>
+              <a:defRPr sz="1089"/>
             </a:lvl2pPr>
-            <a:lvl3pPr marL="914400" indent="0">
+            <a:lvl3pPr marL="829909" indent="0">
               <a:buNone/>
-              <a:defRPr sz="1000"/>
+              <a:defRPr sz="908"/>
             </a:lvl3pPr>
-            <a:lvl4pPr marL="1371600" indent="0">
+            <a:lvl4pPr marL="1244864" indent="0">
               <a:buNone/>
-              <a:defRPr sz="900"/>
+              <a:defRPr sz="817"/>
             </a:lvl4pPr>
-            <a:lvl5pPr marL="1828800" indent="0">
+            <a:lvl5pPr marL="1659819" indent="0">
               <a:buNone/>
-              <a:defRPr sz="900"/>
+              <a:defRPr sz="817"/>
             </a:lvl5pPr>
-            <a:lvl6pPr marL="2286000" indent="0">
+            <a:lvl6pPr marL="2074774" indent="0">
               <a:buNone/>
-              <a:defRPr sz="900"/>
+              <a:defRPr sz="817"/>
             </a:lvl6pPr>
-            <a:lvl7pPr marL="2743200" indent="0">
+            <a:lvl7pPr marL="2489728" indent="0">
               <a:buNone/>
-              <a:defRPr sz="900"/>
+              <a:defRPr sz="817"/>
             </a:lvl7pPr>
-            <a:lvl8pPr marL="3200400" indent="0">
+            <a:lvl8pPr marL="2904683" indent="0">
               <a:buNone/>
-              <a:defRPr sz="900"/>
+              <a:defRPr sz="817"/>
             </a:lvl8pPr>
-            <a:lvl9pPr marL="3657600" indent="0">
+            <a:lvl9pPr marL="3319638" indent="0">
               <a:buNone/>
-              <a:defRPr sz="900"/>
+              <a:defRPr sz="817"/>
             </a:lvl9pPr>
           </a:lstStyle>
           <a:p>
@@ -2578,8 +2930,8 @@
         </p:nvSpPr>
         <p:spPr>
           <a:xfrm>
-            <a:off x="457200" y="274638"/>
-            <a:ext cx="8229600" cy="1143000"/>
+            <a:off x="423534" y="249251"/>
+            <a:ext cx="7623620" cy="1037345"/>
           </a:xfrm>
           <a:prstGeom prst="rect">
             <a:avLst/>
@@ -2610,8 +2962,8 @@
         </p:nvSpPr>
         <p:spPr>
           <a:xfrm>
-            <a:off x="457200" y="1600200"/>
-            <a:ext cx="8229600" cy="4525963"/>
+            <a:off x="423534" y="1452283"/>
+            <a:ext cx="7623620" cy="4107597"/>
           </a:xfrm>
           <a:prstGeom prst="rect">
             <a:avLst/>
@@ -2671,8 +3023,8 @@
         </p:nvSpPr>
         <p:spPr>
           <a:xfrm>
-            <a:off x="457200" y="6356350"/>
-            <a:ext cx="2133600" cy="365125"/>
+            <a:off x="423534" y="5768789"/>
+            <a:ext cx="1976494" cy="331374"/>
           </a:xfrm>
           <a:prstGeom prst="rect">
             <a:avLst/>
@@ -2682,7 +3034,7 @@
           <a:bodyPr vert="horz" lIns="91440" tIns="45720" rIns="91440" bIns="45720" rtlCol="0" anchor="ctr"/>
           <a:lstStyle>
             <a:lvl1pPr algn="l">
-              <a:defRPr sz="1200">
+              <a:defRPr sz="1089">
                 <a:solidFill>
                   <a:schemeClr val="tx1">
                     <a:tint val="75000"/>
@@ -2713,8 +3065,8 @@
         </p:nvSpPr>
         <p:spPr>
           <a:xfrm>
-            <a:off x="3124200" y="6356350"/>
-            <a:ext cx="2895600" cy="365125"/>
+            <a:off x="2894152" y="5768789"/>
+            <a:ext cx="2682385" cy="331374"/>
           </a:xfrm>
           <a:prstGeom prst="rect">
             <a:avLst/>
@@ -2724,7 +3076,7 @@
           <a:bodyPr vert="horz" lIns="91440" tIns="45720" rIns="91440" bIns="45720" rtlCol="0" anchor="ctr"/>
           <a:lstStyle>
             <a:lvl1pPr algn="ctr">
-              <a:defRPr sz="1200">
+              <a:defRPr sz="1089">
                 <a:solidFill>
                   <a:schemeClr val="tx1">
                     <a:tint val="75000"/>
@@ -2750,8 +3102,8 @@
         </p:nvSpPr>
         <p:spPr>
           <a:xfrm>
-            <a:off x="6553200" y="6356350"/>
-            <a:ext cx="2133600" cy="365125"/>
+            <a:off x="6070660" y="5768789"/>
+            <a:ext cx="1976494" cy="331374"/>
           </a:xfrm>
           <a:prstGeom prst="rect">
             <a:avLst/>
@@ -2761,7 +3113,7 @@
           <a:bodyPr vert="horz" lIns="91440" tIns="45720" rIns="91440" bIns="45720" rtlCol="0" anchor="ctr"/>
           <a:lstStyle>
             <a:lvl1pPr algn="r">
-              <a:defRPr sz="1200">
+              <a:defRPr sz="1089">
                 <a:solidFill>
                   <a:schemeClr val="tx1">
                     <a:tint val="75000"/>
@@ -2798,12 +3150,12 @@
   </p:sldLayoutIdLst>
   <p:txStyles>
     <p:titleStyle>
-      <a:lvl1pPr algn="ctr" defTabSz="914400" rtl="0" eaLnBrk="1" latinLnBrk="0" hangingPunct="1">
+      <a:lvl1pPr algn="ctr" defTabSz="829909" rtl="0" eaLnBrk="1" latinLnBrk="0" hangingPunct="1">
         <a:spcBef>
           <a:spcPct val="0"/>
         </a:spcBef>
         <a:buNone/>
-        <a:defRPr sz="4400" kern="1200">
+        <a:defRPr sz="3993" kern="1200">
           <a:solidFill>
             <a:schemeClr val="tx1"/>
           </a:solidFill>
@@ -2814,13 +3166,13 @@
       </a:lvl1pPr>
     </p:titleStyle>
     <p:bodyStyle>
-      <a:lvl1pPr marL="342900" indent="-342900" algn="l" defTabSz="914400" rtl="0" eaLnBrk="1" latinLnBrk="0" hangingPunct="1">
+      <a:lvl1pPr marL="311216" indent="-311216" algn="l" defTabSz="829909" rtl="0" eaLnBrk="1" latinLnBrk="0" hangingPunct="1">
         <a:spcBef>
           <a:spcPct val="20000"/>
         </a:spcBef>
         <a:buFont typeface="Arial" pitchFamily="34" charset="0"/>
         <a:buChar char="•"/>
-        <a:defRPr sz="3200" kern="1200">
+        <a:defRPr sz="2904" kern="1200">
           <a:solidFill>
             <a:schemeClr val="tx1"/>
           </a:solidFill>
@@ -2829,13 +3181,13 @@
           <a:cs typeface="+mn-cs"/>
         </a:defRPr>
       </a:lvl1pPr>
-      <a:lvl2pPr marL="742950" indent="-285750" algn="l" defTabSz="914400" rtl="0" eaLnBrk="1" latinLnBrk="0" hangingPunct="1">
+      <a:lvl2pPr marL="674301" indent="-259347" algn="l" defTabSz="829909" rtl="0" eaLnBrk="1" latinLnBrk="0" hangingPunct="1">
         <a:spcBef>
           <a:spcPct val="20000"/>
         </a:spcBef>
         <a:buFont typeface="Arial" pitchFamily="34" charset="0"/>
         <a:buChar char="–"/>
-        <a:defRPr sz="2800" kern="1200">
+        <a:defRPr sz="2541" kern="1200">
           <a:solidFill>
             <a:schemeClr val="tx1"/>
           </a:solidFill>
@@ -2844,13 +3196,13 @@
           <a:cs typeface="+mn-cs"/>
         </a:defRPr>
       </a:lvl2pPr>
-      <a:lvl3pPr marL="1143000" indent="-228600" algn="l" defTabSz="914400" rtl="0" eaLnBrk="1" latinLnBrk="0" hangingPunct="1">
+      <a:lvl3pPr marL="1037387" indent="-207477" algn="l" defTabSz="829909" rtl="0" eaLnBrk="1" latinLnBrk="0" hangingPunct="1">
         <a:spcBef>
           <a:spcPct val="20000"/>
         </a:spcBef>
         <a:buFont typeface="Arial" pitchFamily="34" charset="0"/>
         <a:buChar char="•"/>
-        <a:defRPr sz="2400" kern="1200">
+        <a:defRPr sz="2178" kern="1200">
           <a:solidFill>
             <a:schemeClr val="tx1"/>
           </a:solidFill>
@@ -2859,13 +3211,13 @@
           <a:cs typeface="+mn-cs"/>
         </a:defRPr>
       </a:lvl3pPr>
-      <a:lvl4pPr marL="1600200" indent="-228600" algn="l" defTabSz="914400" rtl="0" eaLnBrk="1" latinLnBrk="0" hangingPunct="1">
+      <a:lvl4pPr marL="1452342" indent="-207477" algn="l" defTabSz="829909" rtl="0" eaLnBrk="1" latinLnBrk="0" hangingPunct="1">
         <a:spcBef>
           <a:spcPct val="20000"/>
         </a:spcBef>
         <a:buFont typeface="Arial" pitchFamily="34" charset="0"/>
         <a:buChar char="–"/>
-        <a:defRPr sz="2000" kern="1200">
+        <a:defRPr sz="1815" kern="1200">
           <a:solidFill>
             <a:schemeClr val="tx1"/>
           </a:solidFill>
@@ -2874,13 +3226,13 @@
           <a:cs typeface="+mn-cs"/>
         </a:defRPr>
       </a:lvl4pPr>
-      <a:lvl5pPr marL="2057400" indent="-228600" algn="l" defTabSz="914400" rtl="0" eaLnBrk="1" latinLnBrk="0" hangingPunct="1">
+      <a:lvl5pPr marL="1867296" indent="-207477" algn="l" defTabSz="829909" rtl="0" eaLnBrk="1" latinLnBrk="0" hangingPunct="1">
         <a:spcBef>
           <a:spcPct val="20000"/>
         </a:spcBef>
         <a:buFont typeface="Arial" pitchFamily="34" charset="0"/>
         <a:buChar char="»"/>
-        <a:defRPr sz="2000" kern="1200">
+        <a:defRPr sz="1815" kern="1200">
           <a:solidFill>
             <a:schemeClr val="tx1"/>
           </a:solidFill>
@@ -2889,13 +3241,13 @@
           <a:cs typeface="+mn-cs"/>
         </a:defRPr>
       </a:lvl5pPr>
-      <a:lvl6pPr marL="2514600" indent="-228600" algn="l" defTabSz="914400" rtl="0" eaLnBrk="1" latinLnBrk="0" hangingPunct="1">
+      <a:lvl6pPr marL="2282251" indent="-207477" algn="l" defTabSz="829909" rtl="0" eaLnBrk="1" latinLnBrk="0" hangingPunct="1">
         <a:spcBef>
           <a:spcPct val="20000"/>
         </a:spcBef>
         <a:buFont typeface="Arial" pitchFamily="34" charset="0"/>
         <a:buChar char="•"/>
-        <a:defRPr sz="2000" kern="1200">
+        <a:defRPr sz="1815" kern="1200">
           <a:solidFill>
             <a:schemeClr val="tx1"/>
           </a:solidFill>
@@ -2904,13 +3256,13 @@
           <a:cs typeface="+mn-cs"/>
         </a:defRPr>
       </a:lvl6pPr>
-      <a:lvl7pPr marL="2971800" indent="-228600" algn="l" defTabSz="914400" rtl="0" eaLnBrk="1" latinLnBrk="0" hangingPunct="1">
+      <a:lvl7pPr marL="2697206" indent="-207477" algn="l" defTabSz="829909" rtl="0" eaLnBrk="1" latinLnBrk="0" hangingPunct="1">
         <a:spcBef>
           <a:spcPct val="20000"/>
         </a:spcBef>
         <a:buFont typeface="Arial" pitchFamily="34" charset="0"/>
         <a:buChar char="•"/>
-        <a:defRPr sz="2000" kern="1200">
+        <a:defRPr sz="1815" kern="1200">
           <a:solidFill>
             <a:schemeClr val="tx1"/>
           </a:solidFill>
@@ -2919,13 +3271,13 @@
           <a:cs typeface="+mn-cs"/>
         </a:defRPr>
       </a:lvl7pPr>
-      <a:lvl8pPr marL="3429000" indent="-228600" algn="l" defTabSz="914400" rtl="0" eaLnBrk="1" latinLnBrk="0" hangingPunct="1">
+      <a:lvl8pPr marL="3112160" indent="-207477" algn="l" defTabSz="829909" rtl="0" eaLnBrk="1" latinLnBrk="0" hangingPunct="1">
         <a:spcBef>
           <a:spcPct val="20000"/>
         </a:spcBef>
         <a:buFont typeface="Arial" pitchFamily="34" charset="0"/>
         <a:buChar char="•"/>
-        <a:defRPr sz="2000" kern="1200">
+        <a:defRPr sz="1815" kern="1200">
           <a:solidFill>
             <a:schemeClr val="tx1"/>
           </a:solidFill>
@@ -2934,13 +3286,13 @@
           <a:cs typeface="+mn-cs"/>
         </a:defRPr>
       </a:lvl8pPr>
-      <a:lvl9pPr marL="3886200" indent="-228600" algn="l" defTabSz="914400" rtl="0" eaLnBrk="1" latinLnBrk="0" hangingPunct="1">
+      <a:lvl9pPr marL="3527115" indent="-207477" algn="l" defTabSz="829909" rtl="0" eaLnBrk="1" latinLnBrk="0" hangingPunct="1">
         <a:spcBef>
           <a:spcPct val="20000"/>
         </a:spcBef>
         <a:buFont typeface="Arial" pitchFamily="34" charset="0"/>
         <a:buChar char="•"/>
-        <a:defRPr sz="2000" kern="1200">
+        <a:defRPr sz="1815" kern="1200">
           <a:solidFill>
             <a:schemeClr val="tx1"/>
           </a:solidFill>
@@ -2954,8 +3306,8 @@
       <a:defPPr>
         <a:defRPr lang="en-US"/>
       </a:defPPr>
-      <a:lvl1pPr marL="0" algn="l" defTabSz="914400" rtl="0" eaLnBrk="1" latinLnBrk="0" hangingPunct="1">
-        <a:defRPr sz="1800" kern="1200">
+      <a:lvl1pPr marL="0" algn="l" defTabSz="829909" rtl="0" eaLnBrk="1" latinLnBrk="0" hangingPunct="1">
+        <a:defRPr sz="1634" kern="1200">
           <a:solidFill>
             <a:schemeClr val="tx1"/>
           </a:solidFill>
@@ -2964,8 +3316,8 @@
           <a:cs typeface="+mn-cs"/>
         </a:defRPr>
       </a:lvl1pPr>
-      <a:lvl2pPr marL="457200" algn="l" defTabSz="914400" rtl="0" eaLnBrk="1" latinLnBrk="0" hangingPunct="1">
-        <a:defRPr sz="1800" kern="1200">
+      <a:lvl2pPr marL="414955" algn="l" defTabSz="829909" rtl="0" eaLnBrk="1" latinLnBrk="0" hangingPunct="1">
+        <a:defRPr sz="1634" kern="1200">
           <a:solidFill>
             <a:schemeClr val="tx1"/>
           </a:solidFill>
@@ -2974,8 +3326,8 @@
           <a:cs typeface="+mn-cs"/>
         </a:defRPr>
       </a:lvl2pPr>
-      <a:lvl3pPr marL="914400" algn="l" defTabSz="914400" rtl="0" eaLnBrk="1" latinLnBrk="0" hangingPunct="1">
-        <a:defRPr sz="1800" kern="1200">
+      <a:lvl3pPr marL="829909" algn="l" defTabSz="829909" rtl="0" eaLnBrk="1" latinLnBrk="0" hangingPunct="1">
+        <a:defRPr sz="1634" kern="1200">
           <a:solidFill>
             <a:schemeClr val="tx1"/>
           </a:solidFill>
@@ -2984,8 +3336,8 @@
           <a:cs typeface="+mn-cs"/>
         </a:defRPr>
       </a:lvl3pPr>
-      <a:lvl4pPr marL="1371600" algn="l" defTabSz="914400" rtl="0" eaLnBrk="1" latinLnBrk="0" hangingPunct="1">
-        <a:defRPr sz="1800" kern="1200">
+      <a:lvl4pPr marL="1244864" algn="l" defTabSz="829909" rtl="0" eaLnBrk="1" latinLnBrk="0" hangingPunct="1">
+        <a:defRPr sz="1634" kern="1200">
           <a:solidFill>
             <a:schemeClr val="tx1"/>
           </a:solidFill>
@@ -2994,8 +3346,8 @@
           <a:cs typeface="+mn-cs"/>
         </a:defRPr>
       </a:lvl4pPr>
-      <a:lvl5pPr marL="1828800" algn="l" defTabSz="914400" rtl="0" eaLnBrk="1" latinLnBrk="0" hangingPunct="1">
-        <a:defRPr sz="1800" kern="1200">
+      <a:lvl5pPr marL="1659819" algn="l" defTabSz="829909" rtl="0" eaLnBrk="1" latinLnBrk="0" hangingPunct="1">
+        <a:defRPr sz="1634" kern="1200">
           <a:solidFill>
             <a:schemeClr val="tx1"/>
           </a:solidFill>
@@ -3004,8 +3356,8 @@
           <a:cs typeface="+mn-cs"/>
         </a:defRPr>
       </a:lvl5pPr>
-      <a:lvl6pPr marL="2286000" algn="l" defTabSz="914400" rtl="0" eaLnBrk="1" latinLnBrk="0" hangingPunct="1">
-        <a:defRPr sz="1800" kern="1200">
+      <a:lvl6pPr marL="2074774" algn="l" defTabSz="829909" rtl="0" eaLnBrk="1" latinLnBrk="0" hangingPunct="1">
+        <a:defRPr sz="1634" kern="1200">
           <a:solidFill>
             <a:schemeClr val="tx1"/>
           </a:solidFill>
@@ -3014,8 +3366,8 @@
           <a:cs typeface="+mn-cs"/>
         </a:defRPr>
       </a:lvl6pPr>
-      <a:lvl7pPr marL="2743200" algn="l" defTabSz="914400" rtl="0" eaLnBrk="1" latinLnBrk="0" hangingPunct="1">
-        <a:defRPr sz="1800" kern="1200">
+      <a:lvl7pPr marL="2489728" algn="l" defTabSz="829909" rtl="0" eaLnBrk="1" latinLnBrk="0" hangingPunct="1">
+        <a:defRPr sz="1634" kern="1200">
           <a:solidFill>
             <a:schemeClr val="tx1"/>
           </a:solidFill>
@@ -3024,8 +3376,8 @@
           <a:cs typeface="+mn-cs"/>
         </a:defRPr>
       </a:lvl7pPr>
-      <a:lvl8pPr marL="3200400" algn="l" defTabSz="914400" rtl="0" eaLnBrk="1" latinLnBrk="0" hangingPunct="1">
-        <a:defRPr sz="1800" kern="1200">
+      <a:lvl8pPr marL="2904683" algn="l" defTabSz="829909" rtl="0" eaLnBrk="1" latinLnBrk="0" hangingPunct="1">
+        <a:defRPr sz="1634" kern="1200">
           <a:solidFill>
             <a:schemeClr val="tx1"/>
           </a:solidFill>
@@ -3034,8 +3386,8 @@
           <a:cs typeface="+mn-cs"/>
         </a:defRPr>
       </a:lvl8pPr>
-      <a:lvl9pPr marL="3657600" algn="l" defTabSz="914400" rtl="0" eaLnBrk="1" latinLnBrk="0" hangingPunct="1">
-        <a:defRPr sz="1800" kern="1200">
+      <a:lvl9pPr marL="3319638" algn="l" defTabSz="829909" rtl="0" eaLnBrk="1" latinLnBrk="0" hangingPunct="1">
+        <a:defRPr sz="1634" kern="1200">
           <a:solidFill>
             <a:schemeClr val="tx1"/>
           </a:solidFill>
@@ -3066,214 +3418,6 @@
           <a:chExt cx="0" cy="0"/>
         </a:xfrm>
       </p:grpSpPr>
-      <p:graphicFrame>
-        <p:nvGraphicFramePr>
-          <p:cNvPr id="2" name="Таблица 1">
-            <a:extLst>
-              <a:ext uri="{FF2B5EF4-FFF2-40B4-BE49-F238E27FC236}">
-                <a16:creationId xmlns:a16="http://schemas.microsoft.com/office/drawing/2014/main" id="{50D6D9D9-4548-9227-ED4C-46D8A75E33EF}"/>
-              </a:ext>
-            </a:extLst>
-          </p:cNvPr>
-          <p:cNvGraphicFramePr>
-            <a:graphicFrameLocks noGrp="1"/>
-          </p:cNvGraphicFramePr>
-          <p:nvPr>
-            <p:extLst>
-              <p:ext uri="{D42A27DB-BD31-4B8C-83A1-F6EECF244321}">
-                <p14:modId xmlns:p14="http://schemas.microsoft.com/office/powerpoint/2010/main" val="1606244409"/>
-              </p:ext>
-            </p:extLst>
-          </p:nvPr>
-        </p:nvGraphicFramePr>
-        <p:xfrm>
-          <a:off x="0" y="0"/>
-          <a:ext cx="10693401" cy="7556500"/>
-        </p:xfrm>
-        <a:graphic>
-          <a:graphicData uri="http://schemas.openxmlformats.org/drawingml/2006/table">
-            <a:tbl>
-              <a:tblPr firstRow="1" bandRow="1">
-                <a:tableStyleId>{5C22544A-7EE6-4342-B048-85BDC9FD1C3A}</a:tableStyleId>
-              </a:tblPr>
-              <a:tblGrid>
-                <a:gridCol w="3564467">
-                  <a:extLst>
-                    <a:ext uri="{9D8B030D-6E8A-4147-A177-3AD203B41FA5}">
-                      <a16:colId xmlns:a16="http://schemas.microsoft.com/office/drawing/2014/main" val="2831110576"/>
-                    </a:ext>
-                  </a:extLst>
-                </a:gridCol>
-                <a:gridCol w="3564467">
-                  <a:extLst>
-                    <a:ext uri="{9D8B030D-6E8A-4147-A177-3AD203B41FA5}">
-                      <a16:colId xmlns:a16="http://schemas.microsoft.com/office/drawing/2014/main" val="3473239179"/>
-                    </a:ext>
-                  </a:extLst>
-                </a:gridCol>
-                <a:gridCol w="3564467">
-                  <a:extLst>
-                    <a:ext uri="{9D8B030D-6E8A-4147-A177-3AD203B41FA5}">
-                      <a16:colId xmlns:a16="http://schemas.microsoft.com/office/drawing/2014/main" val="4237337569"/>
-                    </a:ext>
-                  </a:extLst>
-                </a:gridCol>
-              </a:tblGrid>
-              <a:tr h="7556500">
-                <a:tc>
-                  <a:txBody>
-                    <a:bodyPr/>
-                    <a:lstStyle/>
-                    <a:p>
-                      <a:endParaRPr lang="ru-RU"/>
-                    </a:p>
-                  </a:txBody>
-                  <a:tcPr>
-                    <a:lnL w="12700" cap="flat" cmpd="sng" algn="ctr">
-                      <a:solidFill>
-                        <a:schemeClr val="tx1"/>
-                      </a:solidFill>
-                      <a:prstDash val="solid"/>
-                      <a:round/>
-                      <a:headEnd type="none" w="med" len="med"/>
-                      <a:tailEnd type="none" w="med" len="med"/>
-                    </a:lnL>
-                    <a:lnR w="12700" cap="flat" cmpd="sng" algn="ctr">
-                      <a:solidFill>
-                        <a:schemeClr val="tx1"/>
-                      </a:solidFill>
-                      <a:prstDash val="solid"/>
-                      <a:round/>
-                      <a:headEnd type="none" w="med" len="med"/>
-                      <a:tailEnd type="none" w="med" len="med"/>
-                    </a:lnR>
-                    <a:lnT w="12700" cap="flat" cmpd="sng" algn="ctr">
-                      <a:solidFill>
-                        <a:schemeClr val="tx1"/>
-                      </a:solidFill>
-                      <a:prstDash val="solid"/>
-                      <a:round/>
-                      <a:headEnd type="none" w="med" len="med"/>
-                      <a:tailEnd type="none" w="med" len="med"/>
-                    </a:lnT>
-                    <a:lnB w="12700" cap="flat" cmpd="sng" algn="ctr">
-                      <a:solidFill>
-                        <a:schemeClr val="tx1"/>
-                      </a:solidFill>
-                      <a:prstDash val="solid"/>
-                      <a:round/>
-                      <a:headEnd type="none" w="med" len="med"/>
-                      <a:tailEnd type="none" w="med" len="med"/>
-                    </a:lnB>
-                    <a:noFill/>
-                  </a:tcPr>
-                </a:tc>
-                <a:tc>
-                  <a:txBody>
-                    <a:bodyPr/>
-                    <a:lstStyle/>
-                    <a:p>
-                      <a:endParaRPr lang="ru-RU" dirty="0"/>
-                    </a:p>
-                  </a:txBody>
-                  <a:tcPr>
-                    <a:lnL w="12700" cap="flat" cmpd="sng" algn="ctr">
-                      <a:solidFill>
-                        <a:schemeClr val="tx1"/>
-                      </a:solidFill>
-                      <a:prstDash val="solid"/>
-                      <a:round/>
-                      <a:headEnd type="none" w="med" len="med"/>
-                      <a:tailEnd type="none" w="med" len="med"/>
-                    </a:lnL>
-                    <a:lnR w="12700" cap="flat" cmpd="sng" algn="ctr">
-                      <a:solidFill>
-                        <a:schemeClr val="tx1"/>
-                      </a:solidFill>
-                      <a:prstDash val="solid"/>
-                      <a:round/>
-                      <a:headEnd type="none" w="med" len="med"/>
-                      <a:tailEnd type="none" w="med" len="med"/>
-                    </a:lnR>
-                    <a:lnT w="12700" cap="flat" cmpd="sng" algn="ctr">
-                      <a:solidFill>
-                        <a:schemeClr val="tx1"/>
-                      </a:solidFill>
-                      <a:prstDash val="solid"/>
-                      <a:round/>
-                      <a:headEnd type="none" w="med" len="med"/>
-                      <a:tailEnd type="none" w="med" len="med"/>
-                    </a:lnT>
-                    <a:lnB w="12700" cap="flat" cmpd="sng" algn="ctr">
-                      <a:solidFill>
-                        <a:schemeClr val="tx1"/>
-                      </a:solidFill>
-                      <a:prstDash val="solid"/>
-                      <a:round/>
-                      <a:headEnd type="none" w="med" len="med"/>
-                      <a:tailEnd type="none" w="med" len="med"/>
-                    </a:lnB>
-                    <a:noFill/>
-                  </a:tcPr>
-                </a:tc>
-                <a:tc>
-                  <a:txBody>
-                    <a:bodyPr/>
-                    <a:lstStyle/>
-                    <a:p>
-                      <a:endParaRPr lang="ru-RU" dirty="0"/>
-                    </a:p>
-                  </a:txBody>
-                  <a:tcPr>
-                    <a:lnL w="12700" cap="flat" cmpd="sng" algn="ctr">
-                      <a:solidFill>
-                        <a:schemeClr val="tx1"/>
-                      </a:solidFill>
-                      <a:prstDash val="solid"/>
-                      <a:round/>
-                      <a:headEnd type="none" w="med" len="med"/>
-                      <a:tailEnd type="none" w="med" len="med"/>
-                    </a:lnL>
-                    <a:lnR w="12700" cap="flat" cmpd="sng" algn="ctr">
-                      <a:solidFill>
-                        <a:schemeClr val="tx1"/>
-                      </a:solidFill>
-                      <a:prstDash val="solid"/>
-                      <a:round/>
-                      <a:headEnd type="none" w="med" len="med"/>
-                      <a:tailEnd type="none" w="med" len="med"/>
-                    </a:lnR>
-                    <a:lnT w="12700" cap="flat" cmpd="sng" algn="ctr">
-                      <a:solidFill>
-                        <a:schemeClr val="tx1"/>
-                      </a:solidFill>
-                      <a:prstDash val="solid"/>
-                      <a:round/>
-                      <a:headEnd type="none" w="med" len="med"/>
-                      <a:tailEnd type="none" w="med" len="med"/>
-                    </a:lnT>
-                    <a:lnB w="12700" cap="flat" cmpd="sng" algn="ctr">
-                      <a:solidFill>
-                        <a:schemeClr val="tx1"/>
-                      </a:solidFill>
-                      <a:prstDash val="solid"/>
-                      <a:round/>
-                      <a:headEnd type="none" w="med" len="med"/>
-                      <a:tailEnd type="none" w="med" len="med"/>
-                    </a:lnB>
-                    <a:noFill/>
-                  </a:tcPr>
-                </a:tc>
-                <a:extLst>
-                  <a:ext uri="{0D108BD9-81ED-4DB2-BD59-A6C34878D82A}">
-                    <a16:rowId xmlns:a16="http://schemas.microsoft.com/office/drawing/2014/main" val="1988845691"/>
-                  </a:ext>
-                </a:extLst>
-              </a:tr>
-            </a:tbl>
-          </a:graphicData>
-        </a:graphic>
-      </p:graphicFrame>
       <p:grpSp>
         <p:nvGrpSpPr>
           <p:cNvPr id="34" name="Группа 33">
@@ -3288,8 +3432,8 @@
         </p:nvGrpSpPr>
         <p:grpSpPr>
           <a:xfrm>
-            <a:off x="88900" y="577850"/>
-            <a:ext cx="3451126" cy="5379191"/>
+            <a:off x="181215" y="524436"/>
+            <a:ext cx="3132114" cy="4881955"/>
             <a:chOff x="290103" y="520040"/>
             <a:chExt cx="3451126" cy="5379191"/>
           </a:xfrm>
@@ -3309,9 +3453,9 @@
           <p:grpSpPr>
             <a:xfrm>
               <a:off x="290103" y="520040"/>
-              <a:ext cx="3146443" cy="2605461"/>
+              <a:ext cx="3146443" cy="2595936"/>
               <a:chOff x="0" y="0"/>
-              <a:chExt cx="4195258" cy="3473948"/>
+              <a:chExt cx="4195258" cy="3461248"/>
             </a:xfrm>
           </p:grpSpPr>
           <p:grpSp>
@@ -3394,7 +3538,7 @@
                 <a:bodyPr/>
                 <a:lstStyle/>
                 <a:p>
-                  <a:endParaRPr/>
+                  <a:endParaRPr sz="1500"/>
                 </a:p>
               </p:txBody>
             </p:sp>
@@ -3420,15 +3564,15 @@
                 </a:prstGeom>
               </p:spPr>
               <p:txBody>
-                <a:bodyPr lIns="50800" tIns="50800" rIns="50800" bIns="50800" rtlCol="0" anchor="ctr"/>
+                <a:bodyPr lIns="46104" tIns="46104" rIns="46104" bIns="46104" rtlCol="0" anchor="ctr"/>
                 <a:lstStyle/>
                 <a:p>
                   <a:pPr algn="ctr">
                     <a:lnSpc>
-                      <a:spcPts val="1664"/>
+                      <a:spcPts val="1510"/>
                     </a:lnSpc>
                   </a:pPr>
-                  <a:endParaRPr/>
+                  <a:endParaRPr sz="1500"/>
                 </a:p>
               </p:txBody>
             </p:sp>
@@ -3466,7 +3610,7 @@
               <a:bodyPr/>
               <a:lstStyle/>
               <a:p>
-                <a:endParaRPr/>
+                <a:endParaRPr sz="1500"/>
               </a:p>
             </p:txBody>
           </p:sp>
@@ -3485,7 +3629,7 @@
             <p:spPr>
               <a:xfrm>
                 <a:off x="442914" y="152693"/>
-                <a:ext cx="3752344" cy="693724"/>
+                <a:ext cx="3752344" cy="681639"/>
               </a:xfrm>
               <a:prstGeom prst="rect">
                 <a:avLst/>
@@ -3497,13 +3641,13 @@
               </a:bodyPr>
               <a:lstStyle/>
               <a:p>
-                <a:pPr algn="l">
+                <a:pPr>
                   <a:lnSpc>
-                    <a:spcPts val="1357"/>
+                    <a:spcPts val="1232"/>
                   </a:lnSpc>
                 </a:pPr>
                 <a:r>
-                  <a:rPr lang="en-US" sz="1169" b="1" dirty="0" err="1">
+                  <a:rPr lang="en-US" sz="1061" b="1" dirty="0" err="1">
                     <a:solidFill>
                       <a:srgbClr val="000000"/>
                     </a:solidFill>
@@ -3515,7 +3659,7 @@
                   <a:t>Заказ</a:t>
                 </a:r>
                 <a:r>
-                  <a:rPr lang="en-US" sz="1169" b="1" dirty="0">
+                  <a:rPr lang="en-US" sz="1061" b="1" dirty="0">
                     <a:solidFill>
                       <a:srgbClr val="000000"/>
                     </a:solidFill>
@@ -3527,7 +3671,7 @@
                   <a:t> </a:t>
                 </a:r>
                 <a:r>
-                  <a:rPr lang="en-US" sz="1169" b="1" dirty="0" err="1">
+                  <a:rPr lang="en-US" sz="1061" b="1" dirty="0" err="1">
                     <a:solidFill>
                       <a:srgbClr val="000000"/>
                     </a:solidFill>
@@ -3538,7 +3682,7 @@
                   </a:rPr>
                   <a:t>цветов</a:t>
                 </a:r>
-                <a:endParaRPr lang="en-US" sz="1169" b="1" dirty="0">
+                <a:endParaRPr lang="en-US" sz="1061" b="1" dirty="0">
                   <a:solidFill>
                     <a:srgbClr val="000000"/>
                   </a:solidFill>
@@ -3549,13 +3693,13 @@
                 </a:endParaRPr>
               </a:p>
               <a:p>
-                <a:pPr algn="l">
+                <a:pPr>
                   <a:lnSpc>
-                    <a:spcPts val="1357"/>
+                    <a:spcPts val="1232"/>
                   </a:lnSpc>
                 </a:pPr>
                 <a:r>
-                  <a:rPr lang="en-US" sz="1169" dirty="0" err="1">
+                  <a:rPr lang="en-US" sz="1061" dirty="0" err="1">
                     <a:solidFill>
                       <a:srgbClr val="000000"/>
                     </a:solidFill>
@@ -3567,7 +3711,7 @@
                   <a:t>Поможем</a:t>
                 </a:r>
                 <a:r>
-                  <a:rPr lang="en-US" sz="1169" dirty="0">
+                  <a:rPr lang="en-US" sz="1061" dirty="0">
                     <a:solidFill>
                       <a:srgbClr val="000000"/>
                     </a:solidFill>
@@ -3579,7 +3723,7 @@
                   <a:t> </a:t>
                 </a:r>
                 <a:r>
-                  <a:rPr lang="en-US" sz="1169" dirty="0" err="1">
+                  <a:rPr lang="en-US" sz="1061" dirty="0" err="1">
                     <a:solidFill>
                       <a:srgbClr val="000000"/>
                     </a:solidFill>
@@ -3591,7 +3735,7 @@
                   <a:t>подобрать</a:t>
                 </a:r>
                 <a:r>
-                  <a:rPr lang="en-US" sz="1169" dirty="0">
+                  <a:rPr lang="en-US" sz="1061" dirty="0">
                     <a:solidFill>
                       <a:srgbClr val="000000"/>
                     </a:solidFill>
@@ -3603,7 +3747,7 @@
                   <a:t> и </a:t>
                 </a:r>
                 <a:r>
-                  <a:rPr lang="en-US" sz="1169" dirty="0" err="1">
+                  <a:rPr lang="en-US" sz="1061" dirty="0" err="1">
                     <a:solidFill>
                       <a:srgbClr val="000000"/>
                     </a:solidFill>
@@ -3615,7 +3759,7 @@
                   <a:t>оформить</a:t>
                 </a:r>
                 <a:r>
-                  <a:rPr lang="en-US" sz="1169" dirty="0">
+                  <a:rPr lang="en-US" sz="1061" dirty="0">
                     <a:solidFill>
                       <a:srgbClr val="000000"/>
                     </a:solidFill>
@@ -3627,7 +3771,7 @@
                   <a:t> </a:t>
                 </a:r>
                 <a:r>
-                  <a:rPr lang="en-US" sz="1169" dirty="0" err="1">
+                  <a:rPr lang="en-US" sz="1061" dirty="0" err="1">
                     <a:solidFill>
                       <a:srgbClr val="000000"/>
                     </a:solidFill>
@@ -3639,7 +3783,7 @@
                   <a:t>букет</a:t>
                 </a:r>
                 <a:r>
-                  <a:rPr lang="en-US" sz="1169" dirty="0">
+                  <a:rPr lang="en-US" sz="1061" dirty="0">
                     <a:solidFill>
                       <a:srgbClr val="000000"/>
                     </a:solidFill>
@@ -3651,7 +3795,7 @@
                   <a:t> — </a:t>
                 </a:r>
                 <a:r>
-                  <a:rPr lang="en-US" sz="1169" dirty="0" err="1">
+                  <a:rPr lang="en-US" sz="1061" dirty="0" err="1">
                     <a:solidFill>
                       <a:srgbClr val="000000"/>
                     </a:solidFill>
@@ -3663,7 +3807,7 @@
                   <a:t>обращайтесь</a:t>
                 </a:r>
                 <a:r>
-                  <a:rPr lang="en-US" sz="1169" dirty="0">
+                  <a:rPr lang="en-US" sz="1061" dirty="0">
                     <a:solidFill>
                       <a:srgbClr val="000000"/>
                     </a:solidFill>
@@ -3675,7 +3819,7 @@
                   <a:t> к </a:t>
                 </a:r>
                 <a:r>
-                  <a:rPr lang="en-US" sz="1169" dirty="0" err="1">
+                  <a:rPr lang="en-US" sz="1061" dirty="0" err="1">
                     <a:solidFill>
                       <a:srgbClr val="000000"/>
                     </a:solidFill>
@@ -3687,7 +3831,7 @@
                   <a:t>администратору</a:t>
                 </a:r>
                 <a:r>
-                  <a:rPr lang="en-US" sz="1169" dirty="0">
+                  <a:rPr lang="en-US" sz="1061" dirty="0">
                     <a:solidFill>
                       <a:srgbClr val="000000"/>
                     </a:solidFill>
@@ -3781,7 +3925,7 @@
                 <a:bodyPr/>
                 <a:lstStyle/>
                 <a:p>
-                  <a:endParaRPr/>
+                  <a:endParaRPr sz="1500"/>
                 </a:p>
               </p:txBody>
             </p:sp>
@@ -3807,15 +3951,15 @@
                 </a:prstGeom>
               </p:spPr>
               <p:txBody>
-                <a:bodyPr lIns="50800" tIns="50800" rIns="50800" bIns="50800" rtlCol="0" anchor="ctr"/>
+                <a:bodyPr lIns="46104" tIns="46104" rIns="46104" bIns="46104" rtlCol="0" anchor="ctr"/>
                 <a:lstStyle/>
                 <a:p>
                   <a:pPr algn="ctr">
                     <a:lnSpc>
-                      <a:spcPts val="1664"/>
+                      <a:spcPts val="1510"/>
                     </a:lnSpc>
                   </a:pPr>
-                  <a:endParaRPr/>
+                  <a:endParaRPr sz="1500"/>
                 </a:p>
               </p:txBody>
             </p:sp>
@@ -3900,7 +4044,7 @@
                 <a:bodyPr/>
                 <a:lstStyle/>
                 <a:p>
-                  <a:endParaRPr/>
+                  <a:endParaRPr sz="1500"/>
                 </a:p>
               </p:txBody>
             </p:sp>
@@ -3926,15 +4070,15 @@
                 </a:prstGeom>
               </p:spPr>
               <p:txBody>
-                <a:bodyPr lIns="50800" tIns="50800" rIns="50800" bIns="50800" rtlCol="0" anchor="ctr"/>
+                <a:bodyPr lIns="46104" tIns="46104" rIns="46104" bIns="46104" rtlCol="0" anchor="ctr"/>
                 <a:lstStyle/>
                 <a:p>
                   <a:pPr algn="ctr">
                     <a:lnSpc>
-                      <a:spcPts val="1664"/>
+                      <a:spcPts val="1510"/>
                     </a:lnSpc>
                   </a:pPr>
-                  <a:endParaRPr/>
+                  <a:endParaRPr sz="1500"/>
                 </a:p>
               </p:txBody>
             </p:sp>
@@ -3972,7 +4116,7 @@
               <a:bodyPr/>
               <a:lstStyle/>
               <a:p>
-                <a:endParaRPr/>
+                <a:endParaRPr sz="1500"/>
               </a:p>
             </p:txBody>
           </p:sp>
@@ -4009,7 +4153,7 @@
               <a:bodyPr/>
               <a:lstStyle/>
               <a:p>
-                <a:endParaRPr/>
+                <a:endParaRPr sz="1500"/>
               </a:p>
             </p:txBody>
           </p:sp>
@@ -4028,7 +4172,7 @@
             <p:spPr>
               <a:xfrm>
                 <a:off x="442914" y="1226277"/>
-                <a:ext cx="3628992" cy="863600"/>
+                <a:ext cx="3628993" cy="904708"/>
               </a:xfrm>
               <a:prstGeom prst="rect">
                 <a:avLst/>
@@ -4040,13 +4184,13 @@
               </a:bodyPr>
               <a:lstStyle/>
               <a:p>
-                <a:pPr algn="l">
+                <a:pPr>
                   <a:lnSpc>
-                    <a:spcPts val="1331"/>
+                    <a:spcPts val="1208"/>
                   </a:lnSpc>
                 </a:pPr>
                 <a:r>
-                  <a:rPr lang="en-US" sz="1109" b="1">
+                  <a:rPr lang="en-US" sz="1007" b="1">
                     <a:solidFill>
                       <a:srgbClr val="000000"/>
                     </a:solidFill>
@@ -4059,13 +4203,13 @@
                 </a:r>
               </a:p>
               <a:p>
-                <a:pPr algn="l">
+                <a:pPr>
                   <a:lnSpc>
-                    <a:spcPts val="1331"/>
+                    <a:spcPts val="1208"/>
                   </a:lnSpc>
                 </a:pPr>
                 <a:r>
-                  <a:rPr lang="en-US" sz="1109">
+                  <a:rPr lang="en-US" sz="1007">
                     <a:solidFill>
                       <a:srgbClr val="000000"/>
                     </a:solidFill>
@@ -4094,7 +4238,7 @@
             <p:spPr>
               <a:xfrm>
                 <a:off x="393917" y="2527752"/>
-                <a:ext cx="3677989" cy="676406"/>
+                <a:ext cx="3677988" cy="734769"/>
               </a:xfrm>
               <a:prstGeom prst="rect">
                 <a:avLst/>
@@ -4106,13 +4250,13 @@
               </a:bodyPr>
               <a:lstStyle/>
               <a:p>
-                <a:pPr algn="l">
+                <a:pPr>
                   <a:lnSpc>
-                    <a:spcPts val="1386"/>
+                    <a:spcPts val="1258"/>
                   </a:lnSpc>
                 </a:pPr>
                 <a:r>
-                  <a:rPr lang="en-US" sz="1109" b="1">
+                  <a:rPr lang="en-US" sz="1007" b="1">
                     <a:solidFill>
                       <a:srgbClr val="000000"/>
                     </a:solidFill>
@@ -4125,13 +4269,13 @@
                 </a:r>
               </a:p>
               <a:p>
-                <a:pPr algn="l">
+                <a:pPr>
                   <a:lnSpc>
-                    <a:spcPts val="1386"/>
+                    <a:spcPts val="1258"/>
                   </a:lnSpc>
                 </a:pPr>
                 <a:r>
-                  <a:rPr lang="en-US" sz="1109">
+                  <a:rPr lang="en-US" sz="1007">
                     <a:solidFill>
                       <a:srgbClr val="000000"/>
                     </a:solidFill>
@@ -4226,7 +4370,7 @@
               <a:bodyPr/>
               <a:lstStyle/>
               <a:p>
-                <a:endParaRPr/>
+                <a:endParaRPr sz="1500"/>
               </a:p>
             </p:txBody>
           </p:sp>
@@ -4252,15 +4396,15 @@
               </a:prstGeom>
             </p:spPr>
             <p:txBody>
-              <a:bodyPr lIns="50800" tIns="50800" rIns="50800" bIns="50800" rtlCol="0" anchor="ctr"/>
+              <a:bodyPr lIns="46104" tIns="46104" rIns="46104" bIns="46104" rtlCol="0" anchor="ctr"/>
               <a:lstStyle/>
               <a:p>
                 <a:pPr algn="ctr">
                   <a:lnSpc>
-                    <a:spcPts val="1664"/>
+                    <a:spcPts val="1510"/>
                   </a:lnSpc>
                 </a:pPr>
-                <a:endParaRPr/>
+                <a:endParaRPr sz="1500"/>
               </a:p>
             </p:txBody>
           </p:sp>
@@ -4345,7 +4489,7 @@
               <a:bodyPr/>
               <a:lstStyle/>
               <a:p>
-                <a:endParaRPr/>
+                <a:endParaRPr sz="1500"/>
               </a:p>
             </p:txBody>
           </p:sp>
@@ -4371,15 +4515,15 @@
               </a:prstGeom>
             </p:spPr>
             <p:txBody>
-              <a:bodyPr lIns="50800" tIns="50800" rIns="50800" bIns="50800" rtlCol="0" anchor="ctr"/>
+              <a:bodyPr lIns="46104" tIns="46104" rIns="46104" bIns="46104" rtlCol="0" anchor="ctr"/>
               <a:lstStyle/>
               <a:p>
                 <a:pPr algn="ctr">
                   <a:lnSpc>
-                    <a:spcPts val="1664"/>
+                    <a:spcPts val="1510"/>
                   </a:lnSpc>
                 </a:pPr>
-                <a:endParaRPr/>
+                <a:endParaRPr sz="1500"/>
               </a:p>
             </p:txBody>
           </p:sp>
@@ -4464,7 +4608,7 @@
               <a:bodyPr/>
               <a:lstStyle/>
               <a:p>
-                <a:endParaRPr/>
+                <a:endParaRPr sz="1500"/>
               </a:p>
             </p:txBody>
           </p:sp>
@@ -4490,15 +4634,15 @@
               </a:prstGeom>
             </p:spPr>
             <p:txBody>
-              <a:bodyPr lIns="50800" tIns="50800" rIns="50800" bIns="50800" rtlCol="0" anchor="ctr"/>
+              <a:bodyPr lIns="46104" tIns="46104" rIns="46104" bIns="46104" rtlCol="0" anchor="ctr"/>
               <a:lstStyle/>
               <a:p>
                 <a:pPr algn="ctr">
                   <a:lnSpc>
-                    <a:spcPts val="1664"/>
+                    <a:spcPts val="1510"/>
                   </a:lnSpc>
                 </a:pPr>
-                <a:endParaRPr/>
+                <a:endParaRPr sz="1500"/>
               </a:p>
             </p:txBody>
           </p:sp>
@@ -4536,7 +4680,7 @@
             <a:bodyPr/>
             <a:lstStyle/>
             <a:p>
-              <a:endParaRPr/>
+              <a:endParaRPr sz="1500"/>
             </a:p>
           </p:txBody>
         </p:sp>
@@ -4573,7 +4717,7 @@
             <a:bodyPr/>
             <a:lstStyle/>
             <a:p>
-              <a:endParaRPr/>
+              <a:endParaRPr sz="1500"/>
             </a:p>
           </p:txBody>
         </p:sp>
@@ -4610,7 +4754,7 @@
             <a:bodyPr/>
             <a:lstStyle/>
             <a:p>
-              <a:endParaRPr/>
+              <a:endParaRPr sz="1500"/>
             </a:p>
           </p:txBody>
         </p:sp>
@@ -4629,7 +4773,7 @@
           <p:spPr>
             <a:xfrm>
               <a:off x="622288" y="3358277"/>
-              <a:ext cx="2979562" cy="691743"/>
+              <a:ext cx="2979562" cy="680791"/>
             </a:xfrm>
             <a:prstGeom prst="rect">
               <a:avLst/>
@@ -4641,13 +4785,13 @@
             </a:bodyPr>
             <a:lstStyle/>
             <a:p>
-              <a:pPr algn="l">
+              <a:pPr>
                 <a:lnSpc>
-                  <a:spcPts val="1357"/>
+                  <a:spcPts val="1232"/>
                 </a:lnSpc>
               </a:pPr>
               <a:r>
-                <a:rPr lang="en-US" sz="1169" b="1" dirty="0" err="1">
+                <a:rPr lang="en-US" sz="1061" b="1" dirty="0" err="1">
                   <a:solidFill>
                     <a:srgbClr val="000000"/>
                   </a:solidFill>
@@ -4659,7 +4803,7 @@
                 <a:t>Ресторан</a:t>
               </a:r>
               <a:r>
-                <a:rPr lang="en-US" sz="1169" b="1" dirty="0">
+                <a:rPr lang="en-US" sz="1061" b="1" dirty="0">
                   <a:solidFill>
                     <a:srgbClr val="000000"/>
                   </a:solidFill>
@@ -4671,7 +4815,7 @@
                 <a:t> </a:t>
               </a:r>
               <a:r>
-                <a:rPr lang="en-US" sz="1169" b="1" dirty="0" err="1">
+                <a:rPr lang="en-US" sz="1061" b="1" dirty="0" err="1">
                   <a:solidFill>
                     <a:srgbClr val="000000"/>
                   </a:solidFill>
@@ -4683,7 +4827,7 @@
                 <a:t>MemET</a:t>
               </a:r>
               <a:r>
-                <a:rPr lang="en-US" sz="1169" b="1" dirty="0">
+                <a:rPr lang="en-US" sz="1061" b="1" dirty="0">
                   <a:solidFill>
                     <a:srgbClr val="000000"/>
                   </a:solidFill>
@@ -4696,13 +4840,13 @@
               </a:r>
             </a:p>
             <a:p>
-              <a:pPr algn="l">
+              <a:pPr>
                 <a:lnSpc>
-                  <a:spcPts val="1357"/>
+                  <a:spcPts val="1232"/>
                 </a:lnSpc>
               </a:pPr>
               <a:r>
-                <a:rPr lang="en-US" sz="1169" b="1" dirty="0" err="1">
+                <a:rPr lang="en-US" sz="1061" b="1" dirty="0" err="1">
                   <a:solidFill>
                     <a:srgbClr val="000000"/>
                   </a:solidFill>
@@ -4714,7 +4858,7 @@
                 <a:t>Континентальный</a:t>
               </a:r>
               <a:r>
-                <a:rPr lang="en-US" sz="1169" b="1" dirty="0">
+                <a:rPr lang="en-US" sz="1061" b="1" dirty="0">
                   <a:solidFill>
                     <a:srgbClr val="000000"/>
                   </a:solidFill>
@@ -4726,7 +4870,7 @@
                 <a:t> </a:t>
               </a:r>
               <a:r>
-                <a:rPr lang="en-US" sz="1169" b="1" dirty="0" err="1">
+                <a:rPr lang="en-US" sz="1061" b="1" dirty="0" err="1">
                   <a:solidFill>
                     <a:srgbClr val="000000"/>
                   </a:solidFill>
@@ -4738,7 +4882,7 @@
                 <a:t>завтрак</a:t>
               </a:r>
               <a:r>
-                <a:rPr lang="en-US" sz="1169" b="1" dirty="0">
+                <a:rPr lang="en-US" sz="1061" b="1" dirty="0">
                   <a:solidFill>
                     <a:srgbClr val="000000"/>
                   </a:solidFill>
@@ -4750,7 +4894,7 @@
                 <a:t> - </a:t>
               </a:r>
               <a:r>
-                <a:rPr lang="en-US" sz="1169" dirty="0">
+                <a:rPr lang="en-US" sz="1061" dirty="0">
                   <a:solidFill>
                     <a:srgbClr val="000000"/>
                   </a:solidFill>
@@ -4763,13 +4907,13 @@
               </a:r>
             </a:p>
             <a:p>
-              <a:pPr algn="l">
+              <a:pPr>
                 <a:lnSpc>
-                  <a:spcPts val="1357"/>
+                  <a:spcPts val="1232"/>
                 </a:lnSpc>
               </a:pPr>
               <a:r>
-                <a:rPr lang="en-US" sz="1169" dirty="0" err="1">
+                <a:rPr lang="en-US" sz="1061" dirty="0" err="1">
                   <a:solidFill>
                     <a:srgbClr val="000000"/>
                   </a:solidFill>
@@ -4781,7 +4925,7 @@
                 <a:t>от</a:t>
               </a:r>
               <a:r>
-                <a:rPr lang="en-US" sz="1169" dirty="0">
+                <a:rPr lang="en-US" sz="1061" dirty="0">
                   <a:solidFill>
                     <a:srgbClr val="000000"/>
                   </a:solidFill>
@@ -4793,7 +4937,7 @@
                 <a:t> 850 ₽. </a:t>
               </a:r>
               <a:r>
-                <a:rPr lang="en-US" sz="1169" dirty="0" err="1">
+                <a:rPr lang="en-US" sz="1061" dirty="0" err="1">
                   <a:solidFill>
                     <a:srgbClr val="000000"/>
                   </a:solidFill>
@@ -4805,7 +4949,7 @@
                 <a:t>Доступны</a:t>
               </a:r>
               <a:r>
-                <a:rPr lang="en-US" sz="1169" dirty="0">
+                <a:rPr lang="en-US" sz="1061" dirty="0">
                   <a:solidFill>
                     <a:srgbClr val="000000"/>
                   </a:solidFill>
@@ -4817,7 +4961,7 @@
                 <a:t> </a:t>
               </a:r>
               <a:r>
-                <a:rPr lang="en-US" sz="1169" dirty="0" err="1">
+                <a:rPr lang="en-US" sz="1061" dirty="0" err="1">
                   <a:solidFill>
                     <a:srgbClr val="000000"/>
                   </a:solidFill>
@@ -4829,7 +4973,7 @@
                 <a:t>обеды</a:t>
               </a:r>
               <a:r>
-                <a:rPr lang="en-US" sz="1169" dirty="0">
+                <a:rPr lang="en-US" sz="1061" dirty="0">
                   <a:solidFill>
                     <a:srgbClr val="000000"/>
                   </a:solidFill>
@@ -4841,7 +4985,7 @@
                 <a:t> и </a:t>
               </a:r>
               <a:r>
-                <a:rPr lang="en-US" sz="1169" dirty="0" err="1">
+                <a:rPr lang="en-US" sz="1061" dirty="0" err="1">
                   <a:solidFill>
                     <a:srgbClr val="000000"/>
                   </a:solidFill>
@@ -4853,7 +4997,7 @@
                 <a:t>ужины</a:t>
               </a:r>
               <a:r>
-                <a:rPr lang="en-US" sz="1169" dirty="0">
+                <a:rPr lang="en-US" sz="1061" dirty="0">
                   <a:solidFill>
                     <a:srgbClr val="000000"/>
                   </a:solidFill>
@@ -4865,7 +5009,7 @@
                 <a:t> </a:t>
               </a:r>
               <a:r>
-                <a:rPr lang="en-US" sz="1169" dirty="0" err="1">
+                <a:rPr lang="en-US" sz="1061" dirty="0" err="1">
                   <a:solidFill>
                     <a:srgbClr val="000000"/>
                   </a:solidFill>
@@ -4877,7 +5021,7 @@
                 <a:t>по</a:t>
               </a:r>
               <a:r>
-                <a:rPr lang="en-US" sz="1169" dirty="0">
+                <a:rPr lang="en-US" sz="1061" dirty="0">
                   <a:solidFill>
                     <a:srgbClr val="000000"/>
                   </a:solidFill>
@@ -4889,7 +5033,7 @@
                 <a:t> </a:t>
               </a:r>
               <a:r>
-                <a:rPr lang="en-US" sz="1169" dirty="0" err="1">
+                <a:rPr lang="en-US" sz="1061" dirty="0" err="1">
                   <a:solidFill>
                     <a:srgbClr val="000000"/>
                   </a:solidFill>
@@ -4901,7 +5045,7 @@
                 <a:t>меню</a:t>
               </a:r>
               <a:r>
-                <a:rPr lang="en-US" sz="1169" dirty="0">
+                <a:rPr lang="en-US" sz="1061" dirty="0">
                   <a:solidFill>
                     <a:srgbClr val="000000"/>
                   </a:solidFill>
@@ -4914,12 +5058,12 @@
               </a:r>
             </a:p>
             <a:p>
-              <a:pPr algn="l">
+              <a:pPr>
                 <a:lnSpc>
-                  <a:spcPts val="1357"/>
+                  <a:spcPts val="1232"/>
                 </a:lnSpc>
               </a:pPr>
-              <a:endParaRPr lang="en-US" sz="1169" dirty="0">
+              <a:endParaRPr lang="en-US" sz="1061" dirty="0">
                 <a:solidFill>
                   <a:srgbClr val="000000"/>
                 </a:solidFill>
@@ -4946,7 +5090,7 @@
           <p:spPr>
             <a:xfrm>
               <a:off x="622288" y="5298800"/>
-              <a:ext cx="3118941" cy="512602"/>
+              <a:ext cx="3118941" cy="551077"/>
             </a:xfrm>
             <a:prstGeom prst="rect">
               <a:avLst/>
@@ -4958,16 +5102,16 @@
             </a:bodyPr>
             <a:lstStyle/>
             <a:p>
-              <a:pPr marL="0" lvl="0" indent="0" algn="l">
+              <a:pPr>
                 <a:lnSpc>
-                  <a:spcPts val="1420"/>
+                  <a:spcPts val="1289"/>
                 </a:lnSpc>
                 <a:spcBef>
                   <a:spcPct val="0"/>
                 </a:spcBef>
               </a:pPr>
               <a:r>
-                <a:rPr lang="en-US" sz="1109" b="1" u="none" strike="noStrike" dirty="0">
+                <a:rPr lang="en-US" sz="1007" b="1" dirty="0">
                   <a:solidFill>
                     <a:srgbClr val="000000"/>
                   </a:solidFill>
@@ -4980,16 +5124,16 @@
               </a:r>
             </a:p>
             <a:p>
-              <a:pPr marL="0" lvl="0" indent="0" algn="l">
+              <a:pPr>
                 <a:lnSpc>
-                  <a:spcPts val="1420"/>
+                  <a:spcPts val="1289"/>
                 </a:lnSpc>
                 <a:spcBef>
                   <a:spcPct val="0"/>
                 </a:spcBef>
               </a:pPr>
               <a:r>
-                <a:rPr lang="en-US" sz="1109" u="none" strike="noStrike" dirty="0" err="1">
+                <a:rPr lang="en-US" sz="1007" dirty="0" err="1">
                   <a:solidFill>
                     <a:srgbClr val="000000"/>
                   </a:solidFill>
@@ -5001,7 +5145,7 @@
                 <a:t>Для</a:t>
               </a:r>
               <a:r>
-                <a:rPr lang="en-US" sz="1109" u="none" strike="noStrike" dirty="0">
+                <a:rPr lang="en-US" sz="1007" dirty="0">
                   <a:solidFill>
                     <a:srgbClr val="000000"/>
                   </a:solidFill>
@@ -5013,7 +5157,7 @@
                 <a:t> </a:t>
               </a:r>
               <a:r>
-                <a:rPr lang="en-US" sz="1109" u="none" strike="noStrike" dirty="0" err="1">
+                <a:rPr lang="en-US" sz="1007" dirty="0" err="1">
                   <a:solidFill>
                     <a:srgbClr val="000000"/>
                   </a:solidFill>
@@ -5025,7 +5169,7 @@
                 <a:t>записи</a:t>
               </a:r>
               <a:r>
-                <a:rPr lang="en-US" sz="1109" u="none" strike="noStrike" dirty="0">
+                <a:rPr lang="en-US" sz="1007" dirty="0">
                   <a:solidFill>
                     <a:srgbClr val="000000"/>
                   </a:solidFill>
@@ -5037,7 +5181,7 @@
                 <a:t> </a:t>
               </a:r>
               <a:r>
-                <a:rPr lang="en-US" sz="1109" u="none" strike="noStrike" dirty="0" err="1">
+                <a:rPr lang="en-US" sz="1007" dirty="0" err="1">
                   <a:solidFill>
                     <a:srgbClr val="000000"/>
                   </a:solidFill>
@@ -5049,7 +5193,7 @@
                 <a:t>обратитесь</a:t>
               </a:r>
               <a:r>
-                <a:rPr lang="en-US" sz="1109" u="none" strike="noStrike" dirty="0">
+                <a:rPr lang="en-US" sz="1007" dirty="0">
                   <a:solidFill>
                     <a:srgbClr val="000000"/>
                   </a:solidFill>
@@ -5061,7 +5205,7 @@
                 <a:t> к </a:t>
               </a:r>
               <a:r>
-                <a:rPr lang="en-US" sz="1109" u="none" strike="noStrike" dirty="0" err="1">
+                <a:rPr lang="en-US" sz="1007" dirty="0" err="1">
                   <a:solidFill>
                     <a:srgbClr val="000000"/>
                   </a:solidFill>
@@ -5073,7 +5217,7 @@
                 <a:t>администратору</a:t>
               </a:r>
               <a:r>
-                <a:rPr lang="en-US" sz="1109" u="none" strike="noStrike" dirty="0">
+                <a:rPr lang="en-US" sz="1007" dirty="0">
                   <a:solidFill>
                     <a:srgbClr val="000000"/>
                   </a:solidFill>
@@ -5086,16 +5230,16 @@
               </a:r>
             </a:p>
             <a:p>
-              <a:pPr marL="0" lvl="0" indent="0" algn="l">
+              <a:pPr>
                 <a:lnSpc>
-                  <a:spcPts val="1420"/>
+                  <a:spcPts val="1289"/>
                 </a:lnSpc>
                 <a:spcBef>
                   <a:spcPct val="0"/>
                 </a:spcBef>
               </a:pPr>
               <a:r>
-                <a:rPr lang="en-US" sz="1109" u="none" strike="noStrike" dirty="0" err="1">
+                <a:rPr lang="en-US" sz="1007" dirty="0" err="1">
                   <a:solidFill>
                     <a:srgbClr val="000000"/>
                   </a:solidFill>
@@ -5107,7 +5251,7 @@
                 <a:t>на</a:t>
               </a:r>
               <a:r>
-                <a:rPr lang="en-US" sz="1109" u="none" strike="noStrike" dirty="0">
+                <a:rPr lang="en-US" sz="1007" dirty="0">
                   <a:solidFill>
                     <a:srgbClr val="000000"/>
                   </a:solidFill>
@@ -5119,7 +5263,7 @@
                 <a:t> </a:t>
               </a:r>
               <a:r>
-                <a:rPr lang="en-US" sz="1109" u="none" strike="noStrike" dirty="0" err="1">
+                <a:rPr lang="en-US" sz="1007" dirty="0" err="1">
                   <a:solidFill>
                     <a:srgbClr val="000000"/>
                   </a:solidFill>
@@ -5130,7 +5274,7 @@
                 </a:rPr>
                 <a:t>ресепшн</a:t>
               </a:r>
-              <a:endParaRPr lang="en-US" sz="1109" u="none" strike="noStrike" dirty="0">
+              <a:endParaRPr lang="en-US" sz="1007" dirty="0">
                 <a:solidFill>
                   <a:srgbClr val="000000"/>
                 </a:solidFill>
@@ -5156,8 +5300,8 @@
           </p:nvSpPr>
           <p:spPr>
             <a:xfrm>
-              <a:off x="622288" y="4192895"/>
-              <a:ext cx="3118941" cy="718145"/>
+              <a:off x="622288" y="4192894"/>
+              <a:ext cx="3118941" cy="734769"/>
             </a:xfrm>
             <a:prstGeom prst="rect">
               <a:avLst/>
@@ -5169,13 +5313,13 @@
             </a:bodyPr>
             <a:lstStyle/>
             <a:p>
-              <a:pPr algn="l">
+              <a:pPr>
                 <a:lnSpc>
-                  <a:spcPts val="1420"/>
+                  <a:spcPts val="1289"/>
                 </a:lnSpc>
               </a:pPr>
               <a:r>
-                <a:rPr lang="en-US" sz="1109" b="1" dirty="0" err="1">
+                <a:rPr lang="en-US" sz="1007" b="1" dirty="0" err="1">
                   <a:solidFill>
                     <a:srgbClr val="000000"/>
                   </a:solidFill>
@@ -5187,7 +5331,7 @@
                 <a:t>Доп</a:t>
               </a:r>
               <a:r>
-                <a:rPr lang="en-US" sz="1109" b="1" dirty="0">
+                <a:rPr lang="en-US" sz="1007" b="1" dirty="0">
                   <a:solidFill>
                     <a:srgbClr val="000000"/>
                   </a:solidFill>
@@ -5199,7 +5343,7 @@
                 <a:t>. </a:t>
               </a:r>
               <a:r>
-                <a:rPr lang="en-US" sz="1109" b="1" dirty="0" err="1">
+                <a:rPr lang="en-US" sz="1007" b="1" dirty="0" err="1">
                   <a:solidFill>
                     <a:srgbClr val="000000"/>
                   </a:solidFill>
@@ -5211,7 +5355,7 @@
                 <a:t>принадлежности</a:t>
               </a:r>
               <a:r>
-                <a:rPr lang="en-US" sz="1109" b="1" dirty="0">
+                <a:rPr lang="en-US" sz="1007" b="1" dirty="0">
                   <a:solidFill>
                     <a:srgbClr val="000000"/>
                   </a:solidFill>
@@ -5223,7 +5367,7 @@
                 <a:t> и </a:t>
               </a:r>
               <a:r>
-                <a:rPr lang="en-US" sz="1109" b="1" dirty="0" err="1">
+                <a:rPr lang="en-US" sz="1007" b="1" dirty="0" err="1">
                   <a:solidFill>
                     <a:srgbClr val="000000"/>
                   </a:solidFill>
@@ -5234,7 +5378,7 @@
                 </a:rPr>
                 <a:t>стирка</a:t>
               </a:r>
-              <a:endParaRPr lang="en-US" sz="1109" b="1" dirty="0">
+              <a:endParaRPr lang="en-US" sz="1007" b="1" dirty="0">
                 <a:solidFill>
                   <a:srgbClr val="000000"/>
                 </a:solidFill>
@@ -5245,13 +5389,13 @@
               </a:endParaRPr>
             </a:p>
             <a:p>
-              <a:pPr algn="l">
+              <a:pPr>
                 <a:lnSpc>
-                  <a:spcPts val="1420"/>
+                  <a:spcPts val="1289"/>
                 </a:lnSpc>
               </a:pPr>
               <a:r>
-                <a:rPr lang="en-US" sz="1109" b="1" dirty="0">
+                <a:rPr lang="en-US" sz="1007" b="1" dirty="0">
                   <a:solidFill>
                     <a:srgbClr val="000000"/>
                   </a:solidFill>
@@ -5263,7 +5407,7 @@
                 <a:t>1</a:t>
               </a:r>
               <a:r>
-                <a:rPr lang="en-US" sz="1109" dirty="0">
+                <a:rPr lang="en-US" sz="1007" dirty="0">
                   <a:solidFill>
                     <a:srgbClr val="000000"/>
                   </a:solidFill>
@@ -5275,7 +5419,7 @@
                 <a:t> </a:t>
               </a:r>
               <a:r>
-                <a:rPr lang="en-US" sz="1109" dirty="0" err="1">
+                <a:rPr lang="en-US" sz="1007" dirty="0" err="1">
                   <a:solidFill>
                     <a:srgbClr val="000000"/>
                   </a:solidFill>
@@ -5287,7 +5431,7 @@
                 <a:t>стик</a:t>
               </a:r>
               <a:r>
-                <a:rPr lang="ru-RU" sz="1109" dirty="0">
+                <a:rPr lang="ru-RU" sz="1007" dirty="0">
                   <a:solidFill>
                     <a:srgbClr val="000000"/>
                   </a:solidFill>
@@ -5299,7 +5443,7 @@
                 <a:t>/капсула</a:t>
               </a:r>
               <a:r>
-                <a:rPr lang="en-US" sz="1109" dirty="0">
+                <a:rPr lang="en-US" sz="1007" dirty="0">
                   <a:solidFill>
                     <a:srgbClr val="000000"/>
                   </a:solidFill>
@@ -5311,7 +5455,7 @@
                 <a:t> </a:t>
               </a:r>
               <a:r>
-                <a:rPr lang="en-US" sz="1109" dirty="0" err="1">
+                <a:rPr lang="en-US" sz="1007" dirty="0" err="1">
                   <a:solidFill>
                     <a:srgbClr val="000000"/>
                   </a:solidFill>
@@ -5323,7 +5467,7 @@
                 <a:t>порошка</a:t>
               </a:r>
               <a:r>
-                <a:rPr lang="en-US" sz="1109" dirty="0">
+                <a:rPr lang="en-US" sz="1007" dirty="0">
                   <a:solidFill>
                     <a:srgbClr val="000000"/>
                   </a:solidFill>
@@ -5335,7 +5479,7 @@
                 <a:t> — </a:t>
               </a:r>
               <a:r>
-                <a:rPr lang="ru-RU" sz="1109" dirty="0">
+                <a:rPr lang="ru-RU" sz="1007" dirty="0">
                   <a:solidFill>
                     <a:srgbClr val="000000"/>
                   </a:solidFill>
@@ -5347,7 +5491,7 @@
                 <a:t>предоставляется платно 150 </a:t>
               </a:r>
               <a:r>
-                <a:rPr lang="en-US" sz="1100" dirty="0">
+                <a:rPr lang="en-US" sz="998" dirty="0">
                   <a:solidFill>
                     <a:srgbClr val="000000"/>
                   </a:solidFill>
@@ -5358,7 +5502,7 @@
                 </a:rPr>
                 <a:t>₽</a:t>
               </a:r>
-              <a:endParaRPr lang="en-US" sz="1109" dirty="0">
+              <a:endParaRPr lang="en-US" sz="1007" dirty="0">
                 <a:solidFill>
                   <a:srgbClr val="000000"/>
                 </a:solidFill>
@@ -5369,13 +5513,13 @@
               </a:endParaRPr>
             </a:p>
             <a:p>
-              <a:pPr algn="l">
+              <a:pPr>
                 <a:lnSpc>
-                  <a:spcPts val="1420"/>
+                  <a:spcPts val="1289"/>
                 </a:lnSpc>
               </a:pPr>
               <a:r>
-                <a:rPr lang="en-US" sz="1109" dirty="0">
+                <a:rPr lang="en-US" sz="1007" dirty="0">
                   <a:solidFill>
                     <a:srgbClr val="000000"/>
                   </a:solidFill>
@@ -5404,8 +5548,8 @@
         </p:nvGrpSpPr>
         <p:grpSpPr>
           <a:xfrm>
-            <a:off x="4135860" y="-315799"/>
-            <a:ext cx="2459797" cy="6342261"/>
+            <a:off x="3854087" y="-286607"/>
+            <a:ext cx="2232421" cy="5756002"/>
             <a:chOff x="4135860" y="-315799"/>
             <a:chExt cx="2459797" cy="6342261"/>
           </a:xfrm>
@@ -5504,7 +5648,7 @@
               <a:bodyPr/>
               <a:lstStyle/>
               <a:p>
-                <a:endParaRPr/>
+                <a:endParaRPr sz="1500"/>
               </a:p>
             </p:txBody>
           </p:sp>
@@ -5530,15 +5674,15 @@
               </a:prstGeom>
             </p:spPr>
             <p:txBody>
-              <a:bodyPr lIns="50800" tIns="50800" rIns="50800" bIns="50800" rtlCol="0" anchor="ctr"/>
+              <a:bodyPr lIns="46104" tIns="46104" rIns="46104" bIns="46104" rtlCol="0" anchor="ctr"/>
               <a:lstStyle/>
               <a:p>
                 <a:pPr algn="ctr">
                   <a:lnSpc>
-                    <a:spcPts val="1664"/>
+                    <a:spcPts val="1510"/>
                   </a:lnSpc>
                 </a:pPr>
-                <a:endParaRPr/>
+                <a:endParaRPr sz="1500"/>
               </a:p>
             </p:txBody>
           </p:sp>
@@ -5652,7 +5796,7 @@
                 <a:bodyPr/>
                 <a:lstStyle/>
                 <a:p>
-                  <a:endParaRPr/>
+                  <a:endParaRPr sz="1500"/>
                 </a:p>
               </p:txBody>
             </p:sp>
@@ -5678,15 +5822,15 @@
                 </a:prstGeom>
               </p:spPr>
               <p:txBody>
-                <a:bodyPr lIns="50800" tIns="50800" rIns="50800" bIns="50800" rtlCol="0" anchor="ctr"/>
+                <a:bodyPr lIns="46104" tIns="46104" rIns="46104" bIns="46104" rtlCol="0" anchor="ctr"/>
                 <a:lstStyle/>
                 <a:p>
                   <a:pPr algn="ctr">
                     <a:lnSpc>
-                      <a:spcPts val="1664"/>
+                      <a:spcPts val="1510"/>
                     </a:lnSpc>
                   </a:pPr>
-                  <a:endParaRPr/>
+                  <a:endParaRPr sz="1500"/>
                 </a:p>
               </p:txBody>
             </p:sp>
@@ -5780,7 +5924,7 @@
                 <a:bodyPr/>
                 <a:lstStyle/>
                 <a:p>
-                  <a:endParaRPr/>
+                  <a:endParaRPr sz="1500"/>
                 </a:p>
               </p:txBody>
             </p:sp>
@@ -5806,15 +5950,15 @@
                 </a:prstGeom>
               </p:spPr>
               <p:txBody>
-                <a:bodyPr lIns="50800" tIns="50800" rIns="50800" bIns="50800" rtlCol="0" anchor="ctr"/>
+                <a:bodyPr lIns="46104" tIns="46104" rIns="46104" bIns="46104" rtlCol="0" anchor="ctr"/>
                 <a:lstStyle/>
                 <a:p>
                   <a:pPr algn="ctr">
                     <a:lnSpc>
-                      <a:spcPts val="1664"/>
+                      <a:spcPts val="1510"/>
                     </a:lnSpc>
                   </a:pPr>
-                  <a:endParaRPr/>
+                  <a:endParaRPr sz="1500"/>
                 </a:p>
               </p:txBody>
             </p:sp>
@@ -5908,7 +6052,7 @@
                 <a:bodyPr/>
                 <a:lstStyle/>
                 <a:p>
-                  <a:endParaRPr/>
+                  <a:endParaRPr sz="1500"/>
                 </a:p>
               </p:txBody>
             </p:sp>
@@ -5934,15 +6078,15 @@
                 </a:prstGeom>
               </p:spPr>
               <p:txBody>
-                <a:bodyPr lIns="50800" tIns="50800" rIns="50800" bIns="50800" rtlCol="0" anchor="ctr"/>
+                <a:bodyPr lIns="46104" tIns="46104" rIns="46104" bIns="46104" rtlCol="0" anchor="ctr"/>
                 <a:lstStyle/>
                 <a:p>
                   <a:pPr algn="ctr">
                     <a:lnSpc>
-                      <a:spcPts val="1664"/>
+                      <a:spcPts val="1510"/>
                     </a:lnSpc>
                   </a:pPr>
-                  <a:endParaRPr/>
+                  <a:endParaRPr sz="1500"/>
                 </a:p>
               </p:txBody>
             </p:sp>
@@ -6003,7 +6147,7 @@
             <a:bodyPr/>
             <a:lstStyle/>
             <a:p>
-              <a:endParaRPr/>
+              <a:endParaRPr sz="1500"/>
             </a:p>
           </p:txBody>
         </p:sp>
@@ -6022,7 +6166,7 @@
           <p:spPr>
             <a:xfrm>
               <a:off x="4217596" y="5031933"/>
-              <a:ext cx="2256807" cy="468740"/>
+              <a:ext cx="2256807" cy="737595"/>
             </a:xfrm>
             <a:prstGeom prst="rect">
               <a:avLst/>
@@ -6036,11 +6180,11 @@
             <a:p>
               <a:pPr algn="ctr">
                 <a:lnSpc>
-                  <a:spcPts val="1862"/>
+                  <a:spcPts val="1690"/>
                 </a:lnSpc>
               </a:pPr>
               <a:r>
-                <a:rPr lang="en-US" sz="2003">
+                <a:rPr lang="en-US" sz="1818">
                   <a:solidFill>
                     <a:srgbClr val="000000"/>
                   </a:solidFill>
@@ -6069,7 +6213,7 @@
           <p:spPr>
             <a:xfrm>
               <a:off x="4217596" y="308598"/>
-              <a:ext cx="2256807" cy="447402"/>
+              <a:ext cx="2256807" cy="456546"/>
             </a:xfrm>
             <a:prstGeom prst="rect">
               <a:avLst/>
@@ -6083,11 +6227,11 @@
             <a:p>
               <a:pPr algn="ctr">
                 <a:lnSpc>
-                  <a:spcPts val="3350"/>
+                  <a:spcPts val="3040"/>
                 </a:lnSpc>
               </a:pPr>
               <a:r>
-                <a:rPr lang="en-US" sz="3603">
+                <a:rPr lang="en-US" sz="3270">
                   <a:solidFill>
                     <a:srgbClr val="000000"/>
                   </a:solidFill>
@@ -6116,10 +6260,10 @@
         </p:nvGrpSpPr>
         <p:grpSpPr>
           <a:xfrm>
-            <a:off x="7276451" y="577850"/>
-            <a:ext cx="3183191" cy="6525778"/>
+            <a:off x="6804633" y="524436"/>
+            <a:ext cx="2888946" cy="5880730"/>
             <a:chOff x="7379884" y="570540"/>
-            <a:chExt cx="3183191" cy="6525778"/>
+            <a:chExt cx="3183191" cy="6479693"/>
           </a:xfrm>
         </p:grpSpPr>
         <p:sp>
@@ -6155,7 +6299,7 @@
             <a:bodyPr/>
             <a:lstStyle/>
             <a:p>
-              <a:endParaRPr/>
+              <a:endParaRPr sz="1500"/>
             </a:p>
           </p:txBody>
         </p:sp>
@@ -6239,7 +6383,7 @@
               <a:bodyPr/>
               <a:lstStyle/>
               <a:p>
-                <a:endParaRPr/>
+                <a:endParaRPr sz="1500"/>
               </a:p>
             </p:txBody>
           </p:sp>
@@ -6265,15 +6409,15 @@
               </a:prstGeom>
             </p:spPr>
             <p:txBody>
-              <a:bodyPr lIns="50800" tIns="50800" rIns="50800" bIns="50800" rtlCol="0" anchor="ctr"/>
+              <a:bodyPr lIns="46104" tIns="46104" rIns="46104" bIns="46104" rtlCol="0" anchor="ctr"/>
               <a:lstStyle/>
               <a:p>
                 <a:pPr algn="ctr">
                   <a:lnSpc>
-                    <a:spcPts val="1664"/>
+                    <a:spcPts val="1510"/>
                   </a:lnSpc>
                 </a:pPr>
-                <a:endParaRPr/>
+                <a:endParaRPr sz="1500"/>
               </a:p>
             </p:txBody>
           </p:sp>
@@ -6358,7 +6502,7 @@
               <a:bodyPr/>
               <a:lstStyle/>
               <a:p>
-                <a:endParaRPr/>
+                <a:endParaRPr sz="1500"/>
               </a:p>
             </p:txBody>
           </p:sp>
@@ -6384,15 +6528,15 @@
               </a:prstGeom>
             </p:spPr>
             <p:txBody>
-              <a:bodyPr lIns="50800" tIns="50800" rIns="50800" bIns="50800" rtlCol="0" anchor="ctr"/>
+              <a:bodyPr lIns="46104" tIns="46104" rIns="46104" bIns="46104" rtlCol="0" anchor="ctr"/>
               <a:lstStyle/>
               <a:p>
                 <a:pPr algn="ctr">
                   <a:lnSpc>
-                    <a:spcPts val="1664"/>
+                    <a:spcPts val="1510"/>
                   </a:lnSpc>
                 </a:pPr>
-                <a:endParaRPr/>
+                <a:endParaRPr sz="1500"/>
               </a:p>
             </p:txBody>
           </p:sp>
@@ -6477,7 +6621,7 @@
               <a:bodyPr/>
               <a:lstStyle/>
               <a:p>
-                <a:endParaRPr/>
+                <a:endParaRPr sz="1500"/>
               </a:p>
             </p:txBody>
           </p:sp>
@@ -6503,15 +6647,15 @@
               </a:prstGeom>
             </p:spPr>
             <p:txBody>
-              <a:bodyPr lIns="50800" tIns="50800" rIns="50800" bIns="50800" rtlCol="0" anchor="ctr"/>
+              <a:bodyPr lIns="46104" tIns="46104" rIns="46104" bIns="46104" rtlCol="0" anchor="ctr"/>
               <a:lstStyle/>
               <a:p>
                 <a:pPr algn="ctr">
                   <a:lnSpc>
-                    <a:spcPts val="1664"/>
+                    <a:spcPts val="1510"/>
                   </a:lnSpc>
                 </a:pPr>
-                <a:endParaRPr/>
+                <a:endParaRPr sz="1500"/>
               </a:p>
             </p:txBody>
           </p:sp>
@@ -6596,7 +6740,7 @@
               <a:bodyPr/>
               <a:lstStyle/>
               <a:p>
-                <a:endParaRPr/>
+                <a:endParaRPr sz="1500"/>
               </a:p>
             </p:txBody>
           </p:sp>
@@ -6622,15 +6766,15 @@
               </a:prstGeom>
             </p:spPr>
             <p:txBody>
-              <a:bodyPr lIns="50800" tIns="50800" rIns="50800" bIns="50800" rtlCol="0" anchor="ctr"/>
+              <a:bodyPr lIns="46104" tIns="46104" rIns="46104" bIns="46104" rtlCol="0" anchor="ctr"/>
               <a:lstStyle/>
               <a:p>
                 <a:pPr algn="ctr">
                   <a:lnSpc>
-                    <a:spcPts val="1664"/>
+                    <a:spcPts val="1510"/>
                   </a:lnSpc>
                 </a:pPr>
-                <a:endParaRPr/>
+                <a:endParaRPr sz="1500"/>
               </a:p>
             </p:txBody>
           </p:sp>
@@ -6668,7 +6812,7 @@
             <a:bodyPr/>
             <a:lstStyle/>
             <a:p>
-              <a:endParaRPr/>
+              <a:endParaRPr sz="1500"/>
             </a:p>
           </p:txBody>
         </p:sp>
@@ -6705,7 +6849,7 @@
             <a:bodyPr/>
             <a:lstStyle/>
             <a:p>
-              <a:endParaRPr/>
+              <a:endParaRPr sz="1500"/>
             </a:p>
           </p:txBody>
         </p:sp>
@@ -6742,7 +6886,7 @@
             <a:bodyPr/>
             <a:lstStyle/>
             <a:p>
-              <a:endParaRPr/>
+              <a:endParaRPr sz="1500"/>
             </a:p>
           </p:txBody>
         </p:sp>
@@ -6760,7 +6904,7 @@
           </p:nvSpPr>
           <p:spPr>
             <a:xfrm>
-              <a:off x="8514305" y="6046087"/>
+              <a:off x="8584572" y="6000002"/>
               <a:ext cx="1050231" cy="1050231"/>
             </a:xfrm>
             <a:custGeom>
@@ -6801,7 +6945,7 @@
             <a:bodyPr/>
             <a:lstStyle/>
             <a:p>
-              <a:endParaRPr/>
+              <a:endParaRPr sz="1500"/>
             </a:p>
           </p:txBody>
         </p:sp>
@@ -6820,7 +6964,7 @@
           <p:spPr>
             <a:xfrm>
               <a:off x="7748816" y="3376323"/>
-              <a:ext cx="2376153" cy="508713"/>
+              <a:ext cx="2376153" cy="508968"/>
             </a:xfrm>
             <a:prstGeom prst="rect">
               <a:avLst/>
@@ -6832,13 +6976,13 @@
             </a:bodyPr>
             <a:lstStyle/>
             <a:p>
-              <a:pPr algn="l">
+              <a:pPr>
                 <a:lnSpc>
-                  <a:spcPts val="1375"/>
+                  <a:spcPts val="1248"/>
                 </a:lnSpc>
               </a:pPr>
               <a:r>
-                <a:rPr lang="en-US" sz="1109" b="1">
+                <a:rPr lang="en-US" sz="1007" b="1">
                   <a:solidFill>
                     <a:srgbClr val="000000"/>
                   </a:solidFill>
@@ -6851,13 +6995,13 @@
               </a:r>
             </a:p>
             <a:p>
-              <a:pPr algn="l">
+              <a:pPr>
                 <a:lnSpc>
-                  <a:spcPts val="1375"/>
+                  <a:spcPts val="1248"/>
                 </a:lnSpc>
               </a:pPr>
               <a:r>
-                <a:rPr lang="en-US" sz="1109">
+                <a:rPr lang="en-US" sz="1007">
                   <a:solidFill>
                     <a:srgbClr val="000000"/>
                   </a:solidFill>
@@ -6886,7 +7030,7 @@
           <p:spPr>
             <a:xfrm>
               <a:off x="7748816" y="2433348"/>
-              <a:ext cx="2721744" cy="501099"/>
+              <a:ext cx="2721744" cy="508968"/>
             </a:xfrm>
             <a:prstGeom prst="rect">
               <a:avLst/>
@@ -6898,13 +7042,13 @@
             </a:bodyPr>
             <a:lstStyle/>
             <a:p>
-              <a:pPr algn="l">
+              <a:pPr>
                 <a:lnSpc>
-                  <a:spcPts val="1331"/>
+                  <a:spcPts val="1208"/>
                 </a:lnSpc>
               </a:pPr>
               <a:r>
-                <a:rPr lang="en-US" sz="1109" b="1" dirty="0" err="1">
+                <a:rPr lang="en-US" sz="1007" b="1" dirty="0" err="1">
                   <a:solidFill>
                     <a:srgbClr val="000000"/>
                   </a:solidFill>
@@ -6916,7 +7060,7 @@
                 <a:t>Курьерская</a:t>
               </a:r>
               <a:r>
-                <a:rPr lang="en-US" sz="1109" b="1" dirty="0">
+                <a:rPr lang="en-US" sz="1007" b="1" dirty="0">
                   <a:solidFill>
                     <a:srgbClr val="000000"/>
                   </a:solidFill>
@@ -6928,7 +7072,7 @@
                 <a:t> </a:t>
               </a:r>
               <a:r>
-                <a:rPr lang="en-US" sz="1109" b="1" dirty="0" err="1">
+                <a:rPr lang="en-US" sz="1007" b="1" dirty="0" err="1">
                   <a:solidFill>
                     <a:srgbClr val="000000"/>
                   </a:solidFill>
@@ -6939,7 +7083,7 @@
                 </a:rPr>
                 <a:t>доставка</a:t>
               </a:r>
-              <a:endParaRPr lang="en-US" sz="1109" b="1" dirty="0">
+              <a:endParaRPr lang="en-US" sz="1007" b="1" dirty="0">
                 <a:solidFill>
                   <a:srgbClr val="000000"/>
                 </a:solidFill>
@@ -6950,13 +7094,13 @@
               </a:endParaRPr>
             </a:p>
             <a:p>
-              <a:pPr algn="l">
+              <a:pPr>
                 <a:lnSpc>
-                  <a:spcPts val="1331"/>
+                  <a:spcPts val="1208"/>
                 </a:lnSpc>
               </a:pPr>
               <a:r>
-                <a:rPr lang="en-US" sz="1109" dirty="0" err="1">
+                <a:rPr lang="en-US" sz="1007" dirty="0" err="1">
                   <a:solidFill>
                     <a:srgbClr val="000000"/>
                   </a:solidFill>
@@ -6968,7 +7112,7 @@
                 <a:t>Курьеры</a:t>
               </a:r>
               <a:r>
-                <a:rPr lang="en-US" sz="1109" dirty="0">
+                <a:rPr lang="en-US" sz="1007" dirty="0">
                   <a:solidFill>
                     <a:srgbClr val="000000"/>
                   </a:solidFill>
@@ -6980,7 +7124,7 @@
                 <a:t> </a:t>
               </a:r>
               <a:r>
-                <a:rPr lang="en-US" sz="1109" dirty="0" err="1">
+                <a:rPr lang="en-US" sz="1007" dirty="0" err="1">
                   <a:solidFill>
                     <a:srgbClr val="000000"/>
                   </a:solidFill>
@@ -6992,7 +7136,7 @@
                 <a:t>не</a:t>
               </a:r>
               <a:r>
-                <a:rPr lang="en-US" sz="1109" dirty="0">
+                <a:rPr lang="en-US" sz="1007" dirty="0">
                   <a:solidFill>
                     <a:srgbClr val="000000"/>
                   </a:solidFill>
@@ -7004,7 +7148,7 @@
                 <a:t> </a:t>
               </a:r>
               <a:r>
-                <a:rPr lang="en-US" sz="1109" dirty="0" err="1">
+                <a:rPr lang="en-US" sz="1007" dirty="0" err="1">
                   <a:solidFill>
                     <a:srgbClr val="000000"/>
                   </a:solidFill>
@@ -7016,7 +7160,7 @@
                 <a:t>проходят</a:t>
               </a:r>
               <a:r>
-                <a:rPr lang="en-US" sz="1109" dirty="0">
+                <a:rPr lang="en-US" sz="1007" dirty="0">
                   <a:solidFill>
                     <a:srgbClr val="000000"/>
                   </a:solidFill>
@@ -7028,7 +7172,7 @@
                 <a:t> </a:t>
               </a:r>
               <a:r>
-                <a:rPr lang="en-US" sz="1109" dirty="0" err="1">
+                <a:rPr lang="en-US" sz="1007" dirty="0" err="1">
                   <a:solidFill>
                     <a:srgbClr val="000000"/>
                   </a:solidFill>
@@ -7040,7 +7184,7 @@
                 <a:t>на</a:t>
               </a:r>
               <a:r>
-                <a:rPr lang="en-US" sz="1109" dirty="0">
+                <a:rPr lang="en-US" sz="1007" dirty="0">
                   <a:solidFill>
                     <a:srgbClr val="000000"/>
                   </a:solidFill>
@@ -7052,7 +7196,7 @@
                 <a:t> </a:t>
               </a:r>
               <a:r>
-                <a:rPr lang="en-US" sz="1109" dirty="0" err="1">
+                <a:rPr lang="en-US" sz="1007" dirty="0" err="1">
                   <a:solidFill>
                     <a:srgbClr val="000000"/>
                   </a:solidFill>
@@ -7064,7 +7208,7 @@
                 <a:t>этажи</a:t>
               </a:r>
               <a:r>
-                <a:rPr lang="en-US" sz="1109" dirty="0">
+                <a:rPr lang="en-US" sz="1007" dirty="0">
                   <a:solidFill>
                     <a:srgbClr val="000000"/>
                   </a:solidFill>
@@ -7077,13 +7221,13 @@
               </a:r>
             </a:p>
             <a:p>
-              <a:pPr algn="l">
+              <a:pPr>
                 <a:lnSpc>
-                  <a:spcPts val="1331"/>
+                  <a:spcPts val="1208"/>
                 </a:lnSpc>
               </a:pPr>
               <a:r>
-                <a:rPr lang="en-US" sz="1109" dirty="0" err="1">
+                <a:rPr lang="en-US" sz="1007" dirty="0" err="1">
                   <a:solidFill>
                     <a:srgbClr val="000000"/>
                   </a:solidFill>
@@ -7095,7 +7239,7 @@
                 <a:t>Заказ</a:t>
               </a:r>
               <a:r>
-                <a:rPr lang="en-US" sz="1109" dirty="0">
+                <a:rPr lang="en-US" sz="1007" dirty="0">
                   <a:solidFill>
                     <a:srgbClr val="000000"/>
                   </a:solidFill>
@@ -7107,7 +7251,7 @@
                 <a:t> </a:t>
               </a:r>
               <a:r>
-                <a:rPr lang="en-US" sz="1109" dirty="0" err="1">
+                <a:rPr lang="en-US" sz="1007" dirty="0" err="1">
                   <a:solidFill>
                     <a:srgbClr val="000000"/>
                   </a:solidFill>
@@ -7119,7 +7263,7 @@
                 <a:t>можно</a:t>
               </a:r>
               <a:r>
-                <a:rPr lang="en-US" sz="1109" dirty="0">
+                <a:rPr lang="en-US" sz="1007" dirty="0">
                   <a:solidFill>
                     <a:srgbClr val="000000"/>
                   </a:solidFill>
@@ -7131,7 +7275,7 @@
                 <a:t> </a:t>
               </a:r>
               <a:r>
-                <a:rPr lang="en-US" sz="1109" dirty="0" err="1">
+                <a:rPr lang="en-US" sz="1007" dirty="0" err="1">
                   <a:solidFill>
                     <a:srgbClr val="000000"/>
                   </a:solidFill>
@@ -7143,7 +7287,7 @@
                 <a:t>получить</a:t>
               </a:r>
               <a:r>
-                <a:rPr lang="en-US" sz="1109" dirty="0">
+                <a:rPr lang="en-US" sz="1007" dirty="0">
                   <a:solidFill>
                     <a:srgbClr val="000000"/>
                   </a:solidFill>
@@ -7155,7 +7299,7 @@
                 <a:t> в </a:t>
               </a:r>
               <a:r>
-                <a:rPr lang="en-US" sz="1109" dirty="0" err="1">
+                <a:rPr lang="en-US" sz="1007" dirty="0" err="1">
                   <a:solidFill>
                     <a:srgbClr val="000000"/>
                   </a:solidFill>
@@ -7167,7 +7311,7 @@
                 <a:t>лобби</a:t>
               </a:r>
               <a:r>
-                <a:rPr lang="en-US" sz="1109" dirty="0">
+                <a:rPr lang="en-US" sz="1007" dirty="0">
                   <a:solidFill>
                     <a:srgbClr val="000000"/>
                   </a:solidFill>
@@ -7196,7 +7340,7 @@
           <p:spPr>
             <a:xfrm>
               <a:off x="7712069" y="601426"/>
-              <a:ext cx="2376153" cy="508713"/>
+              <a:ext cx="2376153" cy="508968"/>
             </a:xfrm>
             <a:prstGeom prst="rect">
               <a:avLst/>
@@ -7208,13 +7352,13 @@
             </a:bodyPr>
             <a:lstStyle/>
             <a:p>
-              <a:pPr algn="l">
+              <a:pPr>
                 <a:lnSpc>
-                  <a:spcPts val="1375"/>
+                  <a:spcPts val="1248"/>
                 </a:lnSpc>
               </a:pPr>
               <a:r>
-                <a:rPr lang="en-US" sz="1109" b="1" dirty="0" err="1">
+                <a:rPr lang="en-US" sz="1007" b="1" dirty="0" err="1">
                   <a:solidFill>
                     <a:srgbClr val="000000"/>
                   </a:solidFill>
@@ -7225,7 +7369,7 @@
                 </a:rPr>
                 <a:t>Уборка</a:t>
               </a:r>
-              <a:endParaRPr lang="en-US" sz="1109" b="1" dirty="0">
+              <a:endParaRPr lang="en-US" sz="1007" b="1" dirty="0">
                 <a:solidFill>
                   <a:srgbClr val="000000"/>
                 </a:solidFill>
@@ -7236,13 +7380,13 @@
               </a:endParaRPr>
             </a:p>
             <a:p>
-              <a:pPr algn="l">
+              <a:pPr>
                 <a:lnSpc>
-                  <a:spcPts val="1375"/>
+                  <a:spcPts val="1248"/>
                 </a:lnSpc>
               </a:pPr>
               <a:r>
-                <a:rPr lang="en-US" sz="1109" dirty="0" err="1">
+                <a:rPr lang="en-US" sz="1007" dirty="0" err="1">
                   <a:solidFill>
                     <a:srgbClr val="000000"/>
                   </a:solidFill>
@@ -7254,7 +7398,7 @@
                 <a:t>Ежедневно</a:t>
               </a:r>
               <a:r>
-                <a:rPr lang="en-US" sz="1109" dirty="0">
+                <a:rPr lang="en-US" sz="1007" dirty="0">
                   <a:solidFill>
                     <a:srgbClr val="000000"/>
                   </a:solidFill>
@@ -7266,7 +7410,7 @@
                 <a:t> </a:t>
               </a:r>
               <a:r>
-                <a:rPr lang="en-US" sz="1109" dirty="0" err="1">
+                <a:rPr lang="en-US" sz="1007" dirty="0" err="1">
                   <a:solidFill>
                     <a:srgbClr val="000000"/>
                   </a:solidFill>
@@ -7278,7 +7422,7 @@
                 <a:t>до</a:t>
               </a:r>
               <a:r>
-                <a:rPr lang="en-US" sz="1109" dirty="0">
+                <a:rPr lang="en-US" sz="1007" dirty="0">
                   <a:solidFill>
                     <a:srgbClr val="000000"/>
                   </a:solidFill>
@@ -7291,13 +7435,13 @@
               </a:r>
             </a:p>
             <a:p>
-              <a:pPr algn="l">
+              <a:pPr>
                 <a:lnSpc>
-                  <a:spcPts val="1375"/>
+                  <a:spcPts val="1248"/>
                 </a:lnSpc>
               </a:pPr>
               <a:r>
-                <a:rPr lang="en-US" sz="1109" dirty="0" err="1">
+                <a:rPr lang="en-US" sz="1007" dirty="0" err="1">
                   <a:solidFill>
                     <a:srgbClr val="000000"/>
                   </a:solidFill>
@@ -7309,7 +7453,7 @@
                 <a:t>Замена</a:t>
               </a:r>
               <a:r>
-                <a:rPr lang="en-US" sz="1109" dirty="0">
+                <a:rPr lang="en-US" sz="1007" dirty="0">
                   <a:solidFill>
                     <a:srgbClr val="000000"/>
                   </a:solidFill>
@@ -7321,7 +7465,7 @@
                 <a:t> </a:t>
               </a:r>
               <a:r>
-                <a:rPr lang="en-US" sz="1109" dirty="0" err="1">
+                <a:rPr lang="en-US" sz="1007" dirty="0" err="1">
                   <a:solidFill>
                     <a:srgbClr val="000000"/>
                   </a:solidFill>
@@ -7333,7 +7477,7 @@
                 <a:t>белья</a:t>
               </a:r>
               <a:r>
-                <a:rPr lang="en-US" sz="1109" dirty="0">
+                <a:rPr lang="en-US" sz="1007" dirty="0">
                   <a:solidFill>
                     <a:srgbClr val="000000"/>
                   </a:solidFill>
@@ -7345,7 +7489,7 @@
                 <a:t> — </a:t>
               </a:r>
               <a:r>
-                <a:rPr lang="en-US" sz="1109" dirty="0" err="1">
+                <a:rPr lang="en-US" sz="1007" dirty="0" err="1">
                   <a:solidFill>
                     <a:srgbClr val="000000"/>
                   </a:solidFill>
@@ -7357,7 +7501,7 @@
                 <a:t>на</a:t>
               </a:r>
               <a:r>
-                <a:rPr lang="en-US" sz="1109" dirty="0">
+                <a:rPr lang="en-US" sz="1007" dirty="0">
                   <a:solidFill>
                     <a:srgbClr val="000000"/>
                   </a:solidFill>
@@ -7369,7 +7513,7 @@
                 <a:t> 3-й </a:t>
               </a:r>
               <a:r>
-                <a:rPr lang="en-US" sz="1109" dirty="0" err="1">
+                <a:rPr lang="en-US" sz="1007" dirty="0" err="1">
                   <a:solidFill>
                     <a:srgbClr val="000000"/>
                   </a:solidFill>
@@ -7381,7 +7525,7 @@
                 <a:t>день</a:t>
               </a:r>
               <a:r>
-                <a:rPr lang="en-US" sz="1109" dirty="0">
+                <a:rPr lang="en-US" sz="1007" dirty="0">
                   <a:solidFill>
                     <a:srgbClr val="000000"/>
                   </a:solidFill>
@@ -7410,7 +7554,7 @@
           <p:spPr>
             <a:xfrm>
               <a:off x="7712069" y="1571301"/>
-              <a:ext cx="2851006" cy="538609"/>
+              <a:ext cx="2851006" cy="551077"/>
             </a:xfrm>
             <a:prstGeom prst="rect">
               <a:avLst/>
@@ -7422,13 +7566,13 @@
             </a:bodyPr>
             <a:lstStyle/>
             <a:p>
-              <a:pPr algn="l">
+              <a:pPr>
                 <a:lnSpc>
-                  <a:spcPts val="1386"/>
+                  <a:spcPts val="1258"/>
                 </a:lnSpc>
               </a:pPr>
               <a:r>
-                <a:rPr lang="en-US" sz="1109" b="1" dirty="0" err="1">
+                <a:rPr lang="en-US" sz="1007" b="1" dirty="0" err="1">
                   <a:solidFill>
                     <a:srgbClr val="000000"/>
                   </a:solidFill>
@@ -7440,7 +7584,7 @@
                 <a:t>Аренда</a:t>
               </a:r>
               <a:r>
-                <a:rPr lang="en-US" sz="1109" b="1" dirty="0">
+                <a:rPr lang="en-US" sz="1007" b="1" dirty="0">
                   <a:solidFill>
                     <a:srgbClr val="000000"/>
                   </a:solidFill>
@@ -7452,7 +7596,7 @@
                 <a:t> </a:t>
               </a:r>
               <a:r>
-                <a:rPr lang="en-US" sz="1109" b="1" dirty="0" err="1">
+                <a:rPr lang="en-US" sz="1007" b="1" dirty="0" err="1">
                   <a:solidFill>
                     <a:srgbClr val="000000"/>
                   </a:solidFill>
@@ -7463,7 +7607,7 @@
                 </a:rPr>
                 <a:t>инвентаря</a:t>
               </a:r>
-              <a:endParaRPr lang="en-US" sz="1109" b="1" dirty="0">
+              <a:endParaRPr lang="en-US" sz="1007" b="1" dirty="0">
                 <a:solidFill>
                   <a:srgbClr val="000000"/>
                 </a:solidFill>
@@ -7474,13 +7618,13 @@
               </a:endParaRPr>
             </a:p>
             <a:p>
-              <a:pPr algn="l">
+              <a:pPr>
                 <a:lnSpc>
-                  <a:spcPts val="1386"/>
+                  <a:spcPts val="1258"/>
                 </a:lnSpc>
               </a:pPr>
               <a:r>
-                <a:rPr lang="en-US" sz="1109" dirty="0" err="1">
+                <a:rPr lang="en-US" sz="1007" dirty="0" err="1">
                   <a:solidFill>
                     <a:srgbClr val="000000"/>
                   </a:solidFill>
@@ -7492,7 +7636,7 @@
                 <a:t>Вазы</a:t>
               </a:r>
               <a:r>
-                <a:rPr lang="en-US" sz="1109" dirty="0">
+                <a:rPr lang="en-US" sz="1007" dirty="0">
                   <a:solidFill>
                     <a:srgbClr val="000000"/>
                   </a:solidFill>
@@ -7504,7 +7648,7 @@
                 <a:t>, </a:t>
               </a:r>
               <a:r>
-                <a:rPr lang="en-US" sz="1109" dirty="0" err="1">
+                <a:rPr lang="en-US" sz="1007" dirty="0" err="1">
                   <a:solidFill>
                     <a:srgbClr val="000000"/>
                   </a:solidFill>
@@ -7516,7 +7660,7 @@
                 <a:t>детские</a:t>
               </a:r>
               <a:r>
-                <a:rPr lang="en-US" sz="1109" dirty="0">
+                <a:rPr lang="en-US" sz="1007" dirty="0">
                   <a:solidFill>
                     <a:srgbClr val="000000"/>
                   </a:solidFill>
@@ -7528,7 +7672,7 @@
                 <a:t> </a:t>
               </a:r>
               <a:r>
-                <a:rPr lang="en-US" sz="1109" dirty="0" err="1">
+                <a:rPr lang="en-US" sz="1007" dirty="0" err="1">
                   <a:solidFill>
                     <a:srgbClr val="000000"/>
                   </a:solidFill>
@@ -7540,7 +7684,7 @@
                 <a:t>принадлежности</a:t>
               </a:r>
               <a:r>
-                <a:rPr lang="en-US" sz="1109" dirty="0">
+                <a:rPr lang="en-US" sz="1007" dirty="0">
                   <a:solidFill>
                     <a:srgbClr val="000000"/>
                   </a:solidFill>
@@ -7552,7 +7696,7 @@
                 <a:t> — </a:t>
               </a:r>
               <a:r>
-                <a:rPr lang="en-US" sz="1109" dirty="0" err="1">
+                <a:rPr lang="en-US" sz="1007" dirty="0" err="1">
                   <a:solidFill>
                     <a:srgbClr val="000000"/>
                   </a:solidFill>
@@ -7564,7 +7708,7 @@
                 <a:t>по</a:t>
               </a:r>
               <a:r>
-                <a:rPr lang="en-US" sz="1109" dirty="0">
+                <a:rPr lang="en-US" sz="1007" dirty="0">
                   <a:solidFill>
                     <a:srgbClr val="000000"/>
                   </a:solidFill>
@@ -7576,7 +7720,7 @@
                 <a:t> </a:t>
               </a:r>
               <a:r>
-                <a:rPr lang="en-US" sz="1109" dirty="0" err="1">
+                <a:rPr lang="en-US" sz="1007" dirty="0" err="1">
                   <a:solidFill>
                     <a:srgbClr val="000000"/>
                   </a:solidFill>
@@ -7588,7 +7732,7 @@
                 <a:t>запросу</a:t>
               </a:r>
               <a:r>
-                <a:rPr lang="en-US" sz="1109" dirty="0">
+                <a:rPr lang="en-US" sz="1007" dirty="0">
                   <a:solidFill>
                     <a:srgbClr val="000000"/>
                   </a:solidFill>
@@ -7600,7 +7744,7 @@
                 <a:t> </a:t>
               </a:r>
               <a:r>
-                <a:rPr lang="en-US" sz="1109" dirty="0" err="1">
+                <a:rPr lang="en-US" sz="1007" dirty="0" err="1">
                   <a:solidFill>
                     <a:srgbClr val="000000"/>
                   </a:solidFill>
@@ -7612,7 +7756,7 @@
                 <a:t>на</a:t>
               </a:r>
               <a:r>
-                <a:rPr lang="en-US" sz="1109" dirty="0">
+                <a:rPr lang="en-US" sz="1007" dirty="0">
                   <a:solidFill>
                     <a:srgbClr val="000000"/>
                   </a:solidFill>
@@ -7624,7 +7768,7 @@
                 <a:t> </a:t>
               </a:r>
               <a:r>
-                <a:rPr lang="en-US" sz="1109" dirty="0" err="1">
+                <a:rPr lang="en-US" sz="1007" dirty="0" err="1">
                   <a:solidFill>
                     <a:srgbClr val="000000"/>
                   </a:solidFill>
@@ -7635,7 +7779,7 @@
                 </a:rPr>
                 <a:t>ресепшене</a:t>
               </a:r>
-              <a:endParaRPr lang="en-US" sz="1109" dirty="0">
+              <a:endParaRPr lang="en-US" sz="1007" dirty="0">
                 <a:solidFill>
                   <a:srgbClr val="000000"/>
                 </a:solidFill>
@@ -7662,7 +7806,7 @@
           <p:spPr>
             <a:xfrm>
               <a:off x="7712069" y="4412136"/>
-              <a:ext cx="2654703" cy="654667"/>
+              <a:ext cx="2654703" cy="672667"/>
             </a:xfrm>
             <a:prstGeom prst="rect">
               <a:avLst/>
@@ -7676,11 +7820,11 @@
             <a:p>
               <a:pPr algn="ctr">
                 <a:lnSpc>
-                  <a:spcPts val="2513"/>
+                  <a:spcPts val="2281"/>
                 </a:lnSpc>
               </a:pPr>
               <a:r>
-                <a:rPr lang="en-US" sz="2703">
+                <a:rPr lang="en-US" sz="2453">
                   <a:solidFill>
                     <a:srgbClr val="000000"/>
                   </a:solidFill>
@@ -7709,7 +7853,7 @@
           <p:spPr>
             <a:xfrm>
               <a:off x="7841077" y="5304928"/>
-              <a:ext cx="2396687" cy="741159"/>
+              <a:ext cx="2396687" cy="776877"/>
             </a:xfrm>
             <a:prstGeom prst="rect">
               <a:avLst/>
@@ -7723,11 +7867,11 @@
             <a:p>
               <a:pPr algn="ctr">
                 <a:lnSpc>
-                  <a:spcPts val="1556"/>
+                  <a:spcPts val="1412"/>
                 </a:lnSpc>
               </a:pPr>
               <a:r>
-                <a:rPr lang="en-US" sz="910">
+                <a:rPr lang="en-US" sz="826">
                   <a:solidFill>
                     <a:srgbClr val="000000"/>
                   </a:solidFill>
@@ -7742,11 +7886,11 @@
             <a:p>
               <a:pPr algn="ctr">
                 <a:lnSpc>
-                  <a:spcPts val="1556"/>
+                  <a:spcPts val="1412"/>
                 </a:lnSpc>
               </a:pPr>
               <a:r>
-                <a:rPr lang="en-US" sz="910">
+                <a:rPr lang="en-US" sz="826">
                   <a:solidFill>
                     <a:srgbClr val="000000"/>
                   </a:solidFill>
@@ -7761,11 +7905,11 @@
             <a:p>
               <a:pPr algn="ctr">
                 <a:lnSpc>
-                  <a:spcPts val="1556"/>
+                  <a:spcPts val="1412"/>
                 </a:lnSpc>
               </a:pPr>
               <a:r>
-                <a:rPr lang="en-US" sz="910">
+                <a:rPr lang="en-US" sz="826">
                   <a:solidFill>
                     <a:srgbClr val="000000"/>
                   </a:solidFill>
@@ -7780,10 +7924,10 @@
             <a:p>
               <a:pPr algn="ctr">
                 <a:lnSpc>
-                  <a:spcPts val="1556"/>
+                  <a:spcPts val="1412"/>
                 </a:lnSpc>
               </a:pPr>
-              <a:endParaRPr lang="en-US" sz="910">
+              <a:endParaRPr lang="en-US" sz="826">
                 <a:solidFill>
                   <a:srgbClr val="000000"/>
                 </a:solidFill>
@@ -7796,6 +7940,214 @@
           </p:txBody>
         </p:sp>
       </p:grpSp>
+      <p:graphicFrame>
+        <p:nvGraphicFramePr>
+          <p:cNvPr id="52" name="Таблица 51">
+            <a:extLst>
+              <a:ext uri="{FF2B5EF4-FFF2-40B4-BE49-F238E27FC236}">
+                <a16:creationId xmlns:a16="http://schemas.microsoft.com/office/drawing/2014/main" id="{7E45F5C2-9B2B-9B71-793D-31677C2F1A27}"/>
+              </a:ext>
+            </a:extLst>
+          </p:cNvPr>
+          <p:cNvGraphicFramePr>
+            <a:graphicFrameLocks noGrp="1"/>
+          </p:cNvGraphicFramePr>
+          <p:nvPr>
+            <p:extLst>
+              <p:ext uri="{D42A27DB-BD31-4B8C-83A1-F6EECF244321}">
+                <p14:modId xmlns:p14="http://schemas.microsoft.com/office/powerpoint/2010/main" val="3244771861"/>
+              </p:ext>
+            </p:extLst>
+          </p:nvPr>
+        </p:nvGraphicFramePr>
+        <p:xfrm>
+          <a:off x="-152400" y="-152400"/>
+          <a:ext cx="10287000" cy="7162800"/>
+        </p:xfrm>
+        <a:graphic>
+          <a:graphicData uri="http://schemas.openxmlformats.org/drawingml/2006/table">
+            <a:tbl>
+              <a:tblPr firstRow="1" bandRow="1">
+                <a:tableStyleId>{5C22544A-7EE6-4342-B048-85BDC9FD1C3A}</a:tableStyleId>
+              </a:tblPr>
+              <a:tblGrid>
+                <a:gridCol w="3429000">
+                  <a:extLst>
+                    <a:ext uri="{9D8B030D-6E8A-4147-A177-3AD203B41FA5}">
+                      <a16:colId xmlns:a16="http://schemas.microsoft.com/office/drawing/2014/main" val="2831110576"/>
+                    </a:ext>
+                  </a:extLst>
+                </a:gridCol>
+                <a:gridCol w="3429000">
+                  <a:extLst>
+                    <a:ext uri="{9D8B030D-6E8A-4147-A177-3AD203B41FA5}">
+                      <a16:colId xmlns:a16="http://schemas.microsoft.com/office/drawing/2014/main" val="3473239179"/>
+                    </a:ext>
+                  </a:extLst>
+                </a:gridCol>
+                <a:gridCol w="3429000">
+                  <a:extLst>
+                    <a:ext uri="{9D8B030D-6E8A-4147-A177-3AD203B41FA5}">
+                      <a16:colId xmlns:a16="http://schemas.microsoft.com/office/drawing/2014/main" val="4237337569"/>
+                    </a:ext>
+                  </a:extLst>
+                </a:gridCol>
+              </a:tblGrid>
+              <a:tr h="7162800">
+                <a:tc>
+                  <a:txBody>
+                    <a:bodyPr/>
+                    <a:lstStyle/>
+                    <a:p>
+                      <a:endParaRPr lang="ru-RU" sz="1500" dirty="0"/>
+                    </a:p>
+                  </a:txBody>
+                  <a:tcPr marL="82988" marR="82988" marT="41494" marB="41494">
+                    <a:lnL w="12700" cap="flat" cmpd="sng" algn="ctr">
+                      <a:solidFill>
+                        <a:schemeClr val="tx1"/>
+                      </a:solidFill>
+                      <a:prstDash val="solid"/>
+                      <a:round/>
+                      <a:headEnd type="none" w="med" len="med"/>
+                      <a:tailEnd type="none" w="med" len="med"/>
+                    </a:lnL>
+                    <a:lnR w="12700" cap="flat" cmpd="sng" algn="ctr">
+                      <a:solidFill>
+                        <a:schemeClr val="tx1"/>
+                      </a:solidFill>
+                      <a:prstDash val="solid"/>
+                      <a:round/>
+                      <a:headEnd type="none" w="med" len="med"/>
+                      <a:tailEnd type="none" w="med" len="med"/>
+                    </a:lnR>
+                    <a:lnT w="12700" cap="flat" cmpd="sng" algn="ctr">
+                      <a:solidFill>
+                        <a:schemeClr val="tx1"/>
+                      </a:solidFill>
+                      <a:prstDash val="solid"/>
+                      <a:round/>
+                      <a:headEnd type="none" w="med" len="med"/>
+                      <a:tailEnd type="none" w="med" len="med"/>
+                    </a:lnT>
+                    <a:lnB w="12700" cap="flat" cmpd="sng" algn="ctr">
+                      <a:solidFill>
+                        <a:schemeClr val="tx1"/>
+                      </a:solidFill>
+                      <a:prstDash val="solid"/>
+                      <a:round/>
+                      <a:headEnd type="none" w="med" len="med"/>
+                      <a:tailEnd type="none" w="med" len="med"/>
+                    </a:lnB>
+                    <a:noFill/>
+                  </a:tcPr>
+                </a:tc>
+                <a:tc>
+                  <a:txBody>
+                    <a:bodyPr/>
+                    <a:lstStyle/>
+                    <a:p>
+                      <a:endParaRPr lang="ru-RU" sz="1500" dirty="0"/>
+                    </a:p>
+                  </a:txBody>
+                  <a:tcPr marL="82988" marR="82988" marT="41494" marB="41494">
+                    <a:lnL w="12700" cap="flat" cmpd="sng" algn="ctr">
+                      <a:solidFill>
+                        <a:schemeClr val="tx1"/>
+                      </a:solidFill>
+                      <a:prstDash val="solid"/>
+                      <a:round/>
+                      <a:headEnd type="none" w="med" len="med"/>
+                      <a:tailEnd type="none" w="med" len="med"/>
+                    </a:lnL>
+                    <a:lnR w="12700" cap="flat" cmpd="sng" algn="ctr">
+                      <a:solidFill>
+                        <a:schemeClr val="tx1"/>
+                      </a:solidFill>
+                      <a:prstDash val="solid"/>
+                      <a:round/>
+                      <a:headEnd type="none" w="med" len="med"/>
+                      <a:tailEnd type="none" w="med" len="med"/>
+                    </a:lnR>
+                    <a:lnT w="12700" cap="flat" cmpd="sng" algn="ctr">
+                      <a:solidFill>
+                        <a:schemeClr val="tx1"/>
+                      </a:solidFill>
+                      <a:prstDash val="solid"/>
+                      <a:round/>
+                      <a:headEnd type="none" w="med" len="med"/>
+                      <a:tailEnd type="none" w="med" len="med"/>
+                    </a:lnT>
+                    <a:lnB w="12700" cap="flat" cmpd="sng" algn="ctr">
+                      <a:solidFill>
+                        <a:schemeClr val="tx1"/>
+                      </a:solidFill>
+                      <a:prstDash val="solid"/>
+                      <a:round/>
+                      <a:headEnd type="none" w="med" len="med"/>
+                      <a:tailEnd type="none" w="med" len="med"/>
+                    </a:lnB>
+                    <a:noFill/>
+                  </a:tcPr>
+                </a:tc>
+                <a:tc>
+                  <a:txBody>
+                    <a:bodyPr/>
+                    <a:lstStyle/>
+                    <a:p>
+                      <a:endParaRPr lang="ru-RU" sz="1500" dirty="0"/>
+                    </a:p>
+                  </a:txBody>
+                  <a:tcPr marL="82988" marR="82988" marT="41494" marB="41494">
+                    <a:lnL w="12700" cap="flat" cmpd="sng" algn="ctr">
+                      <a:solidFill>
+                        <a:schemeClr val="tx1"/>
+                      </a:solidFill>
+                      <a:prstDash val="solid"/>
+                      <a:round/>
+                      <a:headEnd type="none" w="med" len="med"/>
+                      <a:tailEnd type="none" w="med" len="med"/>
+                    </a:lnL>
+                    <a:lnR w="12700" cap="flat" cmpd="sng" algn="ctr">
+                      <a:solidFill>
+                        <a:schemeClr val="tx1"/>
+                      </a:solidFill>
+                      <a:prstDash val="solid"/>
+                      <a:round/>
+                      <a:headEnd type="none" w="med" len="med"/>
+                      <a:tailEnd type="none" w="med" len="med"/>
+                    </a:lnR>
+                    <a:lnT w="12700" cap="flat" cmpd="sng" algn="ctr">
+                      <a:solidFill>
+                        <a:schemeClr val="tx1"/>
+                      </a:solidFill>
+                      <a:prstDash val="solid"/>
+                      <a:round/>
+                      <a:headEnd type="none" w="med" len="med"/>
+                      <a:tailEnd type="none" w="med" len="med"/>
+                    </a:lnT>
+                    <a:lnB w="12700" cap="flat" cmpd="sng" algn="ctr">
+                      <a:solidFill>
+                        <a:schemeClr val="tx1"/>
+                      </a:solidFill>
+                      <a:prstDash val="solid"/>
+                      <a:round/>
+                      <a:headEnd type="none" w="med" len="med"/>
+                      <a:tailEnd type="none" w="med" len="med"/>
+                    </a:lnB>
+                    <a:noFill/>
+                  </a:tcPr>
+                </a:tc>
+                <a:extLst>
+                  <a:ext uri="{0D108BD9-81ED-4DB2-BD59-A6C34878D82A}">
+                    <a16:rowId xmlns:a16="http://schemas.microsoft.com/office/drawing/2014/main" val="1988845691"/>
+                  </a:ext>
+                </a:extLst>
+              </a:tr>
+            </a:tbl>
+          </a:graphicData>
+        </a:graphic>
+      </p:graphicFrame>
     </p:spTree>
     <p:extLst>
       <p:ext uri="{BB962C8B-B14F-4D97-AF65-F5344CB8AC3E}">
@@ -7841,14 +8193,14 @@
           <p:nvPr>
             <p:extLst>
               <p:ext uri="{D42A27DB-BD31-4B8C-83A1-F6EECF244321}">
-                <p14:modId xmlns:p14="http://schemas.microsoft.com/office/powerpoint/2010/main" val="1948621467"/>
+                <p14:modId xmlns:p14="http://schemas.microsoft.com/office/powerpoint/2010/main" val="1532433088"/>
               </p:ext>
             </p:extLst>
           </p:nvPr>
         </p:nvGraphicFramePr>
         <p:xfrm>
-          <a:off x="0" y="-1441"/>
-          <a:ext cx="10693401" cy="7556500"/>
+          <a:off x="-152400" y="-152400"/>
+          <a:ext cx="10287000" cy="7162800"/>
         </p:xfrm>
         <a:graphic>
           <a:graphicData uri="http://schemas.openxmlformats.org/drawingml/2006/table">
@@ -7857,21 +8209,21 @@
                 <a:tableStyleId>{5C22544A-7EE6-4342-B048-85BDC9FD1C3A}</a:tableStyleId>
               </a:tblPr>
               <a:tblGrid>
-                <a:gridCol w="3564467">
+                <a:gridCol w="3429000">
                   <a:extLst>
                     <a:ext uri="{9D8B030D-6E8A-4147-A177-3AD203B41FA5}">
                       <a16:colId xmlns:a16="http://schemas.microsoft.com/office/drawing/2014/main" val="2831110576"/>
                     </a:ext>
                   </a:extLst>
                 </a:gridCol>
-                <a:gridCol w="3564467">
+                <a:gridCol w="3429000">
                   <a:extLst>
                     <a:ext uri="{9D8B030D-6E8A-4147-A177-3AD203B41FA5}">
                       <a16:colId xmlns:a16="http://schemas.microsoft.com/office/drawing/2014/main" val="3473239179"/>
                     </a:ext>
                   </a:extLst>
                 </a:gridCol>
-                <a:gridCol w="3564467">
+                <a:gridCol w="3429000">
                   <a:extLst>
                     <a:ext uri="{9D8B030D-6E8A-4147-A177-3AD203B41FA5}">
                       <a16:colId xmlns:a16="http://schemas.microsoft.com/office/drawing/2014/main" val="4237337569"/>
@@ -7879,16 +8231,16 @@
                   </a:extLst>
                 </a:gridCol>
               </a:tblGrid>
-              <a:tr h="7556500">
+              <a:tr h="7162800">
                 <a:tc>
                   <a:txBody>
                     <a:bodyPr/>
                     <a:lstStyle/>
                     <a:p>
-                      <a:endParaRPr lang="ru-RU" dirty="0"/>
+                      <a:endParaRPr lang="ru-RU" sz="1500" dirty="0"/>
                     </a:p>
                   </a:txBody>
-                  <a:tcPr>
+                  <a:tcPr marL="82988" marR="82988" marT="41494" marB="41494">
                     <a:lnL w="12700" cap="flat" cmpd="sng" algn="ctr">
                       <a:solidFill>
                         <a:schemeClr val="tx1"/>
@@ -7933,10 +8285,10 @@
                     <a:bodyPr/>
                     <a:lstStyle/>
                     <a:p>
-                      <a:endParaRPr lang="ru-RU" dirty="0"/>
+                      <a:endParaRPr lang="ru-RU" sz="1500" dirty="0"/>
                     </a:p>
                   </a:txBody>
-                  <a:tcPr>
+                  <a:tcPr marL="82988" marR="82988" marT="41494" marB="41494">
                     <a:lnL w="12700" cap="flat" cmpd="sng" algn="ctr">
                       <a:solidFill>
                         <a:schemeClr val="tx1"/>
@@ -7981,10 +8333,10 @@
                     <a:bodyPr/>
                     <a:lstStyle/>
                     <a:p>
-                      <a:endParaRPr lang="ru-RU" dirty="0"/>
+                      <a:endParaRPr lang="ru-RU" sz="1500" dirty="0"/>
                     </a:p>
                   </a:txBody>
-                  <a:tcPr>
+                  <a:tcPr marL="82988" marR="82988" marT="41494" marB="41494">
                     <a:lnL w="12700" cap="flat" cmpd="sng" algn="ctr">
                       <a:solidFill>
                         <a:schemeClr val="tx1"/>
@@ -8048,10 +8400,10 @@
         </p:nvGrpSpPr>
         <p:grpSpPr>
           <a:xfrm>
-            <a:off x="88900" y="2025650"/>
-            <a:ext cx="3437775" cy="2735778"/>
-            <a:chOff x="108000" y="1898877"/>
-            <a:chExt cx="3437775" cy="2735778"/>
+            <a:off x="27095" y="1974500"/>
+            <a:ext cx="3119997" cy="2519528"/>
+            <a:chOff x="108000" y="1892891"/>
+            <a:chExt cx="3437775" cy="2776146"/>
           </a:xfrm>
         </p:grpSpPr>
         <p:grpSp>
@@ -8068,10 +8420,10 @@
           </p:nvGrpSpPr>
           <p:grpSpPr>
             <a:xfrm>
-              <a:off x="108000" y="1898877"/>
-              <a:ext cx="3437775" cy="2142431"/>
-              <a:chOff x="0" y="95250"/>
-              <a:chExt cx="4583700" cy="2856574"/>
+              <a:off x="108000" y="1892891"/>
+              <a:ext cx="3437775" cy="2148418"/>
+              <a:chOff x="0" y="87268"/>
+              <a:chExt cx="4583700" cy="2864556"/>
             </a:xfrm>
           </p:grpSpPr>
           <p:grpSp>
@@ -8108,7 +8460,7 @@
               </p:nvSpPr>
               <p:spPr>
                 <a:xfrm>
-                  <a:off x="58035" y="0"/>
+                  <a:off x="74214" y="-5171"/>
                   <a:ext cx="1160704" cy="178693"/>
                 </a:xfrm>
                 <a:custGeom>
@@ -8143,7 +8495,7 @@
                 <a:bodyPr/>
                 <a:lstStyle/>
                 <a:p>
-                  <a:endParaRPr/>
+                  <a:endParaRPr sz="1500"/>
                 </a:p>
               </p:txBody>
             </p:sp>
@@ -8169,15 +8521,15 @@
                 </a:prstGeom>
               </p:spPr>
               <p:txBody>
-                <a:bodyPr lIns="47808" tIns="47808" rIns="47808" bIns="47808" rtlCol="0" anchor="ctr"/>
+                <a:bodyPr lIns="43389" tIns="43389" rIns="43389" bIns="43389" rtlCol="0" anchor="ctr"/>
                 <a:lstStyle/>
                 <a:p>
                   <a:pPr algn="ctr">
                     <a:lnSpc>
-                      <a:spcPts val="1664"/>
+                      <a:spcPts val="1510"/>
                     </a:lnSpc>
                   </a:pPr>
-                  <a:endParaRPr/>
+                  <a:endParaRPr sz="1500"/>
                 </a:p>
               </p:txBody>
             </p:sp>
@@ -8197,9 +8549,9 @@
             <p:grpSpPr>
               <a:xfrm>
                 <a:off x="0" y="1187039"/>
-                <a:ext cx="4583700" cy="725712"/>
+                <a:ext cx="4583700" cy="743299"/>
                 <a:chOff x="0" y="-28575"/>
-                <a:chExt cx="1309133" cy="207268"/>
+                <a:chExt cx="1309133" cy="212291"/>
               </a:xfrm>
             </p:grpSpPr>
             <p:sp>
@@ -8216,7 +8568,7 @@
               </p:nvSpPr>
               <p:spPr>
                 <a:xfrm>
-                  <a:off x="58035" y="0"/>
+                  <a:off x="79057" y="5023"/>
                   <a:ext cx="1160704" cy="178693"/>
                 </a:xfrm>
                 <a:custGeom>
@@ -8251,7 +8603,7 @@
                 <a:bodyPr/>
                 <a:lstStyle/>
                 <a:p>
-                  <a:endParaRPr/>
+                  <a:endParaRPr sz="1500"/>
                 </a:p>
               </p:txBody>
             </p:sp>
@@ -8277,15 +8629,15 @@
                 </a:prstGeom>
               </p:spPr>
               <p:txBody>
-                <a:bodyPr lIns="47808" tIns="47808" rIns="47808" bIns="47808" rtlCol="0" anchor="ctr"/>
+                <a:bodyPr lIns="43389" tIns="43389" rIns="43389" bIns="43389" rtlCol="0" anchor="ctr"/>
                 <a:lstStyle/>
                 <a:p>
                   <a:pPr algn="ctr">
                     <a:lnSpc>
-                      <a:spcPts val="1664"/>
+                      <a:spcPts val="1510"/>
                     </a:lnSpc>
                   </a:pPr>
-                  <a:endParaRPr/>
+                  <a:endParaRPr sz="1500"/>
                 </a:p>
               </p:txBody>
             </p:sp>
@@ -8304,8 +8656,8 @@
             </p:nvSpPr>
             <p:spPr>
               <a:xfrm>
-                <a:off x="792687" y="95250"/>
-                <a:ext cx="2950744" cy="628286"/>
+                <a:off x="753651" y="87268"/>
+                <a:ext cx="2950744" cy="608728"/>
               </a:xfrm>
               <a:prstGeom prst="rect">
                 <a:avLst/>
@@ -8319,11 +8671,11 @@
               <a:p>
                 <a:pPr algn="ctr">
                   <a:lnSpc>
-                    <a:spcPts val="3350"/>
+                    <a:spcPts val="3040"/>
                   </a:lnSpc>
                 </a:pPr>
                 <a:r>
-                  <a:rPr lang="en-US" sz="3603" dirty="0">
+                  <a:rPr lang="en-US" sz="3270" dirty="0">
                     <a:solidFill>
                       <a:srgbClr val="000000"/>
                     </a:solidFill>
@@ -8351,8 +8703,8 @@
             </p:nvSpPr>
             <p:spPr>
               <a:xfrm>
-                <a:off x="665622" y="1464854"/>
-                <a:ext cx="3126801" cy="279657"/>
+                <a:off x="665623" y="1464855"/>
+                <a:ext cx="3126800" cy="285995"/>
               </a:xfrm>
               <a:prstGeom prst="rect">
                 <a:avLst/>
@@ -8364,13 +8716,13 @@
               </a:bodyPr>
               <a:lstStyle/>
               <a:p>
-                <a:pPr algn="l">
+                <a:pPr>
                   <a:lnSpc>
-                    <a:spcPts val="1675"/>
+                    <a:spcPts val="1520"/>
                   </a:lnSpc>
                 </a:pPr>
                 <a:r>
-                  <a:rPr lang="en-US" sz="1444" dirty="0" err="1">
+                  <a:rPr lang="en-US" sz="1311" dirty="0" err="1">
                     <a:solidFill>
                       <a:srgbClr val="000000"/>
                     </a:solidFill>
@@ -8382,7 +8734,7 @@
                   <a:t>сеть</a:t>
                 </a:r>
                 <a:r>
-                  <a:rPr lang="en-US" sz="1444" dirty="0">
+                  <a:rPr lang="en-US" sz="1311" dirty="0">
                     <a:solidFill>
                       <a:srgbClr val="000000"/>
                     </a:solidFill>
@@ -8412,7 +8764,7 @@
           <p:spPr>
             <a:xfrm>
               <a:off x="644114" y="3707776"/>
-              <a:ext cx="1964285" cy="207340"/>
+              <a:ext cx="1964285" cy="214285"/>
             </a:xfrm>
             <a:prstGeom prst="rect">
               <a:avLst/>
@@ -8424,13 +8776,13 @@
             </a:bodyPr>
             <a:lstStyle/>
             <a:p>
-              <a:pPr algn="l">
+              <a:pPr>
                 <a:lnSpc>
-                  <a:spcPts val="1670"/>
+                  <a:spcPts val="1516"/>
                 </a:lnSpc>
               </a:pPr>
               <a:r>
-                <a:rPr lang="en-US" sz="1439" dirty="0" err="1">
+                <a:rPr lang="en-US" sz="1306" dirty="0" err="1">
                   <a:solidFill>
                     <a:srgbClr val="000000"/>
                   </a:solidFill>
@@ -8442,7 +8794,7 @@
                 <a:t>пароль</a:t>
               </a:r>
               <a:r>
-                <a:rPr lang="en-US" sz="1439" dirty="0">
+                <a:rPr lang="en-US" sz="1306" dirty="0">
                   <a:solidFill>
                     <a:srgbClr val="000000"/>
                   </a:solidFill>
@@ -8470,8 +8822,8 @@
           </p:nvSpPr>
           <p:spPr>
             <a:xfrm>
-              <a:off x="618768" y="4150805"/>
-              <a:ext cx="2212514" cy="483850"/>
+              <a:off x="718898" y="4164166"/>
+              <a:ext cx="2212514" cy="504871"/>
             </a:xfrm>
             <a:prstGeom prst="rect">
               <a:avLst/>
@@ -8485,11 +8837,11 @@
             <a:p>
               <a:pPr algn="ctr">
                 <a:lnSpc>
-                  <a:spcPts val="2038"/>
+                  <a:spcPts val="1850"/>
                 </a:lnSpc>
               </a:pPr>
               <a:r>
-                <a:rPr lang="en-US" sz="910" dirty="0">
+                <a:rPr lang="en-US" sz="826" dirty="0">
                   <a:solidFill>
                     <a:srgbClr val="000000"/>
                   </a:solidFill>
@@ -8501,7 +8853,7 @@
                 <a:t>Код </a:t>
               </a:r>
               <a:r>
-                <a:rPr lang="en-US" sz="910" dirty="0" err="1">
+                <a:rPr lang="en-US" sz="826" dirty="0" err="1">
                   <a:solidFill>
                     <a:srgbClr val="000000"/>
                   </a:solidFill>
@@ -8513,7 +8865,7 @@
                 <a:t>безопасен</a:t>
               </a:r>
               <a:r>
-                <a:rPr lang="en-US" sz="910" dirty="0">
+                <a:rPr lang="en-US" sz="826" dirty="0">
                   <a:solidFill>
                     <a:srgbClr val="000000"/>
                   </a:solidFill>
@@ -8525,7 +8877,7 @@
                 <a:t> и </a:t>
               </a:r>
               <a:r>
-                <a:rPr lang="en-US" sz="910" dirty="0" err="1">
+                <a:rPr lang="en-US" sz="826" dirty="0" err="1">
                   <a:solidFill>
                     <a:srgbClr val="000000"/>
                   </a:solidFill>
@@ -8537,7 +8889,7 @@
                 <a:t>уникален</a:t>
               </a:r>
               <a:r>
-                <a:rPr lang="en-US" sz="910" dirty="0">
+                <a:rPr lang="en-US" sz="826" dirty="0">
                   <a:solidFill>
                     <a:srgbClr val="000000"/>
                   </a:solidFill>
@@ -8552,11 +8904,11 @@
             <a:p>
               <a:pPr algn="ctr">
                 <a:lnSpc>
-                  <a:spcPts val="2038"/>
+                  <a:spcPts val="1850"/>
                 </a:lnSpc>
               </a:pPr>
               <a:r>
-                <a:rPr lang="en-US" sz="910" dirty="0" err="1">
+                <a:rPr lang="en-US" sz="826" dirty="0" err="1">
                   <a:solidFill>
                     <a:srgbClr val="000000"/>
                   </a:solidFill>
@@ -8568,7 +8920,7 @@
                 <a:t>действует</a:t>
               </a:r>
               <a:r>
-                <a:rPr lang="en-US" sz="910" dirty="0">
+                <a:rPr lang="en-US" sz="826" dirty="0">
                   <a:solidFill>
                     <a:srgbClr val="000000"/>
                   </a:solidFill>
@@ -8580,7 +8932,7 @@
                 <a:t> только для </a:t>
               </a:r>
               <a:r>
-                <a:rPr lang="en-US" sz="910" dirty="0" err="1">
+                <a:rPr lang="en-US" sz="826" dirty="0" err="1">
                   <a:solidFill>
                     <a:srgbClr val="000000"/>
                   </a:solidFill>
@@ -8592,7 +8944,7 @@
                 <a:t>вашего</a:t>
               </a:r>
               <a:r>
-                <a:rPr lang="en-US" sz="910" dirty="0">
+                <a:rPr lang="en-US" sz="826" dirty="0">
                   <a:solidFill>
                     <a:srgbClr val="000000"/>
                   </a:solidFill>
@@ -8604,7 +8956,7 @@
                 <a:t> </a:t>
               </a:r>
               <a:r>
-                <a:rPr lang="en-US" sz="910" dirty="0" err="1">
+                <a:rPr lang="en-US" sz="826" dirty="0" err="1">
                   <a:solidFill>
                     <a:srgbClr val="000000"/>
                   </a:solidFill>
@@ -8616,7 +8968,7 @@
                 <a:t>номера</a:t>
               </a:r>
               <a:r>
-                <a:rPr lang="en-US" sz="910" dirty="0">
+                <a:rPr lang="en-US" sz="826" dirty="0">
                   <a:solidFill>
                     <a:srgbClr val="000000"/>
                   </a:solidFill>
@@ -8645,8 +8997,8 @@
         </p:nvSpPr>
         <p:spPr>
           <a:xfrm>
-            <a:off x="905337" y="3668797"/>
-            <a:ext cx="2350430" cy="396262"/>
+            <a:off x="705646" y="3469850"/>
+            <a:ext cx="2133163" cy="346249"/>
           </a:xfrm>
           <a:prstGeom prst="rect">
             <a:avLst/>
@@ -8660,11 +9012,11 @@
           <a:p>
             <a:pPr algn="ctr">
               <a:lnSpc>
-                <a:spcPts val="3350"/>
+                <a:spcPts val="3040"/>
               </a:lnSpc>
             </a:pPr>
             <a:r>
-              <a:rPr dirty="0">
+              <a:rPr sz="1500" dirty="0">
                 <a:latin typeface="Circe" panose="020B0502020203020203" pitchFamily="34" charset="-52"/>
               </a:rPr>
               <a:t>{{PASSWORD}}</a:t>
@@ -8686,8 +9038,8 @@
         </p:nvSpPr>
         <p:spPr>
           <a:xfrm>
-            <a:off x="1155700" y="5105868"/>
-            <a:ext cx="1307902" cy="1306800"/>
+            <a:off x="974402" y="4605530"/>
+            <a:ext cx="1187003" cy="1188000"/>
           </a:xfrm>
           <a:prstGeom prst="rect">
             <a:avLst/>
@@ -8701,7 +9053,7 @@
           <a:lstStyle/>
           <a:p>
             <a:r>
-              <a:rPr dirty="0"/>
+              <a:rPr sz="1500" dirty="0"/>
               <a:t>{{QR_WIFI}}</a:t>
             </a:r>
           </a:p>
@@ -8721,8 +9073,8 @@
         </p:nvGrpSpPr>
         <p:grpSpPr>
           <a:xfrm>
-            <a:off x="3554632" y="1257973"/>
-            <a:ext cx="3582737" cy="5820648"/>
+            <a:off x="3326586" y="1141690"/>
+            <a:ext cx="3251560" cy="5282605"/>
             <a:chOff x="3554632" y="1257973"/>
             <a:chExt cx="3582737" cy="5820648"/>
           </a:xfrm>
@@ -8794,7 +9146,7 @@
               <a:bodyPr/>
               <a:lstStyle/>
               <a:p>
-                <a:endParaRPr/>
+                <a:endParaRPr sz="1500"/>
               </a:p>
             </p:txBody>
           </p:sp>
@@ -8867,7 +9219,7 @@
                 <a:bodyPr/>
                 <a:lstStyle/>
                 <a:p>
-                  <a:endParaRPr/>
+                  <a:endParaRPr sz="1500"/>
                 </a:p>
               </p:txBody>
             </p:sp>
@@ -8893,15 +9245,15 @@
                 </a:prstGeom>
               </p:spPr>
               <p:txBody>
-                <a:bodyPr lIns="50800" tIns="50800" rIns="50800" bIns="50800" rtlCol="0" anchor="ctr"/>
+                <a:bodyPr lIns="46104" tIns="46104" rIns="46104" bIns="46104" rtlCol="0" anchor="ctr"/>
                 <a:lstStyle/>
                 <a:p>
                   <a:pPr algn="ctr">
                     <a:lnSpc>
-                      <a:spcPts val="1664"/>
+                      <a:spcPts val="1510"/>
                     </a:lnSpc>
                   </a:pPr>
-                  <a:endParaRPr/>
+                  <a:endParaRPr sz="1500"/>
                 </a:p>
               </p:txBody>
             </p:sp>
@@ -8962,7 +9314,7 @@
             <a:bodyPr/>
             <a:lstStyle/>
             <a:p>
-              <a:endParaRPr/>
+              <a:endParaRPr sz="1500"/>
             </a:p>
           </p:txBody>
         </p:sp>
@@ -8981,7 +9333,7 @@
           <p:spPr>
             <a:xfrm>
               <a:off x="4170785" y="4618066"/>
-              <a:ext cx="2350430" cy="447402"/>
+              <a:ext cx="2350430" cy="456546"/>
             </a:xfrm>
             <a:prstGeom prst="rect">
               <a:avLst/>
@@ -8995,11 +9347,11 @@
             <a:p>
               <a:pPr algn="ctr">
                 <a:lnSpc>
-                  <a:spcPts val="3350"/>
+                  <a:spcPts val="3040"/>
                 </a:lnSpc>
               </a:pPr>
               <a:r>
-                <a:rPr lang="en-US" sz="3603">
+                <a:rPr lang="en-US" sz="3270">
                   <a:solidFill>
                     <a:srgbClr val="000000"/>
                   </a:solidFill>
@@ -9028,7 +9380,7 @@
           <p:spPr>
             <a:xfrm>
               <a:off x="3790720" y="1257973"/>
-              <a:ext cx="3110559" cy="1765757"/>
+              <a:ext cx="3110559" cy="1847238"/>
             </a:xfrm>
             <a:prstGeom prst="rect">
               <a:avLst/>
@@ -9042,11 +9394,11 @@
             <a:p>
               <a:pPr algn="ctr">
                 <a:lnSpc>
-                  <a:spcPts val="2038"/>
+                  <a:spcPts val="1850"/>
                 </a:lnSpc>
               </a:pPr>
               <a:r>
-                <a:rPr lang="en-US" sz="910" dirty="0" err="1">
+                <a:rPr lang="en-US" sz="826" dirty="0" err="1">
                   <a:solidFill>
                     <a:srgbClr val="000000"/>
                   </a:solidFill>
@@ -9058,7 +9410,7 @@
                 <a:t>Пространство</a:t>
               </a:r>
               <a:r>
-                <a:rPr lang="en-US" sz="910" dirty="0">
+                <a:rPr lang="en-US" sz="826" dirty="0">
                   <a:solidFill>
                     <a:srgbClr val="000000"/>
                   </a:solidFill>
@@ -9070,7 +9422,7 @@
                 <a:t>, </a:t>
               </a:r>
               <a:r>
-                <a:rPr lang="en-US" sz="910" dirty="0" err="1">
+                <a:rPr lang="en-US" sz="826" dirty="0" err="1">
                   <a:solidFill>
                     <a:srgbClr val="000000"/>
                   </a:solidFill>
@@ -9082,7 +9434,7 @@
                 <a:t>где</a:t>
               </a:r>
               <a:r>
-                <a:rPr lang="en-US" sz="910" dirty="0">
+                <a:rPr lang="en-US" sz="826" dirty="0">
                   <a:solidFill>
                     <a:srgbClr val="000000"/>
                   </a:solidFill>
@@ -9094,7 +9446,7 @@
                 <a:t> </a:t>
               </a:r>
               <a:r>
-                <a:rPr lang="en-US" sz="910" dirty="0" err="1">
+                <a:rPr lang="en-US" sz="826" dirty="0" err="1">
                   <a:solidFill>
                     <a:srgbClr val="000000"/>
                   </a:solidFill>
@@ -9106,7 +9458,7 @@
                 <a:t>встречаются</a:t>
               </a:r>
               <a:r>
-                <a:rPr lang="en-US" sz="910" dirty="0">
+                <a:rPr lang="en-US" sz="826" dirty="0">
                   <a:solidFill>
                     <a:srgbClr val="000000"/>
                   </a:solidFill>
@@ -9118,7 +9470,7 @@
                 <a:t> </a:t>
               </a:r>
               <a:r>
-                <a:rPr lang="en-US" sz="910" dirty="0" err="1">
+                <a:rPr lang="en-US" sz="826" dirty="0" err="1">
                   <a:solidFill>
                     <a:srgbClr val="000000"/>
                   </a:solidFill>
@@ -9130,7 +9482,7 @@
                 <a:t>искусство</a:t>
               </a:r>
               <a:r>
-                <a:rPr lang="en-US" sz="910" dirty="0">
+                <a:rPr lang="en-US" sz="826" dirty="0">
                   <a:solidFill>
                     <a:srgbClr val="000000"/>
                   </a:solidFill>
@@ -9142,7 +9494,7 @@
                 <a:t>, </a:t>
               </a:r>
               <a:r>
-                <a:rPr lang="en-US" sz="910" dirty="0" err="1">
+                <a:rPr lang="en-US" sz="826" dirty="0" err="1">
                   <a:solidFill>
                     <a:srgbClr val="000000"/>
                   </a:solidFill>
@@ -9154,7 +9506,7 @@
                 <a:t>город</a:t>
               </a:r>
               <a:r>
-                <a:rPr lang="en-US" sz="910" dirty="0">
+                <a:rPr lang="en-US" sz="826" dirty="0">
                   <a:solidFill>
                     <a:srgbClr val="000000"/>
                   </a:solidFill>
@@ -9166,7 +9518,7 @@
                 <a:t> и </a:t>
               </a:r>
               <a:r>
-                <a:rPr lang="en-US" sz="910" dirty="0" err="1">
+                <a:rPr lang="en-US" sz="826" dirty="0" err="1">
                   <a:solidFill>
                     <a:srgbClr val="000000"/>
                   </a:solidFill>
@@ -9178,7 +9530,7 @@
                 <a:t>люди</a:t>
               </a:r>
               <a:r>
-                <a:rPr lang="en-US" sz="910" dirty="0">
+                <a:rPr lang="en-US" sz="826" dirty="0">
                   <a:solidFill>
                     <a:srgbClr val="000000"/>
                   </a:solidFill>
@@ -9193,11 +9545,11 @@
             <a:p>
               <a:pPr algn="ctr">
                 <a:lnSpc>
-                  <a:spcPts val="2038"/>
+                  <a:spcPts val="1850"/>
                 </a:lnSpc>
               </a:pPr>
               <a:r>
-                <a:rPr lang="en-US" sz="910" dirty="0">
+                <a:rPr lang="en-US" sz="826" dirty="0">
                   <a:solidFill>
                     <a:srgbClr val="000000"/>
                   </a:solidFill>
@@ -9209,7 +9561,7 @@
                 <a:t>Вы — </a:t>
               </a:r>
               <a:r>
-                <a:rPr lang="en-US" sz="910" dirty="0" err="1">
+                <a:rPr lang="en-US" sz="826" dirty="0" err="1">
                   <a:solidFill>
                     <a:srgbClr val="000000"/>
                   </a:solidFill>
@@ -9221,7 +9573,7 @@
                 <a:t>не</a:t>
               </a:r>
               <a:r>
-                <a:rPr lang="en-US" sz="910" dirty="0">
+                <a:rPr lang="en-US" sz="826" dirty="0">
                   <a:solidFill>
                     <a:srgbClr val="000000"/>
                   </a:solidFill>
@@ -9233,7 +9585,7 @@
                 <a:t> </a:t>
               </a:r>
               <a:r>
-                <a:rPr lang="en-US" sz="910" dirty="0" err="1">
+                <a:rPr lang="en-US" sz="826" dirty="0" err="1">
                   <a:solidFill>
                     <a:srgbClr val="000000"/>
                   </a:solidFill>
@@ -9245,7 +9597,7 @@
                 <a:t>просто</a:t>
               </a:r>
               <a:r>
-                <a:rPr lang="en-US" sz="910" dirty="0">
+                <a:rPr lang="en-US" sz="826" dirty="0">
                   <a:solidFill>
                     <a:srgbClr val="000000"/>
                   </a:solidFill>
@@ -9257,7 +9609,7 @@
                 <a:t> </a:t>
               </a:r>
               <a:r>
-                <a:rPr lang="en-US" sz="910" dirty="0" err="1">
+                <a:rPr lang="en-US" sz="826" dirty="0" err="1">
                   <a:solidFill>
                     <a:srgbClr val="000000"/>
                   </a:solidFill>
@@ -9269,7 +9621,7 @@
                 <a:t>гости</a:t>
               </a:r>
               <a:r>
-                <a:rPr lang="en-US" sz="910" dirty="0">
+                <a:rPr lang="en-US" sz="826" dirty="0">
                   <a:solidFill>
                     <a:srgbClr val="000000"/>
                   </a:solidFill>
@@ -9281,7 +9633,7 @@
                 <a:t> </a:t>
               </a:r>
               <a:r>
-                <a:rPr lang="en-US" sz="910" dirty="0" err="1">
+                <a:rPr lang="en-US" sz="826" dirty="0" err="1">
                   <a:solidFill>
                     <a:srgbClr val="000000"/>
                   </a:solidFill>
@@ -9293,7 +9645,7 @@
                 <a:t>апарт</a:t>
               </a:r>
               <a:r>
-                <a:rPr lang="en-US" sz="910" dirty="0">
+                <a:rPr lang="en-US" sz="826" dirty="0">
                   <a:solidFill>
                     <a:srgbClr val="000000"/>
                   </a:solidFill>
@@ -9305,7 +9657,7 @@
                 <a:t>-отелей, а </a:t>
               </a:r>
               <a:r>
-                <a:rPr lang="en-US" sz="910" dirty="0" err="1">
+                <a:rPr lang="en-US" sz="826" dirty="0" err="1">
                   <a:solidFill>
                     <a:srgbClr val="000000"/>
                   </a:solidFill>
@@ -9317,7 +9669,7 @@
                 <a:t>соавторы</a:t>
               </a:r>
               <a:r>
-                <a:rPr lang="en-US" sz="910" dirty="0">
+                <a:rPr lang="en-US" sz="826" dirty="0">
                   <a:solidFill>
                     <a:srgbClr val="000000"/>
                   </a:solidFill>
@@ -9329,7 +9681,7 @@
                 <a:t> </a:t>
               </a:r>
               <a:r>
-                <a:rPr lang="en-US" sz="910" dirty="0" err="1">
+                <a:rPr lang="en-US" sz="826" dirty="0" err="1">
                   <a:solidFill>
                     <a:srgbClr val="000000"/>
                   </a:solidFill>
@@ -9341,7 +9693,7 @@
                 <a:t>атмосферы</a:t>
               </a:r>
               <a:r>
-                <a:rPr lang="en-US" sz="910" dirty="0">
+                <a:rPr lang="en-US" sz="826" dirty="0">
                   <a:solidFill>
                     <a:srgbClr val="000000"/>
                   </a:solidFill>
@@ -9353,7 +9705,7 @@
                 <a:t>, </a:t>
               </a:r>
               <a:r>
-                <a:rPr lang="en-US" sz="910" dirty="0" err="1">
+                <a:rPr lang="en-US" sz="826" dirty="0" err="1">
                   <a:solidFill>
                     <a:srgbClr val="000000"/>
                   </a:solidFill>
@@ -9365,7 +9717,7 @@
                 <a:t>свидетели</a:t>
               </a:r>
               <a:r>
-                <a:rPr lang="en-US" sz="910" dirty="0">
+                <a:rPr lang="en-US" sz="826" dirty="0">
                   <a:solidFill>
                     <a:srgbClr val="000000"/>
                   </a:solidFill>
@@ -9377,7 +9729,7 @@
                 <a:t> </a:t>
               </a:r>
               <a:r>
-                <a:rPr lang="en-US" sz="910" dirty="0" err="1">
+                <a:rPr lang="en-US" sz="826" dirty="0" err="1">
                   <a:solidFill>
                     <a:srgbClr val="000000"/>
                   </a:solidFill>
@@ -9389,7 +9741,7 @@
                 <a:t>культурных</a:t>
               </a:r>
               <a:r>
-                <a:rPr lang="en-US" sz="910" dirty="0">
+                <a:rPr lang="en-US" sz="826" dirty="0">
                   <a:solidFill>
                     <a:srgbClr val="000000"/>
                   </a:solidFill>
@@ -9401,7 +9753,7 @@
                 <a:t> </a:t>
               </a:r>
               <a:r>
-                <a:rPr lang="en-US" sz="910" dirty="0" err="1">
+                <a:rPr lang="en-US" sz="826" dirty="0" err="1">
                   <a:solidFill>
                     <a:srgbClr val="000000"/>
                   </a:solidFill>
@@ -9413,7 +9765,7 @@
                 <a:t>событий</a:t>
               </a:r>
               <a:r>
-                <a:rPr lang="en-US" sz="910" dirty="0">
+                <a:rPr lang="en-US" sz="826" dirty="0">
                   <a:solidFill>
                     <a:srgbClr val="000000"/>
                   </a:solidFill>
@@ -9425,7 +9777,7 @@
                 <a:t> и </a:t>
               </a:r>
               <a:r>
-                <a:rPr lang="en-US" sz="910" dirty="0" err="1">
+                <a:rPr lang="en-US" sz="826" dirty="0" err="1">
                   <a:solidFill>
                     <a:srgbClr val="000000"/>
                   </a:solidFill>
@@ -9437,7 +9789,7 @@
                 <a:t>участники</a:t>
               </a:r>
               <a:r>
-                <a:rPr lang="en-US" sz="910" dirty="0">
+                <a:rPr lang="en-US" sz="826" dirty="0">
                   <a:solidFill>
                     <a:srgbClr val="000000"/>
                   </a:solidFill>
@@ -9449,7 +9801,7 @@
                 <a:t> </a:t>
               </a:r>
               <a:r>
-                <a:rPr lang="en-US" sz="910" dirty="0" err="1">
+                <a:rPr lang="en-US" sz="826" dirty="0" err="1">
                   <a:solidFill>
                     <a:srgbClr val="000000"/>
                   </a:solidFill>
@@ -9461,7 +9813,7 @@
                 <a:t>визуальной</a:t>
               </a:r>
               <a:r>
-                <a:rPr lang="en-US" sz="910" dirty="0">
+                <a:rPr lang="en-US" sz="826" dirty="0">
                   <a:solidFill>
                     <a:srgbClr val="000000"/>
                   </a:solidFill>
@@ -9473,7 +9825,7 @@
                 <a:t> </a:t>
               </a:r>
               <a:r>
-                <a:rPr lang="en-US" sz="910" dirty="0" err="1">
+                <a:rPr lang="en-US" sz="826" dirty="0" err="1">
                   <a:solidFill>
                     <a:srgbClr val="000000"/>
                   </a:solidFill>
@@ -9485,7 +9837,7 @@
                 <a:t>истории</a:t>
               </a:r>
               <a:r>
-                <a:rPr lang="en-US" sz="910" dirty="0">
+                <a:rPr lang="en-US" sz="826" dirty="0">
                   <a:solidFill>
                     <a:srgbClr val="000000"/>
                   </a:solidFill>
@@ -9500,10 +9852,10 @@
             <a:p>
               <a:pPr algn="ctr">
                 <a:lnSpc>
-                  <a:spcPts val="2038"/>
+                  <a:spcPts val="1850"/>
                 </a:lnSpc>
               </a:pPr>
-              <a:endParaRPr lang="en-US" sz="910" dirty="0">
+              <a:endParaRPr lang="en-US" sz="826" dirty="0">
                 <a:solidFill>
                   <a:srgbClr val="000000"/>
                 </a:solidFill>
@@ -9516,11 +9868,11 @@
             <a:p>
               <a:pPr algn="ctr">
                 <a:lnSpc>
-                  <a:spcPts val="2038"/>
+                  <a:spcPts val="1850"/>
                 </a:lnSpc>
               </a:pPr>
               <a:r>
-                <a:rPr lang="en-US" sz="910" dirty="0" err="1">
+                <a:rPr lang="en-US" sz="826" dirty="0" err="1">
                   <a:solidFill>
                     <a:srgbClr val="000000"/>
                   </a:solidFill>
@@ -9532,7 +9884,7 @@
                 <a:t>Мы</a:t>
               </a:r>
               <a:r>
-                <a:rPr lang="en-US" sz="910" dirty="0">
+                <a:rPr lang="en-US" sz="826" dirty="0">
                   <a:solidFill>
                     <a:srgbClr val="000000"/>
                   </a:solidFill>
@@ -9544,7 +9896,7 @@
                 <a:t> </a:t>
               </a:r>
               <a:r>
-                <a:rPr lang="en-US" sz="910" dirty="0" err="1">
+                <a:rPr lang="en-US" sz="826" dirty="0" err="1">
                   <a:solidFill>
                     <a:srgbClr val="000000"/>
                   </a:solidFill>
@@ -9556,7 +9908,7 @@
                 <a:t>очень</a:t>
               </a:r>
               <a:r>
-                <a:rPr lang="en-US" sz="910" dirty="0">
+                <a:rPr lang="en-US" sz="826" dirty="0">
                   <a:solidFill>
                     <a:srgbClr val="000000"/>
                   </a:solidFill>
@@ -9568,7 +9920,7 @@
                 <a:t> </a:t>
               </a:r>
               <a:r>
-                <a:rPr lang="en-US" sz="910" dirty="0" err="1">
+                <a:rPr lang="en-US" sz="826" dirty="0" err="1">
                   <a:solidFill>
                     <a:srgbClr val="000000"/>
                   </a:solidFill>
@@ -9580,7 +9932,7 @@
                 <a:t>благодарны</a:t>
               </a:r>
               <a:r>
-                <a:rPr lang="en-US" sz="910" dirty="0">
+                <a:rPr lang="en-US" sz="826" dirty="0">
                   <a:solidFill>
                     <a:srgbClr val="000000"/>
                   </a:solidFill>
@@ -9592,7 +9944,7 @@
                 <a:t>, </a:t>
               </a:r>
               <a:r>
-                <a:rPr lang="en-US" sz="910" dirty="0" err="1">
+                <a:rPr lang="en-US" sz="826" dirty="0" err="1">
                   <a:solidFill>
                     <a:srgbClr val="000000"/>
                   </a:solidFill>
@@ -9604,7 +9956,7 @@
                 <a:t>когда</a:t>
               </a:r>
               <a:r>
-                <a:rPr lang="en-US" sz="910" dirty="0">
+                <a:rPr lang="en-US" sz="826" dirty="0">
                   <a:solidFill>
                     <a:srgbClr val="000000"/>
                   </a:solidFill>
@@ -9616,7 +9968,7 @@
                 <a:t> </a:t>
               </a:r>
               <a:r>
-                <a:rPr lang="en-US" sz="910" dirty="0" err="1">
+                <a:rPr lang="en-US" sz="826" dirty="0" err="1">
                   <a:solidFill>
                     <a:srgbClr val="000000"/>
                   </a:solidFill>
@@ -9628,7 +9980,7 @@
                 <a:t>вы</a:t>
               </a:r>
               <a:r>
-                <a:rPr lang="en-US" sz="910" dirty="0">
+                <a:rPr lang="en-US" sz="826" dirty="0">
                   <a:solidFill>
                     <a:srgbClr val="000000"/>
                   </a:solidFill>
@@ -9640,7 +9992,7 @@
                 <a:t> </a:t>
               </a:r>
               <a:r>
-                <a:rPr lang="en-US" sz="910" dirty="0" err="1">
+                <a:rPr lang="en-US" sz="826" dirty="0" err="1">
                   <a:solidFill>
                     <a:srgbClr val="000000"/>
                   </a:solidFill>
@@ -9652,7 +10004,7 @@
                 <a:t>делитесь</a:t>
               </a:r>
               <a:r>
-                <a:rPr lang="en-US" sz="910" dirty="0">
+                <a:rPr lang="en-US" sz="826" dirty="0">
                   <a:solidFill>
                     <a:srgbClr val="000000"/>
                   </a:solidFill>
@@ -9664,7 +10016,7 @@
                 <a:t> </a:t>
               </a:r>
               <a:r>
-                <a:rPr lang="en-US" sz="910" dirty="0" err="1">
+                <a:rPr lang="en-US" sz="826" dirty="0" err="1">
                   <a:solidFill>
                     <a:srgbClr val="000000"/>
                   </a:solidFill>
@@ -9676,7 +10028,7 @@
                 <a:t>своими</a:t>
               </a:r>
               <a:r>
-                <a:rPr lang="en-US" sz="910" dirty="0">
+                <a:rPr lang="en-US" sz="826" dirty="0">
                   <a:solidFill>
                     <a:srgbClr val="000000"/>
                   </a:solidFill>
@@ -9688,7 +10040,7 @@
                 <a:t> </a:t>
               </a:r>
               <a:r>
-                <a:rPr lang="en-US" sz="910" dirty="0" err="1">
+                <a:rPr lang="en-US" sz="826" dirty="0" err="1">
                   <a:solidFill>
                     <a:srgbClr val="000000"/>
                   </a:solidFill>
@@ -9700,7 +10052,7 @@
                 <a:t>фото</a:t>
               </a:r>
               <a:r>
-                <a:rPr lang="en-US" sz="910" dirty="0">
+                <a:rPr lang="en-US" sz="826" dirty="0">
                   <a:solidFill>
                     <a:srgbClr val="000000"/>
                   </a:solidFill>
@@ -9712,7 +10064,7 @@
                 <a:t> и </a:t>
               </a:r>
               <a:r>
-                <a:rPr lang="en-US" sz="910" dirty="0" err="1">
+                <a:rPr lang="en-US" sz="826" dirty="0" err="1">
                   <a:solidFill>
                     <a:srgbClr val="000000"/>
                   </a:solidFill>
@@ -9724,7 +10076,7 @@
                 <a:t>отмечаете</a:t>
               </a:r>
               <a:r>
-                <a:rPr lang="en-US" sz="910" dirty="0">
+                <a:rPr lang="en-US" sz="826" dirty="0">
                   <a:solidFill>
                     <a:srgbClr val="000000"/>
                   </a:solidFill>
@@ -9736,7 +10088,7 @@
                 <a:t> </a:t>
               </a:r>
               <a:r>
-                <a:rPr lang="en-US" sz="910" dirty="0" err="1">
+                <a:rPr lang="en-US" sz="826" dirty="0" err="1">
                   <a:solidFill>
                     <a:srgbClr val="000000"/>
                   </a:solidFill>
@@ -9748,7 +10100,7 @@
                 <a:t>нас</a:t>
               </a:r>
               <a:r>
-                <a:rPr lang="en-US" sz="910" dirty="0">
+                <a:rPr lang="en-US" sz="826" dirty="0">
                   <a:solidFill>
                     <a:srgbClr val="000000"/>
                   </a:solidFill>
@@ -9760,7 +10112,7 @@
                 <a:t> в </a:t>
               </a:r>
               <a:r>
-                <a:rPr lang="en-US" sz="910" dirty="0" err="1">
+                <a:rPr lang="en-US" sz="826" dirty="0" err="1">
                   <a:solidFill>
                     <a:srgbClr val="000000"/>
                   </a:solidFill>
@@ -9772,7 +10124,7 @@
                 <a:t>социальных</a:t>
               </a:r>
               <a:r>
-                <a:rPr lang="en-US" sz="910" dirty="0">
+                <a:rPr lang="en-US" sz="826" dirty="0">
                   <a:solidFill>
                     <a:srgbClr val="000000"/>
                   </a:solidFill>
@@ -9784,7 +10136,7 @@
                 <a:t> </a:t>
               </a:r>
               <a:r>
-                <a:rPr lang="en-US" sz="910" dirty="0" err="1">
+                <a:rPr lang="en-US" sz="826" dirty="0" err="1">
                   <a:solidFill>
                     <a:srgbClr val="000000"/>
                   </a:solidFill>
@@ -9796,7 +10148,7 @@
                 <a:t>сетях</a:t>
               </a:r>
               <a:r>
-                <a:rPr lang="en-US" sz="910" dirty="0">
+                <a:rPr lang="en-US" sz="826" dirty="0">
                   <a:solidFill>
                     <a:srgbClr val="000000"/>
                   </a:solidFill>
@@ -9825,7 +10177,7 @@
           <p:spPr>
             <a:xfrm>
               <a:off x="3790720" y="5277730"/>
-              <a:ext cx="3110559" cy="360159"/>
+              <a:ext cx="3110559" cy="381232"/>
             </a:xfrm>
             <a:prstGeom prst="rect">
               <a:avLst/>
@@ -9839,11 +10191,11 @@
             <a:p>
               <a:pPr algn="ctr">
                 <a:lnSpc>
-                  <a:spcPts val="1556"/>
+                  <a:spcPts val="1412"/>
                 </a:lnSpc>
               </a:pPr>
               <a:r>
-                <a:rPr lang="en-US" sz="910" dirty="0" err="1">
+                <a:rPr lang="en-US" sz="826" dirty="0" err="1">
                   <a:solidFill>
                     <a:srgbClr val="000000"/>
                   </a:solidFill>
@@ -9855,7 +10207,7 @@
                 <a:t>Фирменные</a:t>
               </a:r>
               <a:r>
-                <a:rPr lang="en-US" sz="910" dirty="0">
+                <a:rPr lang="en-US" sz="826" dirty="0">
                   <a:solidFill>
                     <a:srgbClr val="000000"/>
                   </a:solidFill>
@@ -9867,7 +10219,7 @@
                 <a:t> </a:t>
               </a:r>
               <a:r>
-                <a:rPr lang="en-US" sz="910" dirty="0" err="1">
+                <a:rPr lang="en-US" sz="826" dirty="0" err="1">
                   <a:solidFill>
                     <a:srgbClr val="000000"/>
                   </a:solidFill>
@@ -9879,7 +10231,7 @@
                 <a:t>пижамы</a:t>
               </a:r>
               <a:r>
-                <a:rPr lang="en-US" sz="910" dirty="0">
+                <a:rPr lang="en-US" sz="826" dirty="0">
                   <a:solidFill>
                     <a:srgbClr val="000000"/>
                   </a:solidFill>
@@ -9891,7 +10243,7 @@
                 <a:t>, </a:t>
               </a:r>
               <a:r>
-                <a:rPr lang="en-US" sz="910" dirty="0" err="1">
+                <a:rPr lang="en-US" sz="826" dirty="0" err="1">
                   <a:solidFill>
                     <a:srgbClr val="000000"/>
                   </a:solidFill>
@@ -9903,7 +10255,7 @@
                 <a:t>свечи</a:t>
               </a:r>
               <a:r>
-                <a:rPr lang="en-US" sz="910" dirty="0">
+                <a:rPr lang="en-US" sz="826" dirty="0">
                   <a:solidFill>
                     <a:srgbClr val="000000"/>
                   </a:solidFill>
@@ -9915,7 +10267,7 @@
                 <a:t> и </a:t>
               </a:r>
               <a:r>
-                <a:rPr lang="en-US" sz="910" dirty="0" err="1">
+                <a:rPr lang="en-US" sz="826" dirty="0" err="1">
                   <a:solidFill>
                     <a:srgbClr val="000000"/>
                   </a:solidFill>
@@ -9927,7 +10279,7 @@
                 <a:t>сувениры</a:t>
               </a:r>
               <a:r>
-                <a:rPr lang="en-US" sz="910" dirty="0">
+                <a:rPr lang="en-US" sz="826" dirty="0">
                   <a:solidFill>
                     <a:srgbClr val="000000"/>
                   </a:solidFill>
@@ -9942,11 +10294,11 @@
             <a:p>
               <a:pPr algn="ctr">
                 <a:lnSpc>
-                  <a:spcPts val="1556"/>
+                  <a:spcPts val="1412"/>
                 </a:lnSpc>
               </a:pPr>
               <a:r>
-                <a:rPr lang="en-US" sz="910" dirty="0">
+                <a:rPr lang="en-US" sz="826" dirty="0">
                   <a:solidFill>
                     <a:srgbClr val="000000"/>
                   </a:solidFill>
@@ -9958,7 +10310,7 @@
                 <a:t> </a:t>
               </a:r>
               <a:r>
-                <a:rPr lang="en-US" sz="910" dirty="0" err="1">
+                <a:rPr lang="en-US" sz="826" dirty="0" err="1">
                   <a:solidFill>
                     <a:srgbClr val="000000"/>
                   </a:solidFill>
@@ -9970,7 +10322,7 @@
                 <a:t>всё</a:t>
               </a:r>
               <a:r>
-                <a:rPr lang="en-US" sz="910" dirty="0">
+                <a:rPr lang="en-US" sz="826" dirty="0">
                   <a:solidFill>
                     <a:srgbClr val="000000"/>
                   </a:solidFill>
@@ -9982,7 +10334,7 @@
                 <a:t> можно </a:t>
               </a:r>
               <a:r>
-                <a:rPr lang="en-US" sz="910" dirty="0" err="1">
+                <a:rPr lang="en-US" sz="826" dirty="0" err="1">
                   <a:solidFill>
                     <a:srgbClr val="000000"/>
                   </a:solidFill>
@@ -9994,7 +10346,7 @@
                 <a:t>посмотреть</a:t>
               </a:r>
               <a:r>
-                <a:rPr lang="en-US" sz="910" dirty="0">
+                <a:rPr lang="en-US" sz="826" dirty="0">
                   <a:solidFill>
                     <a:srgbClr val="000000"/>
                   </a:solidFill>
@@ -10006,7 +10358,7 @@
                 <a:t> </a:t>
               </a:r>
               <a:r>
-                <a:rPr lang="en-US" sz="910" dirty="0" err="1">
+                <a:rPr lang="en-US" sz="826" dirty="0" err="1">
                   <a:solidFill>
                     <a:srgbClr val="000000"/>
                   </a:solidFill>
@@ -10018,7 +10370,7 @@
                 <a:t>на</a:t>
               </a:r>
               <a:r>
-                <a:rPr lang="en-US" sz="910" dirty="0">
+                <a:rPr lang="en-US" sz="826" dirty="0">
                   <a:solidFill>
                     <a:srgbClr val="000000"/>
                   </a:solidFill>
@@ -10030,7 +10382,7 @@
                 <a:t> </a:t>
               </a:r>
               <a:r>
-                <a:rPr lang="en-US" sz="910" dirty="0" err="1">
+                <a:rPr lang="en-US" sz="826" dirty="0" err="1">
                   <a:solidFill>
                     <a:srgbClr val="000000"/>
                   </a:solidFill>
@@ -10042,7 +10394,7 @@
                 <a:t>ресепшене</a:t>
               </a:r>
               <a:r>
-                <a:rPr lang="en-US" sz="910" dirty="0">
+                <a:rPr lang="en-US" sz="826" dirty="0">
                   <a:solidFill>
                     <a:srgbClr val="000000"/>
                   </a:solidFill>
@@ -10054,7 +10406,7 @@
                 <a:t> </a:t>
               </a:r>
               <a:r>
-                <a:rPr lang="en-US" sz="910" dirty="0" err="1">
+                <a:rPr lang="en-US" sz="826" dirty="0" err="1">
                   <a:solidFill>
                     <a:srgbClr val="000000"/>
                   </a:solidFill>
@@ -10066,7 +10418,7 @@
                 <a:t>или</a:t>
               </a:r>
               <a:r>
-                <a:rPr lang="en-US" sz="910" dirty="0">
+                <a:rPr lang="en-US" sz="826" dirty="0">
                   <a:solidFill>
                     <a:srgbClr val="000000"/>
                   </a:solidFill>
@@ -10095,8 +10447,8 @@
         </p:nvSpPr>
         <p:spPr>
           <a:xfrm>
-            <a:off x="3593398" y="4073222"/>
-            <a:ext cx="3505201" cy="17"/>
+            <a:off x="3361768" y="3696706"/>
+            <a:ext cx="3181191" cy="15"/>
           </a:xfrm>
           <a:prstGeom prst="line">
             <a:avLst/>
@@ -10128,7 +10480,7 @@
           <a:bodyPr/>
           <a:lstStyle/>
           <a:p>
-            <a:endParaRPr/>
+            <a:endParaRPr sz="1500"/>
           </a:p>
         </p:txBody>
       </p:sp>
@@ -10146,10 +10498,10 @@
         </p:nvGrpSpPr>
         <p:grpSpPr>
           <a:xfrm>
-            <a:off x="7411346" y="350058"/>
-            <a:ext cx="3110559" cy="6875151"/>
+            <a:off x="6994501" y="306361"/>
+            <a:ext cx="2823028" cy="6262312"/>
             <a:chOff x="7415808" y="323006"/>
-            <a:chExt cx="3110559" cy="6875151"/>
+            <a:chExt cx="3110559" cy="6900140"/>
           </a:xfrm>
         </p:grpSpPr>
         <p:grpSp>
@@ -10246,7 +10598,7 @@
               <a:bodyPr/>
               <a:lstStyle/>
               <a:p>
-                <a:endParaRPr/>
+                <a:endParaRPr sz="1500"/>
               </a:p>
             </p:txBody>
           </p:sp>
@@ -10272,15 +10624,15 @@
               </a:prstGeom>
             </p:spPr>
             <p:txBody>
-              <a:bodyPr lIns="50800" tIns="50800" rIns="50800" bIns="50800" rtlCol="0" anchor="ctr"/>
+              <a:bodyPr lIns="46104" tIns="46104" rIns="46104" bIns="46104" rtlCol="0" anchor="ctr"/>
               <a:lstStyle/>
               <a:p>
                 <a:pPr algn="ctr">
                   <a:lnSpc>
-                    <a:spcPts val="1664"/>
+                    <a:spcPts val="1510"/>
                   </a:lnSpc>
                 </a:pPr>
-                <a:endParaRPr/>
+                <a:endParaRPr sz="1500"/>
               </a:p>
             </p:txBody>
           </p:sp>
@@ -10340,7 +10692,7 @@
             <a:bodyPr/>
             <a:lstStyle/>
             <a:p>
-              <a:endParaRPr/>
+              <a:endParaRPr sz="1500"/>
             </a:p>
           </p:txBody>
         </p:sp>
@@ -10359,7 +10711,7 @@
           <p:spPr>
             <a:xfrm>
               <a:off x="7795873" y="2939645"/>
-              <a:ext cx="2350430" cy="1498162"/>
+              <a:ext cx="2350430" cy="1582580"/>
             </a:xfrm>
             <a:prstGeom prst="rect">
               <a:avLst/>
@@ -10373,11 +10725,11 @@
             <a:p>
               <a:pPr algn="ctr">
                 <a:lnSpc>
-                  <a:spcPts val="2148"/>
+                  <a:spcPts val="1950"/>
                 </a:lnSpc>
               </a:pPr>
               <a:r>
-                <a:rPr lang="en-US" sz="1603">
+                <a:rPr lang="en-US" sz="1455">
                   <a:solidFill>
                     <a:srgbClr val="000000"/>
                   </a:solidFill>
@@ -10392,10 +10744,10 @@
             <a:p>
               <a:pPr algn="ctr">
                 <a:lnSpc>
-                  <a:spcPts val="2148"/>
+                  <a:spcPts val="1950"/>
                 </a:lnSpc>
               </a:pPr>
-              <a:endParaRPr lang="en-US" sz="1603">
+              <a:endParaRPr lang="en-US" sz="1455">
                 <a:solidFill>
                   <a:srgbClr val="000000"/>
                 </a:solidFill>
@@ -10408,11 +10760,11 @@
             <a:p>
               <a:pPr algn="ctr">
                 <a:lnSpc>
-                  <a:spcPts val="1746"/>
+                  <a:spcPts val="1585"/>
                 </a:lnSpc>
               </a:pPr>
               <a:r>
-                <a:rPr lang="en-US" sz="1303">
+                <a:rPr lang="en-US" sz="1183">
                   <a:solidFill>
                     <a:srgbClr val="000000"/>
                   </a:solidFill>
@@ -10441,7 +10793,7 @@
           <p:spPr>
             <a:xfrm>
               <a:off x="7415808" y="6718275"/>
-              <a:ext cx="3110559" cy="479882"/>
+              <a:ext cx="3110559" cy="504871"/>
             </a:xfrm>
             <a:prstGeom prst="rect">
               <a:avLst/>
@@ -10455,11 +10807,11 @@
             <a:p>
               <a:pPr algn="ctr">
                 <a:lnSpc>
-                  <a:spcPts val="2038"/>
+                  <a:spcPts val="1850"/>
                 </a:lnSpc>
               </a:pPr>
               <a:r>
-                <a:rPr lang="en-US" sz="910" dirty="0" err="1">
+                <a:rPr lang="en-US" sz="826" dirty="0" err="1">
                   <a:solidFill>
                     <a:srgbClr val="000000"/>
                   </a:solidFill>
@@ -10471,7 +10823,7 @@
                 <a:t>Оставайтесь</a:t>
               </a:r>
               <a:r>
-                <a:rPr lang="en-US" sz="910" dirty="0">
+                <a:rPr lang="en-US" sz="826" dirty="0">
                   <a:solidFill>
                     <a:srgbClr val="000000"/>
                   </a:solidFill>
@@ -10483,7 +10835,7 @@
                 <a:t> </a:t>
               </a:r>
               <a:r>
-                <a:rPr lang="en-US" sz="910" dirty="0" err="1">
+                <a:rPr lang="en-US" sz="826" dirty="0" err="1">
                   <a:solidFill>
                     <a:srgbClr val="000000"/>
                   </a:solidFill>
@@ -10495,7 +10847,7 @@
                 <a:t>на</a:t>
               </a:r>
               <a:r>
-                <a:rPr lang="en-US" sz="910" dirty="0">
+                <a:rPr lang="en-US" sz="826" dirty="0">
                   <a:solidFill>
                     <a:srgbClr val="000000"/>
                   </a:solidFill>
@@ -10507,7 +10859,7 @@
                 <a:t> </a:t>
               </a:r>
               <a:r>
-                <a:rPr lang="en-US" sz="910" dirty="0" err="1">
+                <a:rPr lang="en-US" sz="826" dirty="0" err="1">
                   <a:solidFill>
                     <a:srgbClr val="000000"/>
                   </a:solidFill>
@@ -10519,7 +10871,7 @@
                 <a:t>связи</a:t>
               </a:r>
               <a:r>
-                <a:rPr lang="en-US" sz="910" dirty="0">
+                <a:rPr lang="en-US" sz="826" dirty="0">
                   <a:solidFill>
                     <a:srgbClr val="000000"/>
                   </a:solidFill>
@@ -10534,11 +10886,11 @@
             <a:p>
               <a:pPr algn="ctr">
                 <a:lnSpc>
-                  <a:spcPts val="2038"/>
+                  <a:spcPts val="1850"/>
                 </a:lnSpc>
               </a:pPr>
               <a:r>
-                <a:rPr lang="en-US" sz="910" dirty="0">
+                <a:rPr lang="en-US" sz="826" dirty="0">
                   <a:solidFill>
                     <a:srgbClr val="000000"/>
                   </a:solidFill>
@@ -10550,7 +10902,7 @@
                 <a:t> </a:t>
               </a:r>
               <a:r>
-                <a:rPr lang="en-US" sz="910" dirty="0" err="1">
+                <a:rPr lang="en-US" sz="826" dirty="0" err="1">
                   <a:solidFill>
                     <a:srgbClr val="000000"/>
                   </a:solidFill>
@@ -10562,7 +10914,7 @@
                 <a:t>Контакты</a:t>
               </a:r>
               <a:r>
-                <a:rPr lang="en-US" sz="910" dirty="0">
+                <a:rPr lang="en-US" sz="826" dirty="0">
                   <a:solidFill>
                     <a:srgbClr val="000000"/>
                   </a:solidFill>
@@ -10574,7 +10926,7 @@
                 <a:t>, </a:t>
               </a:r>
               <a:r>
-                <a:rPr lang="en-US" sz="910" dirty="0" err="1">
+                <a:rPr lang="en-US" sz="826" dirty="0" err="1">
                   <a:solidFill>
                     <a:srgbClr val="000000"/>
                   </a:solidFill>
@@ -10586,7 +10938,7 @@
                 <a:t>соцсети</a:t>
               </a:r>
               <a:r>
-                <a:rPr lang="en-US" sz="910" dirty="0">
+                <a:rPr lang="en-US" sz="826" dirty="0">
                   <a:solidFill>
                     <a:srgbClr val="000000"/>
                   </a:solidFill>
@@ -10598,7 +10950,7 @@
                 <a:t>, </a:t>
               </a:r>
               <a:r>
-                <a:rPr lang="en-US" sz="910" dirty="0" err="1">
+                <a:rPr lang="en-US" sz="826" dirty="0" err="1">
                   <a:solidFill>
                     <a:srgbClr val="000000"/>
                   </a:solidFill>
@@ -10610,7 +10962,7 @@
                 <a:t>помощь</a:t>
               </a:r>
               <a:r>
-                <a:rPr lang="en-US" sz="910" dirty="0">
+                <a:rPr lang="en-US" sz="826" dirty="0">
                   <a:solidFill>
                     <a:srgbClr val="000000"/>
                   </a:solidFill>
@@ -10622,7 +10974,7 @@
                 <a:t> — </a:t>
               </a:r>
               <a:r>
-                <a:rPr lang="en-US" sz="910" dirty="0" err="1">
+                <a:rPr lang="en-US" sz="826" dirty="0" err="1">
                   <a:solidFill>
                     <a:srgbClr val="000000"/>
                   </a:solidFill>
@@ -10634,7 +10986,7 @@
                 <a:t>всё</a:t>
               </a:r>
               <a:r>
-                <a:rPr lang="en-US" sz="910" dirty="0">
+                <a:rPr lang="en-US" sz="826" dirty="0">
                   <a:solidFill>
                     <a:srgbClr val="000000"/>
                   </a:solidFill>
@@ -10703,7 +11055,7 @@
             <a:bodyPr/>
             <a:lstStyle/>
             <a:p>
-              <a:endParaRPr/>
+              <a:endParaRPr sz="1500"/>
             </a:p>
           </p:txBody>
         </p:sp>
@@ -11002,4 +11354,319 @@
   <a:objectDefaults/>
   <a:extraClrSchemeLst/>
 </a:theme>
+</file>
+
+<file path=ppt/theme/theme2.xml><?xml version="1.0" encoding="utf-8"?>
+<a:theme xmlns:a="http://schemas.openxmlformats.org/drawingml/2006/main" name="Тема Office">
+  <a:themeElements>
+    <a:clrScheme name="Стандартная">
+      <a:dk1>
+        <a:sysClr val="windowText" lastClr="000000"/>
+      </a:dk1>
+      <a:lt1>
+        <a:sysClr val="window" lastClr="FFFFFF"/>
+      </a:lt1>
+      <a:dk2>
+        <a:srgbClr val="0E2841"/>
+      </a:dk2>
+      <a:lt2>
+        <a:srgbClr val="E8E8E8"/>
+      </a:lt2>
+      <a:accent1>
+        <a:srgbClr val="156082"/>
+      </a:accent1>
+      <a:accent2>
+        <a:srgbClr val="E97132"/>
+      </a:accent2>
+      <a:accent3>
+        <a:srgbClr val="196B24"/>
+      </a:accent3>
+      <a:accent4>
+        <a:srgbClr val="0F9ED5"/>
+      </a:accent4>
+      <a:accent5>
+        <a:srgbClr val="A02B93"/>
+      </a:accent5>
+      <a:accent6>
+        <a:srgbClr val="4EA72E"/>
+      </a:accent6>
+      <a:hlink>
+        <a:srgbClr val="467886"/>
+      </a:hlink>
+      <a:folHlink>
+        <a:srgbClr val="96607D"/>
+      </a:folHlink>
+    </a:clrScheme>
+    <a:fontScheme name="Стандартная">
+      <a:majorFont>
+        <a:latin typeface="Aptos Display" panose="02110004020202020204"/>
+        <a:ea typeface=""/>
+        <a:cs typeface=""/>
+        <a:font script="Jpan" typeface="游ゴシック Light"/>
+        <a:font script="Hang" typeface="맑은 고딕"/>
+        <a:font script="Hans" typeface="等线 Light"/>
+        <a:font script="Hant" typeface="新細明體"/>
+        <a:font script="Arab" typeface="Times New Roman"/>
+        <a:font script="Hebr" typeface="Times New Roman"/>
+        <a:font script="Thai" typeface="Angsana New"/>
+        <a:font script="Ethi" typeface="Nyala"/>
+        <a:font script="Beng" typeface="Vrinda"/>
+        <a:font script="Gujr" typeface="Shruti"/>
+        <a:font script="Khmr" typeface="MoolBoran"/>
+        <a:font script="Knda" typeface="Tunga"/>
+        <a:font script="Guru" typeface="Raavi"/>
+        <a:font script="Cans" typeface="Euphemia"/>
+        <a:font script="Cher" typeface="Plantagenet Cherokee"/>
+        <a:font script="Yiii" typeface="Microsoft Yi Baiti"/>
+        <a:font script="Tibt" typeface="Microsoft Himalaya"/>
+        <a:font script="Thaa" typeface="MV Boli"/>
+        <a:font script="Deva" typeface="Mangal"/>
+        <a:font script="Telu" typeface="Gautami"/>
+        <a:font script="Taml" typeface="Latha"/>
+        <a:font script="Syrc" typeface="Estrangelo Edessa"/>
+        <a:font script="Orya" typeface="Kalinga"/>
+        <a:font script="Mlym" typeface="Kartika"/>
+        <a:font script="Laoo" typeface="DokChampa"/>
+        <a:font script="Sinh" typeface="Iskoola Pota"/>
+        <a:font script="Mong" typeface="Mongolian Baiti"/>
+        <a:font script="Viet" typeface="Times New Roman"/>
+        <a:font script="Uigh" typeface="Microsoft Uighur"/>
+        <a:font script="Geor" typeface="Sylfaen"/>
+        <a:font script="Armn" typeface="Arial"/>
+        <a:font script="Bugi" typeface="Leelawadee UI"/>
+        <a:font script="Bopo" typeface="Microsoft JhengHei"/>
+        <a:font script="Java" typeface="Javanese Text"/>
+        <a:font script="Lisu" typeface="Segoe UI"/>
+        <a:font script="Mymr" typeface="Myanmar Text"/>
+        <a:font script="Nkoo" typeface="Ebrima"/>
+        <a:font script="Olck" typeface="Nirmala UI"/>
+        <a:font script="Osma" typeface="Ebrima"/>
+        <a:font script="Phag" typeface="Phagspa"/>
+        <a:font script="Syrn" typeface="Estrangelo Edessa"/>
+        <a:font script="Syrj" typeface="Estrangelo Edessa"/>
+        <a:font script="Syre" typeface="Estrangelo Edessa"/>
+        <a:font script="Sora" typeface="Nirmala UI"/>
+        <a:font script="Tale" typeface="Microsoft Tai Le"/>
+        <a:font script="Talu" typeface="Microsoft New Tai Lue"/>
+        <a:font script="Tfng" typeface="Ebrima"/>
+      </a:majorFont>
+      <a:minorFont>
+        <a:latin typeface="Aptos" panose="02110004020202020204"/>
+        <a:ea typeface=""/>
+        <a:cs typeface=""/>
+        <a:font script="Jpan" typeface="游ゴシック"/>
+        <a:font script="Hang" typeface="맑은 고딕"/>
+        <a:font script="Hans" typeface="等线"/>
+        <a:font script="Hant" typeface="新細明體"/>
+        <a:font script="Arab" typeface="Arial"/>
+        <a:font script="Hebr" typeface="Arial"/>
+        <a:font script="Thai" typeface="Cordia New"/>
+        <a:font script="Ethi" typeface="Nyala"/>
+        <a:font script="Beng" typeface="Vrinda"/>
+        <a:font script="Gujr" typeface="Shruti"/>
+        <a:font script="Khmr" typeface="DaunPenh"/>
+        <a:font script="Knda" typeface="Tunga"/>
+        <a:font script="Guru" typeface="Raavi"/>
+        <a:font script="Cans" typeface="Euphemia"/>
+        <a:font script="Cher" typeface="Plantagenet Cherokee"/>
+        <a:font script="Yiii" typeface="Microsoft Yi Baiti"/>
+        <a:font script="Tibt" typeface="Microsoft Himalaya"/>
+        <a:font script="Thaa" typeface="MV Boli"/>
+        <a:font script="Deva" typeface="Mangal"/>
+        <a:font script="Telu" typeface="Gautami"/>
+        <a:font script="Taml" typeface="Latha"/>
+        <a:font script="Syrc" typeface="Estrangelo Edessa"/>
+        <a:font script="Orya" typeface="Kalinga"/>
+        <a:font script="Mlym" typeface="Kartika"/>
+        <a:font script="Laoo" typeface="DokChampa"/>
+        <a:font script="Sinh" typeface="Iskoola Pota"/>
+        <a:font script="Mong" typeface="Mongolian Baiti"/>
+        <a:font script="Viet" typeface="Arial"/>
+        <a:font script="Uigh" typeface="Microsoft Uighur"/>
+        <a:font script="Geor" typeface="Sylfaen"/>
+        <a:font script="Armn" typeface="Arial"/>
+        <a:font script="Bugi" typeface="Leelawadee UI"/>
+        <a:font script="Bopo" typeface="Microsoft JhengHei"/>
+        <a:font script="Java" typeface="Javanese Text"/>
+        <a:font script="Lisu" typeface="Segoe UI"/>
+        <a:font script="Mymr" typeface="Myanmar Text"/>
+        <a:font script="Nkoo" typeface="Ebrima"/>
+        <a:font script="Olck" typeface="Nirmala UI"/>
+        <a:font script="Osma" typeface="Ebrima"/>
+        <a:font script="Phag" typeface="Phagspa"/>
+        <a:font script="Syrn" typeface="Estrangelo Edessa"/>
+        <a:font script="Syrj" typeface="Estrangelo Edessa"/>
+        <a:font script="Syre" typeface="Estrangelo Edessa"/>
+        <a:font script="Sora" typeface="Nirmala UI"/>
+        <a:font script="Tale" typeface="Microsoft Tai Le"/>
+        <a:font script="Talu" typeface="Microsoft New Tai Lue"/>
+        <a:font script="Tfng" typeface="Ebrima"/>
+      </a:minorFont>
+    </a:fontScheme>
+    <a:fmtScheme name="Стандартная">
+      <a:fillStyleLst>
+        <a:solidFill>
+          <a:schemeClr val="phClr"/>
+        </a:solidFill>
+        <a:gradFill rotWithShape="1">
+          <a:gsLst>
+            <a:gs pos="0">
+              <a:schemeClr val="phClr">
+                <a:lumMod val="110000"/>
+                <a:satMod val="105000"/>
+                <a:tint val="67000"/>
+              </a:schemeClr>
+            </a:gs>
+            <a:gs pos="50000">
+              <a:schemeClr val="phClr">
+                <a:lumMod val="105000"/>
+                <a:satMod val="103000"/>
+                <a:tint val="73000"/>
+              </a:schemeClr>
+            </a:gs>
+            <a:gs pos="100000">
+              <a:schemeClr val="phClr">
+                <a:lumMod val="105000"/>
+                <a:satMod val="109000"/>
+                <a:tint val="81000"/>
+              </a:schemeClr>
+            </a:gs>
+          </a:gsLst>
+          <a:lin ang="5400000" scaled="0"/>
+        </a:gradFill>
+        <a:gradFill rotWithShape="1">
+          <a:gsLst>
+            <a:gs pos="0">
+              <a:schemeClr val="phClr">
+                <a:satMod val="103000"/>
+                <a:lumMod val="102000"/>
+                <a:tint val="94000"/>
+              </a:schemeClr>
+            </a:gs>
+            <a:gs pos="50000">
+              <a:schemeClr val="phClr">
+                <a:satMod val="110000"/>
+                <a:lumMod val="100000"/>
+                <a:shade val="100000"/>
+              </a:schemeClr>
+            </a:gs>
+            <a:gs pos="100000">
+              <a:schemeClr val="phClr">
+                <a:lumMod val="99000"/>
+                <a:satMod val="120000"/>
+                <a:shade val="78000"/>
+              </a:schemeClr>
+            </a:gs>
+          </a:gsLst>
+          <a:lin ang="5400000" scaled="0"/>
+        </a:gradFill>
+      </a:fillStyleLst>
+      <a:lnStyleLst>
+        <a:ln w="12700" cap="flat" cmpd="sng" algn="ctr">
+          <a:solidFill>
+            <a:schemeClr val="phClr"/>
+          </a:solidFill>
+          <a:prstDash val="solid"/>
+          <a:miter lim="800000"/>
+        </a:ln>
+        <a:ln w="19050" cap="flat" cmpd="sng" algn="ctr">
+          <a:solidFill>
+            <a:schemeClr val="phClr"/>
+          </a:solidFill>
+          <a:prstDash val="solid"/>
+          <a:miter lim="800000"/>
+        </a:ln>
+        <a:ln w="25400" cap="flat" cmpd="sng" algn="ctr">
+          <a:solidFill>
+            <a:schemeClr val="phClr"/>
+          </a:solidFill>
+          <a:prstDash val="solid"/>
+          <a:miter lim="800000"/>
+        </a:ln>
+      </a:lnStyleLst>
+      <a:effectStyleLst>
+        <a:effectStyle>
+          <a:effectLst/>
+        </a:effectStyle>
+        <a:effectStyle>
+          <a:effectLst/>
+        </a:effectStyle>
+        <a:effectStyle>
+          <a:effectLst>
+            <a:outerShdw blurRad="57150" dist="19050" dir="5400000" algn="ctr" rotWithShape="0">
+              <a:srgbClr val="000000">
+                <a:alpha val="63000"/>
+              </a:srgbClr>
+            </a:outerShdw>
+          </a:effectLst>
+        </a:effectStyle>
+      </a:effectStyleLst>
+      <a:bgFillStyleLst>
+        <a:solidFill>
+          <a:schemeClr val="phClr"/>
+        </a:solidFill>
+        <a:solidFill>
+          <a:schemeClr val="phClr">
+            <a:tint val="95000"/>
+            <a:satMod val="170000"/>
+          </a:schemeClr>
+        </a:solidFill>
+        <a:gradFill rotWithShape="1">
+          <a:gsLst>
+            <a:gs pos="0">
+              <a:schemeClr val="phClr">
+                <a:tint val="93000"/>
+                <a:satMod val="150000"/>
+                <a:shade val="98000"/>
+                <a:lumMod val="102000"/>
+              </a:schemeClr>
+            </a:gs>
+            <a:gs pos="50000">
+              <a:schemeClr val="phClr">
+                <a:tint val="98000"/>
+                <a:satMod val="130000"/>
+                <a:shade val="90000"/>
+                <a:lumMod val="103000"/>
+              </a:schemeClr>
+            </a:gs>
+            <a:gs pos="100000">
+              <a:schemeClr val="phClr">
+                <a:shade val="63000"/>
+                <a:satMod val="120000"/>
+              </a:schemeClr>
+            </a:gs>
+          </a:gsLst>
+          <a:lin ang="5400000" scaled="0"/>
+        </a:gradFill>
+      </a:bgFillStyleLst>
+    </a:fmtScheme>
+  </a:themeElements>
+  <a:objectDefaults>
+    <a:lnDef>
+      <a:spPr/>
+      <a:bodyPr/>
+      <a:lstStyle/>
+      <a:style>
+        <a:lnRef idx="2">
+          <a:schemeClr val="accent1"/>
+        </a:lnRef>
+        <a:fillRef idx="0">
+          <a:schemeClr val="accent1"/>
+        </a:fillRef>
+        <a:effectRef idx="1">
+          <a:schemeClr val="accent1"/>
+        </a:effectRef>
+        <a:fontRef idx="minor">
+          <a:schemeClr val="tx1"/>
+        </a:fontRef>
+      </a:style>
+    </a:lnDef>
+  </a:objectDefaults>
+  <a:extraClrSchemeLst/>
+  <a:extLst>
+    <a:ext uri="{05A4C25C-085E-4340-85A3-A5531E510DB2}">
+      <thm15:themeFamily xmlns:thm15="http://schemas.microsoft.com/office/thememl/2012/main" name="Office Theme" id="{2E142A2C-CD16-42D6-873A-C26D2A0506FA}" vid="{1BDDFF52-6CD6-40A5-AB3C-68EB2F1E4D0A}"/>
+    </a:ext>
+  </a:extLst>
+</a:theme>
 </file>
--- a/api/templates/brochure_ru.pptx
+++ b/api/templates/brochure_ru.pptx
@@ -4,32 +4,29 @@
   <p:sldMasterIdLst>
     <p:sldMasterId id="2147483648" r:id="rId1"/>
   </p:sldMasterIdLst>
-  <p:notesMasterIdLst>
-    <p:notesMasterId r:id="rId4"/>
-  </p:notesMasterIdLst>
   <p:sldIdLst>
     <p:sldId id="258" r:id="rId2"/>
     <p:sldId id="259" r:id="rId3"/>
   </p:sldIdLst>
-  <p:sldSz cx="9906000" cy="6858000" type="A4"/>
-  <p:notesSz cx="9144000" cy="6858000"/>
+  <p:sldSz cx="10693400" cy="7556500"/>
+  <p:notesSz cx="6858000" cy="9144000"/>
   <p:embeddedFontLst>
     <p:embeddedFont>
       <p:font typeface="Circe" panose="020B0502020203020203" pitchFamily="34" charset="-52"/>
-      <p:regular r:id="rId5"/>
+      <p:regular r:id="rId4"/>
     </p:embeddedFont>
     <p:embeddedFont>
       <p:font typeface="Circe Bold" panose="020B0602020203020203" pitchFamily="34" charset="-52"/>
-      <p:regular r:id="rId6"/>
-      <p:bold r:id="rId7"/>
+      <p:regular r:id="rId5"/>
+      <p:bold r:id="rId6"/>
     </p:embeddedFont>
   </p:embeddedFontLst>
   <p:defaultTextStyle>
     <a:defPPr>
       <a:defRPr lang="en-US"/>
     </a:defPPr>
-    <a:lvl1pPr marL="0" algn="l" defTabSz="839876" rtl="0" eaLnBrk="1" latinLnBrk="0" hangingPunct="1">
-      <a:defRPr sz="1653" kern="1200">
+    <a:lvl1pPr marL="0" algn="l" defTabSz="914400" rtl="0" eaLnBrk="1" latinLnBrk="0" hangingPunct="1">
+      <a:defRPr sz="1800" kern="1200">
         <a:solidFill>
           <a:schemeClr val="tx1"/>
         </a:solidFill>
@@ -38,8 +35,8 @@
         <a:cs typeface="+mn-cs"/>
       </a:defRPr>
     </a:lvl1pPr>
-    <a:lvl2pPr marL="419938" algn="l" defTabSz="839876" rtl="0" eaLnBrk="1" latinLnBrk="0" hangingPunct="1">
-      <a:defRPr sz="1653" kern="1200">
+    <a:lvl2pPr marL="457200" algn="l" defTabSz="914400" rtl="0" eaLnBrk="1" latinLnBrk="0" hangingPunct="1">
+      <a:defRPr sz="1800" kern="1200">
         <a:solidFill>
           <a:schemeClr val="tx1"/>
         </a:solidFill>
@@ -48,8 +45,8 @@
         <a:cs typeface="+mn-cs"/>
       </a:defRPr>
     </a:lvl2pPr>
-    <a:lvl3pPr marL="839876" algn="l" defTabSz="839876" rtl="0" eaLnBrk="1" latinLnBrk="0" hangingPunct="1">
-      <a:defRPr sz="1653" kern="1200">
+    <a:lvl3pPr marL="914400" algn="l" defTabSz="914400" rtl="0" eaLnBrk="1" latinLnBrk="0" hangingPunct="1">
+      <a:defRPr sz="1800" kern="1200">
         <a:solidFill>
           <a:schemeClr val="tx1"/>
         </a:solidFill>
@@ -58,8 +55,8 @@
         <a:cs typeface="+mn-cs"/>
       </a:defRPr>
     </a:lvl3pPr>
-    <a:lvl4pPr marL="1259815" algn="l" defTabSz="839876" rtl="0" eaLnBrk="1" latinLnBrk="0" hangingPunct="1">
-      <a:defRPr sz="1653" kern="1200">
+    <a:lvl4pPr marL="1371600" algn="l" defTabSz="914400" rtl="0" eaLnBrk="1" latinLnBrk="0" hangingPunct="1">
+      <a:defRPr sz="1800" kern="1200">
         <a:solidFill>
           <a:schemeClr val="tx1"/>
         </a:solidFill>
@@ -68,8 +65,8 @@
         <a:cs typeface="+mn-cs"/>
       </a:defRPr>
     </a:lvl4pPr>
-    <a:lvl5pPr marL="1679753" algn="l" defTabSz="839876" rtl="0" eaLnBrk="1" latinLnBrk="0" hangingPunct="1">
-      <a:defRPr sz="1653" kern="1200">
+    <a:lvl5pPr marL="1828800" algn="l" defTabSz="914400" rtl="0" eaLnBrk="1" latinLnBrk="0" hangingPunct="1">
+      <a:defRPr sz="1800" kern="1200">
         <a:solidFill>
           <a:schemeClr val="tx1"/>
         </a:solidFill>
@@ -78,8 +75,8 @@
         <a:cs typeface="+mn-cs"/>
       </a:defRPr>
     </a:lvl5pPr>
-    <a:lvl6pPr marL="2099691" algn="l" defTabSz="839876" rtl="0" eaLnBrk="1" latinLnBrk="0" hangingPunct="1">
-      <a:defRPr sz="1653" kern="1200">
+    <a:lvl6pPr marL="2286000" algn="l" defTabSz="914400" rtl="0" eaLnBrk="1" latinLnBrk="0" hangingPunct="1">
+      <a:defRPr sz="1800" kern="1200">
         <a:solidFill>
           <a:schemeClr val="tx1"/>
         </a:solidFill>
@@ -88,8 +85,8 @@
         <a:cs typeface="+mn-cs"/>
       </a:defRPr>
     </a:lvl6pPr>
-    <a:lvl7pPr marL="2519629" algn="l" defTabSz="839876" rtl="0" eaLnBrk="1" latinLnBrk="0" hangingPunct="1">
-      <a:defRPr sz="1653" kern="1200">
+    <a:lvl7pPr marL="2743200" algn="l" defTabSz="914400" rtl="0" eaLnBrk="1" latinLnBrk="0" hangingPunct="1">
+      <a:defRPr sz="1800" kern="1200">
         <a:solidFill>
           <a:schemeClr val="tx1"/>
         </a:solidFill>
@@ -98,8 +95,8 @@
         <a:cs typeface="+mn-cs"/>
       </a:defRPr>
     </a:lvl7pPr>
-    <a:lvl8pPr marL="2939567" algn="l" defTabSz="839876" rtl="0" eaLnBrk="1" latinLnBrk="0" hangingPunct="1">
-      <a:defRPr sz="1653" kern="1200">
+    <a:lvl8pPr marL="3200400" algn="l" defTabSz="914400" rtl="0" eaLnBrk="1" latinLnBrk="0" hangingPunct="1">
+      <a:defRPr sz="1800" kern="1200">
         <a:solidFill>
           <a:schemeClr val="tx1"/>
         </a:solidFill>
@@ -108,8 +105,8 @@
         <a:cs typeface="+mn-cs"/>
       </a:defRPr>
     </a:lvl8pPr>
-    <a:lvl9pPr marL="3359506" algn="l" defTabSz="839876" rtl="0" eaLnBrk="1" latinLnBrk="0" hangingPunct="1">
-      <a:defRPr sz="1653" kern="1200">
+    <a:lvl9pPr marL="3657600" algn="l" defTabSz="914400" rtl="0" eaLnBrk="1" latinLnBrk="0" hangingPunct="1">
+      <a:defRPr sz="1800" kern="1200">
         <a:solidFill>
           <a:schemeClr val="tx1"/>
         </a:solidFill>
@@ -122,12 +119,12 @@
   <p:extLst>
     <p:ext uri="{EFAFB233-063F-42B5-8137-9DF3F51BA10A}">
       <p15:sldGuideLst xmlns:p15="http://schemas.microsoft.com/office/powerpoint/2012/main">
-        <p15:guide id="1" orient="horz" pos="1960" userDrawn="1">
+        <p15:guide id="1" orient="horz" pos="2160">
           <p15:clr>
             <a:srgbClr val="A4A3A4"/>
           </p15:clr>
         </p15:guide>
-        <p15:guide id="2" pos="2668" userDrawn="1">
+        <p15:guide id="2" pos="2880">
           <p15:clr>
             <a:srgbClr val="A4A3A4"/>
           </p15:clr>
@@ -136,355 +133,6 @@
     </p:ext>
   </p:extLst>
 </p:presentation>
-</file>
-
-<file path=ppt/notesMasters/notesMaster1.xml><?xml version="1.0" encoding="utf-8"?>
-<p:notesMaster xmlns:a="http://schemas.openxmlformats.org/drawingml/2006/main" xmlns:r="http://schemas.openxmlformats.org/officeDocument/2006/relationships" xmlns:p="http://schemas.openxmlformats.org/presentationml/2006/main">
-  <p:cSld>
-    <p:bg>
-      <p:bgRef idx="1001">
-        <a:schemeClr val="bg1"/>
-      </p:bgRef>
-    </p:bg>
-    <p:spTree>
-      <p:nvGrpSpPr>
-        <p:cNvPr id="1" name=""/>
-        <p:cNvGrpSpPr/>
-        <p:nvPr/>
-      </p:nvGrpSpPr>
-      <p:grpSpPr>
-        <a:xfrm>
-          <a:off x="0" y="0"/>
-          <a:ext cx="0" cy="0"/>
-          <a:chOff x="0" y="0"/>
-          <a:chExt cx="0" cy="0"/>
-        </a:xfrm>
-      </p:grpSpPr>
-      <p:sp>
-        <p:nvSpPr>
-          <p:cNvPr id="2" name="Верхний колонтитул 1"/>
-          <p:cNvSpPr>
-            <a:spLocks noGrp="1"/>
-          </p:cNvSpPr>
-          <p:nvPr>
-            <p:ph type="hdr" sz="quarter"/>
-          </p:nvPr>
-        </p:nvSpPr>
-        <p:spPr>
-          <a:xfrm>
-            <a:off x="0" y="0"/>
-            <a:ext cx="3962400" cy="344091"/>
-          </a:xfrm>
-          <a:prstGeom prst="rect">
-            <a:avLst/>
-          </a:prstGeom>
-        </p:spPr>
-        <p:txBody>
-          <a:bodyPr vert="horz" lIns="91440" tIns="45720" rIns="91440" bIns="45720" rtlCol="0"/>
-          <a:lstStyle>
-            <a:lvl1pPr algn="l">
-              <a:defRPr sz="1200"/>
-            </a:lvl1pPr>
-          </a:lstStyle>
-          <a:p>
-            <a:endParaRPr lang="ru-RU"/>
-          </a:p>
-        </p:txBody>
-      </p:sp>
-      <p:sp>
-        <p:nvSpPr>
-          <p:cNvPr id="3" name="Дата 2"/>
-          <p:cNvSpPr>
-            <a:spLocks noGrp="1"/>
-          </p:cNvSpPr>
-          <p:nvPr>
-            <p:ph type="dt" idx="1"/>
-          </p:nvPr>
-        </p:nvSpPr>
-        <p:spPr>
-          <a:xfrm>
-            <a:off x="5179484" y="0"/>
-            <a:ext cx="3962400" cy="344091"/>
-          </a:xfrm>
-          <a:prstGeom prst="rect">
-            <a:avLst/>
-          </a:prstGeom>
-        </p:spPr>
-        <p:txBody>
-          <a:bodyPr vert="horz" lIns="91440" tIns="45720" rIns="91440" bIns="45720" rtlCol="0"/>
-          <a:lstStyle>
-            <a:lvl1pPr algn="r">
-              <a:defRPr sz="1200"/>
-            </a:lvl1pPr>
-          </a:lstStyle>
-          <a:p>
-            <a:fld id="{A9DBA436-FE9E-413B-8597-292C6F6EB6EC}" type="datetimeFigureOut">
-              <a:rPr lang="ru-RU" smtClean="0"/>
-              <a:t>02.02.2026</a:t>
-            </a:fld>
-            <a:endParaRPr lang="ru-RU"/>
-          </a:p>
-        </p:txBody>
-      </p:sp>
-      <p:sp>
-        <p:nvSpPr>
-          <p:cNvPr id="4" name="Образ слайда 3"/>
-          <p:cNvSpPr>
-            <a:spLocks noGrp="1" noRot="1" noChangeAspect="1"/>
-          </p:cNvSpPr>
-          <p:nvPr>
-            <p:ph type="sldImg" idx="2"/>
-          </p:nvPr>
-        </p:nvSpPr>
-        <p:spPr>
-          <a:xfrm>
-            <a:off x="2900363" y="857250"/>
-            <a:ext cx="3343275" cy="2314575"/>
-          </a:xfrm>
-          <a:prstGeom prst="rect">
-            <a:avLst/>
-          </a:prstGeom>
-          <a:noFill/>
-          <a:ln w="12700">
-            <a:solidFill>
-              <a:prstClr val="black"/>
-            </a:solidFill>
-          </a:ln>
-        </p:spPr>
-        <p:txBody>
-          <a:bodyPr vert="horz" lIns="91440" tIns="45720" rIns="91440" bIns="45720" rtlCol="0" anchor="ctr"/>
-          <a:lstStyle/>
-          <a:p>
-            <a:endParaRPr lang="ru-RU"/>
-          </a:p>
-        </p:txBody>
-      </p:sp>
-      <p:sp>
-        <p:nvSpPr>
-          <p:cNvPr id="5" name="Заметки 4"/>
-          <p:cNvSpPr>
-            <a:spLocks noGrp="1"/>
-          </p:cNvSpPr>
-          <p:nvPr>
-            <p:ph type="body" sz="quarter" idx="3"/>
-          </p:nvPr>
-        </p:nvSpPr>
-        <p:spPr>
-          <a:xfrm>
-            <a:off x="914400" y="3300412"/>
-            <a:ext cx="7315200" cy="2700338"/>
-          </a:xfrm>
-          <a:prstGeom prst="rect">
-            <a:avLst/>
-          </a:prstGeom>
-        </p:spPr>
-        <p:txBody>
-          <a:bodyPr vert="horz" lIns="91440" tIns="45720" rIns="91440" bIns="45720" rtlCol="0"/>
-          <a:lstStyle/>
-          <a:p>
-            <a:pPr lvl="0"/>
-            <a:r>
-              <a:rPr lang="ru-RU"/>
-              <a:t>Образец текста</a:t>
-            </a:r>
-          </a:p>
-          <a:p>
-            <a:pPr lvl="1"/>
-            <a:r>
-              <a:rPr lang="ru-RU"/>
-              <a:t>Второй уровень</a:t>
-            </a:r>
-          </a:p>
-          <a:p>
-            <a:pPr lvl="2"/>
-            <a:r>
-              <a:rPr lang="ru-RU"/>
-              <a:t>Третий уровень</a:t>
-            </a:r>
-          </a:p>
-          <a:p>
-            <a:pPr lvl="3"/>
-            <a:r>
-              <a:rPr lang="ru-RU"/>
-              <a:t>Четвертый уровень</a:t>
-            </a:r>
-          </a:p>
-          <a:p>
-            <a:pPr lvl="4"/>
-            <a:r>
-              <a:rPr lang="ru-RU"/>
-              <a:t>Пятый уровень</a:t>
-            </a:r>
-          </a:p>
-        </p:txBody>
-      </p:sp>
-      <p:sp>
-        <p:nvSpPr>
-          <p:cNvPr id="6" name="Нижний колонтитул 5"/>
-          <p:cNvSpPr>
-            <a:spLocks noGrp="1"/>
-          </p:cNvSpPr>
-          <p:nvPr>
-            <p:ph type="ftr" sz="quarter" idx="4"/>
-          </p:nvPr>
-        </p:nvSpPr>
-        <p:spPr>
-          <a:xfrm>
-            <a:off x="0" y="6513910"/>
-            <a:ext cx="3962400" cy="344090"/>
-          </a:xfrm>
-          <a:prstGeom prst="rect">
-            <a:avLst/>
-          </a:prstGeom>
-        </p:spPr>
-        <p:txBody>
-          <a:bodyPr vert="horz" lIns="91440" tIns="45720" rIns="91440" bIns="45720" rtlCol="0" anchor="b"/>
-          <a:lstStyle>
-            <a:lvl1pPr algn="l">
-              <a:defRPr sz="1200"/>
-            </a:lvl1pPr>
-          </a:lstStyle>
-          <a:p>
-            <a:endParaRPr lang="ru-RU"/>
-          </a:p>
-        </p:txBody>
-      </p:sp>
-      <p:sp>
-        <p:nvSpPr>
-          <p:cNvPr id="7" name="Номер слайда 6"/>
-          <p:cNvSpPr>
-            <a:spLocks noGrp="1"/>
-          </p:cNvSpPr>
-          <p:nvPr>
-            <p:ph type="sldNum" sz="quarter" idx="5"/>
-          </p:nvPr>
-        </p:nvSpPr>
-        <p:spPr>
-          <a:xfrm>
-            <a:off x="5179484" y="6513910"/>
-            <a:ext cx="3962400" cy="344090"/>
-          </a:xfrm>
-          <a:prstGeom prst="rect">
-            <a:avLst/>
-          </a:prstGeom>
-        </p:spPr>
-        <p:txBody>
-          <a:bodyPr vert="horz" lIns="91440" tIns="45720" rIns="91440" bIns="45720" rtlCol="0" anchor="b"/>
-          <a:lstStyle>
-            <a:lvl1pPr algn="r">
-              <a:defRPr sz="1200"/>
-            </a:lvl1pPr>
-          </a:lstStyle>
-          <a:p>
-            <a:fld id="{2232AD27-D838-416A-BE6A-297BD9691216}" type="slidenum">
-              <a:rPr lang="ru-RU" smtClean="0"/>
-              <a:t>‹#›</a:t>
-            </a:fld>
-            <a:endParaRPr lang="ru-RU"/>
-          </a:p>
-        </p:txBody>
-      </p:sp>
-    </p:spTree>
-    <p:extLst>
-      <p:ext uri="{BB962C8B-B14F-4D97-AF65-F5344CB8AC3E}">
-        <p14:creationId xmlns:p14="http://schemas.microsoft.com/office/powerpoint/2010/main" val="3475294194"/>
-      </p:ext>
-    </p:extLst>
-  </p:cSld>
-  <p:clrMap bg1="lt1" tx1="dk1" bg2="lt2" tx2="dk2" accent1="accent1" accent2="accent2" accent3="accent3" accent4="accent4" accent5="accent5" accent6="accent6" hlink="hlink" folHlink="folHlink"/>
-  <p:notesStyle>
-    <a:lvl1pPr marL="0" algn="l" defTabSz="839876" rtl="0" eaLnBrk="1" latinLnBrk="0" hangingPunct="1">
-      <a:defRPr sz="1102" kern="1200">
-        <a:solidFill>
-          <a:schemeClr val="tx1"/>
-        </a:solidFill>
-        <a:latin typeface="+mn-lt"/>
-        <a:ea typeface="+mn-ea"/>
-        <a:cs typeface="+mn-cs"/>
-      </a:defRPr>
-    </a:lvl1pPr>
-    <a:lvl2pPr marL="419938" algn="l" defTabSz="839876" rtl="0" eaLnBrk="1" latinLnBrk="0" hangingPunct="1">
-      <a:defRPr sz="1102" kern="1200">
-        <a:solidFill>
-          <a:schemeClr val="tx1"/>
-        </a:solidFill>
-        <a:latin typeface="+mn-lt"/>
-        <a:ea typeface="+mn-ea"/>
-        <a:cs typeface="+mn-cs"/>
-      </a:defRPr>
-    </a:lvl2pPr>
-    <a:lvl3pPr marL="839876" algn="l" defTabSz="839876" rtl="0" eaLnBrk="1" latinLnBrk="0" hangingPunct="1">
-      <a:defRPr sz="1102" kern="1200">
-        <a:solidFill>
-          <a:schemeClr val="tx1"/>
-        </a:solidFill>
-        <a:latin typeface="+mn-lt"/>
-        <a:ea typeface="+mn-ea"/>
-        <a:cs typeface="+mn-cs"/>
-      </a:defRPr>
-    </a:lvl3pPr>
-    <a:lvl4pPr marL="1259815" algn="l" defTabSz="839876" rtl="0" eaLnBrk="1" latinLnBrk="0" hangingPunct="1">
-      <a:defRPr sz="1102" kern="1200">
-        <a:solidFill>
-          <a:schemeClr val="tx1"/>
-        </a:solidFill>
-        <a:latin typeface="+mn-lt"/>
-        <a:ea typeface="+mn-ea"/>
-        <a:cs typeface="+mn-cs"/>
-      </a:defRPr>
-    </a:lvl4pPr>
-    <a:lvl5pPr marL="1679753" algn="l" defTabSz="839876" rtl="0" eaLnBrk="1" latinLnBrk="0" hangingPunct="1">
-      <a:defRPr sz="1102" kern="1200">
-        <a:solidFill>
-          <a:schemeClr val="tx1"/>
-        </a:solidFill>
-        <a:latin typeface="+mn-lt"/>
-        <a:ea typeface="+mn-ea"/>
-        <a:cs typeface="+mn-cs"/>
-      </a:defRPr>
-    </a:lvl5pPr>
-    <a:lvl6pPr marL="2099691" algn="l" defTabSz="839876" rtl="0" eaLnBrk="1" latinLnBrk="0" hangingPunct="1">
-      <a:defRPr sz="1102" kern="1200">
-        <a:solidFill>
-          <a:schemeClr val="tx1"/>
-        </a:solidFill>
-        <a:latin typeface="+mn-lt"/>
-        <a:ea typeface="+mn-ea"/>
-        <a:cs typeface="+mn-cs"/>
-      </a:defRPr>
-    </a:lvl6pPr>
-    <a:lvl7pPr marL="2519629" algn="l" defTabSz="839876" rtl="0" eaLnBrk="1" latinLnBrk="0" hangingPunct="1">
-      <a:defRPr sz="1102" kern="1200">
-        <a:solidFill>
-          <a:schemeClr val="tx1"/>
-        </a:solidFill>
-        <a:latin typeface="+mn-lt"/>
-        <a:ea typeface="+mn-ea"/>
-        <a:cs typeface="+mn-cs"/>
-      </a:defRPr>
-    </a:lvl7pPr>
-    <a:lvl8pPr marL="2939567" algn="l" defTabSz="839876" rtl="0" eaLnBrk="1" latinLnBrk="0" hangingPunct="1">
-      <a:defRPr sz="1102" kern="1200">
-        <a:solidFill>
-          <a:schemeClr val="tx1"/>
-        </a:solidFill>
-        <a:latin typeface="+mn-lt"/>
-        <a:ea typeface="+mn-ea"/>
-        <a:cs typeface="+mn-cs"/>
-      </a:defRPr>
-    </a:lvl8pPr>
-    <a:lvl9pPr marL="3359506" algn="l" defTabSz="839876" rtl="0" eaLnBrk="1" latinLnBrk="0" hangingPunct="1">
-      <a:defRPr sz="1102" kern="1200">
-        <a:solidFill>
-          <a:schemeClr val="tx1"/>
-        </a:solidFill>
-        <a:latin typeface="+mn-lt"/>
-        <a:ea typeface="+mn-ea"/>
-        <a:cs typeface="+mn-cs"/>
-      </a:defRPr>
-    </a:lvl9pPr>
-  </p:notesStyle>
-</p:notesMaster>
 </file>
 
 <file path=ppt/slideLayouts/slideLayout1.xml><?xml version="1.0" encoding="utf-8"?>
@@ -516,8 +164,8 @@
         </p:nvSpPr>
         <p:spPr>
           <a:xfrm>
-            <a:off x="635301" y="1933496"/>
-            <a:ext cx="7200086" cy="1334140"/>
+            <a:off x="685800" y="2130425"/>
+            <a:ext cx="7772400" cy="1470025"/>
           </a:xfrm>
         </p:spPr>
         <p:txBody>
@@ -543,8 +191,8 @@
         </p:nvSpPr>
         <p:spPr>
           <a:xfrm>
-            <a:off x="1270603" y="3526971"/>
-            <a:ext cx="5929482" cy="1590595"/>
+            <a:off x="1371600" y="3886200"/>
+            <a:ext cx="6400800" cy="1752600"/>
           </a:xfrm>
         </p:spPr>
         <p:txBody>
@@ -560,7 +208,7 @@
                 </a:solidFill>
               </a:defRPr>
             </a:lvl1pPr>
-            <a:lvl2pPr marL="414955" indent="0" algn="ctr">
+            <a:lvl2pPr marL="457200" indent="0" algn="ctr">
               <a:buNone/>
               <a:defRPr>
                 <a:solidFill>
@@ -570,7 +218,7 @@
                 </a:solidFill>
               </a:defRPr>
             </a:lvl2pPr>
-            <a:lvl3pPr marL="829909" indent="0" algn="ctr">
+            <a:lvl3pPr marL="914400" indent="0" algn="ctr">
               <a:buNone/>
               <a:defRPr>
                 <a:solidFill>
@@ -580,7 +228,7 @@
                 </a:solidFill>
               </a:defRPr>
             </a:lvl3pPr>
-            <a:lvl4pPr marL="1244864" indent="0" algn="ctr">
+            <a:lvl4pPr marL="1371600" indent="0" algn="ctr">
               <a:buNone/>
               <a:defRPr>
                 <a:solidFill>
@@ -590,7 +238,7 @@
                 </a:solidFill>
               </a:defRPr>
             </a:lvl4pPr>
-            <a:lvl5pPr marL="1659819" indent="0" algn="ctr">
+            <a:lvl5pPr marL="1828800" indent="0" algn="ctr">
               <a:buNone/>
               <a:defRPr>
                 <a:solidFill>
@@ -600,7 +248,7 @@
                 </a:solidFill>
               </a:defRPr>
             </a:lvl5pPr>
-            <a:lvl6pPr marL="2074774" indent="0" algn="ctr">
+            <a:lvl6pPr marL="2286000" indent="0" algn="ctr">
               <a:buNone/>
               <a:defRPr>
                 <a:solidFill>
@@ -610,7 +258,7 @@
                 </a:solidFill>
               </a:defRPr>
             </a:lvl6pPr>
-            <a:lvl7pPr marL="2489728" indent="0" algn="ctr">
+            <a:lvl7pPr marL="2743200" indent="0" algn="ctr">
               <a:buNone/>
               <a:defRPr>
                 <a:solidFill>
@@ -620,7 +268,7 @@
                 </a:solidFill>
               </a:defRPr>
             </a:lvl7pPr>
-            <a:lvl8pPr marL="2904683" indent="0" algn="ctr">
+            <a:lvl8pPr marL="3200400" indent="0" algn="ctr">
               <a:buNone/>
               <a:defRPr>
                 <a:solidFill>
@@ -630,7 +278,7 @@
                 </a:solidFill>
               </a:defRPr>
             </a:lvl8pPr>
-            <a:lvl9pPr marL="3319638" indent="0" algn="ctr">
+            <a:lvl9pPr marL="3657600" indent="0" algn="ctr">
               <a:buNone/>
               <a:defRPr>
                 <a:solidFill>
@@ -918,8 +566,8 @@
         </p:nvSpPr>
         <p:spPr>
           <a:xfrm>
-            <a:off x="6141249" y="249252"/>
-            <a:ext cx="1905905" cy="5310628"/>
+            <a:off x="6629400" y="274638"/>
+            <a:ext cx="2057400" cy="5851525"/>
           </a:xfrm>
         </p:spPr>
         <p:txBody>
@@ -945,8 +593,8 @@
         </p:nvSpPr>
         <p:spPr>
           <a:xfrm>
-            <a:off x="423534" y="249252"/>
-            <a:ext cx="5576537" cy="5310628"/>
+            <a:off x="457200" y="274638"/>
+            <a:ext cx="6019800" cy="5851525"/>
           </a:xfrm>
         </p:spPr>
         <p:txBody>
@@ -1258,15 +906,15 @@
         </p:nvSpPr>
         <p:spPr>
           <a:xfrm>
-            <a:off x="669126" y="3999540"/>
-            <a:ext cx="7200086" cy="1236169"/>
+            <a:off x="722313" y="4406900"/>
+            <a:ext cx="7772400" cy="1362075"/>
           </a:xfrm>
         </p:spPr>
         <p:txBody>
           <a:bodyPr anchor="t"/>
           <a:lstStyle>
             <a:lvl1pPr algn="l">
-              <a:defRPr sz="3630" b="1" cap="all"/>
+              <a:defRPr sz="4000" b="1" cap="all"/>
             </a:lvl1pPr>
           </a:lstStyle>
           <a:p>
@@ -1289,8 +937,8 @@
         </p:nvSpPr>
         <p:spPr>
           <a:xfrm>
-            <a:off x="669126" y="2638026"/>
-            <a:ext cx="7200086" cy="1361514"/>
+            <a:off x="722313" y="2906713"/>
+            <a:ext cx="7772400" cy="1500187"/>
           </a:xfrm>
         </p:spPr>
         <p:txBody>
@@ -1298,7 +946,7 @@
           <a:lstStyle>
             <a:lvl1pPr marL="0" indent="0">
               <a:buNone/>
-              <a:defRPr sz="1815">
+              <a:defRPr sz="2000">
                 <a:solidFill>
                   <a:schemeClr val="tx1">
                     <a:tint val="75000"/>
@@ -1306,9 +954,9 @@
                 </a:solidFill>
               </a:defRPr>
             </a:lvl1pPr>
-            <a:lvl2pPr marL="414955" indent="0">
+            <a:lvl2pPr marL="457200" indent="0">
               <a:buNone/>
-              <a:defRPr sz="1634">
+              <a:defRPr sz="1800">
                 <a:solidFill>
                   <a:schemeClr val="tx1">
                     <a:tint val="75000"/>
@@ -1316,9 +964,9 @@
                 </a:solidFill>
               </a:defRPr>
             </a:lvl2pPr>
-            <a:lvl3pPr marL="829909" indent="0">
+            <a:lvl3pPr marL="914400" indent="0">
               <a:buNone/>
-              <a:defRPr sz="1452">
+              <a:defRPr sz="1600">
                 <a:solidFill>
                   <a:schemeClr val="tx1">
                     <a:tint val="75000"/>
@@ -1326,9 +974,9 @@
                 </a:solidFill>
               </a:defRPr>
             </a:lvl3pPr>
-            <a:lvl4pPr marL="1244864" indent="0">
+            <a:lvl4pPr marL="1371600" indent="0">
               <a:buNone/>
-              <a:defRPr sz="1271">
+              <a:defRPr sz="1400">
                 <a:solidFill>
                   <a:schemeClr val="tx1">
                     <a:tint val="75000"/>
@@ -1336,9 +984,9 @@
                 </a:solidFill>
               </a:defRPr>
             </a:lvl4pPr>
-            <a:lvl5pPr marL="1659819" indent="0">
+            <a:lvl5pPr marL="1828800" indent="0">
               <a:buNone/>
-              <a:defRPr sz="1271">
+              <a:defRPr sz="1400">
                 <a:solidFill>
                   <a:schemeClr val="tx1">
                     <a:tint val="75000"/>
@@ -1346,9 +994,9 @@
                 </a:solidFill>
               </a:defRPr>
             </a:lvl5pPr>
-            <a:lvl6pPr marL="2074774" indent="0">
+            <a:lvl6pPr marL="2286000" indent="0">
               <a:buNone/>
-              <a:defRPr sz="1271">
+              <a:defRPr sz="1400">
                 <a:solidFill>
                   <a:schemeClr val="tx1">
                     <a:tint val="75000"/>
@@ -1356,9 +1004,9 @@
                 </a:solidFill>
               </a:defRPr>
             </a:lvl6pPr>
-            <a:lvl7pPr marL="2489728" indent="0">
+            <a:lvl7pPr marL="2743200" indent="0">
               <a:buNone/>
-              <a:defRPr sz="1271">
+              <a:defRPr sz="1400">
                 <a:solidFill>
                   <a:schemeClr val="tx1">
                     <a:tint val="75000"/>
@@ -1366,9 +1014,9 @@
                 </a:solidFill>
               </a:defRPr>
             </a:lvl7pPr>
-            <a:lvl8pPr marL="2904683" indent="0">
+            <a:lvl8pPr marL="3200400" indent="0">
               <a:buNone/>
-              <a:defRPr sz="1271">
+              <a:defRPr sz="1400">
                 <a:solidFill>
                   <a:schemeClr val="tx1">
                     <a:tint val="75000"/>
@@ -1376,9 +1024,9 @@
                 </a:solidFill>
               </a:defRPr>
             </a:lvl8pPr>
-            <a:lvl9pPr marL="3319638" indent="0">
+            <a:lvl9pPr marL="3657600" indent="0">
               <a:buNone/>
-              <a:defRPr sz="1271">
+              <a:defRPr sz="1400">
                 <a:solidFill>
                   <a:schemeClr val="tx1">
                     <a:tint val="75000"/>
@@ -1522,39 +1170,39 @@
         </p:nvSpPr>
         <p:spPr>
           <a:xfrm>
-            <a:off x="423534" y="1452283"/>
-            <a:ext cx="3741221" cy="4107597"/>
+            <a:off x="457200" y="1600200"/>
+            <a:ext cx="4038600" cy="4525963"/>
           </a:xfrm>
         </p:spPr>
         <p:txBody>
           <a:bodyPr/>
           <a:lstStyle>
             <a:lvl1pPr>
-              <a:defRPr sz="2541"/>
+              <a:defRPr sz="2800"/>
             </a:lvl1pPr>
             <a:lvl2pPr>
-              <a:defRPr sz="2178"/>
+              <a:defRPr sz="2400"/>
             </a:lvl2pPr>
             <a:lvl3pPr>
-              <a:defRPr sz="1815"/>
+              <a:defRPr sz="2000"/>
             </a:lvl3pPr>
             <a:lvl4pPr>
-              <a:defRPr sz="1634"/>
+              <a:defRPr sz="1800"/>
             </a:lvl4pPr>
             <a:lvl5pPr>
-              <a:defRPr sz="1634"/>
+              <a:defRPr sz="1800"/>
             </a:lvl5pPr>
             <a:lvl6pPr>
-              <a:defRPr sz="1634"/>
+              <a:defRPr sz="1800"/>
             </a:lvl6pPr>
             <a:lvl7pPr>
-              <a:defRPr sz="1634"/>
+              <a:defRPr sz="1800"/>
             </a:lvl7pPr>
             <a:lvl8pPr>
-              <a:defRPr sz="1634"/>
+              <a:defRPr sz="1800"/>
             </a:lvl8pPr>
             <a:lvl9pPr>
-              <a:defRPr sz="1634"/>
+              <a:defRPr sz="1800"/>
             </a:lvl9pPr>
           </a:lstStyle>
           <a:p>
@@ -1606,39 +1254,39 @@
         </p:nvSpPr>
         <p:spPr>
           <a:xfrm>
-            <a:off x="4305933" y="1452283"/>
-            <a:ext cx="3741221" cy="4107597"/>
+            <a:off x="4648200" y="1600200"/>
+            <a:ext cx="4038600" cy="4525963"/>
           </a:xfrm>
         </p:spPr>
         <p:txBody>
           <a:bodyPr/>
           <a:lstStyle>
             <a:lvl1pPr>
-              <a:defRPr sz="2541"/>
+              <a:defRPr sz="2800"/>
             </a:lvl1pPr>
             <a:lvl2pPr>
-              <a:defRPr sz="2178"/>
+              <a:defRPr sz="2400"/>
             </a:lvl2pPr>
             <a:lvl3pPr>
-              <a:defRPr sz="1815"/>
+              <a:defRPr sz="2000"/>
             </a:lvl3pPr>
             <a:lvl4pPr>
-              <a:defRPr sz="1634"/>
+              <a:defRPr sz="1800"/>
             </a:lvl4pPr>
             <a:lvl5pPr>
-              <a:defRPr sz="1634"/>
+              <a:defRPr sz="1800"/>
             </a:lvl5pPr>
             <a:lvl6pPr>
-              <a:defRPr sz="1634"/>
+              <a:defRPr sz="1800"/>
             </a:lvl6pPr>
             <a:lvl7pPr>
-              <a:defRPr sz="1634"/>
+              <a:defRPr sz="1800"/>
             </a:lvl7pPr>
             <a:lvl8pPr>
-              <a:defRPr sz="1634"/>
+              <a:defRPr sz="1800"/>
             </a:lvl8pPr>
             <a:lvl9pPr>
-              <a:defRPr sz="1634"/>
+              <a:defRPr sz="1800"/>
             </a:lvl9pPr>
           </a:lstStyle>
           <a:p>
@@ -1808,8 +1456,8 @@
         </p:nvSpPr>
         <p:spPr>
           <a:xfrm>
-            <a:off x="423534" y="1393212"/>
-            <a:ext cx="3742692" cy="580624"/>
+            <a:off x="457200" y="1535113"/>
+            <a:ext cx="4040188" cy="639762"/>
           </a:xfrm>
         </p:spPr>
         <p:txBody>
@@ -1817,39 +1465,39 @@
           <a:lstStyle>
             <a:lvl1pPr marL="0" indent="0">
               <a:buNone/>
-              <a:defRPr sz="2178" b="1"/>
+              <a:defRPr sz="2400" b="1"/>
             </a:lvl1pPr>
-            <a:lvl2pPr marL="414955" indent="0">
+            <a:lvl2pPr marL="457200" indent="0">
               <a:buNone/>
-              <a:defRPr sz="1815" b="1"/>
+              <a:defRPr sz="2000" b="1"/>
             </a:lvl2pPr>
-            <a:lvl3pPr marL="829909" indent="0">
+            <a:lvl3pPr marL="914400" indent="0">
               <a:buNone/>
-              <a:defRPr sz="1634" b="1"/>
+              <a:defRPr sz="1800" b="1"/>
             </a:lvl3pPr>
-            <a:lvl4pPr marL="1244864" indent="0">
+            <a:lvl4pPr marL="1371600" indent="0">
               <a:buNone/>
-              <a:defRPr sz="1452" b="1"/>
+              <a:defRPr sz="1600" b="1"/>
             </a:lvl4pPr>
-            <a:lvl5pPr marL="1659819" indent="0">
+            <a:lvl5pPr marL="1828800" indent="0">
               <a:buNone/>
-              <a:defRPr sz="1452" b="1"/>
+              <a:defRPr sz="1600" b="1"/>
             </a:lvl5pPr>
-            <a:lvl6pPr marL="2074774" indent="0">
+            <a:lvl6pPr marL="2286000" indent="0">
               <a:buNone/>
-              <a:defRPr sz="1452" b="1"/>
+              <a:defRPr sz="1600" b="1"/>
             </a:lvl6pPr>
-            <a:lvl7pPr marL="2489728" indent="0">
+            <a:lvl7pPr marL="2743200" indent="0">
               <a:buNone/>
-              <a:defRPr sz="1452" b="1"/>
+              <a:defRPr sz="1600" b="1"/>
             </a:lvl7pPr>
-            <a:lvl8pPr marL="2904683" indent="0">
+            <a:lvl8pPr marL="3200400" indent="0">
               <a:buNone/>
-              <a:defRPr sz="1452" b="1"/>
+              <a:defRPr sz="1600" b="1"/>
             </a:lvl8pPr>
-            <a:lvl9pPr marL="3319638" indent="0">
+            <a:lvl9pPr marL="3657600" indent="0">
               <a:buNone/>
-              <a:defRPr sz="1452" b="1"/>
+              <a:defRPr sz="1600" b="1"/>
             </a:lvl9pPr>
           </a:lstStyle>
           <a:p>
@@ -1873,39 +1521,39 @@
         </p:nvSpPr>
         <p:spPr>
           <a:xfrm>
-            <a:off x="423534" y="1973836"/>
-            <a:ext cx="3742692" cy="3586043"/>
+            <a:off x="457200" y="2174875"/>
+            <a:ext cx="4040188" cy="3951288"/>
           </a:xfrm>
         </p:spPr>
         <p:txBody>
           <a:bodyPr/>
           <a:lstStyle>
             <a:lvl1pPr>
-              <a:defRPr sz="2178"/>
+              <a:defRPr sz="2400"/>
             </a:lvl1pPr>
             <a:lvl2pPr>
-              <a:defRPr sz="1815"/>
+              <a:defRPr sz="2000"/>
             </a:lvl2pPr>
             <a:lvl3pPr>
-              <a:defRPr sz="1634"/>
+              <a:defRPr sz="1800"/>
             </a:lvl3pPr>
             <a:lvl4pPr>
-              <a:defRPr sz="1452"/>
+              <a:defRPr sz="1600"/>
             </a:lvl4pPr>
             <a:lvl5pPr>
-              <a:defRPr sz="1452"/>
+              <a:defRPr sz="1600"/>
             </a:lvl5pPr>
             <a:lvl6pPr>
-              <a:defRPr sz="1452"/>
+              <a:defRPr sz="1600"/>
             </a:lvl6pPr>
             <a:lvl7pPr>
-              <a:defRPr sz="1452"/>
+              <a:defRPr sz="1600"/>
             </a:lvl7pPr>
             <a:lvl8pPr>
-              <a:defRPr sz="1452"/>
+              <a:defRPr sz="1600"/>
             </a:lvl8pPr>
             <a:lvl9pPr>
-              <a:defRPr sz="1452"/>
+              <a:defRPr sz="1600"/>
             </a:lvl9pPr>
           </a:lstStyle>
           <a:p>
@@ -1957,8 +1605,8 @@
         </p:nvSpPr>
         <p:spPr>
           <a:xfrm>
-            <a:off x="4302993" y="1393212"/>
-            <a:ext cx="3744162" cy="580624"/>
+            <a:off x="4645025" y="1535113"/>
+            <a:ext cx="4041775" cy="639762"/>
           </a:xfrm>
         </p:spPr>
         <p:txBody>
@@ -1966,39 +1614,39 @@
           <a:lstStyle>
             <a:lvl1pPr marL="0" indent="0">
               <a:buNone/>
-              <a:defRPr sz="2178" b="1"/>
+              <a:defRPr sz="2400" b="1"/>
             </a:lvl1pPr>
-            <a:lvl2pPr marL="414955" indent="0">
+            <a:lvl2pPr marL="457200" indent="0">
               <a:buNone/>
-              <a:defRPr sz="1815" b="1"/>
+              <a:defRPr sz="2000" b="1"/>
             </a:lvl2pPr>
-            <a:lvl3pPr marL="829909" indent="0">
+            <a:lvl3pPr marL="914400" indent="0">
               <a:buNone/>
-              <a:defRPr sz="1634" b="1"/>
+              <a:defRPr sz="1800" b="1"/>
             </a:lvl3pPr>
-            <a:lvl4pPr marL="1244864" indent="0">
+            <a:lvl4pPr marL="1371600" indent="0">
               <a:buNone/>
-              <a:defRPr sz="1452" b="1"/>
+              <a:defRPr sz="1600" b="1"/>
             </a:lvl4pPr>
-            <a:lvl5pPr marL="1659819" indent="0">
+            <a:lvl5pPr marL="1828800" indent="0">
               <a:buNone/>
-              <a:defRPr sz="1452" b="1"/>
+              <a:defRPr sz="1600" b="1"/>
             </a:lvl5pPr>
-            <a:lvl6pPr marL="2074774" indent="0">
+            <a:lvl6pPr marL="2286000" indent="0">
               <a:buNone/>
-              <a:defRPr sz="1452" b="1"/>
+              <a:defRPr sz="1600" b="1"/>
             </a:lvl6pPr>
-            <a:lvl7pPr marL="2489728" indent="0">
+            <a:lvl7pPr marL="2743200" indent="0">
               <a:buNone/>
-              <a:defRPr sz="1452" b="1"/>
+              <a:defRPr sz="1600" b="1"/>
             </a:lvl7pPr>
-            <a:lvl8pPr marL="2904683" indent="0">
+            <a:lvl8pPr marL="3200400" indent="0">
               <a:buNone/>
-              <a:defRPr sz="1452" b="1"/>
+              <a:defRPr sz="1600" b="1"/>
             </a:lvl8pPr>
-            <a:lvl9pPr marL="3319638" indent="0">
+            <a:lvl9pPr marL="3657600" indent="0">
               <a:buNone/>
-              <a:defRPr sz="1452" b="1"/>
+              <a:defRPr sz="1600" b="1"/>
             </a:lvl9pPr>
           </a:lstStyle>
           <a:p>
@@ -2022,39 +1670,39 @@
         </p:nvSpPr>
         <p:spPr>
           <a:xfrm>
-            <a:off x="4302993" y="1973836"/>
-            <a:ext cx="3744162" cy="3586043"/>
+            <a:off x="4645025" y="2174875"/>
+            <a:ext cx="4041775" cy="3951288"/>
           </a:xfrm>
         </p:spPr>
         <p:txBody>
           <a:bodyPr/>
           <a:lstStyle>
             <a:lvl1pPr>
-              <a:defRPr sz="2178"/>
+              <a:defRPr sz="2400"/>
             </a:lvl1pPr>
             <a:lvl2pPr>
-              <a:defRPr sz="1815"/>
+              <a:defRPr sz="2000"/>
             </a:lvl2pPr>
             <a:lvl3pPr>
-              <a:defRPr sz="1634"/>
+              <a:defRPr sz="1800"/>
             </a:lvl3pPr>
             <a:lvl4pPr>
-              <a:defRPr sz="1452"/>
+              <a:defRPr sz="1600"/>
             </a:lvl4pPr>
             <a:lvl5pPr>
-              <a:defRPr sz="1452"/>
+              <a:defRPr sz="1600"/>
             </a:lvl5pPr>
             <a:lvl6pPr>
-              <a:defRPr sz="1452"/>
+              <a:defRPr sz="1600"/>
             </a:lvl6pPr>
             <a:lvl7pPr>
-              <a:defRPr sz="1452"/>
+              <a:defRPr sz="1600"/>
             </a:lvl7pPr>
             <a:lvl8pPr>
-              <a:defRPr sz="1452"/>
+              <a:defRPr sz="1600"/>
             </a:lvl8pPr>
             <a:lvl9pPr>
-              <a:defRPr sz="1452"/>
+              <a:defRPr sz="1600"/>
             </a:lvl9pPr>
           </a:lstStyle>
           <a:p>
@@ -2404,15 +2052,15 @@
         </p:nvSpPr>
         <p:spPr>
           <a:xfrm>
-            <a:off x="423535" y="247810"/>
-            <a:ext cx="2786798" cy="1054634"/>
+            <a:off x="457200" y="273050"/>
+            <a:ext cx="3008313" cy="1162050"/>
           </a:xfrm>
         </p:spPr>
         <p:txBody>
           <a:bodyPr anchor="b"/>
           <a:lstStyle>
             <a:lvl1pPr algn="l">
-              <a:defRPr sz="1815" b="1"/>
+              <a:defRPr sz="2000" b="1"/>
             </a:lvl1pPr>
           </a:lstStyle>
           <a:p>
@@ -2435,39 +2083,39 @@
         </p:nvSpPr>
         <p:spPr>
           <a:xfrm>
-            <a:off x="3311804" y="247811"/>
-            <a:ext cx="4735350" cy="5312069"/>
+            <a:off x="3575050" y="273050"/>
+            <a:ext cx="5111750" cy="5853113"/>
           </a:xfrm>
         </p:spPr>
         <p:txBody>
           <a:bodyPr/>
           <a:lstStyle>
             <a:lvl1pPr>
-              <a:defRPr sz="2904"/>
+              <a:defRPr sz="3200"/>
             </a:lvl1pPr>
             <a:lvl2pPr>
-              <a:defRPr sz="2541"/>
+              <a:defRPr sz="2800"/>
             </a:lvl2pPr>
             <a:lvl3pPr>
-              <a:defRPr sz="2178"/>
+              <a:defRPr sz="2400"/>
             </a:lvl3pPr>
             <a:lvl4pPr>
-              <a:defRPr sz="1815"/>
+              <a:defRPr sz="2000"/>
             </a:lvl4pPr>
             <a:lvl5pPr>
-              <a:defRPr sz="1815"/>
+              <a:defRPr sz="2000"/>
             </a:lvl5pPr>
             <a:lvl6pPr>
-              <a:defRPr sz="1815"/>
+              <a:defRPr sz="2000"/>
             </a:lvl6pPr>
             <a:lvl7pPr>
-              <a:defRPr sz="1815"/>
+              <a:defRPr sz="2000"/>
             </a:lvl7pPr>
             <a:lvl8pPr>
-              <a:defRPr sz="1815"/>
+              <a:defRPr sz="2000"/>
             </a:lvl8pPr>
             <a:lvl9pPr>
-              <a:defRPr sz="1815"/>
+              <a:defRPr sz="2000"/>
             </a:lvl9pPr>
           </a:lstStyle>
           <a:p>
@@ -2519,8 +2167,8 @@
         </p:nvSpPr>
         <p:spPr>
           <a:xfrm>
-            <a:off x="423535" y="1302444"/>
-            <a:ext cx="2786798" cy="4257435"/>
+            <a:off x="457200" y="1435100"/>
+            <a:ext cx="3008313" cy="4691063"/>
           </a:xfrm>
         </p:spPr>
         <p:txBody>
@@ -2528,39 +2176,39 @@
           <a:lstStyle>
             <a:lvl1pPr marL="0" indent="0">
               <a:buNone/>
-              <a:defRPr sz="1271"/>
+              <a:defRPr sz="1400"/>
             </a:lvl1pPr>
-            <a:lvl2pPr marL="414955" indent="0">
+            <a:lvl2pPr marL="457200" indent="0">
               <a:buNone/>
-              <a:defRPr sz="1089"/>
+              <a:defRPr sz="1200"/>
             </a:lvl2pPr>
-            <a:lvl3pPr marL="829909" indent="0">
+            <a:lvl3pPr marL="914400" indent="0">
               <a:buNone/>
-              <a:defRPr sz="908"/>
+              <a:defRPr sz="1000"/>
             </a:lvl3pPr>
-            <a:lvl4pPr marL="1244864" indent="0">
+            <a:lvl4pPr marL="1371600" indent="0">
               <a:buNone/>
-              <a:defRPr sz="817"/>
+              <a:defRPr sz="900"/>
             </a:lvl4pPr>
-            <a:lvl5pPr marL="1659819" indent="0">
+            <a:lvl5pPr marL="1828800" indent="0">
               <a:buNone/>
-              <a:defRPr sz="817"/>
+              <a:defRPr sz="900"/>
             </a:lvl5pPr>
-            <a:lvl6pPr marL="2074774" indent="0">
+            <a:lvl6pPr marL="2286000" indent="0">
               <a:buNone/>
-              <a:defRPr sz="817"/>
+              <a:defRPr sz="900"/>
             </a:lvl6pPr>
-            <a:lvl7pPr marL="2489728" indent="0">
+            <a:lvl7pPr marL="2743200" indent="0">
               <a:buNone/>
-              <a:defRPr sz="817"/>
+              <a:defRPr sz="900"/>
             </a:lvl7pPr>
-            <a:lvl8pPr marL="2904683" indent="0">
+            <a:lvl8pPr marL="3200400" indent="0">
               <a:buNone/>
-              <a:defRPr sz="817"/>
+              <a:defRPr sz="900"/>
             </a:lvl8pPr>
-            <a:lvl9pPr marL="3319638" indent="0">
+            <a:lvl9pPr marL="3657600" indent="0">
               <a:buNone/>
-              <a:defRPr sz="817"/>
+              <a:defRPr sz="900"/>
             </a:lvl9pPr>
           </a:lstStyle>
           <a:p>
@@ -2676,15 +2324,15 @@
         </p:nvSpPr>
         <p:spPr>
           <a:xfrm>
-            <a:off x="1660314" y="4356847"/>
-            <a:ext cx="5082413" cy="514350"/>
+            <a:off x="1792288" y="4800600"/>
+            <a:ext cx="5486400" cy="566738"/>
           </a:xfrm>
         </p:spPr>
         <p:txBody>
           <a:bodyPr anchor="b"/>
           <a:lstStyle>
             <a:lvl1pPr algn="l">
-              <a:defRPr sz="1815" b="1"/>
+              <a:defRPr sz="2000" b="1"/>
             </a:lvl1pPr>
           </a:lstStyle>
           <a:p>
@@ -2707,8 +2355,8 @@
         </p:nvSpPr>
         <p:spPr>
           <a:xfrm>
-            <a:off x="1660314" y="556132"/>
-            <a:ext cx="5082413" cy="3734440"/>
+            <a:off x="1792288" y="612775"/>
+            <a:ext cx="5486400" cy="4114800"/>
           </a:xfrm>
         </p:spPr>
         <p:txBody>
@@ -2716,39 +2364,39 @@
           <a:lstStyle>
             <a:lvl1pPr marL="0" indent="0">
               <a:buNone/>
-              <a:defRPr sz="2904"/>
+              <a:defRPr sz="3200"/>
             </a:lvl1pPr>
-            <a:lvl2pPr marL="414955" indent="0">
+            <a:lvl2pPr marL="457200" indent="0">
               <a:buNone/>
-              <a:defRPr sz="2541"/>
+              <a:defRPr sz="2800"/>
             </a:lvl2pPr>
-            <a:lvl3pPr marL="829909" indent="0">
+            <a:lvl3pPr marL="914400" indent="0">
               <a:buNone/>
-              <a:defRPr sz="2178"/>
+              <a:defRPr sz="2400"/>
             </a:lvl3pPr>
-            <a:lvl4pPr marL="1244864" indent="0">
+            <a:lvl4pPr marL="1371600" indent="0">
               <a:buNone/>
-              <a:defRPr sz="1815"/>
+              <a:defRPr sz="2000"/>
             </a:lvl4pPr>
-            <a:lvl5pPr marL="1659819" indent="0">
+            <a:lvl5pPr marL="1828800" indent="0">
               <a:buNone/>
-              <a:defRPr sz="1815"/>
+              <a:defRPr sz="2000"/>
             </a:lvl5pPr>
-            <a:lvl6pPr marL="2074774" indent="0">
+            <a:lvl6pPr marL="2286000" indent="0">
               <a:buNone/>
-              <a:defRPr sz="1815"/>
+              <a:defRPr sz="2000"/>
             </a:lvl6pPr>
-            <a:lvl7pPr marL="2489728" indent="0">
+            <a:lvl7pPr marL="2743200" indent="0">
               <a:buNone/>
-              <a:defRPr sz="1815"/>
+              <a:defRPr sz="2000"/>
             </a:lvl7pPr>
-            <a:lvl8pPr marL="2904683" indent="0">
+            <a:lvl8pPr marL="3200400" indent="0">
               <a:buNone/>
-              <a:defRPr sz="1815"/>
+              <a:defRPr sz="2000"/>
             </a:lvl8pPr>
-            <a:lvl9pPr marL="3319638" indent="0">
+            <a:lvl9pPr marL="3657600" indent="0">
               <a:buNone/>
-              <a:defRPr sz="1815"/>
+              <a:defRPr sz="2000"/>
             </a:lvl9pPr>
           </a:lstStyle>
           <a:p>
@@ -2768,8 +2416,8 @@
         </p:nvSpPr>
         <p:spPr>
           <a:xfrm>
-            <a:off x="1660314" y="4871198"/>
-            <a:ext cx="5082413" cy="730463"/>
+            <a:off x="1792288" y="5367338"/>
+            <a:ext cx="5486400" cy="804862"/>
           </a:xfrm>
         </p:spPr>
         <p:txBody>
@@ -2777,39 +2425,39 @@
           <a:lstStyle>
             <a:lvl1pPr marL="0" indent="0">
               <a:buNone/>
-              <a:defRPr sz="1271"/>
+              <a:defRPr sz="1400"/>
             </a:lvl1pPr>
-            <a:lvl2pPr marL="414955" indent="0">
+            <a:lvl2pPr marL="457200" indent="0">
               <a:buNone/>
-              <a:defRPr sz="1089"/>
+              <a:defRPr sz="1200"/>
             </a:lvl2pPr>
-            <a:lvl3pPr marL="829909" indent="0">
+            <a:lvl3pPr marL="914400" indent="0">
               <a:buNone/>
-              <a:defRPr sz="908"/>
+              <a:defRPr sz="1000"/>
             </a:lvl3pPr>
-            <a:lvl4pPr marL="1244864" indent="0">
+            <a:lvl4pPr marL="1371600" indent="0">
               <a:buNone/>
-              <a:defRPr sz="817"/>
+              <a:defRPr sz="900"/>
             </a:lvl4pPr>
-            <a:lvl5pPr marL="1659819" indent="0">
+            <a:lvl5pPr marL="1828800" indent="0">
               <a:buNone/>
-              <a:defRPr sz="817"/>
+              <a:defRPr sz="900"/>
             </a:lvl5pPr>
-            <a:lvl6pPr marL="2074774" indent="0">
+            <a:lvl6pPr marL="2286000" indent="0">
               <a:buNone/>
-              <a:defRPr sz="817"/>
+              <a:defRPr sz="900"/>
             </a:lvl6pPr>
-            <a:lvl7pPr marL="2489728" indent="0">
+            <a:lvl7pPr marL="2743200" indent="0">
               <a:buNone/>
-              <a:defRPr sz="817"/>
+              <a:defRPr sz="900"/>
             </a:lvl7pPr>
-            <a:lvl8pPr marL="2904683" indent="0">
+            <a:lvl8pPr marL="3200400" indent="0">
               <a:buNone/>
-              <a:defRPr sz="817"/>
+              <a:defRPr sz="900"/>
             </a:lvl8pPr>
-            <a:lvl9pPr marL="3319638" indent="0">
+            <a:lvl9pPr marL="3657600" indent="0">
               <a:buNone/>
-              <a:defRPr sz="817"/>
+              <a:defRPr sz="900"/>
             </a:lvl9pPr>
           </a:lstStyle>
           <a:p>
@@ -2930,8 +2578,8 @@
         </p:nvSpPr>
         <p:spPr>
           <a:xfrm>
-            <a:off x="423534" y="249251"/>
-            <a:ext cx="7623620" cy="1037345"/>
+            <a:off x="457200" y="274638"/>
+            <a:ext cx="8229600" cy="1143000"/>
           </a:xfrm>
           <a:prstGeom prst="rect">
             <a:avLst/>
@@ -2962,8 +2610,8 @@
         </p:nvSpPr>
         <p:spPr>
           <a:xfrm>
-            <a:off x="423534" y="1452283"/>
-            <a:ext cx="7623620" cy="4107597"/>
+            <a:off x="457200" y="1600200"/>
+            <a:ext cx="8229600" cy="4525963"/>
           </a:xfrm>
           <a:prstGeom prst="rect">
             <a:avLst/>
@@ -3023,8 +2671,8 @@
         </p:nvSpPr>
         <p:spPr>
           <a:xfrm>
-            <a:off x="423534" y="5768789"/>
-            <a:ext cx="1976494" cy="331374"/>
+            <a:off x="457200" y="6356350"/>
+            <a:ext cx="2133600" cy="365125"/>
           </a:xfrm>
           <a:prstGeom prst="rect">
             <a:avLst/>
@@ -3034,7 +2682,7 @@
           <a:bodyPr vert="horz" lIns="91440" tIns="45720" rIns="91440" bIns="45720" rtlCol="0" anchor="ctr"/>
           <a:lstStyle>
             <a:lvl1pPr algn="l">
-              <a:defRPr sz="1089">
+              <a:defRPr sz="1200">
                 <a:solidFill>
                   <a:schemeClr val="tx1">
                     <a:tint val="75000"/>
@@ -3065,8 +2713,8 @@
         </p:nvSpPr>
         <p:spPr>
           <a:xfrm>
-            <a:off x="2894152" y="5768789"/>
-            <a:ext cx="2682385" cy="331374"/>
+            <a:off x="3124200" y="6356350"/>
+            <a:ext cx="2895600" cy="365125"/>
           </a:xfrm>
           <a:prstGeom prst="rect">
             <a:avLst/>
@@ -3076,7 +2724,7 @@
           <a:bodyPr vert="horz" lIns="91440" tIns="45720" rIns="91440" bIns="45720" rtlCol="0" anchor="ctr"/>
           <a:lstStyle>
             <a:lvl1pPr algn="ctr">
-              <a:defRPr sz="1089">
+              <a:defRPr sz="1200">
                 <a:solidFill>
                   <a:schemeClr val="tx1">
                     <a:tint val="75000"/>
@@ -3102,8 +2750,8 @@
         </p:nvSpPr>
         <p:spPr>
           <a:xfrm>
-            <a:off x="6070660" y="5768789"/>
-            <a:ext cx="1976494" cy="331374"/>
+            <a:off x="6553200" y="6356350"/>
+            <a:ext cx="2133600" cy="365125"/>
           </a:xfrm>
           <a:prstGeom prst="rect">
             <a:avLst/>
@@ -3113,7 +2761,7 @@
           <a:bodyPr vert="horz" lIns="91440" tIns="45720" rIns="91440" bIns="45720" rtlCol="0" anchor="ctr"/>
           <a:lstStyle>
             <a:lvl1pPr algn="r">
-              <a:defRPr sz="1089">
+              <a:defRPr sz="1200">
                 <a:solidFill>
                   <a:schemeClr val="tx1">
                     <a:tint val="75000"/>
@@ -3150,12 +2798,12 @@
   </p:sldLayoutIdLst>
   <p:txStyles>
     <p:titleStyle>
-      <a:lvl1pPr algn="ctr" defTabSz="829909" rtl="0" eaLnBrk="1" latinLnBrk="0" hangingPunct="1">
+      <a:lvl1pPr algn="ctr" defTabSz="914400" rtl="0" eaLnBrk="1" latinLnBrk="0" hangingPunct="1">
         <a:spcBef>
           <a:spcPct val="0"/>
         </a:spcBef>
         <a:buNone/>
-        <a:defRPr sz="3993" kern="1200">
+        <a:defRPr sz="4400" kern="1200">
           <a:solidFill>
             <a:schemeClr val="tx1"/>
           </a:solidFill>
@@ -3166,13 +2814,13 @@
       </a:lvl1pPr>
     </p:titleStyle>
     <p:bodyStyle>
-      <a:lvl1pPr marL="311216" indent="-311216" algn="l" defTabSz="829909" rtl="0" eaLnBrk="1" latinLnBrk="0" hangingPunct="1">
+      <a:lvl1pPr marL="342900" indent="-342900" algn="l" defTabSz="914400" rtl="0" eaLnBrk="1" latinLnBrk="0" hangingPunct="1">
         <a:spcBef>
           <a:spcPct val="20000"/>
         </a:spcBef>
         <a:buFont typeface="Arial" pitchFamily="34" charset="0"/>
         <a:buChar char="•"/>
-        <a:defRPr sz="2904" kern="1200">
+        <a:defRPr sz="3200" kern="1200">
           <a:solidFill>
             <a:schemeClr val="tx1"/>
           </a:solidFill>
@@ -3181,13 +2829,13 @@
           <a:cs typeface="+mn-cs"/>
         </a:defRPr>
       </a:lvl1pPr>
-      <a:lvl2pPr marL="674301" indent="-259347" algn="l" defTabSz="829909" rtl="0" eaLnBrk="1" latinLnBrk="0" hangingPunct="1">
+      <a:lvl2pPr marL="742950" indent="-285750" algn="l" defTabSz="914400" rtl="0" eaLnBrk="1" latinLnBrk="0" hangingPunct="1">
         <a:spcBef>
           <a:spcPct val="20000"/>
         </a:spcBef>
         <a:buFont typeface="Arial" pitchFamily="34" charset="0"/>
         <a:buChar char="–"/>
-        <a:defRPr sz="2541" kern="1200">
+        <a:defRPr sz="2800" kern="1200">
           <a:solidFill>
             <a:schemeClr val="tx1"/>
           </a:solidFill>
@@ -3196,13 +2844,13 @@
           <a:cs typeface="+mn-cs"/>
         </a:defRPr>
       </a:lvl2pPr>
-      <a:lvl3pPr marL="1037387" indent="-207477" algn="l" defTabSz="829909" rtl="0" eaLnBrk="1" latinLnBrk="0" hangingPunct="1">
+      <a:lvl3pPr marL="1143000" indent="-228600" algn="l" defTabSz="914400" rtl="0" eaLnBrk="1" latinLnBrk="0" hangingPunct="1">
         <a:spcBef>
           <a:spcPct val="20000"/>
         </a:spcBef>
         <a:buFont typeface="Arial" pitchFamily="34" charset="0"/>
         <a:buChar char="•"/>
-        <a:defRPr sz="2178" kern="1200">
+        <a:defRPr sz="2400" kern="1200">
           <a:solidFill>
             <a:schemeClr val="tx1"/>
           </a:solidFill>
@@ -3211,13 +2859,13 @@
           <a:cs typeface="+mn-cs"/>
         </a:defRPr>
       </a:lvl3pPr>
-      <a:lvl4pPr marL="1452342" indent="-207477" algn="l" defTabSz="829909" rtl="0" eaLnBrk="1" latinLnBrk="0" hangingPunct="1">
+      <a:lvl4pPr marL="1600200" indent="-228600" algn="l" defTabSz="914400" rtl="0" eaLnBrk="1" latinLnBrk="0" hangingPunct="1">
         <a:spcBef>
           <a:spcPct val="20000"/>
         </a:spcBef>
         <a:buFont typeface="Arial" pitchFamily="34" charset="0"/>
         <a:buChar char="–"/>
-        <a:defRPr sz="1815" kern="1200">
+        <a:defRPr sz="2000" kern="1200">
           <a:solidFill>
             <a:schemeClr val="tx1"/>
           </a:solidFill>
@@ -3226,13 +2874,13 @@
           <a:cs typeface="+mn-cs"/>
         </a:defRPr>
       </a:lvl4pPr>
-      <a:lvl5pPr marL="1867296" indent="-207477" algn="l" defTabSz="829909" rtl="0" eaLnBrk="1" latinLnBrk="0" hangingPunct="1">
+      <a:lvl5pPr marL="2057400" indent="-228600" algn="l" defTabSz="914400" rtl="0" eaLnBrk="1" latinLnBrk="0" hangingPunct="1">
         <a:spcBef>
           <a:spcPct val="20000"/>
         </a:spcBef>
         <a:buFont typeface="Arial" pitchFamily="34" charset="0"/>
         <a:buChar char="»"/>
-        <a:defRPr sz="1815" kern="1200">
+        <a:defRPr sz="2000" kern="1200">
           <a:solidFill>
             <a:schemeClr val="tx1"/>
           </a:solidFill>
@@ -3241,13 +2889,13 @@
           <a:cs typeface="+mn-cs"/>
         </a:defRPr>
       </a:lvl5pPr>
-      <a:lvl6pPr marL="2282251" indent="-207477" algn="l" defTabSz="829909" rtl="0" eaLnBrk="1" latinLnBrk="0" hangingPunct="1">
+      <a:lvl6pPr marL="2514600" indent="-228600" algn="l" defTabSz="914400" rtl="0" eaLnBrk="1" latinLnBrk="0" hangingPunct="1">
         <a:spcBef>
           <a:spcPct val="20000"/>
         </a:spcBef>
         <a:buFont typeface="Arial" pitchFamily="34" charset="0"/>
         <a:buChar char="•"/>
-        <a:defRPr sz="1815" kern="1200">
+        <a:defRPr sz="2000" kern="1200">
           <a:solidFill>
             <a:schemeClr val="tx1"/>
           </a:solidFill>
@@ -3256,13 +2904,13 @@
           <a:cs typeface="+mn-cs"/>
         </a:defRPr>
       </a:lvl6pPr>
-      <a:lvl7pPr marL="2697206" indent="-207477" algn="l" defTabSz="829909" rtl="0" eaLnBrk="1" latinLnBrk="0" hangingPunct="1">
+      <a:lvl7pPr marL="2971800" indent="-228600" algn="l" defTabSz="914400" rtl="0" eaLnBrk="1" latinLnBrk="0" hangingPunct="1">
         <a:spcBef>
           <a:spcPct val="20000"/>
         </a:spcBef>
         <a:buFont typeface="Arial" pitchFamily="34" charset="0"/>
         <a:buChar char="•"/>
-        <a:defRPr sz="1815" kern="1200">
+        <a:defRPr sz="2000" kern="1200">
           <a:solidFill>
             <a:schemeClr val="tx1"/>
           </a:solidFill>
@@ -3271,13 +2919,13 @@
           <a:cs typeface="+mn-cs"/>
         </a:defRPr>
       </a:lvl7pPr>
-      <a:lvl8pPr marL="3112160" indent="-207477" algn="l" defTabSz="829909" rtl="0" eaLnBrk="1" latinLnBrk="0" hangingPunct="1">
+      <a:lvl8pPr marL="3429000" indent="-228600" algn="l" defTabSz="914400" rtl="0" eaLnBrk="1" latinLnBrk="0" hangingPunct="1">
         <a:spcBef>
           <a:spcPct val="20000"/>
         </a:spcBef>
         <a:buFont typeface="Arial" pitchFamily="34" charset="0"/>
         <a:buChar char="•"/>
-        <a:defRPr sz="1815" kern="1200">
+        <a:defRPr sz="2000" kern="1200">
           <a:solidFill>
             <a:schemeClr val="tx1"/>
           </a:solidFill>
@@ -3286,13 +2934,13 @@
           <a:cs typeface="+mn-cs"/>
         </a:defRPr>
       </a:lvl8pPr>
-      <a:lvl9pPr marL="3527115" indent="-207477" algn="l" defTabSz="829909" rtl="0" eaLnBrk="1" latinLnBrk="0" hangingPunct="1">
+      <a:lvl9pPr marL="3886200" indent="-228600" algn="l" defTabSz="914400" rtl="0" eaLnBrk="1" latinLnBrk="0" hangingPunct="1">
         <a:spcBef>
           <a:spcPct val="20000"/>
         </a:spcBef>
         <a:buFont typeface="Arial" pitchFamily="34" charset="0"/>
         <a:buChar char="•"/>
-        <a:defRPr sz="1815" kern="1200">
+        <a:defRPr sz="2000" kern="1200">
           <a:solidFill>
             <a:schemeClr val="tx1"/>
           </a:solidFill>
@@ -3306,8 +2954,8 @@
       <a:defPPr>
         <a:defRPr lang="en-US"/>
       </a:defPPr>
-      <a:lvl1pPr marL="0" algn="l" defTabSz="829909" rtl="0" eaLnBrk="1" latinLnBrk="0" hangingPunct="1">
-        <a:defRPr sz="1634" kern="1200">
+      <a:lvl1pPr marL="0" algn="l" defTabSz="914400" rtl="0" eaLnBrk="1" latinLnBrk="0" hangingPunct="1">
+        <a:defRPr sz="1800" kern="1200">
           <a:solidFill>
             <a:schemeClr val="tx1"/>
           </a:solidFill>
@@ -3316,8 +2964,8 @@
           <a:cs typeface="+mn-cs"/>
         </a:defRPr>
       </a:lvl1pPr>
-      <a:lvl2pPr marL="414955" algn="l" defTabSz="829909" rtl="0" eaLnBrk="1" latinLnBrk="0" hangingPunct="1">
-        <a:defRPr sz="1634" kern="1200">
+      <a:lvl2pPr marL="457200" algn="l" defTabSz="914400" rtl="0" eaLnBrk="1" latinLnBrk="0" hangingPunct="1">
+        <a:defRPr sz="1800" kern="1200">
           <a:solidFill>
             <a:schemeClr val="tx1"/>
           </a:solidFill>
@@ -3326,8 +2974,8 @@
           <a:cs typeface="+mn-cs"/>
         </a:defRPr>
       </a:lvl2pPr>
-      <a:lvl3pPr marL="829909" algn="l" defTabSz="829909" rtl="0" eaLnBrk="1" latinLnBrk="0" hangingPunct="1">
-        <a:defRPr sz="1634" kern="1200">
+      <a:lvl3pPr marL="914400" algn="l" defTabSz="914400" rtl="0" eaLnBrk="1" latinLnBrk="0" hangingPunct="1">
+        <a:defRPr sz="1800" kern="1200">
           <a:solidFill>
             <a:schemeClr val="tx1"/>
           </a:solidFill>
@@ -3336,8 +2984,8 @@
           <a:cs typeface="+mn-cs"/>
         </a:defRPr>
       </a:lvl3pPr>
-      <a:lvl4pPr marL="1244864" algn="l" defTabSz="829909" rtl="0" eaLnBrk="1" latinLnBrk="0" hangingPunct="1">
-        <a:defRPr sz="1634" kern="1200">
+      <a:lvl4pPr marL="1371600" algn="l" defTabSz="914400" rtl="0" eaLnBrk="1" latinLnBrk="0" hangingPunct="1">
+        <a:defRPr sz="1800" kern="1200">
           <a:solidFill>
             <a:schemeClr val="tx1"/>
           </a:solidFill>
@@ -3346,8 +2994,8 @@
           <a:cs typeface="+mn-cs"/>
         </a:defRPr>
       </a:lvl4pPr>
-      <a:lvl5pPr marL="1659819" algn="l" defTabSz="829909" rtl="0" eaLnBrk="1" latinLnBrk="0" hangingPunct="1">
-        <a:defRPr sz="1634" kern="1200">
+      <a:lvl5pPr marL="1828800" algn="l" defTabSz="914400" rtl="0" eaLnBrk="1" latinLnBrk="0" hangingPunct="1">
+        <a:defRPr sz="1800" kern="1200">
           <a:solidFill>
             <a:schemeClr val="tx1"/>
           </a:solidFill>
@@ -3356,8 +3004,8 @@
           <a:cs typeface="+mn-cs"/>
         </a:defRPr>
       </a:lvl5pPr>
-      <a:lvl6pPr marL="2074774" algn="l" defTabSz="829909" rtl="0" eaLnBrk="1" latinLnBrk="0" hangingPunct="1">
-        <a:defRPr sz="1634" kern="1200">
+      <a:lvl6pPr marL="2286000" algn="l" defTabSz="914400" rtl="0" eaLnBrk="1" latinLnBrk="0" hangingPunct="1">
+        <a:defRPr sz="1800" kern="1200">
           <a:solidFill>
             <a:schemeClr val="tx1"/>
           </a:solidFill>
@@ -3366,8 +3014,8 @@
           <a:cs typeface="+mn-cs"/>
         </a:defRPr>
       </a:lvl6pPr>
-      <a:lvl7pPr marL="2489728" algn="l" defTabSz="829909" rtl="0" eaLnBrk="1" latinLnBrk="0" hangingPunct="1">
-        <a:defRPr sz="1634" kern="1200">
+      <a:lvl7pPr marL="2743200" algn="l" defTabSz="914400" rtl="0" eaLnBrk="1" latinLnBrk="0" hangingPunct="1">
+        <a:defRPr sz="1800" kern="1200">
           <a:solidFill>
             <a:schemeClr val="tx1"/>
           </a:solidFill>
@@ -3376,8 +3024,8 @@
           <a:cs typeface="+mn-cs"/>
         </a:defRPr>
       </a:lvl7pPr>
-      <a:lvl8pPr marL="2904683" algn="l" defTabSz="829909" rtl="0" eaLnBrk="1" latinLnBrk="0" hangingPunct="1">
-        <a:defRPr sz="1634" kern="1200">
+      <a:lvl8pPr marL="3200400" algn="l" defTabSz="914400" rtl="0" eaLnBrk="1" latinLnBrk="0" hangingPunct="1">
+        <a:defRPr sz="1800" kern="1200">
           <a:solidFill>
             <a:schemeClr val="tx1"/>
           </a:solidFill>
@@ -3386,8 +3034,8 @@
           <a:cs typeface="+mn-cs"/>
         </a:defRPr>
       </a:lvl8pPr>
-      <a:lvl9pPr marL="3319638" algn="l" defTabSz="829909" rtl="0" eaLnBrk="1" latinLnBrk="0" hangingPunct="1">
-        <a:defRPr sz="1634" kern="1200">
+      <a:lvl9pPr marL="3657600" algn="l" defTabSz="914400" rtl="0" eaLnBrk="1" latinLnBrk="0" hangingPunct="1">
+        <a:defRPr sz="1800" kern="1200">
           <a:solidFill>
             <a:schemeClr val="tx1"/>
           </a:solidFill>
@@ -3432,10 +3080,10 @@
         </p:nvGrpSpPr>
         <p:grpSpPr>
           <a:xfrm>
-            <a:off x="181215" y="524436"/>
-            <a:ext cx="3132114" cy="4881955"/>
+            <a:off x="88900" y="577850"/>
+            <a:ext cx="3451125" cy="5379191"/>
             <a:chOff x="290103" y="520040"/>
-            <a:chExt cx="3451126" cy="5379191"/>
+            <a:chExt cx="3451125" cy="5379191"/>
           </a:xfrm>
         </p:grpSpPr>
         <p:grpSp>
@@ -3538,7 +3186,7 @@
                 <a:bodyPr/>
                 <a:lstStyle/>
                 <a:p>
-                  <a:endParaRPr sz="1500"/>
+                  <a:endParaRPr/>
                 </a:p>
               </p:txBody>
             </p:sp>
@@ -3564,15 +3212,15 @@
                 </a:prstGeom>
               </p:spPr>
               <p:txBody>
-                <a:bodyPr lIns="46104" tIns="46104" rIns="46104" bIns="46104" rtlCol="0" anchor="ctr"/>
+                <a:bodyPr lIns="50800" tIns="50800" rIns="50800" bIns="50800" rtlCol="0" anchor="ctr"/>
                 <a:lstStyle/>
                 <a:p>
                   <a:pPr algn="ctr">
                     <a:lnSpc>
-                      <a:spcPts val="1510"/>
+                      <a:spcPts val="1664"/>
                     </a:lnSpc>
                   </a:pPr>
-                  <a:endParaRPr sz="1500"/>
+                  <a:endParaRPr/>
                 </a:p>
               </p:txBody>
             </p:sp>
@@ -3610,7 +3258,7 @@
               <a:bodyPr/>
               <a:lstStyle/>
               <a:p>
-                <a:endParaRPr sz="1500"/>
+                <a:endParaRPr/>
               </a:p>
             </p:txBody>
           </p:sp>
@@ -3628,8 +3276,8 @@
             </p:nvSpPr>
             <p:spPr>
               <a:xfrm>
-                <a:off x="442914" y="152693"/>
-                <a:ext cx="3752344" cy="681639"/>
+                <a:off x="442913" y="152693"/>
+                <a:ext cx="3752345" cy="718232"/>
               </a:xfrm>
               <a:prstGeom prst="rect">
                 <a:avLst/>
@@ -3641,13 +3289,13 @@
               </a:bodyPr>
               <a:lstStyle/>
               <a:p>
-                <a:pPr>
+                <a:pPr algn="l">
                   <a:lnSpc>
-                    <a:spcPts val="1232"/>
+                    <a:spcPts val="1357"/>
                   </a:lnSpc>
                 </a:pPr>
                 <a:r>
-                  <a:rPr lang="en-US" sz="1061" b="1" dirty="0" err="1">
+                  <a:rPr lang="ru-RU" sz="1169" b="1" dirty="0">
                     <a:solidFill>
                       <a:srgbClr val="000000"/>
                     </a:solidFill>
@@ -3656,191 +3304,26 @@
                     <a:cs typeface="Circe Bold"/>
                     <a:sym typeface="Circe Bold"/>
                   </a:rPr>
-                  <a:t>Заказ</a:t>
+                  <a:t>Заказ цветов</a:t>
                 </a:r>
+              </a:p>
+              <a:p>
+                <a:pPr algn="l">
+                  <a:lnSpc>
+                    <a:spcPts val="1357"/>
+                  </a:lnSpc>
+                </a:pPr>
                 <a:r>
-                  <a:rPr lang="en-US" sz="1061" b="1" dirty="0">
+                  <a:rPr lang="ru-RU" sz="1169" dirty="0">
                     <a:solidFill>
                       <a:srgbClr val="000000"/>
                     </a:solidFill>
-                    <a:latin typeface="Circe Bold"/>
+                    <a:latin typeface="Circe" panose="020B0502020203020203" pitchFamily="34" charset="-52"/>
                     <a:ea typeface="Circe Bold"/>
                     <a:cs typeface="Circe Bold"/>
                     <a:sym typeface="Circe Bold"/>
                   </a:rPr>
-                  <a:t> </a:t>
-                </a:r>
-                <a:r>
-                  <a:rPr lang="en-US" sz="1061" b="1" dirty="0" err="1">
-                    <a:solidFill>
-                      <a:srgbClr val="000000"/>
-                    </a:solidFill>
-                    <a:latin typeface="Circe Bold"/>
-                    <a:ea typeface="Circe Bold"/>
-                    <a:cs typeface="Circe Bold"/>
-                    <a:sym typeface="Circe Bold"/>
-                  </a:rPr>
-                  <a:t>цветов</a:t>
-                </a:r>
-                <a:endParaRPr lang="en-US" sz="1061" b="1" dirty="0">
-                  <a:solidFill>
-                    <a:srgbClr val="000000"/>
-                  </a:solidFill>
-                  <a:latin typeface="Circe Bold"/>
-                  <a:ea typeface="Circe Bold"/>
-                  <a:cs typeface="Circe Bold"/>
-                  <a:sym typeface="Circe Bold"/>
-                </a:endParaRPr>
-              </a:p>
-              <a:p>
-                <a:pPr>
-                  <a:lnSpc>
-                    <a:spcPts val="1232"/>
-                  </a:lnSpc>
-                </a:pPr>
-                <a:r>
-                  <a:rPr lang="en-US" sz="1061" dirty="0" err="1">
-                    <a:solidFill>
-                      <a:srgbClr val="000000"/>
-                    </a:solidFill>
-                    <a:latin typeface="Circe"/>
-                    <a:ea typeface="Circe"/>
-                    <a:cs typeface="Circe"/>
-                    <a:sym typeface="Circe"/>
-                  </a:rPr>
-                  <a:t>Поможем</a:t>
-                </a:r>
-                <a:r>
-                  <a:rPr lang="en-US" sz="1061" dirty="0">
-                    <a:solidFill>
-                      <a:srgbClr val="000000"/>
-                    </a:solidFill>
-                    <a:latin typeface="Circe"/>
-                    <a:ea typeface="Circe"/>
-                    <a:cs typeface="Circe"/>
-                    <a:sym typeface="Circe"/>
-                  </a:rPr>
-                  <a:t> </a:t>
-                </a:r>
-                <a:r>
-                  <a:rPr lang="en-US" sz="1061" dirty="0" err="1">
-                    <a:solidFill>
-                      <a:srgbClr val="000000"/>
-                    </a:solidFill>
-                    <a:latin typeface="Circe"/>
-                    <a:ea typeface="Circe"/>
-                    <a:cs typeface="Circe"/>
-                    <a:sym typeface="Circe"/>
-                  </a:rPr>
-                  <a:t>подобрать</a:t>
-                </a:r>
-                <a:r>
-                  <a:rPr lang="en-US" sz="1061" dirty="0">
-                    <a:solidFill>
-                      <a:srgbClr val="000000"/>
-                    </a:solidFill>
-                    <a:latin typeface="Circe"/>
-                    <a:ea typeface="Circe"/>
-                    <a:cs typeface="Circe"/>
-                    <a:sym typeface="Circe"/>
-                  </a:rPr>
-                  <a:t> и </a:t>
-                </a:r>
-                <a:r>
-                  <a:rPr lang="en-US" sz="1061" dirty="0" err="1">
-                    <a:solidFill>
-                      <a:srgbClr val="000000"/>
-                    </a:solidFill>
-                    <a:latin typeface="Circe"/>
-                    <a:ea typeface="Circe"/>
-                    <a:cs typeface="Circe"/>
-                    <a:sym typeface="Circe"/>
-                  </a:rPr>
-                  <a:t>оформить</a:t>
-                </a:r>
-                <a:r>
-                  <a:rPr lang="en-US" sz="1061" dirty="0">
-                    <a:solidFill>
-                      <a:srgbClr val="000000"/>
-                    </a:solidFill>
-                    <a:latin typeface="Circe"/>
-                    <a:ea typeface="Circe"/>
-                    <a:cs typeface="Circe"/>
-                    <a:sym typeface="Circe"/>
-                  </a:rPr>
-                  <a:t> </a:t>
-                </a:r>
-                <a:r>
-                  <a:rPr lang="en-US" sz="1061" dirty="0" err="1">
-                    <a:solidFill>
-                      <a:srgbClr val="000000"/>
-                    </a:solidFill>
-                    <a:latin typeface="Circe"/>
-                    <a:ea typeface="Circe"/>
-                    <a:cs typeface="Circe"/>
-                    <a:sym typeface="Circe"/>
-                  </a:rPr>
-                  <a:t>букет</a:t>
-                </a:r>
-                <a:r>
-                  <a:rPr lang="en-US" sz="1061" dirty="0">
-                    <a:solidFill>
-                      <a:srgbClr val="000000"/>
-                    </a:solidFill>
-                    <a:latin typeface="Circe"/>
-                    <a:ea typeface="Circe"/>
-                    <a:cs typeface="Circe"/>
-                    <a:sym typeface="Circe"/>
-                  </a:rPr>
-                  <a:t> — </a:t>
-                </a:r>
-                <a:r>
-                  <a:rPr lang="en-US" sz="1061" dirty="0" err="1">
-                    <a:solidFill>
-                      <a:srgbClr val="000000"/>
-                    </a:solidFill>
-                    <a:latin typeface="Circe"/>
-                    <a:ea typeface="Circe"/>
-                    <a:cs typeface="Circe"/>
-                    <a:sym typeface="Circe"/>
-                  </a:rPr>
-                  <a:t>обращайтесь</a:t>
-                </a:r>
-                <a:r>
-                  <a:rPr lang="en-US" sz="1061" dirty="0">
-                    <a:solidFill>
-                      <a:srgbClr val="000000"/>
-                    </a:solidFill>
-                    <a:latin typeface="Circe"/>
-                    <a:ea typeface="Circe"/>
-                    <a:cs typeface="Circe"/>
-                    <a:sym typeface="Circe"/>
-                  </a:rPr>
-                  <a:t> к </a:t>
-                </a:r>
-                <a:r>
-                  <a:rPr lang="en-US" sz="1061" dirty="0" err="1">
-                    <a:solidFill>
-                      <a:srgbClr val="000000"/>
-                    </a:solidFill>
-                    <a:latin typeface="Circe"/>
-                    <a:ea typeface="Circe"/>
-                    <a:cs typeface="Circe"/>
-                    <a:sym typeface="Circe"/>
-                  </a:rPr>
-                  <a:t>администратору</a:t>
-                </a:r>
-                <a:r>
-                  <a:rPr lang="en-US" sz="1061" dirty="0">
-                    <a:solidFill>
-                      <a:srgbClr val="000000"/>
-                    </a:solidFill>
-                    <a:latin typeface="Circe"/>
-                    <a:ea typeface="Circe"/>
-                    <a:cs typeface="Circe"/>
-                    <a:sym typeface="Circe"/>
-                  </a:rPr>
-                  <a:t>.</a:t>
+                  <a:t>Поможем подобрать и оформить букет — обращайтесь к администратору.</a:t>
                 </a:r>
               </a:p>
             </p:txBody>
@@ -3925,7 +3408,7 @@
                 <a:bodyPr/>
                 <a:lstStyle/>
                 <a:p>
-                  <a:endParaRPr sz="1500"/>
+                  <a:endParaRPr/>
                 </a:p>
               </p:txBody>
             </p:sp>
@@ -3951,15 +3434,15 @@
                 </a:prstGeom>
               </p:spPr>
               <p:txBody>
-                <a:bodyPr lIns="46104" tIns="46104" rIns="46104" bIns="46104" rtlCol="0" anchor="ctr"/>
+                <a:bodyPr lIns="50800" tIns="50800" rIns="50800" bIns="50800" rtlCol="0" anchor="ctr"/>
                 <a:lstStyle/>
                 <a:p>
                   <a:pPr algn="ctr">
                     <a:lnSpc>
-                      <a:spcPts val="1510"/>
+                      <a:spcPts val="1664"/>
                     </a:lnSpc>
                   </a:pPr>
-                  <a:endParaRPr sz="1500"/>
+                  <a:endParaRPr/>
                 </a:p>
               </p:txBody>
             </p:sp>
@@ -4044,7 +3527,7 @@
                 <a:bodyPr/>
                 <a:lstStyle/>
                 <a:p>
-                  <a:endParaRPr sz="1500"/>
+                  <a:endParaRPr/>
                 </a:p>
               </p:txBody>
             </p:sp>
@@ -4070,15 +3553,15 @@
                 </a:prstGeom>
               </p:spPr>
               <p:txBody>
-                <a:bodyPr lIns="46104" tIns="46104" rIns="46104" bIns="46104" rtlCol="0" anchor="ctr"/>
+                <a:bodyPr lIns="50800" tIns="50800" rIns="50800" bIns="50800" rtlCol="0" anchor="ctr"/>
                 <a:lstStyle/>
                 <a:p>
                   <a:pPr algn="ctr">
                     <a:lnSpc>
-                      <a:spcPts val="1510"/>
+                      <a:spcPts val="1664"/>
                     </a:lnSpc>
                   </a:pPr>
-                  <a:endParaRPr sz="1500"/>
+                  <a:endParaRPr/>
                 </a:p>
               </p:txBody>
             </p:sp>
@@ -4116,7 +3599,7 @@
               <a:bodyPr/>
               <a:lstStyle/>
               <a:p>
-                <a:endParaRPr sz="1500"/>
+                <a:endParaRPr/>
               </a:p>
             </p:txBody>
           </p:sp>
@@ -4153,7 +3636,7 @@
               <a:bodyPr/>
               <a:lstStyle/>
               <a:p>
-                <a:endParaRPr sz="1500"/>
+                <a:endParaRPr/>
               </a:p>
             </p:txBody>
           </p:sp>
@@ -4171,8 +3654,8 @@
             </p:nvSpPr>
             <p:spPr>
               <a:xfrm>
-                <a:off x="442914" y="1226277"/>
-                <a:ext cx="3628993" cy="904708"/>
+                <a:off x="442913" y="1226277"/>
+                <a:ext cx="3628993" cy="890416"/>
               </a:xfrm>
               <a:prstGeom prst="rect">
                 <a:avLst/>
@@ -4184,13 +3667,13 @@
               </a:bodyPr>
               <a:lstStyle/>
               <a:p>
-                <a:pPr>
+                <a:pPr algn="l">
                   <a:lnSpc>
-                    <a:spcPts val="1208"/>
+                    <a:spcPts val="1331"/>
                   </a:lnSpc>
                 </a:pPr>
                 <a:r>
-                  <a:rPr lang="en-US" sz="1007" b="1">
+                  <a:rPr lang="ru-RU" sz="1109" b="1" dirty="0">
                     <a:solidFill>
                       <a:srgbClr val="000000"/>
                     </a:solidFill>
@@ -4203,22 +3686,46 @@
                 </a:r>
               </a:p>
               <a:p>
-                <a:pPr>
+                <a:pPr algn="l">
                   <a:lnSpc>
-                    <a:spcPts val="1208"/>
+                    <a:spcPts val="1331"/>
                   </a:lnSpc>
                 </a:pPr>
                 <a:r>
-                  <a:rPr lang="en-US" sz="1007">
+                  <a:rPr lang="ru-RU" sz="1109" dirty="0">
                     <a:solidFill>
                       <a:srgbClr val="000000"/>
                     </a:solidFill>
-                    <a:latin typeface="Circe"/>
-                    <a:ea typeface="Circe"/>
-                    <a:cs typeface="Circe"/>
-                    <a:sym typeface="Circe"/>
+                    <a:latin typeface="Circe" panose="020B0502020203020203" pitchFamily="34" charset="-52"/>
+                    <a:ea typeface="Circe Bold"/>
+                    <a:cs typeface="Circe Bold"/>
+                    <a:sym typeface="Circe Bold"/>
                   </a:rPr>
-                  <a:t>На ресепшене можно приобрести экскурсии и получить купон на 10% скидку на тур от City Sightseeing.</a:t>
+                  <a:t>На ресепшене можно приобрести экскурсии и получить купон на 10% скидку на тур от City </a:t>
+                </a:r>
+                <a:r>
+                  <a:rPr lang="ru-RU" sz="1109" dirty="0" err="1">
+                    <a:solidFill>
+                      <a:srgbClr val="000000"/>
+                    </a:solidFill>
+                    <a:latin typeface="Circe" panose="020B0502020203020203" pitchFamily="34" charset="-52"/>
+                    <a:ea typeface="Circe Bold"/>
+                    <a:cs typeface="Circe Bold"/>
+                    <a:sym typeface="Circe Bold"/>
+                  </a:rPr>
+                  <a:t>Sightseeing</a:t>
+                </a:r>
+                <a:r>
+                  <a:rPr lang="ru-RU" sz="1109" dirty="0">
+                    <a:solidFill>
+                      <a:srgbClr val="000000"/>
+                    </a:solidFill>
+                    <a:latin typeface="Circe" panose="020B0502020203020203" pitchFamily="34" charset="-52"/>
+                    <a:ea typeface="Circe Bold"/>
+                    <a:cs typeface="Circe Bold"/>
+                    <a:sym typeface="Circe Bold"/>
+                  </a:rPr>
+                  <a:t>.</a:t>
                 </a:r>
               </a:p>
             </p:txBody>
@@ -4238,7 +3745,7 @@
             <p:spPr>
               <a:xfrm>
                 <a:off x="393917" y="2527752"/>
-                <a:ext cx="3677988" cy="734769"/>
+                <a:ext cx="3677989" cy="718145"/>
               </a:xfrm>
               <a:prstGeom prst="rect">
                 <a:avLst/>
@@ -4250,13 +3757,13 @@
               </a:bodyPr>
               <a:lstStyle/>
               <a:p>
-                <a:pPr>
+                <a:pPr algn="l">
                   <a:lnSpc>
-                    <a:spcPts val="1258"/>
+                    <a:spcPts val="1386"/>
                   </a:lnSpc>
                 </a:pPr>
                 <a:r>
-                  <a:rPr lang="en-US" sz="1007" b="1">
+                  <a:rPr lang="ru-RU" sz="1109" b="1" dirty="0">
                     <a:solidFill>
                       <a:srgbClr val="000000"/>
                     </a:solidFill>
@@ -4269,20 +3776,20 @@
                 </a:r>
               </a:p>
               <a:p>
-                <a:pPr>
+                <a:pPr algn="l">
                   <a:lnSpc>
-                    <a:spcPts val="1258"/>
+                    <a:spcPts val="1386"/>
                   </a:lnSpc>
                 </a:pPr>
                 <a:r>
-                  <a:rPr lang="en-US" sz="1007">
+                  <a:rPr lang="ru-RU" sz="1109" dirty="0">
                     <a:solidFill>
                       <a:srgbClr val="000000"/>
                     </a:solidFill>
-                    <a:latin typeface="Circe"/>
-                    <a:ea typeface="Circe"/>
-                    <a:cs typeface="Circe"/>
-                    <a:sym typeface="Circe"/>
+                    <a:latin typeface="Circe" panose="020B0502020203020203" pitchFamily="34" charset="-52"/>
+                    <a:ea typeface="Circe Bold"/>
+                    <a:cs typeface="Circe Bold"/>
+                    <a:sym typeface="Circe Bold"/>
                   </a:rPr>
                   <a:t>Закажите трансфер до вокзала/аэропорта — подробности у администратора.</a:t>
                 </a:r>
@@ -4370,7 +3877,7 @@
               <a:bodyPr/>
               <a:lstStyle/>
               <a:p>
-                <a:endParaRPr sz="1500"/>
+                <a:endParaRPr/>
               </a:p>
             </p:txBody>
           </p:sp>
@@ -4396,15 +3903,15 @@
               </a:prstGeom>
             </p:spPr>
             <p:txBody>
-              <a:bodyPr lIns="46104" tIns="46104" rIns="46104" bIns="46104" rtlCol="0" anchor="ctr"/>
+              <a:bodyPr lIns="50800" tIns="50800" rIns="50800" bIns="50800" rtlCol="0" anchor="ctr"/>
               <a:lstStyle/>
               <a:p>
                 <a:pPr algn="ctr">
                   <a:lnSpc>
-                    <a:spcPts val="1510"/>
+                    <a:spcPts val="1664"/>
                   </a:lnSpc>
                 </a:pPr>
-                <a:endParaRPr sz="1500"/>
+                <a:endParaRPr/>
               </a:p>
             </p:txBody>
           </p:sp>
@@ -4489,7 +3996,7 @@
               <a:bodyPr/>
               <a:lstStyle/>
               <a:p>
-                <a:endParaRPr sz="1500"/>
+                <a:endParaRPr/>
               </a:p>
             </p:txBody>
           </p:sp>
@@ -4515,15 +4022,15 @@
               </a:prstGeom>
             </p:spPr>
             <p:txBody>
-              <a:bodyPr lIns="46104" tIns="46104" rIns="46104" bIns="46104" rtlCol="0" anchor="ctr"/>
+              <a:bodyPr lIns="50800" tIns="50800" rIns="50800" bIns="50800" rtlCol="0" anchor="ctr"/>
               <a:lstStyle/>
               <a:p>
                 <a:pPr algn="ctr">
                   <a:lnSpc>
-                    <a:spcPts val="1510"/>
+                    <a:spcPts val="1664"/>
                   </a:lnSpc>
                 </a:pPr>
-                <a:endParaRPr sz="1500"/>
+                <a:endParaRPr/>
               </a:p>
             </p:txBody>
           </p:sp>
@@ -4608,7 +4115,7 @@
               <a:bodyPr/>
               <a:lstStyle/>
               <a:p>
-                <a:endParaRPr sz="1500"/>
+                <a:endParaRPr/>
               </a:p>
             </p:txBody>
           </p:sp>
@@ -4634,15 +4141,15 @@
               </a:prstGeom>
             </p:spPr>
             <p:txBody>
-              <a:bodyPr lIns="46104" tIns="46104" rIns="46104" bIns="46104" rtlCol="0" anchor="ctr"/>
+              <a:bodyPr lIns="50800" tIns="50800" rIns="50800" bIns="50800" rtlCol="0" anchor="ctr"/>
               <a:lstStyle/>
               <a:p>
                 <a:pPr algn="ctr">
                   <a:lnSpc>
-                    <a:spcPts val="1510"/>
+                    <a:spcPts val="1664"/>
                   </a:lnSpc>
                 </a:pPr>
-                <a:endParaRPr sz="1500"/>
+                <a:endParaRPr/>
               </a:p>
             </p:txBody>
           </p:sp>
@@ -4660,14 +4167,14 @@
             <p:nvPr/>
           </p:nvSpPr>
           <p:spPr>
-            <a:xfrm>
-              <a:off x="954473" y="3992870"/>
-              <a:ext cx="1417186" cy="0"/>
+            <a:xfrm flipV="1">
+              <a:off x="954473" y="4091357"/>
+              <a:ext cx="1417186" cy="12316"/>
             </a:xfrm>
             <a:prstGeom prst="line">
               <a:avLst/>
             </a:prstGeom>
-            <a:ln w="19050" cap="rnd">
+            <a:ln w="25400" cap="rnd">
               <a:solidFill>
                 <a:srgbClr val="767576"/>
               </a:solidFill>
@@ -4680,7 +4187,7 @@
             <a:bodyPr/>
             <a:lstStyle/>
             <a:p>
-              <a:endParaRPr sz="1500"/>
+              <a:endParaRPr/>
             </a:p>
           </p:txBody>
         </p:sp>
@@ -4698,13 +4205,13 @@
           </p:nvSpPr>
           <p:spPr>
             <a:xfrm>
-              <a:off x="954473" y="5012578"/>
+              <a:off x="954473" y="4822187"/>
               <a:ext cx="1417186" cy="0"/>
             </a:xfrm>
             <a:prstGeom prst="line">
               <a:avLst/>
             </a:prstGeom>
-            <a:ln w="19050" cap="rnd">
+            <a:ln w="25400" cap="rnd">
               <a:solidFill>
                 <a:srgbClr val="767576"/>
               </a:solidFill>
@@ -4717,7 +4224,7 @@
             <a:bodyPr/>
             <a:lstStyle/>
             <a:p>
-              <a:endParaRPr sz="1500"/>
+              <a:endParaRPr/>
             </a:p>
           </p:txBody>
         </p:sp>
@@ -4741,7 +4248,7 @@
             <a:prstGeom prst="line">
               <a:avLst/>
             </a:prstGeom>
-            <a:ln w="19050" cap="rnd">
+            <a:ln w="25400" cap="rnd">
               <a:solidFill>
                 <a:srgbClr val="767576"/>
               </a:solidFill>
@@ -4754,7 +4261,7 @@
             <a:bodyPr/>
             <a:lstStyle/>
             <a:p>
-              <a:endParaRPr sz="1500"/>
+              <a:endParaRPr/>
             </a:p>
           </p:txBody>
         </p:sp>
@@ -4772,8 +4279,8 @@
           </p:nvSpPr>
           <p:spPr>
             <a:xfrm>
-              <a:off x="622288" y="3358277"/>
-              <a:ext cx="2979562" cy="680791"/>
+              <a:off x="632229" y="3328537"/>
+              <a:ext cx="2979562" cy="718210"/>
             </a:xfrm>
             <a:prstGeom prst="rect">
               <a:avLst/>
@@ -4785,13 +4292,13 @@
             </a:bodyPr>
             <a:lstStyle/>
             <a:p>
-              <a:pPr>
+              <a:pPr algn="l">
                 <a:lnSpc>
-                  <a:spcPts val="1232"/>
+                  <a:spcPts val="1357"/>
                 </a:lnSpc>
               </a:pPr>
               <a:r>
-                <a:rPr lang="en-US" sz="1061" b="1" dirty="0" err="1">
+                <a:rPr lang="ru-RU" sz="1169" b="1" dirty="0">
                   <a:solidFill>
                     <a:srgbClr val="000000"/>
                   </a:solidFill>
@@ -4800,22 +4307,10 @@
                   <a:cs typeface="Circe Bold"/>
                   <a:sym typeface="Circe Bold"/>
                 </a:rPr>
-                <a:t>Ресторан</a:t>
+                <a:t>Ресторан </a:t>
               </a:r>
               <a:r>
-                <a:rPr lang="en-US" sz="1061" b="1" dirty="0">
-                  <a:solidFill>
-                    <a:srgbClr val="000000"/>
-                  </a:solidFill>
-                  <a:latin typeface="Circe Bold"/>
-                  <a:ea typeface="Circe Bold"/>
-                  <a:cs typeface="Circe Bold"/>
-                  <a:sym typeface="Circe Bold"/>
-                </a:rPr>
-                <a:t> </a:t>
-              </a:r>
-              <a:r>
-                <a:rPr lang="en-US" sz="1061" b="1" dirty="0" err="1">
+                <a:rPr lang="ru-RU" sz="1169" b="1" dirty="0" err="1">
                   <a:solidFill>
                     <a:srgbClr val="000000"/>
                   </a:solidFill>
@@ -4827,7 +4322,7 @@
                 <a:t>MemET</a:t>
               </a:r>
               <a:r>
-                <a:rPr lang="en-US" sz="1061" b="1" dirty="0">
+                <a:rPr lang="ru-RU" sz="1169" b="1" dirty="0">
                   <a:solidFill>
                     <a:srgbClr val="000000"/>
                   </a:solidFill>
@@ -4836,17 +4331,10 @@
                   <a:cs typeface="Circe Bold"/>
                   <a:sym typeface="Circe Bold"/>
                 </a:rPr>
-                <a:t> &amp; Pir</a:t>
+                <a:t> &amp; </a:t>
               </a:r>
-            </a:p>
-            <a:p>
-              <a:pPr>
-                <a:lnSpc>
-                  <a:spcPts val="1232"/>
-                </a:lnSpc>
-              </a:pPr>
               <a:r>
-                <a:rPr lang="en-US" sz="1061" b="1" dirty="0" err="1">
+                <a:rPr lang="ru-RU" sz="1169" b="1" dirty="0" err="1">
                   <a:solidFill>
                     <a:srgbClr val="000000"/>
                   </a:solidFill>
@@ -4855,10 +4343,62 @@
                   <a:cs typeface="Circe Bold"/>
                   <a:sym typeface="Circe Bold"/>
                 </a:rPr>
-                <a:t>Континентальный</a:t>
+                <a:t>Pir</a:t>
+              </a:r>
+              <a:endParaRPr lang="ru-RU" sz="1169" b="1" dirty="0">
+                <a:solidFill>
+                  <a:srgbClr val="000000"/>
+                </a:solidFill>
+                <a:latin typeface="Circe Bold"/>
+                <a:ea typeface="Circe Bold"/>
+                <a:cs typeface="Circe Bold"/>
+                <a:sym typeface="Circe Bold"/>
+              </a:endParaRPr>
+            </a:p>
+            <a:p>
+              <a:pPr algn="l">
+                <a:lnSpc>
+                  <a:spcPts val="1357"/>
+                </a:lnSpc>
+              </a:pPr>
+              <a:r>
+                <a:rPr lang="ru-RU" sz="1169" dirty="0">
+                  <a:solidFill>
+                    <a:srgbClr val="000000"/>
+                  </a:solidFill>
+                  <a:latin typeface="Circe" panose="020B0502020203020203" pitchFamily="34" charset="-52"/>
+                  <a:ea typeface="Circe Bold"/>
+                  <a:cs typeface="Circe Bold"/>
+                  <a:sym typeface="Circe Bold"/>
+                </a:rPr>
+                <a:t>Континентальный завтрак - с 9:30-11:30,</a:t>
               </a:r>
               <a:r>
-                <a:rPr lang="en-US" sz="1061" b="1" dirty="0">
+                <a:rPr lang="en-US" sz="1169" dirty="0">
+                  <a:solidFill>
+                    <a:srgbClr val="000000"/>
+                  </a:solidFill>
+                  <a:latin typeface="Circe" panose="020B0502020203020203" pitchFamily="34" charset="-52"/>
+                  <a:ea typeface="Circe Bold"/>
+                  <a:cs typeface="Circe Bold"/>
+                  <a:sym typeface="Circe Bold"/>
+                </a:rPr>
+                <a:t> </a:t>
+              </a:r>
+              <a:r>
+                <a:rPr lang="ru-RU" sz="1169" dirty="0">
+                  <a:solidFill>
+                    <a:srgbClr val="000000"/>
+                  </a:solidFill>
+                  <a:latin typeface="Circe" panose="020B0502020203020203" pitchFamily="34" charset="-52"/>
+                  <a:ea typeface="Circe Bold"/>
+                  <a:cs typeface="Circe Bold"/>
+                  <a:sym typeface="Circe Bold"/>
+                </a:rPr>
+                <a:t>от 850 ₽. Доступны обеды и ужины по меню</a:t>
+              </a:r>
+              <a:r>
+                <a:rPr lang="ru-RU" sz="1169" b="1" dirty="0">
                   <a:solidFill>
                     <a:srgbClr val="000000"/>
                   </a:solidFill>
@@ -4867,210 +4407,23 @@
                   <a:cs typeface="Circe Bold"/>
                   <a:sym typeface="Circe Bold"/>
                 </a:rPr>
-                <a:t> </a:t>
-              </a:r>
-              <a:r>
-                <a:rPr lang="en-US" sz="1061" b="1" dirty="0" err="1">
-                  <a:solidFill>
-                    <a:srgbClr val="000000"/>
-                  </a:solidFill>
-                  <a:latin typeface="Circe Bold"/>
-                  <a:ea typeface="Circe Bold"/>
-                  <a:cs typeface="Circe Bold"/>
-                  <a:sym typeface="Circe Bold"/>
-                </a:rPr>
-                <a:t>завтрак</a:t>
-              </a:r>
-              <a:r>
-                <a:rPr lang="en-US" sz="1061" b="1" dirty="0">
-                  <a:solidFill>
-                    <a:srgbClr val="000000"/>
-                  </a:solidFill>
-                  <a:latin typeface="Circe Bold"/>
-                  <a:ea typeface="Circe Bold"/>
-                  <a:cs typeface="Circe Bold"/>
-                  <a:sym typeface="Circe Bold"/>
-                </a:rPr>
-                <a:t> - </a:t>
-              </a:r>
-              <a:r>
-                <a:rPr lang="en-US" sz="1061" dirty="0">
-                  <a:solidFill>
-                    <a:srgbClr val="000000"/>
-                  </a:solidFill>
-                  <a:latin typeface="Circe"/>
-                  <a:ea typeface="Circe"/>
-                  <a:cs typeface="Circe"/>
-                  <a:sym typeface="Circe"/>
-                </a:rPr>
-                <a:t>с 9:30-11:30 , </a:t>
-              </a:r>
-            </a:p>
-            <a:p>
-              <a:pPr>
-                <a:lnSpc>
-                  <a:spcPts val="1232"/>
-                </a:lnSpc>
-              </a:pPr>
-              <a:r>
-                <a:rPr lang="en-US" sz="1061" dirty="0" err="1">
-                  <a:solidFill>
-                    <a:srgbClr val="000000"/>
-                  </a:solidFill>
-                  <a:latin typeface="Circe"/>
-                  <a:ea typeface="Circe"/>
-                  <a:cs typeface="Circe"/>
-                  <a:sym typeface="Circe"/>
-                </a:rPr>
-                <a:t>от</a:t>
-              </a:r>
-              <a:r>
-                <a:rPr lang="en-US" sz="1061" dirty="0">
-                  <a:solidFill>
-                    <a:srgbClr val="000000"/>
-                  </a:solidFill>
-                  <a:latin typeface="Circe"/>
-                  <a:ea typeface="Circe"/>
-                  <a:cs typeface="Circe"/>
-                  <a:sym typeface="Circe"/>
-                </a:rPr>
-                <a:t> 850 ₽. </a:t>
-              </a:r>
-              <a:r>
-                <a:rPr lang="en-US" sz="1061" dirty="0" err="1">
-                  <a:solidFill>
-                    <a:srgbClr val="000000"/>
-                  </a:solidFill>
-                  <a:latin typeface="Circe"/>
-                  <a:ea typeface="Circe"/>
-                  <a:cs typeface="Circe"/>
-                  <a:sym typeface="Circe"/>
-                </a:rPr>
-                <a:t>Доступны</a:t>
-              </a:r>
-              <a:r>
-                <a:rPr lang="en-US" sz="1061" dirty="0">
-                  <a:solidFill>
-                    <a:srgbClr val="000000"/>
-                  </a:solidFill>
-                  <a:latin typeface="Circe"/>
-                  <a:ea typeface="Circe"/>
-                  <a:cs typeface="Circe"/>
-                  <a:sym typeface="Circe"/>
-                </a:rPr>
-                <a:t> </a:t>
-              </a:r>
-              <a:r>
-                <a:rPr lang="en-US" sz="1061" dirty="0" err="1">
-                  <a:solidFill>
-                    <a:srgbClr val="000000"/>
-                  </a:solidFill>
-                  <a:latin typeface="Circe"/>
-                  <a:ea typeface="Circe"/>
-                  <a:cs typeface="Circe"/>
-                  <a:sym typeface="Circe"/>
-                </a:rPr>
-                <a:t>обеды</a:t>
-              </a:r>
-              <a:r>
-                <a:rPr lang="en-US" sz="1061" dirty="0">
-                  <a:solidFill>
-                    <a:srgbClr val="000000"/>
-                  </a:solidFill>
-                  <a:latin typeface="Circe"/>
-                  <a:ea typeface="Circe"/>
-                  <a:cs typeface="Circe"/>
-                  <a:sym typeface="Circe"/>
-                </a:rPr>
-                <a:t> и </a:t>
-              </a:r>
-              <a:r>
-                <a:rPr lang="en-US" sz="1061" dirty="0" err="1">
-                  <a:solidFill>
-                    <a:srgbClr val="000000"/>
-                  </a:solidFill>
-                  <a:latin typeface="Circe"/>
-                  <a:ea typeface="Circe"/>
-                  <a:cs typeface="Circe"/>
-                  <a:sym typeface="Circe"/>
-                </a:rPr>
-                <a:t>ужины</a:t>
-              </a:r>
-              <a:r>
-                <a:rPr lang="en-US" sz="1061" dirty="0">
-                  <a:solidFill>
-                    <a:srgbClr val="000000"/>
-                  </a:solidFill>
-                  <a:latin typeface="Circe"/>
-                  <a:ea typeface="Circe"/>
-                  <a:cs typeface="Circe"/>
-                  <a:sym typeface="Circe"/>
-                </a:rPr>
-                <a:t> </a:t>
-              </a:r>
-              <a:r>
-                <a:rPr lang="en-US" sz="1061" dirty="0" err="1">
-                  <a:solidFill>
-                    <a:srgbClr val="000000"/>
-                  </a:solidFill>
-                  <a:latin typeface="Circe"/>
-                  <a:ea typeface="Circe"/>
-                  <a:cs typeface="Circe"/>
-                  <a:sym typeface="Circe"/>
-                </a:rPr>
-                <a:t>по</a:t>
-              </a:r>
-              <a:r>
-                <a:rPr lang="en-US" sz="1061" dirty="0">
-                  <a:solidFill>
-                    <a:srgbClr val="000000"/>
-                  </a:solidFill>
-                  <a:latin typeface="Circe"/>
-                  <a:ea typeface="Circe"/>
-                  <a:cs typeface="Circe"/>
-                  <a:sym typeface="Circe"/>
-                </a:rPr>
-                <a:t> </a:t>
-              </a:r>
-              <a:r>
-                <a:rPr lang="en-US" sz="1061" dirty="0" err="1">
-                  <a:solidFill>
-                    <a:srgbClr val="000000"/>
-                  </a:solidFill>
-                  <a:latin typeface="Circe"/>
-                  <a:ea typeface="Circe"/>
-                  <a:cs typeface="Circe"/>
-                  <a:sym typeface="Circe"/>
-                </a:rPr>
-                <a:t>меню</a:t>
-              </a:r>
-              <a:r>
-                <a:rPr lang="en-US" sz="1061" dirty="0">
-                  <a:solidFill>
-                    <a:srgbClr val="000000"/>
-                  </a:solidFill>
-                  <a:latin typeface="Circe"/>
-                  <a:ea typeface="Circe"/>
-                  <a:cs typeface="Circe"/>
-                  <a:sym typeface="Circe"/>
-                </a:rPr>
                 <a:t>.</a:t>
               </a:r>
             </a:p>
             <a:p>
-              <a:pPr>
+              <a:pPr algn="l">
                 <a:lnSpc>
-                  <a:spcPts val="1232"/>
+                  <a:spcPts val="1357"/>
                 </a:lnSpc>
               </a:pPr>
-              <a:endParaRPr lang="en-US" sz="1061" dirty="0">
+              <a:endParaRPr lang="ru-RU" sz="1169" b="1" dirty="0">
                 <a:solidFill>
                   <a:srgbClr val="000000"/>
                 </a:solidFill>
-                <a:latin typeface="Circe"/>
-                <a:ea typeface="Circe"/>
-                <a:cs typeface="Circe"/>
-                <a:sym typeface="Circe"/>
+                <a:latin typeface="Circe Bold"/>
+                <a:ea typeface="Circe Bold"/>
+                <a:cs typeface="Circe Bold"/>
+                <a:sym typeface="Circe Bold"/>
               </a:endParaRPr>
             </a:p>
           </p:txBody>
@@ -5089,8 +4442,8 @@
           </p:nvSpPr>
           <p:spPr>
             <a:xfrm>
-              <a:off x="622288" y="5298800"/>
-              <a:ext cx="3118941" cy="551077"/>
+              <a:off x="622287" y="5254428"/>
+              <a:ext cx="3118941" cy="538609"/>
             </a:xfrm>
             <a:prstGeom prst="rect">
               <a:avLst/>
@@ -5102,16 +4455,13 @@
             </a:bodyPr>
             <a:lstStyle/>
             <a:p>
-              <a:pPr>
+              <a:pPr algn="l">
                 <a:lnSpc>
-                  <a:spcPts val="1289"/>
+                  <a:spcPts val="1357"/>
                 </a:lnSpc>
-                <a:spcBef>
-                  <a:spcPct val="0"/>
-                </a:spcBef>
               </a:pPr>
               <a:r>
-                <a:rPr lang="en-US" sz="1007" b="1" dirty="0">
+                <a:rPr lang="ru-RU" sz="1100" b="1" dirty="0">
                   <a:solidFill>
                     <a:srgbClr val="000000"/>
                   </a:solidFill>
@@ -5124,165 +4474,42 @@
               </a:r>
             </a:p>
             <a:p>
-              <a:pPr>
+              <a:pPr algn="l">
                 <a:lnSpc>
-                  <a:spcPts val="1289"/>
+                  <a:spcPts val="1357"/>
                 </a:lnSpc>
-                <a:spcBef>
-                  <a:spcPct val="0"/>
-                </a:spcBef>
               </a:pPr>
               <a:r>
-                <a:rPr lang="en-US" sz="1007" dirty="0" err="1">
+                <a:rPr lang="ru-RU" sz="1100" dirty="0">
                   <a:solidFill>
                     <a:srgbClr val="000000"/>
                   </a:solidFill>
-                  <a:latin typeface="Circe"/>
-                  <a:ea typeface="Circe"/>
-                  <a:cs typeface="Circe"/>
-                  <a:sym typeface="Circe"/>
+                  <a:latin typeface="Circe" panose="020B0502020203020203" pitchFamily="34" charset="-52"/>
+                  <a:ea typeface="Circe Bold"/>
+                  <a:cs typeface="Circe Bold"/>
+                  <a:sym typeface="Circe Bold"/>
                 </a:rPr>
-                <a:t>Для</a:t>
+                <a:t>Для записи обратитесь к администратору </a:t>
               </a:r>
+            </a:p>
+            <a:p>
+              <a:pPr algn="l">
+                <a:lnSpc>
+                  <a:spcPts val="1357"/>
+                </a:lnSpc>
+              </a:pPr>
               <a:r>
-                <a:rPr lang="en-US" sz="1007" dirty="0">
+                <a:rPr lang="ru-RU" sz="1100" dirty="0">
                   <a:solidFill>
                     <a:srgbClr val="000000"/>
                   </a:solidFill>
-                  <a:latin typeface="Circe"/>
-                  <a:ea typeface="Circe"/>
-                  <a:cs typeface="Circe"/>
-                  <a:sym typeface="Circe"/>
+                  <a:latin typeface="Circe" panose="020B0502020203020203" pitchFamily="34" charset="-52"/>
+                  <a:ea typeface="Circe Bold"/>
+                  <a:cs typeface="Circe Bold"/>
+                  <a:sym typeface="Circe Bold"/>
                 </a:rPr>
-                <a:t> </a:t>
+                <a:t>на ресепшн</a:t>
               </a:r>
-              <a:r>
-                <a:rPr lang="en-US" sz="1007" dirty="0" err="1">
-                  <a:solidFill>
-                    <a:srgbClr val="000000"/>
-                  </a:solidFill>
-                  <a:latin typeface="Circe"/>
-                  <a:ea typeface="Circe"/>
-                  <a:cs typeface="Circe"/>
-                  <a:sym typeface="Circe"/>
-                </a:rPr>
-                <a:t>записи</a:t>
-              </a:r>
-              <a:r>
-                <a:rPr lang="en-US" sz="1007" dirty="0">
-                  <a:solidFill>
-                    <a:srgbClr val="000000"/>
-                  </a:solidFill>
-                  <a:latin typeface="Circe"/>
-                  <a:ea typeface="Circe"/>
-                  <a:cs typeface="Circe"/>
-                  <a:sym typeface="Circe"/>
-                </a:rPr>
-                <a:t> </a:t>
-              </a:r>
-              <a:r>
-                <a:rPr lang="en-US" sz="1007" dirty="0" err="1">
-                  <a:solidFill>
-                    <a:srgbClr val="000000"/>
-                  </a:solidFill>
-                  <a:latin typeface="Circe"/>
-                  <a:ea typeface="Circe"/>
-                  <a:cs typeface="Circe"/>
-                  <a:sym typeface="Circe"/>
-                </a:rPr>
-                <a:t>обратитесь</a:t>
-              </a:r>
-              <a:r>
-                <a:rPr lang="en-US" sz="1007" dirty="0">
-                  <a:solidFill>
-                    <a:srgbClr val="000000"/>
-                  </a:solidFill>
-                  <a:latin typeface="Circe"/>
-                  <a:ea typeface="Circe"/>
-                  <a:cs typeface="Circe"/>
-                  <a:sym typeface="Circe"/>
-                </a:rPr>
-                <a:t> к </a:t>
-              </a:r>
-              <a:r>
-                <a:rPr lang="en-US" sz="1007" dirty="0" err="1">
-                  <a:solidFill>
-                    <a:srgbClr val="000000"/>
-                  </a:solidFill>
-                  <a:latin typeface="Circe"/>
-                  <a:ea typeface="Circe"/>
-                  <a:cs typeface="Circe"/>
-                  <a:sym typeface="Circe"/>
-                </a:rPr>
-                <a:t>администратору</a:t>
-              </a:r>
-              <a:r>
-                <a:rPr lang="en-US" sz="1007" dirty="0">
-                  <a:solidFill>
-                    <a:srgbClr val="000000"/>
-                  </a:solidFill>
-                  <a:latin typeface="Circe"/>
-                  <a:ea typeface="Circe"/>
-                  <a:cs typeface="Circe"/>
-                  <a:sym typeface="Circe"/>
-                </a:rPr>
-                <a:t> </a:t>
-              </a:r>
-            </a:p>
-            <a:p>
-              <a:pPr>
-                <a:lnSpc>
-                  <a:spcPts val="1289"/>
-                </a:lnSpc>
-                <a:spcBef>
-                  <a:spcPct val="0"/>
-                </a:spcBef>
-              </a:pPr>
-              <a:r>
-                <a:rPr lang="en-US" sz="1007" dirty="0" err="1">
-                  <a:solidFill>
-                    <a:srgbClr val="000000"/>
-                  </a:solidFill>
-                  <a:latin typeface="Circe"/>
-                  <a:ea typeface="Circe"/>
-                  <a:cs typeface="Circe"/>
-                  <a:sym typeface="Circe"/>
-                </a:rPr>
-                <a:t>на</a:t>
-              </a:r>
-              <a:r>
-                <a:rPr lang="en-US" sz="1007" dirty="0">
-                  <a:solidFill>
-                    <a:srgbClr val="000000"/>
-                  </a:solidFill>
-                  <a:latin typeface="Circe"/>
-                  <a:ea typeface="Circe"/>
-                  <a:cs typeface="Circe"/>
-                  <a:sym typeface="Circe"/>
-                </a:rPr>
-                <a:t> </a:t>
-              </a:r>
-              <a:r>
-                <a:rPr lang="en-US" sz="1007" dirty="0" err="1">
-                  <a:solidFill>
-                    <a:srgbClr val="000000"/>
-                  </a:solidFill>
-                  <a:latin typeface="Circe"/>
-                  <a:ea typeface="Circe"/>
-                  <a:cs typeface="Circe"/>
-                  <a:sym typeface="Circe"/>
-                </a:rPr>
-                <a:t>ресепшн</a:t>
-              </a:r>
-              <a:endParaRPr lang="en-US" sz="1007" dirty="0">
-                <a:solidFill>
-                  <a:srgbClr val="000000"/>
-                </a:solidFill>
-                <a:latin typeface="Circe"/>
-                <a:ea typeface="Circe"/>
-                <a:cs typeface="Circe"/>
-                <a:sym typeface="Circe"/>
-              </a:endParaRPr>
             </a:p>
           </p:txBody>
         </p:sp>
@@ -5300,8 +4527,8 @@
           </p:nvSpPr>
           <p:spPr>
             <a:xfrm>
-              <a:off x="622288" y="4192894"/>
-              <a:ext cx="3118941" cy="734769"/>
+              <a:off x="622287" y="4261148"/>
+              <a:ext cx="3118941" cy="538609"/>
             </a:xfrm>
             <a:prstGeom prst="rect">
               <a:avLst/>
@@ -5313,13 +4540,13 @@
             </a:bodyPr>
             <a:lstStyle/>
             <a:p>
-              <a:pPr>
+              <a:pPr algn="l">
                 <a:lnSpc>
-                  <a:spcPts val="1289"/>
+                  <a:spcPts val="1420"/>
                 </a:lnSpc>
               </a:pPr>
               <a:r>
-                <a:rPr lang="en-US" sz="1007" b="1" dirty="0" err="1">
+                <a:rPr lang="ru-RU" sz="1109" b="1" dirty="0">
                   <a:solidFill>
                     <a:srgbClr val="000000"/>
                   </a:solidFill>
@@ -5328,208 +4555,48 @@
                   <a:cs typeface="Circe Bold"/>
                   <a:sym typeface="Circe Bold"/>
                 </a:rPr>
-                <a:t>Доп</a:t>
+                <a:t>Доп. принадлежности и стирка</a:t>
               </a:r>
+            </a:p>
+            <a:p>
+              <a:pPr algn="l">
+                <a:lnSpc>
+                  <a:spcPts val="1420"/>
+                </a:lnSpc>
+              </a:pPr>
               <a:r>
-                <a:rPr lang="en-US" sz="1007" b="1" dirty="0">
+                <a:rPr lang="ru-RU" sz="1109" dirty="0">
                   <a:solidFill>
                     <a:srgbClr val="000000"/>
                   </a:solidFill>
-                  <a:latin typeface="Circe Bold"/>
+                  <a:latin typeface="Circe" panose="020B0502020203020203" pitchFamily="34" charset="-52"/>
                   <a:ea typeface="Circe Bold"/>
                   <a:cs typeface="Circe Bold"/>
                   <a:sym typeface="Circe Bold"/>
                 </a:rPr>
-                <a:t>. </a:t>
+                <a:t>1 стик/капсула порошка — предоставляется платно 150 ₽</a:t>
               </a:r>
               <a:r>
-                <a:rPr lang="en-US" sz="1007" b="1" dirty="0" err="1">
+                <a:rPr lang="en-US" sz="1109" dirty="0">
                   <a:solidFill>
                     <a:srgbClr val="000000"/>
                   </a:solidFill>
-                  <a:latin typeface="Circe Bold"/>
+                  <a:latin typeface="Circe" panose="020B0502020203020203" pitchFamily="34" charset="-52"/>
                   <a:ea typeface="Circe Bold"/>
                   <a:cs typeface="Circe Bold"/>
                   <a:sym typeface="Circe Bold"/>
                 </a:rPr>
-                <a:t>принадлежности</a:t>
+                <a:t>.</a:t>
               </a:r>
-              <a:r>
-                <a:rPr lang="en-US" sz="1007" b="1" dirty="0">
-                  <a:solidFill>
-                    <a:srgbClr val="000000"/>
-                  </a:solidFill>
-                  <a:latin typeface="Circe Bold"/>
-                  <a:ea typeface="Circe Bold"/>
-                  <a:cs typeface="Circe Bold"/>
-                  <a:sym typeface="Circe Bold"/>
-                </a:rPr>
-                <a:t> и </a:t>
-              </a:r>
-              <a:r>
-                <a:rPr lang="en-US" sz="1007" b="1" dirty="0" err="1">
-                  <a:solidFill>
-                    <a:srgbClr val="000000"/>
-                  </a:solidFill>
-                  <a:latin typeface="Circe Bold"/>
-                  <a:ea typeface="Circe Bold"/>
-                  <a:cs typeface="Circe Bold"/>
-                  <a:sym typeface="Circe Bold"/>
-                </a:rPr>
-                <a:t>стирка</a:t>
-              </a:r>
-              <a:endParaRPr lang="en-US" sz="1007" b="1" dirty="0">
+              <a:endParaRPr lang="ru-RU" sz="1109" dirty="0">
                 <a:solidFill>
                   <a:srgbClr val="000000"/>
                 </a:solidFill>
-                <a:latin typeface="Circe Bold"/>
+                <a:latin typeface="Circe" panose="020B0502020203020203" pitchFamily="34" charset="-52"/>
                 <a:ea typeface="Circe Bold"/>
                 <a:cs typeface="Circe Bold"/>
                 <a:sym typeface="Circe Bold"/>
               </a:endParaRPr>
-            </a:p>
-            <a:p>
-              <a:pPr>
-                <a:lnSpc>
-                  <a:spcPts val="1289"/>
-                </a:lnSpc>
-              </a:pPr>
-              <a:r>
-                <a:rPr lang="en-US" sz="1007" b="1" dirty="0">
-                  <a:solidFill>
-                    <a:srgbClr val="000000"/>
-                  </a:solidFill>
-                  <a:latin typeface="Circe Bold"/>
-                  <a:ea typeface="Circe Bold"/>
-                  <a:cs typeface="Circe Bold"/>
-                  <a:sym typeface="Circe Bold"/>
-                </a:rPr>
-                <a:t>1</a:t>
-              </a:r>
-              <a:r>
-                <a:rPr lang="en-US" sz="1007" dirty="0">
-                  <a:solidFill>
-                    <a:srgbClr val="000000"/>
-                  </a:solidFill>
-                  <a:latin typeface="Circe"/>
-                  <a:ea typeface="Circe"/>
-                  <a:cs typeface="Circe"/>
-                  <a:sym typeface="Circe"/>
-                </a:rPr>
-                <a:t> </a:t>
-              </a:r>
-              <a:r>
-                <a:rPr lang="en-US" sz="1007" dirty="0" err="1">
-                  <a:solidFill>
-                    <a:srgbClr val="000000"/>
-                  </a:solidFill>
-                  <a:latin typeface="Circe"/>
-                  <a:ea typeface="Circe"/>
-                  <a:cs typeface="Circe"/>
-                  <a:sym typeface="Circe"/>
-                </a:rPr>
-                <a:t>стик</a:t>
-              </a:r>
-              <a:r>
-                <a:rPr lang="ru-RU" sz="1007" dirty="0">
-                  <a:solidFill>
-                    <a:srgbClr val="000000"/>
-                  </a:solidFill>
-                  <a:latin typeface="Circe"/>
-                  <a:ea typeface="Circe"/>
-                  <a:cs typeface="Circe"/>
-                  <a:sym typeface="Circe"/>
-                </a:rPr>
-                <a:t>/капсула</a:t>
-              </a:r>
-              <a:r>
-                <a:rPr lang="en-US" sz="1007" dirty="0">
-                  <a:solidFill>
-                    <a:srgbClr val="000000"/>
-                  </a:solidFill>
-                  <a:latin typeface="Circe"/>
-                  <a:ea typeface="Circe"/>
-                  <a:cs typeface="Circe"/>
-                  <a:sym typeface="Circe"/>
-                </a:rPr>
-                <a:t> </a:t>
-              </a:r>
-              <a:r>
-                <a:rPr lang="en-US" sz="1007" dirty="0" err="1">
-                  <a:solidFill>
-                    <a:srgbClr val="000000"/>
-                  </a:solidFill>
-                  <a:latin typeface="Circe"/>
-                  <a:ea typeface="Circe"/>
-                  <a:cs typeface="Circe"/>
-                  <a:sym typeface="Circe"/>
-                </a:rPr>
-                <a:t>порошка</a:t>
-              </a:r>
-              <a:r>
-                <a:rPr lang="en-US" sz="1007" dirty="0">
-                  <a:solidFill>
-                    <a:srgbClr val="000000"/>
-                  </a:solidFill>
-                  <a:latin typeface="Circe"/>
-                  <a:ea typeface="Circe"/>
-                  <a:cs typeface="Circe"/>
-                  <a:sym typeface="Circe"/>
-                </a:rPr>
-                <a:t> — </a:t>
-              </a:r>
-              <a:r>
-                <a:rPr lang="ru-RU" sz="1007" dirty="0">
-                  <a:solidFill>
-                    <a:srgbClr val="000000"/>
-                  </a:solidFill>
-                  <a:latin typeface="Circe"/>
-                  <a:ea typeface="Circe"/>
-                  <a:cs typeface="Circe"/>
-                  <a:sym typeface="Circe"/>
-                </a:rPr>
-                <a:t>предоставляется платно 150 </a:t>
-              </a:r>
-              <a:r>
-                <a:rPr lang="en-US" sz="998" dirty="0">
-                  <a:solidFill>
-                    <a:srgbClr val="000000"/>
-                  </a:solidFill>
-                  <a:latin typeface="Circe"/>
-                  <a:ea typeface="Circe"/>
-                  <a:cs typeface="Circe"/>
-                  <a:sym typeface="Circe"/>
-                </a:rPr>
-                <a:t>₽</a:t>
-              </a:r>
-              <a:endParaRPr lang="en-US" sz="1007" dirty="0">
-                <a:solidFill>
-                  <a:srgbClr val="000000"/>
-                </a:solidFill>
-                <a:latin typeface="Circe"/>
-                <a:ea typeface="Circe"/>
-                <a:cs typeface="Circe"/>
-                <a:sym typeface="Circe"/>
-              </a:endParaRPr>
-            </a:p>
-            <a:p>
-              <a:pPr>
-                <a:lnSpc>
-                  <a:spcPts val="1289"/>
-                </a:lnSpc>
-              </a:pPr>
-              <a:r>
-                <a:rPr lang="en-US" sz="1007" dirty="0">
-                  <a:solidFill>
-                    <a:srgbClr val="000000"/>
-                  </a:solidFill>
-                  <a:latin typeface="Circe"/>
-                  <a:ea typeface="Circe"/>
-                  <a:cs typeface="Circe"/>
-                  <a:sym typeface="Circe"/>
-                </a:rPr>
-                <a:t>.</a:t>
-              </a:r>
             </a:p>
           </p:txBody>
         </p:sp>
@@ -5548,10 +4615,10 @@
         </p:nvGrpSpPr>
         <p:grpSpPr>
           <a:xfrm>
-            <a:off x="3854087" y="-286607"/>
-            <a:ext cx="2232421" cy="5756002"/>
-            <a:chOff x="4135860" y="-315799"/>
-            <a:chExt cx="2459797" cy="6342261"/>
+            <a:off x="4126829" y="-315799"/>
+            <a:ext cx="2468828" cy="6342261"/>
+            <a:chOff x="4126829" y="-315799"/>
+            <a:chExt cx="2468828" cy="6342261"/>
           </a:xfrm>
         </p:grpSpPr>
         <p:grpSp>
@@ -5648,7 +4715,7 @@
               <a:bodyPr/>
               <a:lstStyle/>
               <a:p>
-                <a:endParaRPr sz="1500"/>
+                <a:endParaRPr/>
               </a:p>
             </p:txBody>
           </p:sp>
@@ -5674,15 +4741,15 @@
               </a:prstGeom>
             </p:spPr>
             <p:txBody>
-              <a:bodyPr lIns="46104" tIns="46104" rIns="46104" bIns="46104" rtlCol="0" anchor="ctr"/>
+              <a:bodyPr lIns="50800" tIns="50800" rIns="50800" bIns="50800" rtlCol="0" anchor="ctr"/>
               <a:lstStyle/>
               <a:p>
                 <a:pPr algn="ctr">
                   <a:lnSpc>
-                    <a:spcPts val="1510"/>
+                    <a:spcPts val="1664"/>
                   </a:lnSpc>
                 </a:pPr>
-                <a:endParaRPr sz="1500"/>
+                <a:endParaRPr/>
               </a:p>
             </p:txBody>
           </p:sp>
@@ -5796,7 +4863,7 @@
                 <a:bodyPr/>
                 <a:lstStyle/>
                 <a:p>
-                  <a:endParaRPr sz="1500"/>
+                  <a:endParaRPr/>
                 </a:p>
               </p:txBody>
             </p:sp>
@@ -5822,15 +4889,15 @@
                 </a:prstGeom>
               </p:spPr>
               <p:txBody>
-                <a:bodyPr lIns="46104" tIns="46104" rIns="46104" bIns="46104" rtlCol="0" anchor="ctr"/>
+                <a:bodyPr lIns="50800" tIns="50800" rIns="50800" bIns="50800" rtlCol="0" anchor="ctr"/>
                 <a:lstStyle/>
                 <a:p>
                   <a:pPr algn="ctr">
                     <a:lnSpc>
-                      <a:spcPts val="1510"/>
+                      <a:spcPts val="1664"/>
                     </a:lnSpc>
                   </a:pPr>
-                  <a:endParaRPr sz="1500"/>
+                  <a:endParaRPr/>
                 </a:p>
               </p:txBody>
             </p:sp>
@@ -5924,7 +4991,7 @@
                 <a:bodyPr/>
                 <a:lstStyle/>
                 <a:p>
-                  <a:endParaRPr sz="1500"/>
+                  <a:endParaRPr/>
                 </a:p>
               </p:txBody>
             </p:sp>
@@ -5950,15 +5017,15 @@
                 </a:prstGeom>
               </p:spPr>
               <p:txBody>
-                <a:bodyPr lIns="46104" tIns="46104" rIns="46104" bIns="46104" rtlCol="0" anchor="ctr"/>
+                <a:bodyPr lIns="50800" tIns="50800" rIns="50800" bIns="50800" rtlCol="0" anchor="ctr"/>
                 <a:lstStyle/>
                 <a:p>
                   <a:pPr algn="ctr">
                     <a:lnSpc>
-                      <a:spcPts val="1510"/>
+                      <a:spcPts val="1664"/>
                     </a:lnSpc>
                   </a:pPr>
-                  <a:endParaRPr sz="1500"/>
+                  <a:endParaRPr/>
                 </a:p>
               </p:txBody>
             </p:sp>
@@ -6052,7 +5119,7 @@
                 <a:bodyPr/>
                 <a:lstStyle/>
                 <a:p>
-                  <a:endParaRPr sz="1500"/>
+                  <a:endParaRPr/>
                 </a:p>
               </p:txBody>
             </p:sp>
@@ -6078,15 +5145,15 @@
                 </a:prstGeom>
               </p:spPr>
               <p:txBody>
-                <a:bodyPr lIns="46104" tIns="46104" rIns="46104" bIns="46104" rtlCol="0" anchor="ctr"/>
+                <a:bodyPr lIns="50800" tIns="50800" rIns="50800" bIns="50800" rtlCol="0" anchor="ctr"/>
                 <a:lstStyle/>
                 <a:p>
                   <a:pPr algn="ctr">
                     <a:lnSpc>
-                      <a:spcPts val="1510"/>
+                      <a:spcPts val="1664"/>
                     </a:lnSpc>
                   </a:pPr>
-                  <a:endParaRPr sz="1500"/>
+                  <a:endParaRPr/>
                 </a:p>
               </p:txBody>
             </p:sp>
@@ -6147,7 +5214,7 @@
             <a:bodyPr/>
             <a:lstStyle/>
             <a:p>
-              <a:endParaRPr sz="1500"/>
+              <a:endParaRPr/>
             </a:p>
           </p:txBody>
         </p:sp>
@@ -6165,26 +5232,26 @@
           </p:nvSpPr>
           <p:spPr>
             <a:xfrm>
-              <a:off x="4217596" y="5031933"/>
-              <a:ext cx="2256807" cy="737595"/>
+              <a:off x="4126829" y="4955913"/>
+              <a:ext cx="2430040" cy="503408"/>
             </a:xfrm>
             <a:prstGeom prst="rect">
               <a:avLst/>
             </a:prstGeom>
           </p:spPr>
           <p:txBody>
-            <a:bodyPr lIns="0" tIns="0" rIns="0" bIns="0" rtlCol="0" anchor="t">
+            <a:bodyPr wrap="square" lIns="0" tIns="0" rIns="0" bIns="0" rtlCol="0" anchor="t">
               <a:spAutoFit/>
             </a:bodyPr>
             <a:lstStyle/>
             <a:p>
               <a:pPr algn="ctr">
                 <a:lnSpc>
-                  <a:spcPts val="1690"/>
+                  <a:spcPts val="1862"/>
                 </a:lnSpc>
               </a:pPr>
               <a:r>
-                <a:rPr lang="en-US" sz="1818">
+                <a:rPr lang="ru-RU" sz="2003" dirty="0">
                   <a:solidFill>
                     <a:srgbClr val="000000"/>
                   </a:solidFill>
@@ -6193,7 +5260,7 @@
                   <a:cs typeface="Circe"/>
                   <a:sym typeface="Circe"/>
                 </a:rPr>
-                <a:t>здесь больше, чем просто проживание</a:t>
+                <a:t>Здесь больше, чем просто проживание</a:t>
               </a:r>
             </a:p>
           </p:txBody>
@@ -6213,7 +5280,7 @@
           <p:spPr>
             <a:xfrm>
               <a:off x="4217596" y="308598"/>
-              <a:ext cx="2256807" cy="456546"/>
+              <a:ext cx="2256807" cy="465577"/>
             </a:xfrm>
             <a:prstGeom prst="rect">
               <a:avLst/>
@@ -6227,11 +5294,11 @@
             <a:p>
               <a:pPr algn="ctr">
                 <a:lnSpc>
-                  <a:spcPts val="3040"/>
+                  <a:spcPts val="3350"/>
                 </a:lnSpc>
               </a:pPr>
               <a:r>
-                <a:rPr lang="en-US" sz="3270">
+                <a:rPr lang="ru-RU" sz="3603" dirty="0">
                   <a:solidFill>
                     <a:srgbClr val="000000"/>
                   </a:solidFill>
@@ -6240,8 +5307,17 @@
                   <a:cs typeface="Circe"/>
                   <a:sym typeface="Circe"/>
                 </a:rPr>
-                <a:t>услуги</a:t>
+                <a:t>Услуги</a:t>
               </a:r>
+              <a:endParaRPr lang="en-US" sz="3603" dirty="0">
+                <a:solidFill>
+                  <a:srgbClr val="000000"/>
+                </a:solidFill>
+                <a:latin typeface="Circe"/>
+                <a:ea typeface="Circe"/>
+                <a:cs typeface="Circe"/>
+                <a:sym typeface="Circe"/>
+              </a:endParaRPr>
             </a:p>
           </p:txBody>
         </p:sp>
@@ -6260,10 +5336,10 @@
         </p:nvGrpSpPr>
         <p:grpSpPr>
           <a:xfrm>
-            <a:off x="6804633" y="524436"/>
-            <a:ext cx="2888946" cy="5880730"/>
+            <a:off x="7276451" y="577850"/>
+            <a:ext cx="3183191" cy="5262738"/>
             <a:chOff x="7379884" y="570540"/>
-            <a:chExt cx="3183191" cy="6479693"/>
+            <a:chExt cx="3183191" cy="5262738"/>
           </a:xfrm>
         </p:grpSpPr>
         <p:sp>
@@ -6299,7 +5375,7 @@
             <a:bodyPr/>
             <a:lstStyle/>
             <a:p>
-              <a:endParaRPr sz="1500"/>
+              <a:endParaRPr/>
             </a:p>
           </p:txBody>
         </p:sp>
@@ -6383,7 +5459,7 @@
               <a:bodyPr/>
               <a:lstStyle/>
               <a:p>
-                <a:endParaRPr sz="1500"/>
+                <a:endParaRPr/>
               </a:p>
             </p:txBody>
           </p:sp>
@@ -6409,15 +5485,15 @@
               </a:prstGeom>
             </p:spPr>
             <p:txBody>
-              <a:bodyPr lIns="46104" tIns="46104" rIns="46104" bIns="46104" rtlCol="0" anchor="ctr"/>
+              <a:bodyPr lIns="50800" tIns="50800" rIns="50800" bIns="50800" rtlCol="0" anchor="ctr"/>
               <a:lstStyle/>
               <a:p>
                 <a:pPr algn="ctr">
                   <a:lnSpc>
-                    <a:spcPts val="1510"/>
+                    <a:spcPts val="1664"/>
                   </a:lnSpc>
                 </a:pPr>
-                <a:endParaRPr sz="1500"/>
+                <a:endParaRPr/>
               </a:p>
             </p:txBody>
           </p:sp>
@@ -6502,7 +5578,7 @@
               <a:bodyPr/>
               <a:lstStyle/>
               <a:p>
-                <a:endParaRPr sz="1500"/>
+                <a:endParaRPr/>
               </a:p>
             </p:txBody>
           </p:sp>
@@ -6528,15 +5604,15 @@
               </a:prstGeom>
             </p:spPr>
             <p:txBody>
-              <a:bodyPr lIns="46104" tIns="46104" rIns="46104" bIns="46104" rtlCol="0" anchor="ctr"/>
+              <a:bodyPr lIns="50800" tIns="50800" rIns="50800" bIns="50800" rtlCol="0" anchor="ctr"/>
               <a:lstStyle/>
               <a:p>
                 <a:pPr algn="ctr">
                   <a:lnSpc>
-                    <a:spcPts val="1510"/>
+                    <a:spcPts val="1664"/>
                   </a:lnSpc>
                 </a:pPr>
-                <a:endParaRPr sz="1500"/>
+                <a:endParaRPr/>
               </a:p>
             </p:txBody>
           </p:sp>
@@ -6621,7 +5697,7 @@
               <a:bodyPr/>
               <a:lstStyle/>
               <a:p>
-                <a:endParaRPr sz="1500"/>
+                <a:endParaRPr/>
               </a:p>
             </p:txBody>
           </p:sp>
@@ -6647,15 +5723,15 @@
               </a:prstGeom>
             </p:spPr>
             <p:txBody>
-              <a:bodyPr lIns="46104" tIns="46104" rIns="46104" bIns="46104" rtlCol="0" anchor="ctr"/>
+              <a:bodyPr lIns="50800" tIns="50800" rIns="50800" bIns="50800" rtlCol="0" anchor="ctr"/>
               <a:lstStyle/>
               <a:p>
                 <a:pPr algn="ctr">
                   <a:lnSpc>
-                    <a:spcPts val="1510"/>
+                    <a:spcPts val="1664"/>
                   </a:lnSpc>
                 </a:pPr>
-                <a:endParaRPr sz="1500"/>
+                <a:endParaRPr/>
               </a:p>
             </p:txBody>
           </p:sp>
@@ -6740,7 +5816,7 @@
               <a:bodyPr/>
               <a:lstStyle/>
               <a:p>
-                <a:endParaRPr sz="1500"/>
+                <a:endParaRPr/>
               </a:p>
             </p:txBody>
           </p:sp>
@@ -6766,15 +5842,15 @@
               </a:prstGeom>
             </p:spPr>
             <p:txBody>
-              <a:bodyPr lIns="46104" tIns="46104" rIns="46104" bIns="46104" rtlCol="0" anchor="ctr"/>
+              <a:bodyPr lIns="50800" tIns="50800" rIns="50800" bIns="50800" rtlCol="0" anchor="ctr"/>
               <a:lstStyle/>
               <a:p>
                 <a:pPr algn="ctr">
                   <a:lnSpc>
-                    <a:spcPts val="1510"/>
+                    <a:spcPts val="1664"/>
                   </a:lnSpc>
                 </a:pPr>
-                <a:endParaRPr sz="1500"/>
+                <a:endParaRPr/>
               </a:p>
             </p:txBody>
           </p:sp>
@@ -6812,7 +5888,7 @@
             <a:bodyPr/>
             <a:lstStyle/>
             <a:p>
-              <a:endParaRPr sz="1500"/>
+              <a:endParaRPr/>
             </a:p>
           </p:txBody>
         </p:sp>
@@ -6849,7 +5925,7 @@
             <a:bodyPr/>
             <a:lstStyle/>
             <a:p>
-              <a:endParaRPr sz="1500"/>
+              <a:endParaRPr/>
             </a:p>
           </p:txBody>
         </p:sp>
@@ -6886,66 +5962,7 @@
             <a:bodyPr/>
             <a:lstStyle/>
             <a:p>
-              <a:endParaRPr sz="1500"/>
-            </a:p>
-          </p:txBody>
-        </p:sp>
-        <p:sp>
-          <p:nvSpPr>
-            <p:cNvPr id="91" name="Freeform 63">
-              <a:extLst>
-                <a:ext uri="{FF2B5EF4-FFF2-40B4-BE49-F238E27FC236}">
-                  <a16:creationId xmlns:a16="http://schemas.microsoft.com/office/drawing/2014/main" id="{A01D1825-5644-D663-FBEF-9BC2ADB49A31}"/>
-                </a:ext>
-              </a:extLst>
-            </p:cNvPr>
-            <p:cNvSpPr/>
-            <p:nvPr/>
-          </p:nvSpPr>
-          <p:spPr>
-            <a:xfrm>
-              <a:off x="8584572" y="6000002"/>
-              <a:ext cx="1050231" cy="1050231"/>
-            </a:xfrm>
-            <a:custGeom>
-              <a:avLst/>
-              <a:gdLst/>
-              <a:ahLst/>
-              <a:cxnLst/>
-              <a:rect l="l" t="t" r="r" b="b"/>
-              <a:pathLst>
-                <a:path w="1050231" h="1050231">
-                  <a:moveTo>
-                    <a:pt x="0" y="0"/>
-                  </a:moveTo>
-                  <a:lnTo>
-                    <a:pt x="1050231" y="0"/>
-                  </a:lnTo>
-                  <a:lnTo>
-                    <a:pt x="1050231" y="1050230"/>
-                  </a:lnTo>
-                  <a:lnTo>
-                    <a:pt x="0" y="1050230"/>
-                  </a:lnTo>
-                  <a:lnTo>
-                    <a:pt x="0" y="0"/>
-                  </a:lnTo>
-                  <a:close/>
-                </a:path>
-              </a:pathLst>
-            </a:custGeom>
-            <a:blipFill>
-              <a:blip r:embed="rId3"/>
-              <a:stretch>
-                <a:fillRect/>
-              </a:stretch>
-            </a:blipFill>
-          </p:spPr>
-          <p:txBody>
-            <a:bodyPr/>
-            <a:lstStyle/>
-            <a:p>
-              <a:endParaRPr sz="1500"/>
+              <a:endParaRPr/>
             </a:p>
           </p:txBody>
         </p:sp>
@@ -6964,7 +5981,7 @@
           <p:spPr>
             <a:xfrm>
               <a:off x="7748816" y="3376323"/>
-              <a:ext cx="2376153" cy="508968"/>
+              <a:ext cx="2376153" cy="538609"/>
             </a:xfrm>
             <a:prstGeom prst="rect">
               <a:avLst/>
@@ -6976,13 +5993,13 @@
             </a:bodyPr>
             <a:lstStyle/>
             <a:p>
-              <a:pPr>
+              <a:pPr algn="l">
                 <a:lnSpc>
-                  <a:spcPts val="1248"/>
+                  <a:spcPts val="1375"/>
                 </a:lnSpc>
               </a:pPr>
               <a:r>
-                <a:rPr lang="en-US" sz="1007" b="1">
+                <a:rPr lang="ru-RU" sz="1109" b="1" dirty="0">
                   <a:solidFill>
                     <a:srgbClr val="000000"/>
                   </a:solidFill>
@@ -6995,20 +6012,20 @@
               </a:r>
             </a:p>
             <a:p>
-              <a:pPr>
+              <a:pPr algn="l">
                 <a:lnSpc>
-                  <a:spcPts val="1248"/>
+                  <a:spcPts val="1375"/>
                 </a:lnSpc>
               </a:pPr>
               <a:r>
-                <a:rPr lang="en-US" sz="1007">
+                <a:rPr lang="ru-RU" sz="1109" dirty="0">
                   <a:solidFill>
                     <a:srgbClr val="000000"/>
                   </a:solidFill>
-                  <a:latin typeface="Circe"/>
-                  <a:ea typeface="Circe"/>
-                  <a:cs typeface="Circe"/>
-                  <a:sym typeface="Circe"/>
+                  <a:latin typeface="Circe" panose="020B0502020203020203" pitchFamily="34" charset="-52"/>
+                  <a:ea typeface="Circe Bold"/>
+                  <a:cs typeface="Circe Bold"/>
+                  <a:sym typeface="Circe Bold"/>
                 </a:rPr>
                 <a:t>Вы можете оставить багаж на 1 сутки на 1 этаже</a:t>
               </a:r>
@@ -7030,7 +6047,7 @@
           <p:spPr>
             <a:xfrm>
               <a:off x="7748816" y="2433348"/>
-              <a:ext cx="2721744" cy="508968"/>
+              <a:ext cx="2721744" cy="501099"/>
             </a:xfrm>
             <a:prstGeom prst="rect">
               <a:avLst/>
@@ -7042,13 +6059,13 @@
             </a:bodyPr>
             <a:lstStyle/>
             <a:p>
-              <a:pPr>
+              <a:pPr algn="l">
                 <a:lnSpc>
-                  <a:spcPts val="1208"/>
+                  <a:spcPts val="1331"/>
                 </a:lnSpc>
               </a:pPr>
               <a:r>
-                <a:rPr lang="en-US" sz="1007" b="1" dirty="0" err="1">
+                <a:rPr lang="ru-RU" sz="1109" b="1" dirty="0">
                   <a:solidFill>
                     <a:srgbClr val="000000"/>
                   </a:solidFill>
@@ -7057,270 +6074,45 @@
                   <a:cs typeface="Circe Bold"/>
                   <a:sym typeface="Circe Bold"/>
                 </a:rPr>
-                <a:t>Курьерская</a:t>
+                <a:t>Курьерская доставка</a:t>
               </a:r>
+            </a:p>
+            <a:p>
+              <a:pPr algn="l">
+                <a:lnSpc>
+                  <a:spcPts val="1331"/>
+                </a:lnSpc>
+              </a:pPr>
               <a:r>
-                <a:rPr lang="en-US" sz="1007" b="1" dirty="0">
+                <a:rPr lang="ru-RU" sz="1109" dirty="0">
                   <a:solidFill>
                     <a:srgbClr val="000000"/>
                   </a:solidFill>
-                  <a:latin typeface="Circe Bold"/>
+                  <a:latin typeface="Circe" panose="020B0502020203020203" pitchFamily="34" charset="-52"/>
                   <a:ea typeface="Circe Bold"/>
                   <a:cs typeface="Circe Bold"/>
                   <a:sym typeface="Circe Bold"/>
                 </a:rPr>
-                <a:t> </a:t>
+                <a:t>Курьеры не проходят на этажи. </a:t>
               </a:r>
+            </a:p>
+            <a:p>
+              <a:pPr algn="l">
+                <a:lnSpc>
+                  <a:spcPts val="1331"/>
+                </a:lnSpc>
+              </a:pPr>
               <a:r>
-                <a:rPr lang="en-US" sz="1007" b="1" dirty="0" err="1">
+                <a:rPr lang="ru-RU" sz="1109" dirty="0">
                   <a:solidFill>
                     <a:srgbClr val="000000"/>
                   </a:solidFill>
-                  <a:latin typeface="Circe Bold"/>
+                  <a:latin typeface="Circe" panose="020B0502020203020203" pitchFamily="34" charset="-52"/>
                   <a:ea typeface="Circe Bold"/>
                   <a:cs typeface="Circe Bold"/>
                   <a:sym typeface="Circe Bold"/>
                 </a:rPr>
-                <a:t>доставка</a:t>
-              </a:r>
-              <a:endParaRPr lang="en-US" sz="1007" b="1" dirty="0">
-                <a:solidFill>
-                  <a:srgbClr val="000000"/>
-                </a:solidFill>
-                <a:latin typeface="Circe Bold"/>
-                <a:ea typeface="Circe Bold"/>
-                <a:cs typeface="Circe Bold"/>
-                <a:sym typeface="Circe Bold"/>
-              </a:endParaRPr>
-            </a:p>
-            <a:p>
-              <a:pPr>
-                <a:lnSpc>
-                  <a:spcPts val="1208"/>
-                </a:lnSpc>
-              </a:pPr>
-              <a:r>
-                <a:rPr lang="en-US" sz="1007" dirty="0" err="1">
-                  <a:solidFill>
-                    <a:srgbClr val="000000"/>
-                  </a:solidFill>
-                  <a:latin typeface="Circe"/>
-                  <a:ea typeface="Circe"/>
-                  <a:cs typeface="Circe"/>
-                  <a:sym typeface="Circe"/>
-                </a:rPr>
-                <a:t>Курьеры</a:t>
-              </a:r>
-              <a:r>
-                <a:rPr lang="en-US" sz="1007" dirty="0">
-                  <a:solidFill>
-                    <a:srgbClr val="000000"/>
-                  </a:solidFill>
-                  <a:latin typeface="Circe"/>
-                  <a:ea typeface="Circe"/>
-                  <a:cs typeface="Circe"/>
-                  <a:sym typeface="Circe"/>
-                </a:rPr>
-                <a:t> </a:t>
-              </a:r>
-              <a:r>
-                <a:rPr lang="en-US" sz="1007" dirty="0" err="1">
-                  <a:solidFill>
-                    <a:srgbClr val="000000"/>
-                  </a:solidFill>
-                  <a:latin typeface="Circe"/>
-                  <a:ea typeface="Circe"/>
-                  <a:cs typeface="Circe"/>
-                  <a:sym typeface="Circe"/>
-                </a:rPr>
-                <a:t>не</a:t>
-              </a:r>
-              <a:r>
-                <a:rPr lang="en-US" sz="1007" dirty="0">
-                  <a:solidFill>
-                    <a:srgbClr val="000000"/>
-                  </a:solidFill>
-                  <a:latin typeface="Circe"/>
-                  <a:ea typeface="Circe"/>
-                  <a:cs typeface="Circe"/>
-                  <a:sym typeface="Circe"/>
-                </a:rPr>
-                <a:t> </a:t>
-              </a:r>
-              <a:r>
-                <a:rPr lang="en-US" sz="1007" dirty="0" err="1">
-                  <a:solidFill>
-                    <a:srgbClr val="000000"/>
-                  </a:solidFill>
-                  <a:latin typeface="Circe"/>
-                  <a:ea typeface="Circe"/>
-                  <a:cs typeface="Circe"/>
-                  <a:sym typeface="Circe"/>
-                </a:rPr>
-                <a:t>проходят</a:t>
-              </a:r>
-              <a:r>
-                <a:rPr lang="en-US" sz="1007" dirty="0">
-                  <a:solidFill>
-                    <a:srgbClr val="000000"/>
-                  </a:solidFill>
-                  <a:latin typeface="Circe"/>
-                  <a:ea typeface="Circe"/>
-                  <a:cs typeface="Circe"/>
-                  <a:sym typeface="Circe"/>
-                </a:rPr>
-                <a:t> </a:t>
-              </a:r>
-              <a:r>
-                <a:rPr lang="en-US" sz="1007" dirty="0" err="1">
-                  <a:solidFill>
-                    <a:srgbClr val="000000"/>
-                  </a:solidFill>
-                  <a:latin typeface="Circe"/>
-                  <a:ea typeface="Circe"/>
-                  <a:cs typeface="Circe"/>
-                  <a:sym typeface="Circe"/>
-                </a:rPr>
-                <a:t>на</a:t>
-              </a:r>
-              <a:r>
-                <a:rPr lang="en-US" sz="1007" dirty="0">
-                  <a:solidFill>
-                    <a:srgbClr val="000000"/>
-                  </a:solidFill>
-                  <a:latin typeface="Circe"/>
-                  <a:ea typeface="Circe"/>
-                  <a:cs typeface="Circe"/>
-                  <a:sym typeface="Circe"/>
-                </a:rPr>
-                <a:t> </a:t>
-              </a:r>
-              <a:r>
-                <a:rPr lang="en-US" sz="1007" dirty="0" err="1">
-                  <a:solidFill>
-                    <a:srgbClr val="000000"/>
-                  </a:solidFill>
-                  <a:latin typeface="Circe"/>
-                  <a:ea typeface="Circe"/>
-                  <a:cs typeface="Circe"/>
-                  <a:sym typeface="Circe"/>
-                </a:rPr>
-                <a:t>этажи</a:t>
-              </a:r>
-              <a:r>
-                <a:rPr lang="en-US" sz="1007" dirty="0">
-                  <a:solidFill>
-                    <a:srgbClr val="000000"/>
-                  </a:solidFill>
-                  <a:latin typeface="Circe"/>
-                  <a:ea typeface="Circe"/>
-                  <a:cs typeface="Circe"/>
-                  <a:sym typeface="Circe"/>
-                </a:rPr>
-                <a:t>. </a:t>
-              </a:r>
-            </a:p>
-            <a:p>
-              <a:pPr>
-                <a:lnSpc>
-                  <a:spcPts val="1208"/>
-                </a:lnSpc>
-              </a:pPr>
-              <a:r>
-                <a:rPr lang="en-US" sz="1007" dirty="0" err="1">
-                  <a:solidFill>
-                    <a:srgbClr val="000000"/>
-                  </a:solidFill>
-                  <a:latin typeface="Circe"/>
-                  <a:ea typeface="Circe"/>
-                  <a:cs typeface="Circe"/>
-                  <a:sym typeface="Circe"/>
-                </a:rPr>
-                <a:t>Заказ</a:t>
-              </a:r>
-              <a:r>
-                <a:rPr lang="en-US" sz="1007" dirty="0">
-                  <a:solidFill>
-                    <a:srgbClr val="000000"/>
-                  </a:solidFill>
-                  <a:latin typeface="Circe"/>
-                  <a:ea typeface="Circe"/>
-                  <a:cs typeface="Circe"/>
-                  <a:sym typeface="Circe"/>
-                </a:rPr>
-                <a:t> </a:t>
-              </a:r>
-              <a:r>
-                <a:rPr lang="en-US" sz="1007" dirty="0" err="1">
-                  <a:solidFill>
-                    <a:srgbClr val="000000"/>
-                  </a:solidFill>
-                  <a:latin typeface="Circe"/>
-                  <a:ea typeface="Circe"/>
-                  <a:cs typeface="Circe"/>
-                  <a:sym typeface="Circe"/>
-                </a:rPr>
-                <a:t>можно</a:t>
-              </a:r>
-              <a:r>
-                <a:rPr lang="en-US" sz="1007" dirty="0">
-                  <a:solidFill>
-                    <a:srgbClr val="000000"/>
-                  </a:solidFill>
-                  <a:latin typeface="Circe"/>
-                  <a:ea typeface="Circe"/>
-                  <a:cs typeface="Circe"/>
-                  <a:sym typeface="Circe"/>
-                </a:rPr>
-                <a:t> </a:t>
-              </a:r>
-              <a:r>
-                <a:rPr lang="en-US" sz="1007" dirty="0" err="1">
-                  <a:solidFill>
-                    <a:srgbClr val="000000"/>
-                  </a:solidFill>
-                  <a:latin typeface="Circe"/>
-                  <a:ea typeface="Circe"/>
-                  <a:cs typeface="Circe"/>
-                  <a:sym typeface="Circe"/>
-                </a:rPr>
-                <a:t>получить</a:t>
-              </a:r>
-              <a:r>
-                <a:rPr lang="en-US" sz="1007" dirty="0">
-                  <a:solidFill>
-                    <a:srgbClr val="000000"/>
-                  </a:solidFill>
-                  <a:latin typeface="Circe"/>
-                  <a:ea typeface="Circe"/>
-                  <a:cs typeface="Circe"/>
-                  <a:sym typeface="Circe"/>
-                </a:rPr>
-                <a:t> в </a:t>
-              </a:r>
-              <a:r>
-                <a:rPr lang="en-US" sz="1007" dirty="0" err="1">
-                  <a:solidFill>
-                    <a:srgbClr val="000000"/>
-                  </a:solidFill>
-                  <a:latin typeface="Circe"/>
-                  <a:ea typeface="Circe"/>
-                  <a:cs typeface="Circe"/>
-                  <a:sym typeface="Circe"/>
-                </a:rPr>
-                <a:t>лобби</a:t>
-              </a:r>
-              <a:r>
-                <a:rPr lang="en-US" sz="1007" dirty="0">
-                  <a:solidFill>
-                    <a:srgbClr val="000000"/>
-                  </a:solidFill>
-                  <a:latin typeface="Circe"/>
-                  <a:ea typeface="Circe"/>
-                  <a:cs typeface="Circe"/>
-                  <a:sym typeface="Circe"/>
-                </a:rPr>
-                <a:t>.</a:t>
+                <a:t>Заказ можно получить в лобби.</a:t>
               </a:r>
             </a:p>
           </p:txBody>
@@ -7340,7 +6132,7 @@
           <p:spPr>
             <a:xfrm>
               <a:off x="7712069" y="601426"/>
-              <a:ext cx="2376153" cy="508968"/>
+              <a:ext cx="2376153" cy="538609"/>
             </a:xfrm>
             <a:prstGeom prst="rect">
               <a:avLst/>
@@ -7352,13 +6144,13 @@
             </a:bodyPr>
             <a:lstStyle/>
             <a:p>
-              <a:pPr>
+              <a:pPr algn="l">
                 <a:lnSpc>
-                  <a:spcPts val="1248"/>
+                  <a:spcPts val="1375"/>
                 </a:lnSpc>
               </a:pPr>
               <a:r>
-                <a:rPr lang="en-US" sz="1007" b="1" dirty="0" err="1">
+                <a:rPr lang="ru-RU" sz="1109" b="1" dirty="0">
                   <a:solidFill>
                     <a:srgbClr val="000000"/>
                   </a:solidFill>
@@ -7369,172 +6161,43 @@
                 </a:rPr>
                 <a:t>Уборка</a:t>
               </a:r>
-              <a:endParaRPr lang="en-US" sz="1007" b="1" dirty="0">
-                <a:solidFill>
-                  <a:srgbClr val="000000"/>
-                </a:solidFill>
-                <a:latin typeface="Circe Bold"/>
-                <a:ea typeface="Circe Bold"/>
-                <a:cs typeface="Circe Bold"/>
-                <a:sym typeface="Circe Bold"/>
-              </a:endParaRPr>
             </a:p>
             <a:p>
-              <a:pPr>
+              <a:pPr algn="l">
                 <a:lnSpc>
-                  <a:spcPts val="1248"/>
+                  <a:spcPts val="1375"/>
                 </a:lnSpc>
               </a:pPr>
               <a:r>
-                <a:rPr lang="en-US" sz="1007" dirty="0" err="1">
+                <a:rPr lang="ru-RU" sz="1109" dirty="0">
                   <a:solidFill>
                     <a:srgbClr val="000000"/>
                   </a:solidFill>
-                  <a:latin typeface="Circe"/>
-                  <a:ea typeface="Circe"/>
-                  <a:cs typeface="Circe"/>
-                  <a:sym typeface="Circe"/>
+                  <a:latin typeface="Circe" panose="020B0502020203020203" pitchFamily="34" charset="-52"/>
+                  <a:ea typeface="Circe Bold"/>
+                  <a:cs typeface="Circe Bold"/>
+                  <a:sym typeface="Circe Bold"/>
                 </a:rPr>
-                <a:t>Ежедневно</a:t>
+                <a:t>Ежедневно до 18:00. </a:t>
               </a:r>
+            </a:p>
+            <a:p>
+              <a:pPr algn="l">
+                <a:lnSpc>
+                  <a:spcPts val="1375"/>
+                </a:lnSpc>
+              </a:pPr>
               <a:r>
-                <a:rPr lang="en-US" sz="1007" dirty="0">
+                <a:rPr lang="ru-RU" sz="1109" dirty="0">
                   <a:solidFill>
                     <a:srgbClr val="000000"/>
                   </a:solidFill>
-                  <a:latin typeface="Circe"/>
-                  <a:ea typeface="Circe"/>
-                  <a:cs typeface="Circe"/>
-                  <a:sym typeface="Circe"/>
+                  <a:latin typeface="Circe" panose="020B0502020203020203" pitchFamily="34" charset="-52"/>
+                  <a:ea typeface="Circe Bold"/>
+                  <a:cs typeface="Circe Bold"/>
+                  <a:sym typeface="Circe Bold"/>
                 </a:rPr>
-                <a:t> </a:t>
-              </a:r>
-              <a:r>
-                <a:rPr lang="en-US" sz="1007" dirty="0" err="1">
-                  <a:solidFill>
-                    <a:srgbClr val="000000"/>
-                  </a:solidFill>
-                  <a:latin typeface="Circe"/>
-                  <a:ea typeface="Circe"/>
-                  <a:cs typeface="Circe"/>
-                  <a:sym typeface="Circe"/>
-                </a:rPr>
-                <a:t>до</a:t>
-              </a:r>
-              <a:r>
-                <a:rPr lang="en-US" sz="1007" dirty="0">
-                  <a:solidFill>
-                    <a:srgbClr val="000000"/>
-                  </a:solidFill>
-                  <a:latin typeface="Circe"/>
-                  <a:ea typeface="Circe"/>
-                  <a:cs typeface="Circe"/>
-                  <a:sym typeface="Circe"/>
-                </a:rPr>
-                <a:t> 18:00. </a:t>
-              </a:r>
-            </a:p>
-            <a:p>
-              <a:pPr>
-                <a:lnSpc>
-                  <a:spcPts val="1248"/>
-                </a:lnSpc>
-              </a:pPr>
-              <a:r>
-                <a:rPr lang="en-US" sz="1007" dirty="0" err="1">
-                  <a:solidFill>
-                    <a:srgbClr val="000000"/>
-                  </a:solidFill>
-                  <a:latin typeface="Circe"/>
-                  <a:ea typeface="Circe"/>
-                  <a:cs typeface="Circe"/>
-                  <a:sym typeface="Circe"/>
-                </a:rPr>
-                <a:t>Замена</a:t>
-              </a:r>
-              <a:r>
-                <a:rPr lang="en-US" sz="1007" dirty="0">
-                  <a:solidFill>
-                    <a:srgbClr val="000000"/>
-                  </a:solidFill>
-                  <a:latin typeface="Circe"/>
-                  <a:ea typeface="Circe"/>
-                  <a:cs typeface="Circe"/>
-                  <a:sym typeface="Circe"/>
-                </a:rPr>
-                <a:t> </a:t>
-              </a:r>
-              <a:r>
-                <a:rPr lang="en-US" sz="1007" dirty="0" err="1">
-                  <a:solidFill>
-                    <a:srgbClr val="000000"/>
-                  </a:solidFill>
-                  <a:latin typeface="Circe"/>
-                  <a:ea typeface="Circe"/>
-                  <a:cs typeface="Circe"/>
-                  <a:sym typeface="Circe"/>
-                </a:rPr>
-                <a:t>белья</a:t>
-              </a:r>
-              <a:r>
-                <a:rPr lang="en-US" sz="1007" dirty="0">
-                  <a:solidFill>
-                    <a:srgbClr val="000000"/>
-                  </a:solidFill>
-                  <a:latin typeface="Circe"/>
-                  <a:ea typeface="Circe"/>
-                  <a:cs typeface="Circe"/>
-                  <a:sym typeface="Circe"/>
-                </a:rPr>
-                <a:t> — </a:t>
-              </a:r>
-              <a:r>
-                <a:rPr lang="en-US" sz="1007" dirty="0" err="1">
-                  <a:solidFill>
-                    <a:srgbClr val="000000"/>
-                  </a:solidFill>
-                  <a:latin typeface="Circe"/>
-                  <a:ea typeface="Circe"/>
-                  <a:cs typeface="Circe"/>
-                  <a:sym typeface="Circe"/>
-                </a:rPr>
-                <a:t>на</a:t>
-              </a:r>
-              <a:r>
-                <a:rPr lang="en-US" sz="1007" dirty="0">
-                  <a:solidFill>
-                    <a:srgbClr val="000000"/>
-                  </a:solidFill>
-                  <a:latin typeface="Circe"/>
-                  <a:ea typeface="Circe"/>
-                  <a:cs typeface="Circe"/>
-                  <a:sym typeface="Circe"/>
-                </a:rPr>
-                <a:t> 3-й </a:t>
-              </a:r>
-              <a:r>
-                <a:rPr lang="en-US" sz="1007" dirty="0" err="1">
-                  <a:solidFill>
-                    <a:srgbClr val="000000"/>
-                  </a:solidFill>
-                  <a:latin typeface="Circe"/>
-                  <a:ea typeface="Circe"/>
-                  <a:cs typeface="Circe"/>
-                  <a:sym typeface="Circe"/>
-                </a:rPr>
-                <a:t>день</a:t>
-              </a:r>
-              <a:r>
-                <a:rPr lang="en-US" sz="1007" dirty="0">
-                  <a:solidFill>
-                    <a:srgbClr val="000000"/>
-                  </a:solidFill>
-                  <a:latin typeface="Circe"/>
-                  <a:ea typeface="Circe"/>
-                  <a:cs typeface="Circe"/>
-                  <a:sym typeface="Circe"/>
-                </a:rPr>
-                <a:t>.</a:t>
+                <a:t>Замена белья — на 3-й день.</a:t>
               </a:r>
             </a:p>
           </p:txBody>
@@ -7554,7 +6217,7 @@
           <p:spPr>
             <a:xfrm>
               <a:off x="7712069" y="1571301"/>
-              <a:ext cx="2851006" cy="551077"/>
+              <a:ext cx="2851006" cy="538609"/>
             </a:xfrm>
             <a:prstGeom prst="rect">
               <a:avLst/>
@@ -7566,13 +6229,13 @@
             </a:bodyPr>
             <a:lstStyle/>
             <a:p>
-              <a:pPr>
+              <a:pPr algn="l">
                 <a:lnSpc>
-                  <a:spcPts val="1258"/>
+                  <a:spcPts val="1386"/>
                 </a:lnSpc>
               </a:pPr>
               <a:r>
-                <a:rPr lang="en-US" sz="1007" b="1" dirty="0" err="1">
+                <a:rPr lang="ru-RU" sz="1109" b="1" dirty="0">
                   <a:solidFill>
                     <a:srgbClr val="000000"/>
                   </a:solidFill>
@@ -7581,213 +6244,27 @@
                   <a:cs typeface="Circe Bold"/>
                   <a:sym typeface="Circe Bold"/>
                 </a:rPr>
-                <a:t>Аренда</a:t>
+                <a:t>Аренда инвентаря</a:t>
               </a:r>
+            </a:p>
+            <a:p>
+              <a:pPr algn="l">
+                <a:lnSpc>
+                  <a:spcPts val="1386"/>
+                </a:lnSpc>
+              </a:pPr>
               <a:r>
-                <a:rPr lang="en-US" sz="1007" b="1" dirty="0">
+                <a:rPr lang="ru-RU" sz="1109" dirty="0">
                   <a:solidFill>
                     <a:srgbClr val="000000"/>
                   </a:solidFill>
-                  <a:latin typeface="Circe Bold"/>
+                  <a:latin typeface="Circe" panose="020B0502020203020203" pitchFamily="34" charset="-52"/>
                   <a:ea typeface="Circe Bold"/>
                   <a:cs typeface="Circe Bold"/>
                   <a:sym typeface="Circe Bold"/>
                 </a:rPr>
-                <a:t> </a:t>
+                <a:t>Вазы, детские принадлежности — по запросу на ресепшене</a:t>
               </a:r>
-              <a:r>
-                <a:rPr lang="en-US" sz="1007" b="1" dirty="0" err="1">
-                  <a:solidFill>
-                    <a:srgbClr val="000000"/>
-                  </a:solidFill>
-                  <a:latin typeface="Circe Bold"/>
-                  <a:ea typeface="Circe Bold"/>
-                  <a:cs typeface="Circe Bold"/>
-                  <a:sym typeface="Circe Bold"/>
-                </a:rPr>
-                <a:t>инвентаря</a:t>
-              </a:r>
-              <a:endParaRPr lang="en-US" sz="1007" b="1" dirty="0">
-                <a:solidFill>
-                  <a:srgbClr val="000000"/>
-                </a:solidFill>
-                <a:latin typeface="Circe Bold"/>
-                <a:ea typeface="Circe Bold"/>
-                <a:cs typeface="Circe Bold"/>
-                <a:sym typeface="Circe Bold"/>
-              </a:endParaRPr>
-            </a:p>
-            <a:p>
-              <a:pPr>
-                <a:lnSpc>
-                  <a:spcPts val="1258"/>
-                </a:lnSpc>
-              </a:pPr>
-              <a:r>
-                <a:rPr lang="en-US" sz="1007" dirty="0" err="1">
-                  <a:solidFill>
-                    <a:srgbClr val="000000"/>
-                  </a:solidFill>
-                  <a:latin typeface="Circe"/>
-                  <a:ea typeface="Circe"/>
-                  <a:cs typeface="Circe"/>
-                  <a:sym typeface="Circe"/>
-                </a:rPr>
-                <a:t>Вазы</a:t>
-              </a:r>
-              <a:r>
-                <a:rPr lang="en-US" sz="1007" dirty="0">
-                  <a:solidFill>
-                    <a:srgbClr val="000000"/>
-                  </a:solidFill>
-                  <a:latin typeface="Circe"/>
-                  <a:ea typeface="Circe"/>
-                  <a:cs typeface="Circe"/>
-                  <a:sym typeface="Circe"/>
-                </a:rPr>
-                <a:t>, </a:t>
-              </a:r>
-              <a:r>
-                <a:rPr lang="en-US" sz="1007" dirty="0" err="1">
-                  <a:solidFill>
-                    <a:srgbClr val="000000"/>
-                  </a:solidFill>
-                  <a:latin typeface="Circe"/>
-                  <a:ea typeface="Circe"/>
-                  <a:cs typeface="Circe"/>
-                  <a:sym typeface="Circe"/>
-                </a:rPr>
-                <a:t>детские</a:t>
-              </a:r>
-              <a:r>
-                <a:rPr lang="en-US" sz="1007" dirty="0">
-                  <a:solidFill>
-                    <a:srgbClr val="000000"/>
-                  </a:solidFill>
-                  <a:latin typeface="Circe"/>
-                  <a:ea typeface="Circe"/>
-                  <a:cs typeface="Circe"/>
-                  <a:sym typeface="Circe"/>
-                </a:rPr>
-                <a:t> </a:t>
-              </a:r>
-              <a:r>
-                <a:rPr lang="en-US" sz="1007" dirty="0" err="1">
-                  <a:solidFill>
-                    <a:srgbClr val="000000"/>
-                  </a:solidFill>
-                  <a:latin typeface="Circe"/>
-                  <a:ea typeface="Circe"/>
-                  <a:cs typeface="Circe"/>
-                  <a:sym typeface="Circe"/>
-                </a:rPr>
-                <a:t>принадлежности</a:t>
-              </a:r>
-              <a:r>
-                <a:rPr lang="en-US" sz="1007" dirty="0">
-                  <a:solidFill>
-                    <a:srgbClr val="000000"/>
-                  </a:solidFill>
-                  <a:latin typeface="Circe"/>
-                  <a:ea typeface="Circe"/>
-                  <a:cs typeface="Circe"/>
-                  <a:sym typeface="Circe"/>
-                </a:rPr>
-                <a:t> — </a:t>
-              </a:r>
-              <a:r>
-                <a:rPr lang="en-US" sz="1007" dirty="0" err="1">
-                  <a:solidFill>
-                    <a:srgbClr val="000000"/>
-                  </a:solidFill>
-                  <a:latin typeface="Circe"/>
-                  <a:ea typeface="Circe"/>
-                  <a:cs typeface="Circe"/>
-                  <a:sym typeface="Circe"/>
-                </a:rPr>
-                <a:t>по</a:t>
-              </a:r>
-              <a:r>
-                <a:rPr lang="en-US" sz="1007" dirty="0">
-                  <a:solidFill>
-                    <a:srgbClr val="000000"/>
-                  </a:solidFill>
-                  <a:latin typeface="Circe"/>
-                  <a:ea typeface="Circe"/>
-                  <a:cs typeface="Circe"/>
-                  <a:sym typeface="Circe"/>
-                </a:rPr>
-                <a:t> </a:t>
-              </a:r>
-              <a:r>
-                <a:rPr lang="en-US" sz="1007" dirty="0" err="1">
-                  <a:solidFill>
-                    <a:srgbClr val="000000"/>
-                  </a:solidFill>
-                  <a:latin typeface="Circe"/>
-                  <a:ea typeface="Circe"/>
-                  <a:cs typeface="Circe"/>
-                  <a:sym typeface="Circe"/>
-                </a:rPr>
-                <a:t>запросу</a:t>
-              </a:r>
-              <a:r>
-                <a:rPr lang="en-US" sz="1007" dirty="0">
-                  <a:solidFill>
-                    <a:srgbClr val="000000"/>
-                  </a:solidFill>
-                  <a:latin typeface="Circe"/>
-                  <a:ea typeface="Circe"/>
-                  <a:cs typeface="Circe"/>
-                  <a:sym typeface="Circe"/>
-                </a:rPr>
-                <a:t> </a:t>
-              </a:r>
-              <a:r>
-                <a:rPr lang="en-US" sz="1007" dirty="0" err="1">
-                  <a:solidFill>
-                    <a:srgbClr val="000000"/>
-                  </a:solidFill>
-                  <a:latin typeface="Circe"/>
-                  <a:ea typeface="Circe"/>
-                  <a:cs typeface="Circe"/>
-                  <a:sym typeface="Circe"/>
-                </a:rPr>
-                <a:t>на</a:t>
-              </a:r>
-              <a:r>
-                <a:rPr lang="en-US" sz="1007" dirty="0">
-                  <a:solidFill>
-                    <a:srgbClr val="000000"/>
-                  </a:solidFill>
-                  <a:latin typeface="Circe"/>
-                  <a:ea typeface="Circe"/>
-                  <a:cs typeface="Circe"/>
-                  <a:sym typeface="Circe"/>
-                </a:rPr>
-                <a:t> </a:t>
-              </a:r>
-              <a:r>
-                <a:rPr lang="en-US" sz="1007" dirty="0" err="1">
-                  <a:solidFill>
-                    <a:srgbClr val="000000"/>
-                  </a:solidFill>
-                  <a:latin typeface="Circe"/>
-                  <a:ea typeface="Circe"/>
-                  <a:cs typeface="Circe"/>
-                  <a:sym typeface="Circe"/>
-                </a:rPr>
-                <a:t>ресепшене</a:t>
-              </a:r>
-              <a:endParaRPr lang="en-US" sz="1007" dirty="0">
-                <a:solidFill>
-                  <a:srgbClr val="000000"/>
-                </a:solidFill>
-                <a:latin typeface="Circe"/>
-                <a:ea typeface="Circe"/>
-                <a:cs typeface="Circe"/>
-                <a:sym typeface="Circe"/>
-              </a:endParaRPr>
             </a:p>
           </p:txBody>
         </p:sp>
@@ -7805,8 +6282,8 @@
           </p:nvSpPr>
           <p:spPr>
             <a:xfrm>
-              <a:off x="7712069" y="4412136"/>
-              <a:ext cx="2654703" cy="672667"/>
+              <a:off x="7779318" y="4424139"/>
+              <a:ext cx="2654703" cy="664990"/>
             </a:xfrm>
             <a:prstGeom prst="rect">
               <a:avLst/>
@@ -7820,11 +6297,11 @@
             <a:p>
               <a:pPr algn="ctr">
                 <a:lnSpc>
-                  <a:spcPts val="2281"/>
+                  <a:spcPts val="2513"/>
                 </a:lnSpc>
               </a:pPr>
               <a:r>
-                <a:rPr lang="en-US" sz="2453">
+                <a:rPr lang="ru-RU" sz="2703" dirty="0">
                   <a:solidFill>
                     <a:srgbClr val="000000"/>
                   </a:solidFill>
@@ -7833,7 +6310,7 @@
                   <a:cs typeface="Circe"/>
                   <a:sym typeface="Circe"/>
                 </a:rPr>
-                <a:t>электронная книга гостя</a:t>
+                <a:t>Электронная книга гостя</a:t>
               </a:r>
             </a:p>
           </p:txBody>
@@ -7852,8 +6329,8 @@
           </p:nvSpPr>
           <p:spPr>
             <a:xfrm>
-              <a:off x="7841077" y="5304928"/>
-              <a:ext cx="2396687" cy="776877"/>
+              <a:off x="7841076" y="5304928"/>
+              <a:ext cx="2396687" cy="528350"/>
             </a:xfrm>
             <a:prstGeom prst="rect">
               <a:avLst/>
@@ -7871,7 +6348,7 @@
                 </a:lnSpc>
               </a:pPr>
               <a:r>
-                <a:rPr lang="en-US" sz="826">
+                <a:rPr lang="en-US" sz="900" dirty="0" err="1">
                   <a:solidFill>
                     <a:srgbClr val="000000"/>
                   </a:solidFill>
@@ -7880,7 +6357,203 @@
                   <a:cs typeface="Circe"/>
                   <a:sym typeface="Circe"/>
                 </a:rPr>
-                <a:t>Полный перечень услуг и важная информация</a:t>
+                <a:t>Полный</a:t>
+              </a:r>
+              <a:r>
+                <a:rPr lang="en-US" sz="900" dirty="0">
+                  <a:solidFill>
+                    <a:srgbClr val="000000"/>
+                  </a:solidFill>
+                  <a:latin typeface="Circe"/>
+                  <a:ea typeface="Circe"/>
+                  <a:cs typeface="Circe"/>
+                  <a:sym typeface="Circe"/>
+                </a:rPr>
+                <a:t> </a:t>
+              </a:r>
+              <a:r>
+                <a:rPr lang="en-US" sz="900" dirty="0" err="1">
+                  <a:solidFill>
+                    <a:srgbClr val="000000"/>
+                  </a:solidFill>
+                  <a:latin typeface="Circe"/>
+                  <a:ea typeface="Circe"/>
+                  <a:cs typeface="Circe"/>
+                  <a:sym typeface="Circe"/>
+                </a:rPr>
+                <a:t>перечень</a:t>
+              </a:r>
+              <a:r>
+                <a:rPr lang="en-US" sz="900" dirty="0">
+                  <a:solidFill>
+                    <a:srgbClr val="000000"/>
+                  </a:solidFill>
+                  <a:latin typeface="Circe"/>
+                  <a:ea typeface="Circe"/>
+                  <a:cs typeface="Circe"/>
+                  <a:sym typeface="Circe"/>
+                </a:rPr>
+                <a:t> </a:t>
+              </a:r>
+              <a:r>
+                <a:rPr lang="en-US" sz="900" dirty="0" err="1">
+                  <a:solidFill>
+                    <a:srgbClr val="000000"/>
+                  </a:solidFill>
+                  <a:latin typeface="Circe"/>
+                  <a:ea typeface="Circe"/>
+                  <a:cs typeface="Circe"/>
+                  <a:sym typeface="Circe"/>
+                </a:rPr>
+                <a:t>услуг</a:t>
+              </a:r>
+              <a:r>
+                <a:rPr lang="en-US" sz="900" dirty="0">
+                  <a:solidFill>
+                    <a:srgbClr val="000000"/>
+                  </a:solidFill>
+                  <a:latin typeface="Circe"/>
+                  <a:ea typeface="Circe"/>
+                  <a:cs typeface="Circe"/>
+                  <a:sym typeface="Circe"/>
+                </a:rPr>
+                <a:t> и </a:t>
+              </a:r>
+              <a:r>
+                <a:rPr lang="en-US" sz="900" dirty="0" err="1">
+                  <a:solidFill>
+                    <a:srgbClr val="000000"/>
+                  </a:solidFill>
+                  <a:latin typeface="Circe"/>
+                  <a:ea typeface="Circe"/>
+                  <a:cs typeface="Circe"/>
+                  <a:sym typeface="Circe"/>
+                </a:rPr>
+                <a:t>важная</a:t>
+              </a:r>
+              <a:r>
+                <a:rPr lang="en-US" sz="900" dirty="0">
+                  <a:solidFill>
+                    <a:srgbClr val="000000"/>
+                  </a:solidFill>
+                  <a:latin typeface="Circe"/>
+                  <a:ea typeface="Circe"/>
+                  <a:cs typeface="Circe"/>
+                  <a:sym typeface="Circe"/>
+                </a:rPr>
+                <a:t> </a:t>
+              </a:r>
+              <a:r>
+                <a:rPr lang="en-US" sz="900" dirty="0" err="1">
+                  <a:solidFill>
+                    <a:srgbClr val="000000"/>
+                  </a:solidFill>
+                  <a:latin typeface="Circe"/>
+                  <a:ea typeface="Circe"/>
+                  <a:cs typeface="Circe"/>
+                  <a:sym typeface="Circe"/>
+                </a:rPr>
+                <a:t>информация</a:t>
+              </a:r>
+              <a:endParaRPr lang="en-US" sz="900" dirty="0">
+                <a:solidFill>
+                  <a:srgbClr val="000000"/>
+                </a:solidFill>
+                <a:latin typeface="Circe"/>
+                <a:ea typeface="Circe"/>
+                <a:cs typeface="Circe"/>
+                <a:sym typeface="Circe"/>
+              </a:endParaRPr>
+            </a:p>
+            <a:p>
+              <a:pPr algn="ctr">
+                <a:lnSpc>
+                  <a:spcPts val="1412"/>
+                </a:lnSpc>
+              </a:pPr>
+              <a:r>
+                <a:rPr lang="en-US" sz="900" dirty="0">
+                  <a:solidFill>
+                    <a:srgbClr val="000000"/>
+                  </a:solidFill>
+                  <a:latin typeface="Circe"/>
+                  <a:ea typeface="Circe"/>
+                  <a:cs typeface="Circe"/>
+                  <a:sym typeface="Circe"/>
+                </a:rPr>
+                <a:t> — в </a:t>
+              </a:r>
+              <a:r>
+                <a:rPr lang="en-US" sz="900" dirty="0" err="1">
+                  <a:solidFill>
+                    <a:srgbClr val="000000"/>
+                  </a:solidFill>
+                  <a:latin typeface="Circe"/>
+                  <a:ea typeface="Circe"/>
+                  <a:cs typeface="Circe"/>
+                  <a:sym typeface="Circe"/>
+                </a:rPr>
+                <a:t>электронной</a:t>
+              </a:r>
+              <a:r>
+                <a:rPr lang="en-US" sz="900" dirty="0">
+                  <a:solidFill>
+                    <a:srgbClr val="000000"/>
+                  </a:solidFill>
+                  <a:latin typeface="Circe"/>
+                  <a:ea typeface="Circe"/>
+                  <a:cs typeface="Circe"/>
+                  <a:sym typeface="Circe"/>
+                </a:rPr>
+                <a:t> </a:t>
+              </a:r>
+              <a:r>
+                <a:rPr lang="en-US" sz="900" dirty="0" err="1">
+                  <a:solidFill>
+                    <a:srgbClr val="000000"/>
+                  </a:solidFill>
+                  <a:latin typeface="Circe"/>
+                  <a:ea typeface="Circe"/>
+                  <a:cs typeface="Circe"/>
+                  <a:sym typeface="Circe"/>
+                </a:rPr>
+                <a:t>книге</a:t>
+              </a:r>
+              <a:r>
+                <a:rPr lang="en-US" sz="900" dirty="0">
+                  <a:solidFill>
+                    <a:srgbClr val="000000"/>
+                  </a:solidFill>
+                  <a:latin typeface="Circe"/>
+                  <a:ea typeface="Circe"/>
+                  <a:cs typeface="Circe"/>
+                  <a:sym typeface="Circe"/>
+                </a:rPr>
+                <a:t> </a:t>
+              </a:r>
+              <a:r>
+                <a:rPr lang="en-US" sz="900" dirty="0" err="1">
+                  <a:solidFill>
+                    <a:srgbClr val="000000"/>
+                  </a:solidFill>
+                  <a:latin typeface="Circe"/>
+                  <a:ea typeface="Circe"/>
+                  <a:cs typeface="Circe"/>
+                  <a:sym typeface="Circe"/>
+                </a:rPr>
+                <a:t>гостя</a:t>
+              </a:r>
+              <a:r>
+                <a:rPr lang="en-US" sz="900" dirty="0">
+                  <a:solidFill>
+                    <a:srgbClr val="000000"/>
+                  </a:solidFill>
+                  <a:latin typeface="Circe"/>
+                  <a:ea typeface="Circe"/>
+                  <a:cs typeface="Circe"/>
+                  <a:sym typeface="Circe"/>
+                </a:rPr>
+                <a:t> </a:t>
               </a:r>
             </a:p>
             <a:p>
@@ -7890,7 +6563,7 @@
                 </a:lnSpc>
               </a:pPr>
               <a:r>
-                <a:rPr lang="en-US" sz="826">
+                <a:rPr lang="en-US" sz="900" dirty="0">
                   <a:solidFill>
                     <a:srgbClr val="000000"/>
                   </a:solidFill>
@@ -7899,17 +6572,10 @@
                   <a:cs typeface="Circe"/>
                   <a:sym typeface="Circe"/>
                 </a:rPr>
-                <a:t> — в электронной книге гостя </a:t>
+                <a:t>(</a:t>
               </a:r>
-            </a:p>
-            <a:p>
-              <a:pPr algn="ctr">
-                <a:lnSpc>
-                  <a:spcPts val="1412"/>
-                </a:lnSpc>
-              </a:pPr>
               <a:r>
-                <a:rPr lang="en-US" sz="826">
+                <a:rPr lang="en-US" sz="900" dirty="0" err="1">
                   <a:solidFill>
                     <a:srgbClr val="000000"/>
                   </a:solidFill>
@@ -7918,16 +6584,58 @@
                   <a:cs typeface="Circe"/>
                   <a:sym typeface="Circe"/>
                 </a:rPr>
-                <a:t>(сканируйте QR-код ниже)</a:t>
+                <a:t>сканируйте</a:t>
+              </a:r>
+              <a:r>
+                <a:rPr lang="en-US" sz="900" dirty="0">
+                  <a:solidFill>
+                    <a:srgbClr val="000000"/>
+                  </a:solidFill>
+                  <a:latin typeface="Circe"/>
+                  <a:ea typeface="Circe"/>
+                  <a:cs typeface="Circe"/>
+                  <a:sym typeface="Circe"/>
+                </a:rPr>
+                <a:t> QR-код ниже)</a:t>
               </a:r>
             </a:p>
-            <a:p>
-              <a:pPr algn="ctr">
-                <a:lnSpc>
-                  <a:spcPts val="1412"/>
-                </a:lnSpc>
-              </a:pPr>
-              <a:endParaRPr lang="en-US" sz="826">
+          </p:txBody>
+        </p:sp>
+      </p:grpSp>
+      <p:sp>
+        <p:nvSpPr>
+          <p:cNvPr id="63" name="TextBox 70">
+            <a:extLst>
+              <a:ext uri="{FF2B5EF4-FFF2-40B4-BE49-F238E27FC236}">
+                <a16:creationId xmlns:a16="http://schemas.microsoft.com/office/drawing/2014/main" id="{335DF811-F18E-35CC-C1D1-AD055EE80637}"/>
+              </a:ext>
+            </a:extLst>
+          </p:cNvPr>
+          <p:cNvSpPr txBox="1"/>
+          <p:nvPr/>
+        </p:nvSpPr>
+        <p:spPr>
+          <a:xfrm>
+            <a:off x="3921348" y="6359837"/>
+            <a:ext cx="3043267" cy="804451"/>
+          </a:xfrm>
+          <a:prstGeom prst="rect">
+            <a:avLst/>
+          </a:prstGeom>
+        </p:spPr>
+        <p:txBody>
+          <a:bodyPr lIns="0" tIns="0" rIns="0" bIns="0" rtlCol="0" anchor="t">
+            <a:spAutoFit/>
+          </a:bodyPr>
+          <a:lstStyle/>
+          <a:p>
+            <a:pPr algn="ctr">
+              <a:lnSpc>
+                <a:spcPts val="1556"/>
+              </a:lnSpc>
+            </a:pPr>
+            <a:r>
+              <a:rPr lang="ru-RU" sz="910" dirty="0">
                 <a:solidFill>
                   <a:srgbClr val="000000"/>
                 </a:solidFill>
@@ -7935,219 +6643,196 @@
                 <a:ea typeface="Circe"/>
                 <a:cs typeface="Circe"/>
                 <a:sym typeface="Circe"/>
-              </a:endParaRPr>
-            </a:p>
-          </p:txBody>
-        </p:sp>
-      </p:grpSp>
-      <p:graphicFrame>
-        <p:nvGraphicFramePr>
-          <p:cNvPr id="52" name="Таблица 51">
+              </a:rPr>
+              <a:t>Завтраки, цветы, экскурсии —  </a:t>
+            </a:r>
+          </a:p>
+          <a:p>
+            <a:pPr algn="ctr">
+              <a:lnSpc>
+                <a:spcPts val="1556"/>
+              </a:lnSpc>
+            </a:pPr>
+            <a:r>
+              <a:rPr lang="ru-RU" sz="910" dirty="0">
+                <a:solidFill>
+                  <a:srgbClr val="000000"/>
+                </a:solidFill>
+                <a:latin typeface="Circe"/>
+                <a:ea typeface="Circe"/>
+                <a:cs typeface="Circe"/>
+                <a:sym typeface="Circe"/>
+              </a:rPr>
+              <a:t>Живите как дома, отдыхайте как в отеле.  </a:t>
+            </a:r>
+          </a:p>
+          <a:p>
+            <a:pPr algn="ctr">
+              <a:lnSpc>
+                <a:spcPts val="1556"/>
+              </a:lnSpc>
+            </a:pPr>
+            <a:r>
+              <a:rPr lang="ru-RU" sz="910" dirty="0">
+                <a:solidFill>
+                  <a:srgbClr val="000000"/>
+                </a:solidFill>
+                <a:latin typeface="Circe"/>
+                <a:ea typeface="Circe"/>
+                <a:cs typeface="Circe"/>
+                <a:sym typeface="Circe"/>
+              </a:rPr>
+              <a:t>Всё, что нужно, — под рукой.  </a:t>
+            </a:r>
+          </a:p>
+          <a:p>
+            <a:pPr algn="ctr">
+              <a:lnSpc>
+                <a:spcPts val="1556"/>
+              </a:lnSpc>
+            </a:pPr>
+            <a:r>
+              <a:rPr lang="ru-RU" sz="910" dirty="0">
+                <a:solidFill>
+                  <a:srgbClr val="000000"/>
+                </a:solidFill>
+                <a:latin typeface="Circe"/>
+                <a:ea typeface="Circe"/>
+                <a:cs typeface="Circe"/>
+                <a:sym typeface="Circe"/>
+              </a:rPr>
+              <a:t>Что-то нужно? Просто спросите на ресепшене!</a:t>
+            </a:r>
+            <a:endParaRPr lang="en-US" sz="910" dirty="0">
+              <a:solidFill>
+                <a:srgbClr val="000000"/>
+              </a:solidFill>
+              <a:latin typeface="Circe"/>
+              <a:ea typeface="Circe"/>
+              <a:cs typeface="Circe"/>
+              <a:sym typeface="Circe"/>
+            </a:endParaRPr>
+          </a:p>
+        </p:txBody>
+      </p:sp>
+      <p:sp>
+        <p:nvSpPr>
+          <p:cNvPr id="64" name="Freeform 60">
             <a:extLst>
               <a:ext uri="{FF2B5EF4-FFF2-40B4-BE49-F238E27FC236}">
-                <a16:creationId xmlns:a16="http://schemas.microsoft.com/office/drawing/2014/main" id="{7E45F5C2-9B2B-9B71-793D-31677C2F1A27}"/>
+                <a16:creationId xmlns:a16="http://schemas.microsoft.com/office/drawing/2014/main" id="{DF65C48D-5BD7-C0F5-BBE7-8D0FA6989CC9}"/>
               </a:ext>
             </a:extLst>
           </p:cNvPr>
-          <p:cNvGraphicFramePr>
-            <a:graphicFrameLocks noGrp="1"/>
-          </p:cNvGraphicFramePr>
-          <p:nvPr>
-            <p:extLst>
-              <p:ext uri="{D42A27DB-BD31-4B8C-83A1-F6EECF244321}">
-                <p14:modId xmlns:p14="http://schemas.microsoft.com/office/powerpoint/2010/main" val="3244771861"/>
-              </p:ext>
-            </p:extLst>
-          </p:nvPr>
-        </p:nvGraphicFramePr>
-        <p:xfrm>
-          <a:off x="-152400" y="-152400"/>
-          <a:ext cx="10287000" cy="7162800"/>
-        </p:xfrm>
-        <a:graphic>
-          <a:graphicData uri="http://schemas.openxmlformats.org/drawingml/2006/table">
-            <a:tbl>
-              <a:tblPr firstRow="1" bandRow="1">
-                <a:tableStyleId>{5C22544A-7EE6-4342-B048-85BDC9FD1C3A}</a:tableStyleId>
-              </a:tblPr>
-              <a:tblGrid>
-                <a:gridCol w="3429000">
-                  <a:extLst>
-                    <a:ext uri="{9D8B030D-6E8A-4147-A177-3AD203B41FA5}">
-                      <a16:colId xmlns:a16="http://schemas.microsoft.com/office/drawing/2014/main" val="2831110576"/>
-                    </a:ext>
-                  </a:extLst>
-                </a:gridCol>
-                <a:gridCol w="3429000">
-                  <a:extLst>
-                    <a:ext uri="{9D8B030D-6E8A-4147-A177-3AD203B41FA5}">
-                      <a16:colId xmlns:a16="http://schemas.microsoft.com/office/drawing/2014/main" val="3473239179"/>
-                    </a:ext>
-                  </a:extLst>
-                </a:gridCol>
-                <a:gridCol w="3429000">
-                  <a:extLst>
-                    <a:ext uri="{9D8B030D-6E8A-4147-A177-3AD203B41FA5}">
-                      <a16:colId xmlns:a16="http://schemas.microsoft.com/office/drawing/2014/main" val="4237337569"/>
-                    </a:ext>
-                  </a:extLst>
-                </a:gridCol>
-              </a:tblGrid>
-              <a:tr h="7162800">
-                <a:tc>
-                  <a:txBody>
-                    <a:bodyPr/>
-                    <a:lstStyle/>
-                    <a:p>
-                      <a:endParaRPr lang="ru-RU" sz="1500" dirty="0"/>
-                    </a:p>
-                  </a:txBody>
-                  <a:tcPr marL="82988" marR="82988" marT="41494" marB="41494">
-                    <a:lnL w="12700" cap="flat" cmpd="sng" algn="ctr">
-                      <a:solidFill>
-                        <a:schemeClr val="tx1"/>
-                      </a:solidFill>
-                      <a:prstDash val="solid"/>
-                      <a:round/>
-                      <a:headEnd type="none" w="med" len="med"/>
-                      <a:tailEnd type="none" w="med" len="med"/>
-                    </a:lnL>
-                    <a:lnR w="12700" cap="flat" cmpd="sng" algn="ctr">
-                      <a:solidFill>
-                        <a:schemeClr val="tx1"/>
-                      </a:solidFill>
-                      <a:prstDash val="solid"/>
-                      <a:round/>
-                      <a:headEnd type="none" w="med" len="med"/>
-                      <a:tailEnd type="none" w="med" len="med"/>
-                    </a:lnR>
-                    <a:lnT w="12700" cap="flat" cmpd="sng" algn="ctr">
-                      <a:solidFill>
-                        <a:schemeClr val="tx1"/>
-                      </a:solidFill>
-                      <a:prstDash val="solid"/>
-                      <a:round/>
-                      <a:headEnd type="none" w="med" len="med"/>
-                      <a:tailEnd type="none" w="med" len="med"/>
-                    </a:lnT>
-                    <a:lnB w="12700" cap="flat" cmpd="sng" algn="ctr">
-                      <a:solidFill>
-                        <a:schemeClr val="tx1"/>
-                      </a:solidFill>
-                      <a:prstDash val="solid"/>
-                      <a:round/>
-                      <a:headEnd type="none" w="med" len="med"/>
-                      <a:tailEnd type="none" w="med" len="med"/>
-                    </a:lnB>
-                    <a:noFill/>
-                  </a:tcPr>
-                </a:tc>
-                <a:tc>
-                  <a:txBody>
-                    <a:bodyPr/>
-                    <a:lstStyle/>
-                    <a:p>
-                      <a:endParaRPr lang="ru-RU" sz="1500" dirty="0"/>
-                    </a:p>
-                  </a:txBody>
-                  <a:tcPr marL="82988" marR="82988" marT="41494" marB="41494">
-                    <a:lnL w="12700" cap="flat" cmpd="sng" algn="ctr">
-                      <a:solidFill>
-                        <a:schemeClr val="tx1"/>
-                      </a:solidFill>
-                      <a:prstDash val="solid"/>
-                      <a:round/>
-                      <a:headEnd type="none" w="med" len="med"/>
-                      <a:tailEnd type="none" w="med" len="med"/>
-                    </a:lnL>
-                    <a:lnR w="12700" cap="flat" cmpd="sng" algn="ctr">
-                      <a:solidFill>
-                        <a:schemeClr val="tx1"/>
-                      </a:solidFill>
-                      <a:prstDash val="solid"/>
-                      <a:round/>
-                      <a:headEnd type="none" w="med" len="med"/>
-                      <a:tailEnd type="none" w="med" len="med"/>
-                    </a:lnR>
-                    <a:lnT w="12700" cap="flat" cmpd="sng" algn="ctr">
-                      <a:solidFill>
-                        <a:schemeClr val="tx1"/>
-                      </a:solidFill>
-                      <a:prstDash val="solid"/>
-                      <a:round/>
-                      <a:headEnd type="none" w="med" len="med"/>
-                      <a:tailEnd type="none" w="med" len="med"/>
-                    </a:lnT>
-                    <a:lnB w="12700" cap="flat" cmpd="sng" algn="ctr">
-                      <a:solidFill>
-                        <a:schemeClr val="tx1"/>
-                      </a:solidFill>
-                      <a:prstDash val="solid"/>
-                      <a:round/>
-                      <a:headEnd type="none" w="med" len="med"/>
-                      <a:tailEnd type="none" w="med" len="med"/>
-                    </a:lnB>
-                    <a:noFill/>
-                  </a:tcPr>
-                </a:tc>
-                <a:tc>
-                  <a:txBody>
-                    <a:bodyPr/>
-                    <a:lstStyle/>
-                    <a:p>
-                      <a:endParaRPr lang="ru-RU" sz="1500" dirty="0"/>
-                    </a:p>
-                  </a:txBody>
-                  <a:tcPr marL="82988" marR="82988" marT="41494" marB="41494">
-                    <a:lnL w="12700" cap="flat" cmpd="sng" algn="ctr">
-                      <a:solidFill>
-                        <a:schemeClr val="tx1"/>
-                      </a:solidFill>
-                      <a:prstDash val="solid"/>
-                      <a:round/>
-                      <a:headEnd type="none" w="med" len="med"/>
-                      <a:tailEnd type="none" w="med" len="med"/>
-                    </a:lnL>
-                    <a:lnR w="12700" cap="flat" cmpd="sng" algn="ctr">
-                      <a:solidFill>
-                        <a:schemeClr val="tx1"/>
-                      </a:solidFill>
-                      <a:prstDash val="solid"/>
-                      <a:round/>
-                      <a:headEnd type="none" w="med" len="med"/>
-                      <a:tailEnd type="none" w="med" len="med"/>
-                    </a:lnR>
-                    <a:lnT w="12700" cap="flat" cmpd="sng" algn="ctr">
-                      <a:solidFill>
-                        <a:schemeClr val="tx1"/>
-                      </a:solidFill>
-                      <a:prstDash val="solid"/>
-                      <a:round/>
-                      <a:headEnd type="none" w="med" len="med"/>
-                      <a:tailEnd type="none" w="med" len="med"/>
-                    </a:lnT>
-                    <a:lnB w="12700" cap="flat" cmpd="sng" algn="ctr">
-                      <a:solidFill>
-                        <a:schemeClr val="tx1"/>
-                      </a:solidFill>
-                      <a:prstDash val="solid"/>
-                      <a:round/>
-                      <a:headEnd type="none" w="med" len="med"/>
-                      <a:tailEnd type="none" w="med" len="med"/>
-                    </a:lnB>
-                    <a:noFill/>
-                  </a:tcPr>
-                </a:tc>
-                <a:extLst>
-                  <a:ext uri="{0D108BD9-81ED-4DB2-BD59-A6C34878D82A}">
-                    <a16:rowId xmlns:a16="http://schemas.microsoft.com/office/drawing/2014/main" val="1988845691"/>
-                  </a:ext>
-                </a:extLst>
-              </a:tr>
-            </a:tbl>
-          </a:graphicData>
-        </a:graphic>
-      </p:graphicFrame>
+          <p:cNvSpPr/>
+          <p:nvPr/>
+        </p:nvSpPr>
+        <p:spPr>
+          <a:xfrm>
+            <a:off x="8481139" y="6037009"/>
+            <a:ext cx="1050231" cy="1050231"/>
+          </a:xfrm>
+          <a:custGeom>
+            <a:avLst/>
+            <a:gdLst/>
+            <a:ahLst/>
+            <a:cxnLst/>
+            <a:rect l="l" t="t" r="r" b="b"/>
+            <a:pathLst>
+              <a:path w="1050231" h="1050231">
+                <a:moveTo>
+                  <a:pt x="0" y="0"/>
+                </a:moveTo>
+                <a:lnTo>
+                  <a:pt x="1050231" y="0"/>
+                </a:lnTo>
+                <a:lnTo>
+                  <a:pt x="1050231" y="1050230"/>
+                </a:lnTo>
+                <a:lnTo>
+                  <a:pt x="0" y="1050230"/>
+                </a:lnTo>
+                <a:lnTo>
+                  <a:pt x="0" y="0"/>
+                </a:lnTo>
+                <a:close/>
+              </a:path>
+            </a:pathLst>
+          </a:custGeom>
+          <a:blipFill>
+            <a:blip r:embed="rId3"/>
+            <a:stretch>
+              <a:fillRect/>
+            </a:stretch>
+          </a:blipFill>
+        </p:spPr>
+        <p:txBody>
+          <a:bodyPr/>
+          <a:lstStyle/>
+          <a:p>
+            <a:endParaRPr/>
+          </a:p>
+        </p:txBody>
+      </p:sp>
+      <p:sp>
+        <p:nvSpPr>
+          <p:cNvPr id="2" name="Freeform 63">
+            <a:extLst>
+              <a:ext uri="{FF2B5EF4-FFF2-40B4-BE49-F238E27FC236}">
+                <a16:creationId xmlns:a16="http://schemas.microsoft.com/office/drawing/2014/main" id="{D8C0972F-70F3-ED01-CA55-121D2C90DB85}"/>
+              </a:ext>
+            </a:extLst>
+          </p:cNvPr>
+          <p:cNvSpPr/>
+          <p:nvPr/>
+        </p:nvSpPr>
+        <p:spPr>
+          <a:xfrm>
+            <a:off x="8526660" y="6085548"/>
+            <a:ext cx="953151" cy="953151"/>
+          </a:xfrm>
+          <a:custGeom>
+            <a:avLst/>
+            <a:gdLst/>
+            <a:ahLst/>
+            <a:cxnLst/>
+            <a:rect l="l" t="t" r="r" b="b"/>
+            <a:pathLst>
+              <a:path w="1050231" h="1050231">
+                <a:moveTo>
+                  <a:pt x="0" y="0"/>
+                </a:moveTo>
+                <a:lnTo>
+                  <a:pt x="1050231" y="0"/>
+                </a:lnTo>
+                <a:lnTo>
+                  <a:pt x="1050231" y="1050230"/>
+                </a:lnTo>
+                <a:lnTo>
+                  <a:pt x="0" y="1050230"/>
+                </a:lnTo>
+                <a:lnTo>
+                  <a:pt x="0" y="0"/>
+                </a:lnTo>
+                <a:close/>
+              </a:path>
+            </a:pathLst>
+          </a:custGeom>
+          <a:blipFill>
+            <a:blip r:embed="rId4"/>
+            <a:stretch>
+              <a:fillRect/>
+            </a:stretch>
+          </a:blipFill>
+        </p:spPr>
+        <p:txBody>
+          <a:bodyPr/>
+          <a:lstStyle/>
+          <a:p>
+            <a:endParaRPr sz="1500"/>
+          </a:p>
+        </p:txBody>
+      </p:sp>
     </p:spTree>
     <p:extLst>
       <p:ext uri="{BB962C8B-B14F-4D97-AF65-F5344CB8AC3E}">
@@ -8178,214 +6863,6 @@
           <a:chExt cx="0" cy="0"/>
         </a:xfrm>
       </p:grpSpPr>
-      <p:graphicFrame>
-        <p:nvGraphicFramePr>
-          <p:cNvPr id="2" name="Таблица 1">
-            <a:extLst>
-              <a:ext uri="{FF2B5EF4-FFF2-40B4-BE49-F238E27FC236}">
-                <a16:creationId xmlns:a16="http://schemas.microsoft.com/office/drawing/2014/main" id="{8E815524-1041-A780-42D7-94D8AC15580F}"/>
-              </a:ext>
-            </a:extLst>
-          </p:cNvPr>
-          <p:cNvGraphicFramePr>
-            <a:graphicFrameLocks noGrp="1"/>
-          </p:cNvGraphicFramePr>
-          <p:nvPr>
-            <p:extLst>
-              <p:ext uri="{D42A27DB-BD31-4B8C-83A1-F6EECF244321}">
-                <p14:modId xmlns:p14="http://schemas.microsoft.com/office/powerpoint/2010/main" val="1532433088"/>
-              </p:ext>
-            </p:extLst>
-          </p:nvPr>
-        </p:nvGraphicFramePr>
-        <p:xfrm>
-          <a:off x="-152400" y="-152400"/>
-          <a:ext cx="10287000" cy="7162800"/>
-        </p:xfrm>
-        <a:graphic>
-          <a:graphicData uri="http://schemas.openxmlformats.org/drawingml/2006/table">
-            <a:tbl>
-              <a:tblPr firstRow="1" bandRow="1">
-                <a:tableStyleId>{5C22544A-7EE6-4342-B048-85BDC9FD1C3A}</a:tableStyleId>
-              </a:tblPr>
-              <a:tblGrid>
-                <a:gridCol w="3429000">
-                  <a:extLst>
-                    <a:ext uri="{9D8B030D-6E8A-4147-A177-3AD203B41FA5}">
-                      <a16:colId xmlns:a16="http://schemas.microsoft.com/office/drawing/2014/main" val="2831110576"/>
-                    </a:ext>
-                  </a:extLst>
-                </a:gridCol>
-                <a:gridCol w="3429000">
-                  <a:extLst>
-                    <a:ext uri="{9D8B030D-6E8A-4147-A177-3AD203B41FA5}">
-                      <a16:colId xmlns:a16="http://schemas.microsoft.com/office/drawing/2014/main" val="3473239179"/>
-                    </a:ext>
-                  </a:extLst>
-                </a:gridCol>
-                <a:gridCol w="3429000">
-                  <a:extLst>
-                    <a:ext uri="{9D8B030D-6E8A-4147-A177-3AD203B41FA5}">
-                      <a16:colId xmlns:a16="http://schemas.microsoft.com/office/drawing/2014/main" val="4237337569"/>
-                    </a:ext>
-                  </a:extLst>
-                </a:gridCol>
-              </a:tblGrid>
-              <a:tr h="7162800">
-                <a:tc>
-                  <a:txBody>
-                    <a:bodyPr/>
-                    <a:lstStyle/>
-                    <a:p>
-                      <a:endParaRPr lang="ru-RU" sz="1500" dirty="0"/>
-                    </a:p>
-                  </a:txBody>
-                  <a:tcPr marL="82988" marR="82988" marT="41494" marB="41494">
-                    <a:lnL w="12700" cap="flat" cmpd="sng" algn="ctr">
-                      <a:solidFill>
-                        <a:schemeClr val="tx1"/>
-                      </a:solidFill>
-                      <a:prstDash val="solid"/>
-                      <a:round/>
-                      <a:headEnd type="none" w="med" len="med"/>
-                      <a:tailEnd type="none" w="med" len="med"/>
-                    </a:lnL>
-                    <a:lnR w="12700" cap="flat" cmpd="sng" algn="ctr">
-                      <a:solidFill>
-                        <a:schemeClr val="tx1"/>
-                      </a:solidFill>
-                      <a:prstDash val="solid"/>
-                      <a:round/>
-                      <a:headEnd type="none" w="med" len="med"/>
-                      <a:tailEnd type="none" w="med" len="med"/>
-                    </a:lnR>
-                    <a:lnT w="12700" cap="flat" cmpd="sng" algn="ctr">
-                      <a:solidFill>
-                        <a:schemeClr val="tx1"/>
-                      </a:solidFill>
-                      <a:prstDash val="solid"/>
-                      <a:round/>
-                      <a:headEnd type="none" w="med" len="med"/>
-                      <a:tailEnd type="none" w="med" len="med"/>
-                    </a:lnT>
-                    <a:lnB w="12700" cap="flat" cmpd="sng" algn="ctr">
-                      <a:solidFill>
-                        <a:schemeClr val="tx1"/>
-                      </a:solidFill>
-                      <a:prstDash val="solid"/>
-                      <a:round/>
-                      <a:headEnd type="none" w="med" len="med"/>
-                      <a:tailEnd type="none" w="med" len="med"/>
-                    </a:lnB>
-                    <a:noFill/>
-                  </a:tcPr>
-                </a:tc>
-                <a:tc>
-                  <a:txBody>
-                    <a:bodyPr/>
-                    <a:lstStyle/>
-                    <a:p>
-                      <a:endParaRPr lang="ru-RU" sz="1500" dirty="0"/>
-                    </a:p>
-                  </a:txBody>
-                  <a:tcPr marL="82988" marR="82988" marT="41494" marB="41494">
-                    <a:lnL w="12700" cap="flat" cmpd="sng" algn="ctr">
-                      <a:solidFill>
-                        <a:schemeClr val="tx1"/>
-                      </a:solidFill>
-                      <a:prstDash val="solid"/>
-                      <a:round/>
-                      <a:headEnd type="none" w="med" len="med"/>
-                      <a:tailEnd type="none" w="med" len="med"/>
-                    </a:lnL>
-                    <a:lnR w="12700" cap="flat" cmpd="sng" algn="ctr">
-                      <a:solidFill>
-                        <a:schemeClr val="tx1"/>
-                      </a:solidFill>
-                      <a:prstDash val="solid"/>
-                      <a:round/>
-                      <a:headEnd type="none" w="med" len="med"/>
-                      <a:tailEnd type="none" w="med" len="med"/>
-                    </a:lnR>
-                    <a:lnT w="12700" cap="flat" cmpd="sng" algn="ctr">
-                      <a:solidFill>
-                        <a:schemeClr val="tx1"/>
-                      </a:solidFill>
-                      <a:prstDash val="solid"/>
-                      <a:round/>
-                      <a:headEnd type="none" w="med" len="med"/>
-                      <a:tailEnd type="none" w="med" len="med"/>
-                    </a:lnT>
-                    <a:lnB w="12700" cap="flat" cmpd="sng" algn="ctr">
-                      <a:solidFill>
-                        <a:schemeClr val="tx1"/>
-                      </a:solidFill>
-                      <a:prstDash val="solid"/>
-                      <a:round/>
-                      <a:headEnd type="none" w="med" len="med"/>
-                      <a:tailEnd type="none" w="med" len="med"/>
-                    </a:lnB>
-                    <a:noFill/>
-                  </a:tcPr>
-                </a:tc>
-                <a:tc>
-                  <a:txBody>
-                    <a:bodyPr/>
-                    <a:lstStyle/>
-                    <a:p>
-                      <a:endParaRPr lang="ru-RU" sz="1500" dirty="0"/>
-                    </a:p>
-                  </a:txBody>
-                  <a:tcPr marL="82988" marR="82988" marT="41494" marB="41494">
-                    <a:lnL w="12700" cap="flat" cmpd="sng" algn="ctr">
-                      <a:solidFill>
-                        <a:schemeClr val="tx1"/>
-                      </a:solidFill>
-                      <a:prstDash val="solid"/>
-                      <a:round/>
-                      <a:headEnd type="none" w="med" len="med"/>
-                      <a:tailEnd type="none" w="med" len="med"/>
-                    </a:lnL>
-                    <a:lnR w="12700" cap="flat" cmpd="sng" algn="ctr">
-                      <a:solidFill>
-                        <a:schemeClr val="tx1"/>
-                      </a:solidFill>
-                      <a:prstDash val="solid"/>
-                      <a:round/>
-                      <a:headEnd type="none" w="med" len="med"/>
-                      <a:tailEnd type="none" w="med" len="med"/>
-                    </a:lnR>
-                    <a:lnT w="12700" cap="flat" cmpd="sng" algn="ctr">
-                      <a:solidFill>
-                        <a:schemeClr val="tx1"/>
-                      </a:solidFill>
-                      <a:prstDash val="solid"/>
-                      <a:round/>
-                      <a:headEnd type="none" w="med" len="med"/>
-                      <a:tailEnd type="none" w="med" len="med"/>
-                    </a:lnT>
-                    <a:lnB w="12700" cap="flat" cmpd="sng" algn="ctr">
-                      <a:solidFill>
-                        <a:schemeClr val="tx1"/>
-                      </a:solidFill>
-                      <a:prstDash val="solid"/>
-                      <a:round/>
-                      <a:headEnd type="none" w="med" len="med"/>
-                      <a:tailEnd type="none" w="med" len="med"/>
-                    </a:lnB>
-                    <a:noFill/>
-                  </a:tcPr>
-                </a:tc>
-                <a:extLst>
-                  <a:ext uri="{0D108BD9-81ED-4DB2-BD59-A6C34878D82A}">
-                    <a16:rowId xmlns:a16="http://schemas.microsoft.com/office/drawing/2014/main" val="1988845691"/>
-                  </a:ext>
-                </a:extLst>
-              </a:tr>
-            </a:tbl>
-          </a:graphicData>
-        </a:graphic>
-      </p:graphicFrame>
       <p:grpSp>
         <p:nvGrpSpPr>
           <p:cNvPr id="16" name="Группа 15">
@@ -8400,10 +6877,10 @@
         </p:nvGrpSpPr>
         <p:grpSpPr>
           <a:xfrm>
-            <a:off x="27095" y="1974500"/>
-            <a:ext cx="3119997" cy="2519528"/>
-            <a:chOff x="108000" y="1892891"/>
-            <a:chExt cx="3437775" cy="2776146"/>
+            <a:off x="88900" y="2025650"/>
+            <a:ext cx="3437775" cy="2735778"/>
+            <a:chOff x="108000" y="1898877"/>
+            <a:chExt cx="3437775" cy="2735778"/>
           </a:xfrm>
         </p:grpSpPr>
         <p:grpSp>
@@ -8420,10 +6897,10 @@
           </p:nvGrpSpPr>
           <p:grpSpPr>
             <a:xfrm>
-              <a:off x="108000" y="1892891"/>
-              <a:ext cx="3437775" cy="2148418"/>
-              <a:chOff x="0" y="87268"/>
-              <a:chExt cx="4583700" cy="2864556"/>
+              <a:off x="108000" y="1898877"/>
+              <a:ext cx="3437775" cy="2142431"/>
+              <a:chOff x="0" y="95250"/>
+              <a:chExt cx="4583700" cy="2856574"/>
             </a:xfrm>
           </p:grpSpPr>
           <p:grpSp>
@@ -8460,7 +6937,7 @@
               </p:nvSpPr>
               <p:spPr>
                 <a:xfrm>
-                  <a:off x="74214" y="-5171"/>
+                  <a:off x="58035" y="0"/>
                   <a:ext cx="1160704" cy="178693"/>
                 </a:xfrm>
                 <a:custGeom>
@@ -8495,7 +6972,7 @@
                 <a:bodyPr/>
                 <a:lstStyle/>
                 <a:p>
-                  <a:endParaRPr sz="1500"/>
+                  <a:endParaRPr/>
                 </a:p>
               </p:txBody>
             </p:sp>
@@ -8521,15 +6998,15 @@
                 </a:prstGeom>
               </p:spPr>
               <p:txBody>
-                <a:bodyPr lIns="43389" tIns="43389" rIns="43389" bIns="43389" rtlCol="0" anchor="ctr"/>
+                <a:bodyPr lIns="47808" tIns="47808" rIns="47808" bIns="47808" rtlCol="0" anchor="ctr"/>
                 <a:lstStyle/>
                 <a:p>
                   <a:pPr algn="ctr">
                     <a:lnSpc>
-                      <a:spcPts val="1510"/>
+                      <a:spcPts val="1664"/>
                     </a:lnSpc>
                   </a:pPr>
-                  <a:endParaRPr sz="1500"/>
+                  <a:endParaRPr/>
                 </a:p>
               </p:txBody>
             </p:sp>
@@ -8549,9 +7026,9 @@
             <p:grpSpPr>
               <a:xfrm>
                 <a:off x="0" y="1187039"/>
-                <a:ext cx="4583700" cy="743299"/>
+                <a:ext cx="4583700" cy="725712"/>
                 <a:chOff x="0" y="-28575"/>
-                <a:chExt cx="1309133" cy="212291"/>
+                <a:chExt cx="1309133" cy="207268"/>
               </a:xfrm>
             </p:grpSpPr>
             <p:sp>
@@ -8568,7 +7045,7 @@
               </p:nvSpPr>
               <p:spPr>
                 <a:xfrm>
-                  <a:off x="79057" y="5023"/>
+                  <a:off x="58035" y="0"/>
                   <a:ext cx="1160704" cy="178693"/>
                 </a:xfrm>
                 <a:custGeom>
@@ -8603,7 +7080,7 @@
                 <a:bodyPr/>
                 <a:lstStyle/>
                 <a:p>
-                  <a:endParaRPr sz="1500"/>
+                  <a:endParaRPr/>
                 </a:p>
               </p:txBody>
             </p:sp>
@@ -8629,15 +7106,15 @@
                 </a:prstGeom>
               </p:spPr>
               <p:txBody>
-                <a:bodyPr lIns="43389" tIns="43389" rIns="43389" bIns="43389" rtlCol="0" anchor="ctr"/>
+                <a:bodyPr lIns="47808" tIns="47808" rIns="47808" bIns="47808" rtlCol="0" anchor="ctr"/>
                 <a:lstStyle/>
                 <a:p>
                   <a:pPr algn="ctr">
                     <a:lnSpc>
-                      <a:spcPts val="1510"/>
+                      <a:spcPts val="1664"/>
                     </a:lnSpc>
                   </a:pPr>
-                  <a:endParaRPr sz="1500"/>
+                  <a:endParaRPr/>
                 </a:p>
               </p:txBody>
             </p:sp>
@@ -8656,8 +7133,8 @@
             </p:nvSpPr>
             <p:spPr>
               <a:xfrm>
-                <a:off x="753651" y="87268"/>
-                <a:ext cx="2950744" cy="608728"/>
+                <a:off x="792687" y="95250"/>
+                <a:ext cx="2950744" cy="628286"/>
               </a:xfrm>
               <a:prstGeom prst="rect">
                 <a:avLst/>
@@ -8671,11 +7148,11 @@
               <a:p>
                 <a:pPr algn="ctr">
                   <a:lnSpc>
-                    <a:spcPts val="3040"/>
+                    <a:spcPts val="3350"/>
                   </a:lnSpc>
                 </a:pPr>
                 <a:r>
-                  <a:rPr lang="en-US" sz="3270" dirty="0">
+                  <a:rPr lang="en-US" sz="3603" dirty="0">
                     <a:solidFill>
                       <a:srgbClr val="000000"/>
                     </a:solidFill>
@@ -8703,26 +7180,26 @@
             </p:nvSpPr>
             <p:spPr>
               <a:xfrm>
-                <a:off x="665623" y="1464855"/>
-                <a:ext cx="3126800" cy="285995"/>
+                <a:off x="616879" y="1464854"/>
+                <a:ext cx="3447121" cy="292045"/>
               </a:xfrm>
               <a:prstGeom prst="rect">
                 <a:avLst/>
               </a:prstGeom>
             </p:spPr>
             <p:txBody>
-              <a:bodyPr lIns="0" tIns="0" rIns="0" bIns="0" rtlCol="0" anchor="t">
+              <a:bodyPr wrap="square" lIns="0" tIns="0" rIns="0" bIns="0" rtlCol="0" anchor="t">
                 <a:spAutoFit/>
               </a:bodyPr>
               <a:lstStyle/>
               <a:p>
-                <a:pPr>
+                <a:pPr algn="l">
                   <a:lnSpc>
-                    <a:spcPts val="1520"/>
+                    <a:spcPts val="1675"/>
                   </a:lnSpc>
                 </a:pPr>
                 <a:r>
-                  <a:rPr lang="en-US" sz="1311" dirty="0" err="1">
+                  <a:rPr lang="ru-RU" sz="1444" dirty="0">
                     <a:solidFill>
                       <a:srgbClr val="000000"/>
                     </a:solidFill>
@@ -8734,7 +7211,7 @@
                   <a:t>сеть</a:t>
                 </a:r>
                 <a:r>
-                  <a:rPr lang="en-US" sz="1311" dirty="0">
+                  <a:rPr lang="en-US" sz="1444" dirty="0">
                     <a:solidFill>
                       <a:srgbClr val="000000"/>
                     </a:solidFill>
@@ -8743,7 +7220,7 @@
                     <a:cs typeface="Circe"/>
                     <a:sym typeface="Circe"/>
                   </a:rPr>
-                  <a:t>: ARTSTUDIO NEVSKY</a:t>
+                  <a:t> : ARTSTUDIO NEVSKY</a:t>
                 </a:r>
               </a:p>
             </p:txBody>
@@ -8763,26 +7240,26 @@
           </p:nvSpPr>
           <p:spPr>
             <a:xfrm>
-              <a:off x="644114" y="3707776"/>
-              <a:ext cx="1964285" cy="214285"/>
+              <a:off x="570660" y="3707776"/>
+              <a:ext cx="2585340" cy="218842"/>
             </a:xfrm>
             <a:prstGeom prst="rect">
               <a:avLst/>
             </a:prstGeom>
           </p:spPr>
           <p:txBody>
-            <a:bodyPr lIns="0" tIns="0" rIns="0" bIns="0" rtlCol="0" anchor="t">
+            <a:bodyPr wrap="square" lIns="0" tIns="0" rIns="0" bIns="0" rtlCol="0" anchor="t">
               <a:spAutoFit/>
             </a:bodyPr>
             <a:lstStyle/>
             <a:p>
               <a:pPr>
                 <a:lnSpc>
-                  <a:spcPts val="1516"/>
+                  <a:spcPts val="1670"/>
                 </a:lnSpc>
               </a:pPr>
               <a:r>
-                <a:rPr lang="en-US" sz="1306" dirty="0" err="1">
+                <a:rPr lang="ru-RU" sz="1439" dirty="0">
                   <a:solidFill>
                     <a:srgbClr val="000000"/>
                   </a:solidFill>
@@ -8794,7 +7271,7 @@
                 <a:t>пароль</a:t>
               </a:r>
               <a:r>
-                <a:rPr lang="en-US" sz="1306" dirty="0">
+                <a:rPr lang="en-US" sz="1439" dirty="0">
                   <a:solidFill>
                     <a:srgbClr val="000000"/>
                   </a:solidFill>
@@ -8822,8 +7299,8 @@
           </p:nvSpPr>
           <p:spPr>
             <a:xfrm>
-              <a:off x="718898" y="4164166"/>
-              <a:ext cx="2212514" cy="504871"/>
+              <a:off x="618768" y="4150805"/>
+              <a:ext cx="2212514" cy="483850"/>
             </a:xfrm>
             <a:prstGeom prst="rect">
               <a:avLst/>
@@ -8837,11 +7314,11 @@
             <a:p>
               <a:pPr algn="ctr">
                 <a:lnSpc>
-                  <a:spcPts val="1850"/>
+                  <a:spcPts val="2038"/>
                 </a:lnSpc>
               </a:pPr>
               <a:r>
-                <a:rPr lang="en-US" sz="826" dirty="0">
+                <a:rPr lang="ru-RU" sz="910" dirty="0">
                   <a:solidFill>
                     <a:srgbClr val="000000"/>
                   </a:solidFill>
@@ -8850,10 +7327,17 @@
                   <a:cs typeface="Circe"/>
                   <a:sym typeface="Circe"/>
                 </a:rPr>
-                <a:t>Код </a:t>
+                <a:t>Код безопасен и уникален — </a:t>
               </a:r>
+            </a:p>
+            <a:p>
+              <a:pPr algn="ctr">
+                <a:lnSpc>
+                  <a:spcPts val="2038"/>
+                </a:lnSpc>
+              </a:pPr>
               <a:r>
-                <a:rPr lang="en-US" sz="826" dirty="0" err="1">
+                <a:rPr lang="ru-RU" sz="910" dirty="0">
                   <a:solidFill>
                     <a:srgbClr val="000000"/>
                   </a:solidFill>
@@ -8862,122 +7346,7 @@
                   <a:cs typeface="Circe"/>
                   <a:sym typeface="Circe"/>
                 </a:rPr>
-                <a:t>безопасен</a:t>
-              </a:r>
-              <a:r>
-                <a:rPr lang="en-US" sz="826" dirty="0">
-                  <a:solidFill>
-                    <a:srgbClr val="000000"/>
-                  </a:solidFill>
-                  <a:latin typeface="Circe"/>
-                  <a:ea typeface="Circe"/>
-                  <a:cs typeface="Circe"/>
-                  <a:sym typeface="Circe"/>
-                </a:rPr>
-                <a:t> и </a:t>
-              </a:r>
-              <a:r>
-                <a:rPr lang="en-US" sz="826" dirty="0" err="1">
-                  <a:solidFill>
-                    <a:srgbClr val="000000"/>
-                  </a:solidFill>
-                  <a:latin typeface="Circe"/>
-                  <a:ea typeface="Circe"/>
-                  <a:cs typeface="Circe"/>
-                  <a:sym typeface="Circe"/>
-                </a:rPr>
-                <a:t>уникален</a:t>
-              </a:r>
-              <a:r>
-                <a:rPr lang="en-US" sz="826" dirty="0">
-                  <a:solidFill>
-                    <a:srgbClr val="000000"/>
-                  </a:solidFill>
-                  <a:latin typeface="Circe"/>
-                  <a:ea typeface="Circe"/>
-                  <a:cs typeface="Circe"/>
-                  <a:sym typeface="Circe"/>
-                </a:rPr>
-                <a:t> — </a:t>
-              </a:r>
-            </a:p>
-            <a:p>
-              <a:pPr algn="ctr">
-                <a:lnSpc>
-                  <a:spcPts val="1850"/>
-                </a:lnSpc>
-              </a:pPr>
-              <a:r>
-                <a:rPr lang="en-US" sz="826" dirty="0" err="1">
-                  <a:solidFill>
-                    <a:srgbClr val="000000"/>
-                  </a:solidFill>
-                  <a:latin typeface="Circe"/>
-                  <a:ea typeface="Circe"/>
-                  <a:cs typeface="Circe"/>
-                  <a:sym typeface="Circe"/>
-                </a:rPr>
-                <a:t>действует</a:t>
-              </a:r>
-              <a:r>
-                <a:rPr lang="en-US" sz="826" dirty="0">
-                  <a:solidFill>
-                    <a:srgbClr val="000000"/>
-                  </a:solidFill>
-                  <a:latin typeface="Circe"/>
-                  <a:ea typeface="Circe"/>
-                  <a:cs typeface="Circe"/>
-                  <a:sym typeface="Circe"/>
-                </a:rPr>
-                <a:t> только для </a:t>
-              </a:r>
-              <a:r>
-                <a:rPr lang="en-US" sz="826" dirty="0" err="1">
-                  <a:solidFill>
-                    <a:srgbClr val="000000"/>
-                  </a:solidFill>
-                  <a:latin typeface="Circe"/>
-                  <a:ea typeface="Circe"/>
-                  <a:cs typeface="Circe"/>
-                  <a:sym typeface="Circe"/>
-                </a:rPr>
-                <a:t>вашего</a:t>
-              </a:r>
-              <a:r>
-                <a:rPr lang="en-US" sz="826" dirty="0">
-                  <a:solidFill>
-                    <a:srgbClr val="000000"/>
-                  </a:solidFill>
-                  <a:latin typeface="Circe"/>
-                  <a:ea typeface="Circe"/>
-                  <a:cs typeface="Circe"/>
-                  <a:sym typeface="Circe"/>
-                </a:rPr>
-                <a:t> </a:t>
-              </a:r>
-              <a:r>
-                <a:rPr lang="en-US" sz="826" dirty="0" err="1">
-                  <a:solidFill>
-                    <a:srgbClr val="000000"/>
-                  </a:solidFill>
-                  <a:latin typeface="Circe"/>
-                  <a:ea typeface="Circe"/>
-                  <a:cs typeface="Circe"/>
-                  <a:sym typeface="Circe"/>
-                </a:rPr>
-                <a:t>номера</a:t>
-              </a:r>
-              <a:r>
-                <a:rPr lang="en-US" sz="826" dirty="0">
-                  <a:solidFill>
-                    <a:srgbClr val="000000"/>
-                  </a:solidFill>
-                  <a:latin typeface="Circe"/>
-                  <a:ea typeface="Circe"/>
-                  <a:cs typeface="Circe"/>
-                  <a:sym typeface="Circe"/>
-                </a:rPr>
-                <a:t>..</a:t>
+                <a:t>действует только для вашего номера.</a:t>
               </a:r>
             </a:p>
           </p:txBody>
@@ -8997,8 +7366,8 @@
         </p:nvSpPr>
         <p:spPr>
           <a:xfrm>
-            <a:off x="705646" y="3469850"/>
-            <a:ext cx="2133163" cy="346249"/>
+            <a:off x="825937" y="3676960"/>
+            <a:ext cx="2350430" cy="396262"/>
           </a:xfrm>
           <a:prstGeom prst="rect">
             <a:avLst/>
@@ -9012,11 +7381,11 @@
           <a:p>
             <a:pPr algn="ctr">
               <a:lnSpc>
-                <a:spcPts val="3040"/>
+                <a:spcPts val="3350"/>
               </a:lnSpc>
             </a:pPr>
             <a:r>
-              <a:rPr sz="1500" dirty="0">
+              <a:rPr dirty="0">
                 <a:latin typeface="Circe" panose="020B0502020203020203" pitchFamily="34" charset="-52"/>
               </a:rPr>
               <a:t>{{PASSWORD}}</a:t>
@@ -9038,8 +7407,8 @@
         </p:nvSpPr>
         <p:spPr>
           <a:xfrm>
-            <a:off x="974402" y="4605530"/>
-            <a:ext cx="1187003" cy="1188000"/>
+            <a:off x="1051974" y="5113311"/>
+            <a:ext cx="1307902" cy="1306800"/>
           </a:xfrm>
           <a:prstGeom prst="rect">
             <a:avLst/>
@@ -9053,7 +7422,7 @@
           <a:lstStyle/>
           <a:p>
             <a:r>
-              <a:rPr sz="1500" dirty="0"/>
+              <a:rPr dirty="0"/>
               <a:t>{{QR_WIFI}}</a:t>
             </a:r>
           </a:p>
@@ -9073,10 +7442,10 @@
         </p:nvGrpSpPr>
         <p:grpSpPr>
           <a:xfrm>
-            <a:off x="3326586" y="1141690"/>
-            <a:ext cx="3251560" cy="5282605"/>
+            <a:off x="3554632" y="1257973"/>
+            <a:ext cx="3582737" cy="4413839"/>
             <a:chOff x="3554632" y="1257973"/>
-            <a:chExt cx="3582737" cy="5820648"/>
+            <a:chExt cx="3582737" cy="4413839"/>
           </a:xfrm>
         </p:grpSpPr>
         <p:grpSp>
@@ -9146,7 +7515,7 @@
               <a:bodyPr/>
               <a:lstStyle/>
               <a:p>
-                <a:endParaRPr sz="1500"/>
+                <a:endParaRPr/>
               </a:p>
             </p:txBody>
           </p:sp>
@@ -9219,7 +7588,7 @@
                 <a:bodyPr/>
                 <a:lstStyle/>
                 <a:p>
-                  <a:endParaRPr sz="1500"/>
+                  <a:endParaRPr/>
                 </a:p>
               </p:txBody>
             </p:sp>
@@ -9245,79 +7614,20 @@
                 </a:prstGeom>
               </p:spPr>
               <p:txBody>
-                <a:bodyPr lIns="46104" tIns="46104" rIns="46104" bIns="46104" rtlCol="0" anchor="ctr"/>
+                <a:bodyPr lIns="50800" tIns="50800" rIns="50800" bIns="50800" rtlCol="0" anchor="ctr"/>
                 <a:lstStyle/>
                 <a:p>
                   <a:pPr algn="ctr">
                     <a:lnSpc>
-                      <a:spcPts val="1510"/>
+                      <a:spcPts val="1664"/>
                     </a:lnSpc>
                   </a:pPr>
-                  <a:endParaRPr sz="1500"/>
+                  <a:endParaRPr/>
                 </a:p>
               </p:txBody>
             </p:sp>
           </p:grpSp>
         </p:grpSp>
-        <p:sp>
-          <p:nvSpPr>
-            <p:cNvPr id="25" name="Freeform 21">
-              <a:extLst>
-                <a:ext uri="{FF2B5EF4-FFF2-40B4-BE49-F238E27FC236}">
-                  <a16:creationId xmlns:a16="http://schemas.microsoft.com/office/drawing/2014/main" id="{FFEA05C9-FEAF-C074-BB71-F204533CB2E4}"/>
-                </a:ext>
-              </a:extLst>
-            </p:cNvPr>
-            <p:cNvSpPr/>
-            <p:nvPr/>
-          </p:nvSpPr>
-          <p:spPr>
-            <a:xfrm>
-              <a:off x="4750815" y="5888250"/>
-              <a:ext cx="1190371" cy="1190371"/>
-            </a:xfrm>
-            <a:custGeom>
-              <a:avLst/>
-              <a:gdLst/>
-              <a:ahLst/>
-              <a:cxnLst/>
-              <a:rect l="l" t="t" r="r" b="b"/>
-              <a:pathLst>
-                <a:path w="1190371" h="1190371">
-                  <a:moveTo>
-                    <a:pt x="0" y="0"/>
-                  </a:moveTo>
-                  <a:lnTo>
-                    <a:pt x="1190370" y="0"/>
-                  </a:lnTo>
-                  <a:lnTo>
-                    <a:pt x="1190370" y="1190370"/>
-                  </a:lnTo>
-                  <a:lnTo>
-                    <a:pt x="0" y="1190370"/>
-                  </a:lnTo>
-                  <a:lnTo>
-                    <a:pt x="0" y="0"/>
-                  </a:lnTo>
-                  <a:close/>
-                </a:path>
-              </a:pathLst>
-            </a:custGeom>
-            <a:blipFill>
-              <a:blip r:embed="rId2"/>
-              <a:stretch>
-                <a:fillRect/>
-              </a:stretch>
-            </a:blipFill>
-          </p:spPr>
-          <p:txBody>
-            <a:bodyPr/>
-            <a:lstStyle/>
-            <a:p>
-              <a:endParaRPr sz="1500"/>
-            </a:p>
-          </p:txBody>
-        </p:sp>
         <p:sp>
           <p:nvSpPr>
             <p:cNvPr id="26" name="TextBox 26">
@@ -9333,7 +7643,7 @@
           <p:spPr>
             <a:xfrm>
               <a:off x="4170785" y="4618066"/>
-              <a:ext cx="2350430" cy="456546"/>
+              <a:ext cx="2350430" cy="465577"/>
             </a:xfrm>
             <a:prstGeom prst="rect">
               <a:avLst/>
@@ -9347,11 +7657,11 @@
             <a:p>
               <a:pPr algn="ctr">
                 <a:lnSpc>
-                  <a:spcPts val="3040"/>
+                  <a:spcPts val="3350"/>
                 </a:lnSpc>
               </a:pPr>
               <a:r>
-                <a:rPr lang="en-US" sz="3270">
+                <a:rPr lang="ru-RU" sz="3603" dirty="0" err="1">
                   <a:solidFill>
                     <a:srgbClr val="000000"/>
                   </a:solidFill>
@@ -9362,6 +7672,15 @@
                 </a:rPr>
                 <a:t>мерч</a:t>
               </a:r>
+              <a:endParaRPr lang="en-US" sz="3603" dirty="0">
+                <a:solidFill>
+                  <a:srgbClr val="000000"/>
+                </a:solidFill>
+                <a:latin typeface="Circe"/>
+                <a:ea typeface="Circe"/>
+                <a:cs typeface="Circe"/>
+                <a:sym typeface="Circe"/>
+              </a:endParaRPr>
             </a:p>
           </p:txBody>
         </p:sp>
@@ -9380,7 +7699,7 @@
           <p:spPr>
             <a:xfrm>
               <a:off x="3790720" y="1257973"/>
-              <a:ext cx="3110559" cy="1847238"/>
+              <a:ext cx="3110559" cy="1765757"/>
             </a:xfrm>
             <a:prstGeom prst="rect">
               <a:avLst/>
@@ -9394,11 +7713,11 @@
             <a:p>
               <a:pPr algn="ctr">
                 <a:lnSpc>
-                  <a:spcPts val="1850"/>
+                  <a:spcPts val="2038"/>
                 </a:lnSpc>
               </a:pPr>
               <a:r>
-                <a:rPr lang="en-US" sz="826" dirty="0" err="1">
+                <a:rPr lang="ru-RU" sz="910" dirty="0">
                   <a:solidFill>
                     <a:srgbClr val="000000"/>
                   </a:solidFill>
@@ -9407,10 +7726,17 @@
                   <a:cs typeface="Circe"/>
                   <a:sym typeface="Circe"/>
                 </a:rPr>
-                <a:t>Пространство</a:t>
+                <a:t>Пространство, где встречаются искусство, город и люди.</a:t>
               </a:r>
+            </a:p>
+            <a:p>
+              <a:pPr algn="ctr">
+                <a:lnSpc>
+                  <a:spcPts val="2038"/>
+                </a:lnSpc>
+              </a:pPr>
               <a:r>
-                <a:rPr lang="en-US" sz="826" dirty="0">
+                <a:rPr lang="ru-RU" sz="910" dirty="0">
                   <a:solidFill>
                     <a:srgbClr val="000000"/>
                   </a:solidFill>
@@ -9419,443 +7745,16 @@
                   <a:cs typeface="Circe"/>
                   <a:sym typeface="Circe"/>
                 </a:rPr>
-                <a:t>, </a:t>
-              </a:r>
-              <a:r>
-                <a:rPr lang="en-US" sz="826" dirty="0" err="1">
-                  <a:solidFill>
-                    <a:srgbClr val="000000"/>
-                  </a:solidFill>
-                  <a:latin typeface="Circe"/>
-                  <a:ea typeface="Circe"/>
-                  <a:cs typeface="Circe"/>
-                  <a:sym typeface="Circe"/>
-                </a:rPr>
-                <a:t>где</a:t>
-              </a:r>
-              <a:r>
-                <a:rPr lang="en-US" sz="826" dirty="0">
-                  <a:solidFill>
-                    <a:srgbClr val="000000"/>
-                  </a:solidFill>
-                  <a:latin typeface="Circe"/>
-                  <a:ea typeface="Circe"/>
-                  <a:cs typeface="Circe"/>
-                  <a:sym typeface="Circe"/>
-                </a:rPr>
-                <a:t> </a:t>
-              </a:r>
-              <a:r>
-                <a:rPr lang="en-US" sz="826" dirty="0" err="1">
-                  <a:solidFill>
-                    <a:srgbClr val="000000"/>
-                  </a:solidFill>
-                  <a:latin typeface="Circe"/>
-                  <a:ea typeface="Circe"/>
-                  <a:cs typeface="Circe"/>
-                  <a:sym typeface="Circe"/>
-                </a:rPr>
-                <a:t>встречаются</a:t>
-              </a:r>
-              <a:r>
-                <a:rPr lang="en-US" sz="826" dirty="0">
-                  <a:solidFill>
-                    <a:srgbClr val="000000"/>
-                  </a:solidFill>
-                  <a:latin typeface="Circe"/>
-                  <a:ea typeface="Circe"/>
-                  <a:cs typeface="Circe"/>
-                  <a:sym typeface="Circe"/>
-                </a:rPr>
-                <a:t> </a:t>
-              </a:r>
-              <a:r>
-                <a:rPr lang="en-US" sz="826" dirty="0" err="1">
-                  <a:solidFill>
-                    <a:srgbClr val="000000"/>
-                  </a:solidFill>
-                  <a:latin typeface="Circe"/>
-                  <a:ea typeface="Circe"/>
-                  <a:cs typeface="Circe"/>
-                  <a:sym typeface="Circe"/>
-                </a:rPr>
-                <a:t>искусство</a:t>
-              </a:r>
-              <a:r>
-                <a:rPr lang="en-US" sz="826" dirty="0">
-                  <a:solidFill>
-                    <a:srgbClr val="000000"/>
-                  </a:solidFill>
-                  <a:latin typeface="Circe"/>
-                  <a:ea typeface="Circe"/>
-                  <a:cs typeface="Circe"/>
-                  <a:sym typeface="Circe"/>
-                </a:rPr>
-                <a:t>, </a:t>
-              </a:r>
-              <a:r>
-                <a:rPr lang="en-US" sz="826" dirty="0" err="1">
-                  <a:solidFill>
-                    <a:srgbClr val="000000"/>
-                  </a:solidFill>
-                  <a:latin typeface="Circe"/>
-                  <a:ea typeface="Circe"/>
-                  <a:cs typeface="Circe"/>
-                  <a:sym typeface="Circe"/>
-                </a:rPr>
-                <a:t>город</a:t>
-              </a:r>
-              <a:r>
-                <a:rPr lang="en-US" sz="826" dirty="0">
-                  <a:solidFill>
-                    <a:srgbClr val="000000"/>
-                  </a:solidFill>
-                  <a:latin typeface="Circe"/>
-                  <a:ea typeface="Circe"/>
-                  <a:cs typeface="Circe"/>
-                  <a:sym typeface="Circe"/>
-                </a:rPr>
-                <a:t> и </a:t>
-              </a:r>
-              <a:r>
-                <a:rPr lang="en-US" sz="826" dirty="0" err="1">
-                  <a:solidFill>
-                    <a:srgbClr val="000000"/>
-                  </a:solidFill>
-                  <a:latin typeface="Circe"/>
-                  <a:ea typeface="Circe"/>
-                  <a:cs typeface="Circe"/>
-                  <a:sym typeface="Circe"/>
-                </a:rPr>
-                <a:t>люди</a:t>
-              </a:r>
-              <a:r>
-                <a:rPr lang="en-US" sz="826" dirty="0">
-                  <a:solidFill>
-                    <a:srgbClr val="000000"/>
-                  </a:solidFill>
-                  <a:latin typeface="Circe"/>
-                  <a:ea typeface="Circe"/>
-                  <a:cs typeface="Circe"/>
-                  <a:sym typeface="Circe"/>
-                </a:rPr>
-                <a:t>.</a:t>
+                <a:t>Вы — не просто гости апарт-отелей, а соавторы атмосферы, свидетели культурных событий и участники визуальной истории ARTSTUDIO.</a:t>
               </a:r>
             </a:p>
             <a:p>
               <a:pPr algn="ctr">
                 <a:lnSpc>
-                  <a:spcPts val="1850"/>
+                  <a:spcPts val="2038"/>
                 </a:lnSpc>
               </a:pPr>
-              <a:r>
-                <a:rPr lang="en-US" sz="826" dirty="0">
-                  <a:solidFill>
-                    <a:srgbClr val="000000"/>
-                  </a:solidFill>
-                  <a:latin typeface="Circe"/>
-                  <a:ea typeface="Circe"/>
-                  <a:cs typeface="Circe"/>
-                  <a:sym typeface="Circe"/>
-                </a:rPr>
-                <a:t>Вы — </a:t>
-              </a:r>
-              <a:r>
-                <a:rPr lang="en-US" sz="826" dirty="0" err="1">
-                  <a:solidFill>
-                    <a:srgbClr val="000000"/>
-                  </a:solidFill>
-                  <a:latin typeface="Circe"/>
-                  <a:ea typeface="Circe"/>
-                  <a:cs typeface="Circe"/>
-                  <a:sym typeface="Circe"/>
-                </a:rPr>
-                <a:t>не</a:t>
-              </a:r>
-              <a:r>
-                <a:rPr lang="en-US" sz="826" dirty="0">
-                  <a:solidFill>
-                    <a:srgbClr val="000000"/>
-                  </a:solidFill>
-                  <a:latin typeface="Circe"/>
-                  <a:ea typeface="Circe"/>
-                  <a:cs typeface="Circe"/>
-                  <a:sym typeface="Circe"/>
-                </a:rPr>
-                <a:t> </a:t>
-              </a:r>
-              <a:r>
-                <a:rPr lang="en-US" sz="826" dirty="0" err="1">
-                  <a:solidFill>
-                    <a:srgbClr val="000000"/>
-                  </a:solidFill>
-                  <a:latin typeface="Circe"/>
-                  <a:ea typeface="Circe"/>
-                  <a:cs typeface="Circe"/>
-                  <a:sym typeface="Circe"/>
-                </a:rPr>
-                <a:t>просто</a:t>
-              </a:r>
-              <a:r>
-                <a:rPr lang="en-US" sz="826" dirty="0">
-                  <a:solidFill>
-                    <a:srgbClr val="000000"/>
-                  </a:solidFill>
-                  <a:latin typeface="Circe"/>
-                  <a:ea typeface="Circe"/>
-                  <a:cs typeface="Circe"/>
-                  <a:sym typeface="Circe"/>
-                </a:rPr>
-                <a:t> </a:t>
-              </a:r>
-              <a:r>
-                <a:rPr lang="en-US" sz="826" dirty="0" err="1">
-                  <a:solidFill>
-                    <a:srgbClr val="000000"/>
-                  </a:solidFill>
-                  <a:latin typeface="Circe"/>
-                  <a:ea typeface="Circe"/>
-                  <a:cs typeface="Circe"/>
-                  <a:sym typeface="Circe"/>
-                </a:rPr>
-                <a:t>гости</a:t>
-              </a:r>
-              <a:r>
-                <a:rPr lang="en-US" sz="826" dirty="0">
-                  <a:solidFill>
-                    <a:srgbClr val="000000"/>
-                  </a:solidFill>
-                  <a:latin typeface="Circe"/>
-                  <a:ea typeface="Circe"/>
-                  <a:cs typeface="Circe"/>
-                  <a:sym typeface="Circe"/>
-                </a:rPr>
-                <a:t> </a:t>
-              </a:r>
-              <a:r>
-                <a:rPr lang="en-US" sz="826" dirty="0" err="1">
-                  <a:solidFill>
-                    <a:srgbClr val="000000"/>
-                  </a:solidFill>
-                  <a:latin typeface="Circe"/>
-                  <a:ea typeface="Circe"/>
-                  <a:cs typeface="Circe"/>
-                  <a:sym typeface="Circe"/>
-                </a:rPr>
-                <a:t>апарт</a:t>
-              </a:r>
-              <a:r>
-                <a:rPr lang="en-US" sz="826" dirty="0">
-                  <a:solidFill>
-                    <a:srgbClr val="000000"/>
-                  </a:solidFill>
-                  <a:latin typeface="Circe"/>
-                  <a:ea typeface="Circe"/>
-                  <a:cs typeface="Circe"/>
-                  <a:sym typeface="Circe"/>
-                </a:rPr>
-                <a:t>-отелей, а </a:t>
-              </a:r>
-              <a:r>
-                <a:rPr lang="en-US" sz="826" dirty="0" err="1">
-                  <a:solidFill>
-                    <a:srgbClr val="000000"/>
-                  </a:solidFill>
-                  <a:latin typeface="Circe"/>
-                  <a:ea typeface="Circe"/>
-                  <a:cs typeface="Circe"/>
-                  <a:sym typeface="Circe"/>
-                </a:rPr>
-                <a:t>соавторы</a:t>
-              </a:r>
-              <a:r>
-                <a:rPr lang="en-US" sz="826" dirty="0">
-                  <a:solidFill>
-                    <a:srgbClr val="000000"/>
-                  </a:solidFill>
-                  <a:latin typeface="Circe"/>
-                  <a:ea typeface="Circe"/>
-                  <a:cs typeface="Circe"/>
-                  <a:sym typeface="Circe"/>
-                </a:rPr>
-                <a:t> </a:t>
-              </a:r>
-              <a:r>
-                <a:rPr lang="en-US" sz="826" dirty="0" err="1">
-                  <a:solidFill>
-                    <a:srgbClr val="000000"/>
-                  </a:solidFill>
-                  <a:latin typeface="Circe"/>
-                  <a:ea typeface="Circe"/>
-                  <a:cs typeface="Circe"/>
-                  <a:sym typeface="Circe"/>
-                </a:rPr>
-                <a:t>атмосферы</a:t>
-              </a:r>
-              <a:r>
-                <a:rPr lang="en-US" sz="826" dirty="0">
-                  <a:solidFill>
-                    <a:srgbClr val="000000"/>
-                  </a:solidFill>
-                  <a:latin typeface="Circe"/>
-                  <a:ea typeface="Circe"/>
-                  <a:cs typeface="Circe"/>
-                  <a:sym typeface="Circe"/>
-                </a:rPr>
-                <a:t>, </a:t>
-              </a:r>
-              <a:r>
-                <a:rPr lang="en-US" sz="826" dirty="0" err="1">
-                  <a:solidFill>
-                    <a:srgbClr val="000000"/>
-                  </a:solidFill>
-                  <a:latin typeface="Circe"/>
-                  <a:ea typeface="Circe"/>
-                  <a:cs typeface="Circe"/>
-                  <a:sym typeface="Circe"/>
-                </a:rPr>
-                <a:t>свидетели</a:t>
-              </a:r>
-              <a:r>
-                <a:rPr lang="en-US" sz="826" dirty="0">
-                  <a:solidFill>
-                    <a:srgbClr val="000000"/>
-                  </a:solidFill>
-                  <a:latin typeface="Circe"/>
-                  <a:ea typeface="Circe"/>
-                  <a:cs typeface="Circe"/>
-                  <a:sym typeface="Circe"/>
-                </a:rPr>
-                <a:t> </a:t>
-              </a:r>
-              <a:r>
-                <a:rPr lang="en-US" sz="826" dirty="0" err="1">
-                  <a:solidFill>
-                    <a:srgbClr val="000000"/>
-                  </a:solidFill>
-                  <a:latin typeface="Circe"/>
-                  <a:ea typeface="Circe"/>
-                  <a:cs typeface="Circe"/>
-                  <a:sym typeface="Circe"/>
-                </a:rPr>
-                <a:t>культурных</a:t>
-              </a:r>
-              <a:r>
-                <a:rPr lang="en-US" sz="826" dirty="0">
-                  <a:solidFill>
-                    <a:srgbClr val="000000"/>
-                  </a:solidFill>
-                  <a:latin typeface="Circe"/>
-                  <a:ea typeface="Circe"/>
-                  <a:cs typeface="Circe"/>
-                  <a:sym typeface="Circe"/>
-                </a:rPr>
-                <a:t> </a:t>
-              </a:r>
-              <a:r>
-                <a:rPr lang="en-US" sz="826" dirty="0" err="1">
-                  <a:solidFill>
-                    <a:srgbClr val="000000"/>
-                  </a:solidFill>
-                  <a:latin typeface="Circe"/>
-                  <a:ea typeface="Circe"/>
-                  <a:cs typeface="Circe"/>
-                  <a:sym typeface="Circe"/>
-                </a:rPr>
-                <a:t>событий</a:t>
-              </a:r>
-              <a:r>
-                <a:rPr lang="en-US" sz="826" dirty="0">
-                  <a:solidFill>
-                    <a:srgbClr val="000000"/>
-                  </a:solidFill>
-                  <a:latin typeface="Circe"/>
-                  <a:ea typeface="Circe"/>
-                  <a:cs typeface="Circe"/>
-                  <a:sym typeface="Circe"/>
-                </a:rPr>
-                <a:t> и </a:t>
-              </a:r>
-              <a:r>
-                <a:rPr lang="en-US" sz="826" dirty="0" err="1">
-                  <a:solidFill>
-                    <a:srgbClr val="000000"/>
-                  </a:solidFill>
-                  <a:latin typeface="Circe"/>
-                  <a:ea typeface="Circe"/>
-                  <a:cs typeface="Circe"/>
-                  <a:sym typeface="Circe"/>
-                </a:rPr>
-                <a:t>участники</a:t>
-              </a:r>
-              <a:r>
-                <a:rPr lang="en-US" sz="826" dirty="0">
-                  <a:solidFill>
-                    <a:srgbClr val="000000"/>
-                  </a:solidFill>
-                  <a:latin typeface="Circe"/>
-                  <a:ea typeface="Circe"/>
-                  <a:cs typeface="Circe"/>
-                  <a:sym typeface="Circe"/>
-                </a:rPr>
-                <a:t> </a:t>
-              </a:r>
-              <a:r>
-                <a:rPr lang="en-US" sz="826" dirty="0" err="1">
-                  <a:solidFill>
-                    <a:srgbClr val="000000"/>
-                  </a:solidFill>
-                  <a:latin typeface="Circe"/>
-                  <a:ea typeface="Circe"/>
-                  <a:cs typeface="Circe"/>
-                  <a:sym typeface="Circe"/>
-                </a:rPr>
-                <a:t>визуальной</a:t>
-              </a:r>
-              <a:r>
-                <a:rPr lang="en-US" sz="826" dirty="0">
-                  <a:solidFill>
-                    <a:srgbClr val="000000"/>
-                  </a:solidFill>
-                  <a:latin typeface="Circe"/>
-                  <a:ea typeface="Circe"/>
-                  <a:cs typeface="Circe"/>
-                  <a:sym typeface="Circe"/>
-                </a:rPr>
-                <a:t> </a:t>
-              </a:r>
-              <a:r>
-                <a:rPr lang="en-US" sz="826" dirty="0" err="1">
-                  <a:solidFill>
-                    <a:srgbClr val="000000"/>
-                  </a:solidFill>
-                  <a:latin typeface="Circe"/>
-                  <a:ea typeface="Circe"/>
-                  <a:cs typeface="Circe"/>
-                  <a:sym typeface="Circe"/>
-                </a:rPr>
-                <a:t>истории</a:t>
-              </a:r>
-              <a:r>
-                <a:rPr lang="en-US" sz="826" dirty="0">
-                  <a:solidFill>
-                    <a:srgbClr val="000000"/>
-                  </a:solidFill>
-                  <a:latin typeface="Circe"/>
-                  <a:ea typeface="Circe"/>
-                  <a:cs typeface="Circe"/>
-                  <a:sym typeface="Circe"/>
-                </a:rPr>
-                <a:t> ARTSTUDIO.</a:t>
-              </a:r>
-            </a:p>
-            <a:p>
-              <a:pPr algn="ctr">
-                <a:lnSpc>
-                  <a:spcPts val="1850"/>
-                </a:lnSpc>
-              </a:pPr>
-              <a:endParaRPr lang="en-US" sz="826" dirty="0">
+              <a:endParaRPr lang="ru-RU" sz="910" dirty="0">
                 <a:solidFill>
                   <a:srgbClr val="000000"/>
                 </a:solidFill>
@@ -9868,11 +7767,11 @@
             <a:p>
               <a:pPr algn="ctr">
                 <a:lnSpc>
-                  <a:spcPts val="1850"/>
+                  <a:spcPts val="2038"/>
                 </a:lnSpc>
               </a:pPr>
               <a:r>
-                <a:rPr lang="en-US" sz="826" dirty="0" err="1">
+                <a:rPr lang="ru-RU" sz="910" dirty="0">
                   <a:solidFill>
                     <a:srgbClr val="000000"/>
                   </a:solidFill>
@@ -9881,283 +7780,7 @@
                   <a:cs typeface="Circe"/>
                   <a:sym typeface="Circe"/>
                 </a:rPr>
-                <a:t>Мы</a:t>
-              </a:r>
-              <a:r>
-                <a:rPr lang="en-US" sz="826" dirty="0">
-                  <a:solidFill>
-                    <a:srgbClr val="000000"/>
-                  </a:solidFill>
-                  <a:latin typeface="Circe"/>
-                  <a:ea typeface="Circe"/>
-                  <a:cs typeface="Circe"/>
-                  <a:sym typeface="Circe"/>
-                </a:rPr>
-                <a:t> </a:t>
-              </a:r>
-              <a:r>
-                <a:rPr lang="en-US" sz="826" dirty="0" err="1">
-                  <a:solidFill>
-                    <a:srgbClr val="000000"/>
-                  </a:solidFill>
-                  <a:latin typeface="Circe"/>
-                  <a:ea typeface="Circe"/>
-                  <a:cs typeface="Circe"/>
-                  <a:sym typeface="Circe"/>
-                </a:rPr>
-                <a:t>очень</a:t>
-              </a:r>
-              <a:r>
-                <a:rPr lang="en-US" sz="826" dirty="0">
-                  <a:solidFill>
-                    <a:srgbClr val="000000"/>
-                  </a:solidFill>
-                  <a:latin typeface="Circe"/>
-                  <a:ea typeface="Circe"/>
-                  <a:cs typeface="Circe"/>
-                  <a:sym typeface="Circe"/>
-                </a:rPr>
-                <a:t> </a:t>
-              </a:r>
-              <a:r>
-                <a:rPr lang="en-US" sz="826" dirty="0" err="1">
-                  <a:solidFill>
-                    <a:srgbClr val="000000"/>
-                  </a:solidFill>
-                  <a:latin typeface="Circe"/>
-                  <a:ea typeface="Circe"/>
-                  <a:cs typeface="Circe"/>
-                  <a:sym typeface="Circe"/>
-                </a:rPr>
-                <a:t>благодарны</a:t>
-              </a:r>
-              <a:r>
-                <a:rPr lang="en-US" sz="826" dirty="0">
-                  <a:solidFill>
-                    <a:srgbClr val="000000"/>
-                  </a:solidFill>
-                  <a:latin typeface="Circe"/>
-                  <a:ea typeface="Circe"/>
-                  <a:cs typeface="Circe"/>
-                  <a:sym typeface="Circe"/>
-                </a:rPr>
-                <a:t>, </a:t>
-              </a:r>
-              <a:r>
-                <a:rPr lang="en-US" sz="826" dirty="0" err="1">
-                  <a:solidFill>
-                    <a:srgbClr val="000000"/>
-                  </a:solidFill>
-                  <a:latin typeface="Circe"/>
-                  <a:ea typeface="Circe"/>
-                  <a:cs typeface="Circe"/>
-                  <a:sym typeface="Circe"/>
-                </a:rPr>
-                <a:t>когда</a:t>
-              </a:r>
-              <a:r>
-                <a:rPr lang="en-US" sz="826" dirty="0">
-                  <a:solidFill>
-                    <a:srgbClr val="000000"/>
-                  </a:solidFill>
-                  <a:latin typeface="Circe"/>
-                  <a:ea typeface="Circe"/>
-                  <a:cs typeface="Circe"/>
-                  <a:sym typeface="Circe"/>
-                </a:rPr>
-                <a:t> </a:t>
-              </a:r>
-              <a:r>
-                <a:rPr lang="en-US" sz="826" dirty="0" err="1">
-                  <a:solidFill>
-                    <a:srgbClr val="000000"/>
-                  </a:solidFill>
-                  <a:latin typeface="Circe"/>
-                  <a:ea typeface="Circe"/>
-                  <a:cs typeface="Circe"/>
-                  <a:sym typeface="Circe"/>
-                </a:rPr>
-                <a:t>вы</a:t>
-              </a:r>
-              <a:r>
-                <a:rPr lang="en-US" sz="826" dirty="0">
-                  <a:solidFill>
-                    <a:srgbClr val="000000"/>
-                  </a:solidFill>
-                  <a:latin typeface="Circe"/>
-                  <a:ea typeface="Circe"/>
-                  <a:cs typeface="Circe"/>
-                  <a:sym typeface="Circe"/>
-                </a:rPr>
-                <a:t> </a:t>
-              </a:r>
-              <a:r>
-                <a:rPr lang="en-US" sz="826" dirty="0" err="1">
-                  <a:solidFill>
-                    <a:srgbClr val="000000"/>
-                  </a:solidFill>
-                  <a:latin typeface="Circe"/>
-                  <a:ea typeface="Circe"/>
-                  <a:cs typeface="Circe"/>
-                  <a:sym typeface="Circe"/>
-                </a:rPr>
-                <a:t>делитесь</a:t>
-              </a:r>
-              <a:r>
-                <a:rPr lang="en-US" sz="826" dirty="0">
-                  <a:solidFill>
-                    <a:srgbClr val="000000"/>
-                  </a:solidFill>
-                  <a:latin typeface="Circe"/>
-                  <a:ea typeface="Circe"/>
-                  <a:cs typeface="Circe"/>
-                  <a:sym typeface="Circe"/>
-                </a:rPr>
-                <a:t> </a:t>
-              </a:r>
-              <a:r>
-                <a:rPr lang="en-US" sz="826" dirty="0" err="1">
-                  <a:solidFill>
-                    <a:srgbClr val="000000"/>
-                  </a:solidFill>
-                  <a:latin typeface="Circe"/>
-                  <a:ea typeface="Circe"/>
-                  <a:cs typeface="Circe"/>
-                  <a:sym typeface="Circe"/>
-                </a:rPr>
-                <a:t>своими</a:t>
-              </a:r>
-              <a:r>
-                <a:rPr lang="en-US" sz="826" dirty="0">
-                  <a:solidFill>
-                    <a:srgbClr val="000000"/>
-                  </a:solidFill>
-                  <a:latin typeface="Circe"/>
-                  <a:ea typeface="Circe"/>
-                  <a:cs typeface="Circe"/>
-                  <a:sym typeface="Circe"/>
-                </a:rPr>
-                <a:t> </a:t>
-              </a:r>
-              <a:r>
-                <a:rPr lang="en-US" sz="826" dirty="0" err="1">
-                  <a:solidFill>
-                    <a:srgbClr val="000000"/>
-                  </a:solidFill>
-                  <a:latin typeface="Circe"/>
-                  <a:ea typeface="Circe"/>
-                  <a:cs typeface="Circe"/>
-                  <a:sym typeface="Circe"/>
-                </a:rPr>
-                <a:t>фото</a:t>
-              </a:r>
-              <a:r>
-                <a:rPr lang="en-US" sz="826" dirty="0">
-                  <a:solidFill>
-                    <a:srgbClr val="000000"/>
-                  </a:solidFill>
-                  <a:latin typeface="Circe"/>
-                  <a:ea typeface="Circe"/>
-                  <a:cs typeface="Circe"/>
-                  <a:sym typeface="Circe"/>
-                </a:rPr>
-                <a:t> и </a:t>
-              </a:r>
-              <a:r>
-                <a:rPr lang="en-US" sz="826" dirty="0" err="1">
-                  <a:solidFill>
-                    <a:srgbClr val="000000"/>
-                  </a:solidFill>
-                  <a:latin typeface="Circe"/>
-                  <a:ea typeface="Circe"/>
-                  <a:cs typeface="Circe"/>
-                  <a:sym typeface="Circe"/>
-                </a:rPr>
-                <a:t>отмечаете</a:t>
-              </a:r>
-              <a:r>
-                <a:rPr lang="en-US" sz="826" dirty="0">
-                  <a:solidFill>
-                    <a:srgbClr val="000000"/>
-                  </a:solidFill>
-                  <a:latin typeface="Circe"/>
-                  <a:ea typeface="Circe"/>
-                  <a:cs typeface="Circe"/>
-                  <a:sym typeface="Circe"/>
-                </a:rPr>
-                <a:t> </a:t>
-              </a:r>
-              <a:r>
-                <a:rPr lang="en-US" sz="826" dirty="0" err="1">
-                  <a:solidFill>
-                    <a:srgbClr val="000000"/>
-                  </a:solidFill>
-                  <a:latin typeface="Circe"/>
-                  <a:ea typeface="Circe"/>
-                  <a:cs typeface="Circe"/>
-                  <a:sym typeface="Circe"/>
-                </a:rPr>
-                <a:t>нас</a:t>
-              </a:r>
-              <a:r>
-                <a:rPr lang="en-US" sz="826" dirty="0">
-                  <a:solidFill>
-                    <a:srgbClr val="000000"/>
-                  </a:solidFill>
-                  <a:latin typeface="Circe"/>
-                  <a:ea typeface="Circe"/>
-                  <a:cs typeface="Circe"/>
-                  <a:sym typeface="Circe"/>
-                </a:rPr>
-                <a:t> в </a:t>
-              </a:r>
-              <a:r>
-                <a:rPr lang="en-US" sz="826" dirty="0" err="1">
-                  <a:solidFill>
-                    <a:srgbClr val="000000"/>
-                  </a:solidFill>
-                  <a:latin typeface="Circe"/>
-                  <a:ea typeface="Circe"/>
-                  <a:cs typeface="Circe"/>
-                  <a:sym typeface="Circe"/>
-                </a:rPr>
-                <a:t>социальных</a:t>
-              </a:r>
-              <a:r>
-                <a:rPr lang="en-US" sz="826" dirty="0">
-                  <a:solidFill>
-                    <a:srgbClr val="000000"/>
-                  </a:solidFill>
-                  <a:latin typeface="Circe"/>
-                  <a:ea typeface="Circe"/>
-                  <a:cs typeface="Circe"/>
-                  <a:sym typeface="Circe"/>
-                </a:rPr>
-                <a:t> </a:t>
-              </a:r>
-              <a:r>
-                <a:rPr lang="en-US" sz="826" dirty="0" err="1">
-                  <a:solidFill>
-                    <a:srgbClr val="000000"/>
-                  </a:solidFill>
-                  <a:latin typeface="Circe"/>
-                  <a:ea typeface="Circe"/>
-                  <a:cs typeface="Circe"/>
-                  <a:sym typeface="Circe"/>
-                </a:rPr>
-                <a:t>сетях</a:t>
-              </a:r>
-              <a:r>
-                <a:rPr lang="en-US" sz="826" dirty="0">
-                  <a:solidFill>
-                    <a:srgbClr val="000000"/>
-                  </a:solidFill>
-                  <a:latin typeface="Circe"/>
-                  <a:ea typeface="Circe"/>
-                  <a:cs typeface="Circe"/>
-                  <a:sym typeface="Circe"/>
-                </a:rPr>
-                <a:t>!</a:t>
+                <a:t>Мы очень благодарны, когда вы делитесь своими фото и отмечаете нас в социальных сетях!</a:t>
               </a:r>
             </a:p>
           </p:txBody>
@@ -10177,7 +7800,7 @@
           <p:spPr>
             <a:xfrm>
               <a:off x="3790720" y="5277730"/>
-              <a:ext cx="3110559" cy="381232"/>
+              <a:ext cx="3110559" cy="394082"/>
             </a:xfrm>
             <a:prstGeom prst="rect">
               <a:avLst/>
@@ -10191,11 +7814,11 @@
             <a:p>
               <a:pPr algn="ctr">
                 <a:lnSpc>
-                  <a:spcPts val="1412"/>
+                  <a:spcPts val="1556"/>
                 </a:lnSpc>
               </a:pPr>
               <a:r>
-                <a:rPr lang="en-US" sz="826" dirty="0" err="1">
+                <a:rPr lang="ru-RU" sz="910" dirty="0">
                   <a:solidFill>
                     <a:srgbClr val="000000"/>
                   </a:solidFill>
@@ -10204,10 +7827,17 @@
                   <a:cs typeface="Circe"/>
                   <a:sym typeface="Circe"/>
                 </a:rPr>
-                <a:t>Фирменные</a:t>
+                <a:t>Фирменные пижамы, свечи и сувениры —</a:t>
               </a:r>
+            </a:p>
+            <a:p>
+              <a:pPr algn="ctr">
+                <a:lnSpc>
+                  <a:spcPts val="1556"/>
+                </a:lnSpc>
+              </a:pPr>
               <a:r>
-                <a:rPr lang="en-US" sz="826" dirty="0">
+                <a:rPr lang="ru-RU" sz="910" dirty="0">
                   <a:solidFill>
                     <a:srgbClr val="000000"/>
                   </a:solidFill>
@@ -10216,218 +7846,7 @@
                   <a:cs typeface="Circe"/>
                   <a:sym typeface="Circe"/>
                 </a:rPr>
-                <a:t> </a:t>
-              </a:r>
-              <a:r>
-                <a:rPr lang="en-US" sz="826" dirty="0" err="1">
-                  <a:solidFill>
-                    <a:srgbClr val="000000"/>
-                  </a:solidFill>
-                  <a:latin typeface="Circe"/>
-                  <a:ea typeface="Circe"/>
-                  <a:cs typeface="Circe"/>
-                  <a:sym typeface="Circe"/>
-                </a:rPr>
-                <a:t>пижамы</a:t>
-              </a:r>
-              <a:r>
-                <a:rPr lang="en-US" sz="826" dirty="0">
-                  <a:solidFill>
-                    <a:srgbClr val="000000"/>
-                  </a:solidFill>
-                  <a:latin typeface="Circe"/>
-                  <a:ea typeface="Circe"/>
-                  <a:cs typeface="Circe"/>
-                  <a:sym typeface="Circe"/>
-                </a:rPr>
-                <a:t>, </a:t>
-              </a:r>
-              <a:r>
-                <a:rPr lang="en-US" sz="826" dirty="0" err="1">
-                  <a:solidFill>
-                    <a:srgbClr val="000000"/>
-                  </a:solidFill>
-                  <a:latin typeface="Circe"/>
-                  <a:ea typeface="Circe"/>
-                  <a:cs typeface="Circe"/>
-                  <a:sym typeface="Circe"/>
-                </a:rPr>
-                <a:t>свечи</a:t>
-              </a:r>
-              <a:r>
-                <a:rPr lang="en-US" sz="826" dirty="0">
-                  <a:solidFill>
-                    <a:srgbClr val="000000"/>
-                  </a:solidFill>
-                  <a:latin typeface="Circe"/>
-                  <a:ea typeface="Circe"/>
-                  <a:cs typeface="Circe"/>
-                  <a:sym typeface="Circe"/>
-                </a:rPr>
-                <a:t> и </a:t>
-              </a:r>
-              <a:r>
-                <a:rPr lang="en-US" sz="826" dirty="0" err="1">
-                  <a:solidFill>
-                    <a:srgbClr val="000000"/>
-                  </a:solidFill>
-                  <a:latin typeface="Circe"/>
-                  <a:ea typeface="Circe"/>
-                  <a:cs typeface="Circe"/>
-                  <a:sym typeface="Circe"/>
-                </a:rPr>
-                <a:t>сувениры</a:t>
-              </a:r>
-              <a:r>
-                <a:rPr lang="en-US" sz="826" dirty="0">
-                  <a:solidFill>
-                    <a:srgbClr val="000000"/>
-                  </a:solidFill>
-                  <a:latin typeface="Circe"/>
-                  <a:ea typeface="Circe"/>
-                  <a:cs typeface="Circe"/>
-                  <a:sym typeface="Circe"/>
-                </a:rPr>
-                <a:t> —</a:t>
-              </a:r>
-            </a:p>
-            <a:p>
-              <a:pPr algn="ctr">
-                <a:lnSpc>
-                  <a:spcPts val="1412"/>
-                </a:lnSpc>
-              </a:pPr>
-              <a:r>
-                <a:rPr lang="en-US" sz="826" dirty="0">
-                  <a:solidFill>
-                    <a:srgbClr val="000000"/>
-                  </a:solidFill>
-                  <a:latin typeface="Circe"/>
-                  <a:ea typeface="Circe"/>
-                  <a:cs typeface="Circe"/>
-                  <a:sym typeface="Circe"/>
-                </a:rPr>
-                <a:t> </a:t>
-              </a:r>
-              <a:r>
-                <a:rPr lang="en-US" sz="826" dirty="0" err="1">
-                  <a:solidFill>
-                    <a:srgbClr val="000000"/>
-                  </a:solidFill>
-                  <a:latin typeface="Circe"/>
-                  <a:ea typeface="Circe"/>
-                  <a:cs typeface="Circe"/>
-                  <a:sym typeface="Circe"/>
-                </a:rPr>
-                <a:t>всё</a:t>
-              </a:r>
-              <a:r>
-                <a:rPr lang="en-US" sz="826" dirty="0">
-                  <a:solidFill>
-                    <a:srgbClr val="000000"/>
-                  </a:solidFill>
-                  <a:latin typeface="Circe"/>
-                  <a:ea typeface="Circe"/>
-                  <a:cs typeface="Circe"/>
-                  <a:sym typeface="Circe"/>
-                </a:rPr>
-                <a:t> можно </a:t>
-              </a:r>
-              <a:r>
-                <a:rPr lang="en-US" sz="826" dirty="0" err="1">
-                  <a:solidFill>
-                    <a:srgbClr val="000000"/>
-                  </a:solidFill>
-                  <a:latin typeface="Circe"/>
-                  <a:ea typeface="Circe"/>
-                  <a:cs typeface="Circe"/>
-                  <a:sym typeface="Circe"/>
-                </a:rPr>
-                <a:t>посмотреть</a:t>
-              </a:r>
-              <a:r>
-                <a:rPr lang="en-US" sz="826" dirty="0">
-                  <a:solidFill>
-                    <a:srgbClr val="000000"/>
-                  </a:solidFill>
-                  <a:latin typeface="Circe"/>
-                  <a:ea typeface="Circe"/>
-                  <a:cs typeface="Circe"/>
-                  <a:sym typeface="Circe"/>
-                </a:rPr>
-                <a:t> </a:t>
-              </a:r>
-              <a:r>
-                <a:rPr lang="en-US" sz="826" dirty="0" err="1">
-                  <a:solidFill>
-                    <a:srgbClr val="000000"/>
-                  </a:solidFill>
-                  <a:latin typeface="Circe"/>
-                  <a:ea typeface="Circe"/>
-                  <a:cs typeface="Circe"/>
-                  <a:sym typeface="Circe"/>
-                </a:rPr>
-                <a:t>на</a:t>
-              </a:r>
-              <a:r>
-                <a:rPr lang="en-US" sz="826" dirty="0">
-                  <a:solidFill>
-                    <a:srgbClr val="000000"/>
-                  </a:solidFill>
-                  <a:latin typeface="Circe"/>
-                  <a:ea typeface="Circe"/>
-                  <a:cs typeface="Circe"/>
-                  <a:sym typeface="Circe"/>
-                </a:rPr>
-                <a:t> </a:t>
-              </a:r>
-              <a:r>
-                <a:rPr lang="en-US" sz="826" dirty="0" err="1">
-                  <a:solidFill>
-                    <a:srgbClr val="000000"/>
-                  </a:solidFill>
-                  <a:latin typeface="Circe"/>
-                  <a:ea typeface="Circe"/>
-                  <a:cs typeface="Circe"/>
-                  <a:sym typeface="Circe"/>
-                </a:rPr>
-                <a:t>ресепшене</a:t>
-              </a:r>
-              <a:r>
-                <a:rPr lang="en-US" sz="826" dirty="0">
-                  <a:solidFill>
-                    <a:srgbClr val="000000"/>
-                  </a:solidFill>
-                  <a:latin typeface="Circe"/>
-                  <a:ea typeface="Circe"/>
-                  <a:cs typeface="Circe"/>
-                  <a:sym typeface="Circe"/>
-                </a:rPr>
-                <a:t> </a:t>
-              </a:r>
-              <a:r>
-                <a:rPr lang="en-US" sz="826" dirty="0" err="1">
-                  <a:solidFill>
-                    <a:srgbClr val="000000"/>
-                  </a:solidFill>
-                  <a:latin typeface="Circe"/>
-                  <a:ea typeface="Circe"/>
-                  <a:cs typeface="Circe"/>
-                  <a:sym typeface="Circe"/>
-                </a:rPr>
-                <a:t>или</a:t>
-              </a:r>
-              <a:r>
-                <a:rPr lang="en-US" sz="826" dirty="0">
-                  <a:solidFill>
-                    <a:srgbClr val="000000"/>
-                  </a:solidFill>
-                  <a:latin typeface="Circe"/>
-                  <a:ea typeface="Circe"/>
-                  <a:cs typeface="Circe"/>
-                  <a:sym typeface="Circe"/>
-                </a:rPr>
-                <a:t> по QR</a:t>
+                <a:t> всё можно посмотреть на ресепшене или по QR</a:t>
               </a:r>
             </a:p>
           </p:txBody>
@@ -10447,8 +7866,8 @@
         </p:nvSpPr>
         <p:spPr>
           <a:xfrm>
-            <a:off x="3361768" y="3696706"/>
-            <a:ext cx="3181191" cy="15"/>
+            <a:off x="3593398" y="4073222"/>
+            <a:ext cx="3505201" cy="17"/>
           </a:xfrm>
           <a:prstGeom prst="line">
             <a:avLst/>
@@ -10480,7 +7899,7 @@
           <a:bodyPr/>
           <a:lstStyle/>
           <a:p>
-            <a:endParaRPr sz="1500"/>
+            <a:endParaRPr/>
           </a:p>
         </p:txBody>
       </p:sp>
@@ -10498,10 +7917,10 @@
         </p:nvGrpSpPr>
         <p:grpSpPr>
           <a:xfrm>
-            <a:off x="6994501" y="306361"/>
-            <a:ext cx="2823028" cy="6262312"/>
+            <a:off x="7411346" y="350058"/>
+            <a:ext cx="3110559" cy="6413623"/>
             <a:chOff x="7415808" y="323006"/>
-            <a:chExt cx="3110559" cy="6900140"/>
+            <a:chExt cx="3110559" cy="6413623"/>
           </a:xfrm>
         </p:grpSpPr>
         <p:grpSp>
@@ -10598,7 +8017,7 @@
               <a:bodyPr/>
               <a:lstStyle/>
               <a:p>
-                <a:endParaRPr sz="1500"/>
+                <a:endParaRPr/>
               </a:p>
             </p:txBody>
           </p:sp>
@@ -10624,78 +8043,19 @@
               </a:prstGeom>
             </p:spPr>
             <p:txBody>
-              <a:bodyPr lIns="46104" tIns="46104" rIns="46104" bIns="46104" rtlCol="0" anchor="ctr"/>
+              <a:bodyPr lIns="50800" tIns="50800" rIns="50800" bIns="50800" rtlCol="0" anchor="ctr"/>
               <a:lstStyle/>
               <a:p>
                 <a:pPr algn="ctr">
                   <a:lnSpc>
-                    <a:spcPts val="1510"/>
+                    <a:spcPts val="1664"/>
                   </a:lnSpc>
                 </a:pPr>
-                <a:endParaRPr sz="1500"/>
+                <a:endParaRPr/>
               </a:p>
             </p:txBody>
           </p:sp>
         </p:grpSp>
-        <p:sp>
-          <p:nvSpPr>
-            <p:cNvPr id="35" name="Freeform 22">
-              <a:extLst>
-                <a:ext uri="{FF2B5EF4-FFF2-40B4-BE49-F238E27FC236}">
-                  <a16:creationId xmlns:a16="http://schemas.microsoft.com/office/drawing/2014/main" id="{6CAF4F75-6DEC-FFA1-2833-3BF31FD8C8FC}"/>
-                </a:ext>
-              </a:extLst>
-            </p:cNvPr>
-            <p:cNvSpPr/>
-            <p:nvPr/>
-          </p:nvSpPr>
-          <p:spPr>
-            <a:xfrm>
-              <a:off x="8391974" y="5479003"/>
-              <a:ext cx="1158228" cy="1158228"/>
-            </a:xfrm>
-            <a:custGeom>
-              <a:avLst/>
-              <a:gdLst/>
-              <a:ahLst/>
-              <a:cxnLst/>
-              <a:rect l="l" t="t" r="r" b="b"/>
-              <a:pathLst>
-                <a:path w="1158228" h="1158228">
-                  <a:moveTo>
-                    <a:pt x="0" y="0"/>
-                  </a:moveTo>
-                  <a:lnTo>
-                    <a:pt x="1158228" y="0"/>
-                  </a:lnTo>
-                  <a:lnTo>
-                    <a:pt x="1158228" y="1158228"/>
-                  </a:lnTo>
-                  <a:lnTo>
-                    <a:pt x="0" y="1158228"/>
-                  </a:lnTo>
-                  <a:lnTo>
-                    <a:pt x="0" y="0"/>
-                  </a:lnTo>
-                  <a:close/>
-                </a:path>
-              </a:pathLst>
-            </a:custGeom>
-            <a:blipFill>
-              <a:blip r:embed="rId3"/>
-              <a:stretch>
-                <a:fillRect/>
-              </a:stretch>
-            </a:blipFill>
-          </p:spPr>
-          <p:txBody>
-            <a:bodyPr/>
-            <a:lstStyle/>
-            <a:p>
-              <a:endParaRPr sz="1500"/>
-            </a:p>
-          </p:txBody>
-        </p:sp>
         <p:sp>
           <p:nvSpPr>
             <p:cNvPr id="36" name="TextBox 25">
@@ -10711,7 +8071,7 @@
           <p:spPr>
             <a:xfrm>
               <a:off x="7795873" y="2939645"/>
-              <a:ext cx="2350430" cy="1582580"/>
+              <a:ext cx="2350430" cy="1598515"/>
             </a:xfrm>
             <a:prstGeom prst="rect">
               <a:avLst/>
@@ -10725,11 +8085,11 @@
             <a:p>
               <a:pPr algn="ctr">
                 <a:lnSpc>
-                  <a:spcPts val="1950"/>
+                  <a:spcPts val="2148"/>
                 </a:lnSpc>
               </a:pPr>
               <a:r>
-                <a:rPr lang="en-US" sz="1455">
+                <a:rPr lang="ru-RU" sz="1603" dirty="0">
                   <a:solidFill>
                     <a:srgbClr val="000000"/>
                   </a:solidFill>
@@ -10738,16 +8098,40 @@
                   <a:cs typeface="Circe"/>
                   <a:sym typeface="Circe"/>
                 </a:rPr>
-                <a:t>ARTSTUDIO Nevsky — пространство комфорта и вдохновения.</a:t>
+                <a:t>ARTSTUDIO </a:t>
+              </a:r>
+              <a:r>
+                <a:rPr lang="ru-RU" sz="1603" dirty="0" err="1">
+                  <a:solidFill>
+                    <a:srgbClr val="000000"/>
+                  </a:solidFill>
+                  <a:latin typeface="Circe"/>
+                  <a:ea typeface="Circe"/>
+                  <a:cs typeface="Circe"/>
+                  <a:sym typeface="Circe"/>
+                </a:rPr>
+                <a:t>Nevsky</a:t>
+              </a:r>
+              <a:r>
+                <a:rPr lang="ru-RU" sz="1603" dirty="0">
+                  <a:solidFill>
+                    <a:srgbClr val="000000"/>
+                  </a:solidFill>
+                  <a:latin typeface="Circe"/>
+                  <a:ea typeface="Circe"/>
+                  <a:cs typeface="Circe"/>
+                  <a:sym typeface="Circe"/>
+                </a:rPr>
+                <a:t> — пространство комфорта и вдохновения.</a:t>
               </a:r>
             </a:p>
             <a:p>
               <a:pPr algn="ctr">
                 <a:lnSpc>
-                  <a:spcPts val="1950"/>
+                  <a:spcPts val="2148"/>
                 </a:lnSpc>
               </a:pPr>
-              <a:endParaRPr lang="en-US" sz="1455">
+              <a:endParaRPr lang="ru-RU" sz="1603" dirty="0">
                 <a:solidFill>
                   <a:srgbClr val="000000"/>
                 </a:solidFill>
@@ -10760,11 +8144,11 @@
             <a:p>
               <a:pPr algn="ctr">
                 <a:lnSpc>
-                  <a:spcPts val="1585"/>
+                  <a:spcPts val="2148"/>
                 </a:lnSpc>
               </a:pPr>
               <a:r>
-                <a:rPr lang="en-US" sz="1183">
+                <a:rPr lang="ru-RU" sz="1603" dirty="0">
                   <a:solidFill>
                     <a:srgbClr val="000000"/>
                   </a:solidFill>
@@ -10773,7 +8157,19 @@
                   <a:cs typeface="Circe"/>
                   <a:sym typeface="Circe"/>
                 </a:rPr>
-                <a:t> Уникальный апарт-отель для жизни, работы и отдыха.</a:t>
+                <a:t> </a:t>
+              </a:r>
+              <a:r>
+                <a:rPr lang="ru-RU" sz="1300" dirty="0">
+                  <a:solidFill>
+                    <a:srgbClr val="000000"/>
+                  </a:solidFill>
+                  <a:latin typeface="Circe"/>
+                  <a:ea typeface="Circe"/>
+                  <a:cs typeface="Circe"/>
+                  <a:sym typeface="Circe"/>
+                </a:rPr>
+                <a:t>Уникальный апарт-отель для жизни, работы и отдыха.</a:t>
               </a:r>
             </a:p>
           </p:txBody>
@@ -10792,8 +8188,8 @@
           </p:nvSpPr>
           <p:spPr>
             <a:xfrm>
-              <a:off x="7415808" y="6718275"/>
-              <a:ext cx="3110559" cy="504871"/>
+              <a:off x="7415808" y="6252779"/>
+              <a:ext cx="3110559" cy="483850"/>
             </a:xfrm>
             <a:prstGeom prst="rect">
               <a:avLst/>
@@ -10807,11 +8203,11 @@
             <a:p>
               <a:pPr algn="ctr">
                 <a:lnSpc>
-                  <a:spcPts val="1850"/>
+                  <a:spcPts val="2038"/>
                 </a:lnSpc>
               </a:pPr>
               <a:r>
-                <a:rPr lang="en-US" sz="826" dirty="0" err="1">
+                <a:rPr lang="ru-RU" sz="910" dirty="0">
                   <a:solidFill>
                     <a:srgbClr val="000000"/>
                   </a:solidFill>
@@ -10820,10 +8216,17 @@
                   <a:cs typeface="Circe"/>
                   <a:sym typeface="Circe"/>
                 </a:rPr>
-                <a:t>Оставайтесь</a:t>
+                <a:t>Оставайтесь на связи с ARTSTUDIO</a:t>
               </a:r>
+            </a:p>
+            <a:p>
+              <a:pPr algn="ctr">
+                <a:lnSpc>
+                  <a:spcPts val="2038"/>
+                </a:lnSpc>
+              </a:pPr>
               <a:r>
-                <a:rPr lang="en-US" sz="826" dirty="0">
+                <a:rPr lang="ru-RU" sz="910" dirty="0">
                   <a:solidFill>
                     <a:srgbClr val="000000"/>
                   </a:solidFill>
@@ -10832,170 +8235,7 @@
                   <a:cs typeface="Circe"/>
                   <a:sym typeface="Circe"/>
                 </a:rPr>
-                <a:t> </a:t>
-              </a:r>
-              <a:r>
-                <a:rPr lang="en-US" sz="826" dirty="0" err="1">
-                  <a:solidFill>
-                    <a:srgbClr val="000000"/>
-                  </a:solidFill>
-                  <a:latin typeface="Circe"/>
-                  <a:ea typeface="Circe"/>
-                  <a:cs typeface="Circe"/>
-                  <a:sym typeface="Circe"/>
-                </a:rPr>
-                <a:t>на</a:t>
-              </a:r>
-              <a:r>
-                <a:rPr lang="en-US" sz="826" dirty="0">
-                  <a:solidFill>
-                    <a:srgbClr val="000000"/>
-                  </a:solidFill>
-                  <a:latin typeface="Circe"/>
-                  <a:ea typeface="Circe"/>
-                  <a:cs typeface="Circe"/>
-                  <a:sym typeface="Circe"/>
-                </a:rPr>
-                <a:t> </a:t>
-              </a:r>
-              <a:r>
-                <a:rPr lang="en-US" sz="826" dirty="0" err="1">
-                  <a:solidFill>
-                    <a:srgbClr val="000000"/>
-                  </a:solidFill>
-                  <a:latin typeface="Circe"/>
-                  <a:ea typeface="Circe"/>
-                  <a:cs typeface="Circe"/>
-                  <a:sym typeface="Circe"/>
-                </a:rPr>
-                <a:t>связи</a:t>
-              </a:r>
-              <a:r>
-                <a:rPr lang="en-US" sz="826" dirty="0">
-                  <a:solidFill>
-                    <a:srgbClr val="000000"/>
-                  </a:solidFill>
-                  <a:latin typeface="Circe"/>
-                  <a:ea typeface="Circe"/>
-                  <a:cs typeface="Circe"/>
-                  <a:sym typeface="Circe"/>
-                </a:rPr>
-                <a:t> с ARTSTUDIO</a:t>
-              </a:r>
-            </a:p>
-            <a:p>
-              <a:pPr algn="ctr">
-                <a:lnSpc>
-                  <a:spcPts val="1850"/>
-                </a:lnSpc>
-              </a:pPr>
-              <a:r>
-                <a:rPr lang="en-US" sz="826" dirty="0">
-                  <a:solidFill>
-                    <a:srgbClr val="000000"/>
-                  </a:solidFill>
-                  <a:latin typeface="Circe"/>
-                  <a:ea typeface="Circe"/>
-                  <a:cs typeface="Circe"/>
-                  <a:sym typeface="Circe"/>
-                </a:rPr>
-                <a:t> </a:t>
-              </a:r>
-              <a:r>
-                <a:rPr lang="en-US" sz="826" dirty="0" err="1">
-                  <a:solidFill>
-                    <a:srgbClr val="000000"/>
-                  </a:solidFill>
-                  <a:latin typeface="Circe"/>
-                  <a:ea typeface="Circe"/>
-                  <a:cs typeface="Circe"/>
-                  <a:sym typeface="Circe"/>
-                </a:rPr>
-                <a:t>Контакты</a:t>
-              </a:r>
-              <a:r>
-                <a:rPr lang="en-US" sz="826" dirty="0">
-                  <a:solidFill>
-                    <a:srgbClr val="000000"/>
-                  </a:solidFill>
-                  <a:latin typeface="Circe"/>
-                  <a:ea typeface="Circe"/>
-                  <a:cs typeface="Circe"/>
-                  <a:sym typeface="Circe"/>
-                </a:rPr>
-                <a:t>, </a:t>
-              </a:r>
-              <a:r>
-                <a:rPr lang="en-US" sz="826" dirty="0" err="1">
-                  <a:solidFill>
-                    <a:srgbClr val="000000"/>
-                  </a:solidFill>
-                  <a:latin typeface="Circe"/>
-                  <a:ea typeface="Circe"/>
-                  <a:cs typeface="Circe"/>
-                  <a:sym typeface="Circe"/>
-                </a:rPr>
-                <a:t>соцсети</a:t>
-              </a:r>
-              <a:r>
-                <a:rPr lang="en-US" sz="826" dirty="0">
-                  <a:solidFill>
-                    <a:srgbClr val="000000"/>
-                  </a:solidFill>
-                  <a:latin typeface="Circe"/>
-                  <a:ea typeface="Circe"/>
-                  <a:cs typeface="Circe"/>
-                  <a:sym typeface="Circe"/>
-                </a:rPr>
-                <a:t>, </a:t>
-              </a:r>
-              <a:r>
-                <a:rPr lang="en-US" sz="826" dirty="0" err="1">
-                  <a:solidFill>
-                    <a:srgbClr val="000000"/>
-                  </a:solidFill>
-                  <a:latin typeface="Circe"/>
-                  <a:ea typeface="Circe"/>
-                  <a:cs typeface="Circe"/>
-                  <a:sym typeface="Circe"/>
-                </a:rPr>
-                <a:t>помощь</a:t>
-              </a:r>
-              <a:r>
-                <a:rPr lang="en-US" sz="826" dirty="0">
-                  <a:solidFill>
-                    <a:srgbClr val="000000"/>
-                  </a:solidFill>
-                  <a:latin typeface="Circe"/>
-                  <a:ea typeface="Circe"/>
-                  <a:cs typeface="Circe"/>
-                  <a:sym typeface="Circe"/>
-                </a:rPr>
-                <a:t> — </a:t>
-              </a:r>
-              <a:r>
-                <a:rPr lang="en-US" sz="826" dirty="0" err="1">
-                  <a:solidFill>
-                    <a:srgbClr val="000000"/>
-                  </a:solidFill>
-                  <a:latin typeface="Circe"/>
-                  <a:ea typeface="Circe"/>
-                  <a:cs typeface="Circe"/>
-                  <a:sym typeface="Circe"/>
-                </a:rPr>
-                <a:t>всё</a:t>
-              </a:r>
-              <a:r>
-                <a:rPr lang="en-US" sz="826" dirty="0">
-                  <a:solidFill>
-                    <a:srgbClr val="000000"/>
-                  </a:solidFill>
-                  <a:latin typeface="Circe"/>
-                  <a:ea typeface="Circe"/>
-                  <a:cs typeface="Circe"/>
-                  <a:sym typeface="Circe"/>
-                </a:rPr>
-                <a:t> по QR</a:t>
+                <a:t> Контакты, соцсети, помощь — всё по QR</a:t>
               </a:r>
             </a:p>
           </p:txBody>
@@ -11045,7 +8285,7 @@
               </a:pathLst>
             </a:custGeom>
             <a:blipFill>
-              <a:blip r:embed="rId4"/>
+              <a:blip r:embed="rId2"/>
               <a:stretch>
                 <a:fillRect t="-32" b="-32"/>
               </a:stretch>
@@ -11055,11 +8295,190 @@
             <a:bodyPr/>
             <a:lstStyle/>
             <a:p>
-              <a:endParaRPr sz="1500"/>
+              <a:endParaRPr/>
             </a:p>
           </p:txBody>
         </p:sp>
       </p:grpSp>
+      <p:sp>
+        <p:nvSpPr>
+          <p:cNvPr id="14" name="Freeform 21">
+            <a:extLst>
+              <a:ext uri="{FF2B5EF4-FFF2-40B4-BE49-F238E27FC236}">
+                <a16:creationId xmlns:a16="http://schemas.microsoft.com/office/drawing/2014/main" id="{FC9BB0DE-AF7D-84F0-4AD4-02E75841E51B}"/>
+              </a:ext>
+            </a:extLst>
+          </p:cNvPr>
+          <p:cNvSpPr>
+            <a:spLocks/>
+          </p:cNvSpPr>
+          <p:nvPr/>
+        </p:nvSpPr>
+        <p:spPr>
+          <a:xfrm>
+            <a:off x="8391974" y="5102292"/>
+            <a:ext cx="1158228" cy="1158228"/>
+          </a:xfrm>
+          <a:custGeom>
+            <a:avLst/>
+            <a:gdLst/>
+            <a:ahLst/>
+            <a:cxnLst/>
+            <a:rect l="l" t="t" r="r" b="b"/>
+            <a:pathLst>
+              <a:path w="1158228" h="1158228">
+                <a:moveTo>
+                  <a:pt x="0" y="0"/>
+                </a:moveTo>
+                <a:lnTo>
+                  <a:pt x="1158228" y="0"/>
+                </a:lnTo>
+                <a:lnTo>
+                  <a:pt x="1158228" y="1158228"/>
+                </a:lnTo>
+                <a:lnTo>
+                  <a:pt x="0" y="1158228"/>
+                </a:lnTo>
+                <a:lnTo>
+                  <a:pt x="0" y="0"/>
+                </a:lnTo>
+                <a:close/>
+              </a:path>
+            </a:pathLst>
+          </a:custGeom>
+          <a:blipFill>
+            <a:blip r:embed="rId3"/>
+            <a:stretch>
+              <a:fillRect/>
+            </a:stretch>
+          </a:blipFill>
+        </p:spPr>
+        <p:txBody>
+          <a:bodyPr/>
+          <a:lstStyle/>
+          <a:p>
+            <a:endParaRPr/>
+          </a:p>
+        </p:txBody>
+      </p:sp>
+      <p:sp>
+        <p:nvSpPr>
+          <p:cNvPr id="2" name="Freeform 21">
+            <a:extLst>
+              <a:ext uri="{FF2B5EF4-FFF2-40B4-BE49-F238E27FC236}">
+                <a16:creationId xmlns:a16="http://schemas.microsoft.com/office/drawing/2014/main" id="{0AB763F0-F534-A7C8-174D-A174EAF0EB43}"/>
+              </a:ext>
+            </a:extLst>
+          </p:cNvPr>
+          <p:cNvSpPr/>
+          <p:nvPr/>
+        </p:nvSpPr>
+        <p:spPr>
+          <a:xfrm>
+            <a:off x="4805829" y="5865899"/>
+            <a:ext cx="1080337" cy="1080337"/>
+          </a:xfrm>
+          <a:custGeom>
+            <a:avLst/>
+            <a:gdLst/>
+            <a:ahLst/>
+            <a:cxnLst/>
+            <a:rect l="l" t="t" r="r" b="b"/>
+            <a:pathLst>
+              <a:path w="1190371" h="1190371">
+                <a:moveTo>
+                  <a:pt x="0" y="0"/>
+                </a:moveTo>
+                <a:lnTo>
+                  <a:pt x="1190370" y="0"/>
+                </a:lnTo>
+                <a:lnTo>
+                  <a:pt x="1190370" y="1190370"/>
+                </a:lnTo>
+                <a:lnTo>
+                  <a:pt x="0" y="1190370"/>
+                </a:lnTo>
+                <a:lnTo>
+                  <a:pt x="0" y="0"/>
+                </a:lnTo>
+                <a:close/>
+              </a:path>
+            </a:pathLst>
+          </a:custGeom>
+          <a:blipFill>
+            <a:blip r:embed="rId4"/>
+            <a:stretch>
+              <a:fillRect/>
+            </a:stretch>
+          </a:blipFill>
+        </p:spPr>
+        <p:txBody>
+          <a:bodyPr/>
+          <a:lstStyle/>
+          <a:p>
+            <a:endParaRPr sz="1500"/>
+          </a:p>
+        </p:txBody>
+      </p:sp>
+      <p:sp>
+        <p:nvSpPr>
+          <p:cNvPr id="15" name="Freeform 22">
+            <a:extLst>
+              <a:ext uri="{FF2B5EF4-FFF2-40B4-BE49-F238E27FC236}">
+                <a16:creationId xmlns:a16="http://schemas.microsoft.com/office/drawing/2014/main" id="{6C4F59F5-506A-4B09-5138-38064F3F5987}"/>
+              </a:ext>
+            </a:extLst>
+          </p:cNvPr>
+          <p:cNvSpPr/>
+          <p:nvPr/>
+        </p:nvSpPr>
+        <p:spPr>
+          <a:xfrm>
+            <a:off x="8441042" y="5146229"/>
+            <a:ext cx="1051165" cy="1051165"/>
+          </a:xfrm>
+          <a:custGeom>
+            <a:avLst/>
+            <a:gdLst/>
+            <a:ahLst/>
+            <a:cxnLst/>
+            <a:rect l="l" t="t" r="r" b="b"/>
+            <a:pathLst>
+              <a:path w="1158228" h="1158228">
+                <a:moveTo>
+                  <a:pt x="0" y="0"/>
+                </a:moveTo>
+                <a:lnTo>
+                  <a:pt x="1158228" y="0"/>
+                </a:lnTo>
+                <a:lnTo>
+                  <a:pt x="1158228" y="1158228"/>
+                </a:lnTo>
+                <a:lnTo>
+                  <a:pt x="0" y="1158228"/>
+                </a:lnTo>
+                <a:lnTo>
+                  <a:pt x="0" y="0"/>
+                </a:lnTo>
+                <a:close/>
+              </a:path>
+            </a:pathLst>
+          </a:custGeom>
+          <a:blipFill>
+            <a:blip r:embed="rId5"/>
+            <a:stretch>
+              <a:fillRect/>
+            </a:stretch>
+          </a:blipFill>
+        </p:spPr>
+        <p:txBody>
+          <a:bodyPr/>
+          <a:lstStyle/>
+          <a:p>
+            <a:endParaRPr sz="1500"/>
+          </a:p>
+        </p:txBody>
+      </p:sp>
     </p:spTree>
     <p:extLst>
       <p:ext uri="{BB962C8B-B14F-4D97-AF65-F5344CB8AC3E}">
@@ -11354,319 +8773,4 @@
   <a:objectDefaults/>
   <a:extraClrSchemeLst/>
 </a:theme>
-</file>
-
-<file path=ppt/theme/theme2.xml><?xml version="1.0" encoding="utf-8"?>
-<a:theme xmlns:a="http://schemas.openxmlformats.org/drawingml/2006/main" name="Тема Office">
-  <a:themeElements>
-    <a:clrScheme name="Стандартная">
-      <a:dk1>
-        <a:sysClr val="windowText" lastClr="000000"/>
-      </a:dk1>
-      <a:lt1>
-        <a:sysClr val="window" lastClr="FFFFFF"/>
-      </a:lt1>
-      <a:dk2>
-        <a:srgbClr val="0E2841"/>
-      </a:dk2>
-      <a:lt2>
-        <a:srgbClr val="E8E8E8"/>
-      </a:lt2>
-      <a:accent1>
-        <a:srgbClr val="156082"/>
-      </a:accent1>
-      <a:accent2>
-        <a:srgbClr val="E97132"/>
-      </a:accent2>
-      <a:accent3>
-        <a:srgbClr val="196B24"/>
-      </a:accent3>
-      <a:accent4>
-        <a:srgbClr val="0F9ED5"/>
-      </a:accent4>
-      <a:accent5>
-        <a:srgbClr val="A02B93"/>
-      </a:accent5>
-      <a:accent6>
-        <a:srgbClr val="4EA72E"/>
-      </a:accent6>
-      <a:hlink>
-        <a:srgbClr val="467886"/>
-      </a:hlink>
-      <a:folHlink>
-        <a:srgbClr val="96607D"/>
-      </a:folHlink>
-    </a:clrScheme>
-    <a:fontScheme name="Стандартная">
-      <a:majorFont>
-        <a:latin typeface="Aptos Display" panose="02110004020202020204"/>
-        <a:ea typeface=""/>
-        <a:cs typeface=""/>
-        <a:font script="Jpan" typeface="游ゴシック Light"/>
-        <a:font script="Hang" typeface="맑은 고딕"/>
-        <a:font script="Hans" typeface="等线 Light"/>
-        <a:font script="Hant" typeface="新細明體"/>
-        <a:font script="Arab" typeface="Times New Roman"/>
-        <a:font script="Hebr" typeface="Times New Roman"/>
-        <a:font script="Thai" typeface="Angsana New"/>
-        <a:font script="Ethi" typeface="Nyala"/>
-        <a:font script="Beng" typeface="Vrinda"/>
-        <a:font script="Gujr" typeface="Shruti"/>
-        <a:font script="Khmr" typeface="MoolBoran"/>
-        <a:font script="Knda" typeface="Tunga"/>
-        <a:font script="Guru" typeface="Raavi"/>
-        <a:font script="Cans" typeface="Euphemia"/>
-        <a:font script="Cher" typeface="Plantagenet Cherokee"/>
-        <a:font script="Yiii" typeface="Microsoft Yi Baiti"/>
-        <a:font script="Tibt" typeface="Microsoft Himalaya"/>
-        <a:font script="Thaa" typeface="MV Boli"/>
-        <a:font script="Deva" typeface="Mangal"/>
-        <a:font script="Telu" typeface="Gautami"/>
-        <a:font script="Taml" typeface="Latha"/>
-        <a:font script="Syrc" typeface="Estrangelo Edessa"/>
-        <a:font script="Orya" typeface="Kalinga"/>
-        <a:font script="Mlym" typeface="Kartika"/>
-        <a:font script="Laoo" typeface="DokChampa"/>
-        <a:font script="Sinh" typeface="Iskoola Pota"/>
-        <a:font script="Mong" typeface="Mongolian Baiti"/>
-        <a:font script="Viet" typeface="Times New Roman"/>
-        <a:font script="Uigh" typeface="Microsoft Uighur"/>
-        <a:font script="Geor" typeface="Sylfaen"/>
-        <a:font script="Armn" typeface="Arial"/>
-        <a:font script="Bugi" typeface="Leelawadee UI"/>
-        <a:font script="Bopo" typeface="Microsoft JhengHei"/>
-        <a:font script="Java" typeface="Javanese Text"/>
-        <a:font script="Lisu" typeface="Segoe UI"/>
-        <a:font script="Mymr" typeface="Myanmar Text"/>
-        <a:font script="Nkoo" typeface="Ebrima"/>
-        <a:font script="Olck" typeface="Nirmala UI"/>
-        <a:font script="Osma" typeface="Ebrima"/>
-        <a:font script="Phag" typeface="Phagspa"/>
-        <a:font script="Syrn" typeface="Estrangelo Edessa"/>
-        <a:font script="Syrj" typeface="Estrangelo Edessa"/>
-        <a:font script="Syre" typeface="Estrangelo Edessa"/>
-        <a:font script="Sora" typeface="Nirmala UI"/>
-        <a:font script="Tale" typeface="Microsoft Tai Le"/>
-        <a:font script="Talu" typeface="Microsoft New Tai Lue"/>
-        <a:font script="Tfng" typeface="Ebrima"/>
-      </a:majorFont>
-      <a:minorFont>
-        <a:latin typeface="Aptos" panose="02110004020202020204"/>
-        <a:ea typeface=""/>
-        <a:cs typeface=""/>
-        <a:font script="Jpan" typeface="游ゴシック"/>
-        <a:font script="Hang" typeface="맑은 고딕"/>
-        <a:font script="Hans" typeface="等线"/>
-        <a:font script="Hant" typeface="新細明體"/>
-        <a:font script="Arab" typeface="Arial"/>
-        <a:font script="Hebr" typeface="Arial"/>
-        <a:font script="Thai" typeface="Cordia New"/>
-        <a:font script="Ethi" typeface="Nyala"/>
-        <a:font script="Beng" typeface="Vrinda"/>
-        <a:font script="Gujr" typeface="Shruti"/>
-        <a:font script="Khmr" typeface="DaunPenh"/>
-        <a:font script="Knda" typeface="Tunga"/>
-        <a:font script="Guru" typeface="Raavi"/>
-        <a:font script="Cans" typeface="Euphemia"/>
-        <a:font script="Cher" typeface="Plantagenet Cherokee"/>
-        <a:font script="Yiii" typeface="Microsoft Yi Baiti"/>
-        <a:font script="Tibt" typeface="Microsoft Himalaya"/>
-        <a:font script="Thaa" typeface="MV Boli"/>
-        <a:font script="Deva" typeface="Mangal"/>
-        <a:font script="Telu" typeface="Gautami"/>
-        <a:font script="Taml" typeface="Latha"/>
-        <a:font script="Syrc" typeface="Estrangelo Edessa"/>
-        <a:font script="Orya" typeface="Kalinga"/>
-        <a:font script="Mlym" typeface="Kartika"/>
-        <a:font script="Laoo" typeface="DokChampa"/>
-        <a:font script="Sinh" typeface="Iskoola Pota"/>
-        <a:font script="Mong" typeface="Mongolian Baiti"/>
-        <a:font script="Viet" typeface="Arial"/>
-        <a:font script="Uigh" typeface="Microsoft Uighur"/>
-        <a:font script="Geor" typeface="Sylfaen"/>
-        <a:font script="Armn" typeface="Arial"/>
-        <a:font script="Bugi" typeface="Leelawadee UI"/>
-        <a:font script="Bopo" typeface="Microsoft JhengHei"/>
-        <a:font script="Java" typeface="Javanese Text"/>
-        <a:font script="Lisu" typeface="Segoe UI"/>
-        <a:font script="Mymr" typeface="Myanmar Text"/>
-        <a:font script="Nkoo" typeface="Ebrima"/>
-        <a:font script="Olck" typeface="Nirmala UI"/>
-        <a:font script="Osma" typeface="Ebrima"/>
-        <a:font script="Phag" typeface="Phagspa"/>
-        <a:font script="Syrn" typeface="Estrangelo Edessa"/>
-        <a:font script="Syrj" typeface="Estrangelo Edessa"/>
-        <a:font script="Syre" typeface="Estrangelo Edessa"/>
-        <a:font script="Sora" typeface="Nirmala UI"/>
-        <a:font script="Tale" typeface="Microsoft Tai Le"/>
-        <a:font script="Talu" typeface="Microsoft New Tai Lue"/>
-        <a:font script="Tfng" typeface="Ebrima"/>
-      </a:minorFont>
-    </a:fontScheme>
-    <a:fmtScheme name="Стандартная">
-      <a:fillStyleLst>
-        <a:solidFill>
-          <a:schemeClr val="phClr"/>
-        </a:solidFill>
-        <a:gradFill rotWithShape="1">
-          <a:gsLst>
-            <a:gs pos="0">
-              <a:schemeClr val="phClr">
-                <a:lumMod val="110000"/>
-                <a:satMod val="105000"/>
-                <a:tint val="67000"/>
-              </a:schemeClr>
-            </a:gs>
-            <a:gs pos="50000">
-              <a:schemeClr val="phClr">
-                <a:lumMod val="105000"/>
-                <a:satMod val="103000"/>
-                <a:tint val="73000"/>
-              </a:schemeClr>
-            </a:gs>
-            <a:gs pos="100000">
-              <a:schemeClr val="phClr">
-                <a:lumMod val="105000"/>
-                <a:satMod val="109000"/>
-                <a:tint val="81000"/>
-              </a:schemeClr>
-            </a:gs>
-          </a:gsLst>
-          <a:lin ang="5400000" scaled="0"/>
-        </a:gradFill>
-        <a:gradFill rotWithShape="1">
-          <a:gsLst>
-            <a:gs pos="0">
-              <a:schemeClr val="phClr">
-                <a:satMod val="103000"/>
-                <a:lumMod val="102000"/>
-                <a:tint val="94000"/>
-              </a:schemeClr>
-            </a:gs>
-            <a:gs pos="50000">
-              <a:schemeClr val="phClr">
-                <a:satMod val="110000"/>
-                <a:lumMod val="100000"/>
-                <a:shade val="100000"/>
-              </a:schemeClr>
-            </a:gs>
-            <a:gs pos="100000">
-              <a:schemeClr val="phClr">
-                <a:lumMod val="99000"/>
-                <a:satMod val="120000"/>
-                <a:shade val="78000"/>
-              </a:schemeClr>
-            </a:gs>
-          </a:gsLst>
-          <a:lin ang="5400000" scaled="0"/>
-        </a:gradFill>
-      </a:fillStyleLst>
-      <a:lnStyleLst>
-        <a:ln w="12700" cap="flat" cmpd="sng" algn="ctr">
-          <a:solidFill>
-            <a:schemeClr val="phClr"/>
-          </a:solidFill>
-          <a:prstDash val="solid"/>
-          <a:miter lim="800000"/>
-        </a:ln>
-        <a:ln w="19050" cap="flat" cmpd="sng" algn="ctr">
-          <a:solidFill>
-            <a:schemeClr val="phClr"/>
-          </a:solidFill>
-          <a:prstDash val="solid"/>
-          <a:miter lim="800000"/>
-        </a:ln>
-        <a:ln w="25400" cap="flat" cmpd="sng" algn="ctr">
-          <a:solidFill>
-            <a:schemeClr val="phClr"/>
-          </a:solidFill>
-          <a:prstDash val="solid"/>
-          <a:miter lim="800000"/>
-        </a:ln>
-      </a:lnStyleLst>
-      <a:effectStyleLst>
-        <a:effectStyle>
-          <a:effectLst/>
-        </a:effectStyle>
-        <a:effectStyle>
-          <a:effectLst/>
-        </a:effectStyle>
-        <a:effectStyle>
-          <a:effectLst>
-            <a:outerShdw blurRad="57150" dist="19050" dir="5400000" algn="ctr" rotWithShape="0">
-              <a:srgbClr val="000000">
-                <a:alpha val="63000"/>
-              </a:srgbClr>
-            </a:outerShdw>
-          </a:effectLst>
-        </a:effectStyle>
-      </a:effectStyleLst>
-      <a:bgFillStyleLst>
-        <a:solidFill>
-          <a:schemeClr val="phClr"/>
-        </a:solidFill>
-        <a:solidFill>
-          <a:schemeClr val="phClr">
-            <a:tint val="95000"/>
-            <a:satMod val="170000"/>
-          </a:schemeClr>
-        </a:solidFill>
-        <a:gradFill rotWithShape="1">
-          <a:gsLst>
-            <a:gs pos="0">
-              <a:schemeClr val="phClr">
-                <a:tint val="93000"/>
-                <a:satMod val="150000"/>
-                <a:shade val="98000"/>
-                <a:lumMod val="102000"/>
-              </a:schemeClr>
-            </a:gs>
-            <a:gs pos="50000">
-              <a:schemeClr val="phClr">
-                <a:tint val="98000"/>
-                <a:satMod val="130000"/>
-                <a:shade val="90000"/>
-                <a:lumMod val="103000"/>
-              </a:schemeClr>
-            </a:gs>
-            <a:gs pos="100000">
-              <a:schemeClr val="phClr">
-                <a:shade val="63000"/>
-                <a:satMod val="120000"/>
-              </a:schemeClr>
-            </a:gs>
-          </a:gsLst>
-          <a:lin ang="5400000" scaled="0"/>
-        </a:gradFill>
-      </a:bgFillStyleLst>
-    </a:fmtScheme>
-  </a:themeElements>
-  <a:objectDefaults>
-    <a:lnDef>
-      <a:spPr/>
-      <a:bodyPr/>
-      <a:lstStyle/>
-      <a:style>
-        <a:lnRef idx="2">
-          <a:schemeClr val="accent1"/>
-        </a:lnRef>
-        <a:fillRef idx="0">
-          <a:schemeClr val="accent1"/>
-        </a:fillRef>
-        <a:effectRef idx="1">
-          <a:schemeClr val="accent1"/>
-        </a:effectRef>
-        <a:fontRef idx="minor">
-          <a:schemeClr val="tx1"/>
-        </a:fontRef>
-      </a:style>
-    </a:lnDef>
-  </a:objectDefaults>
-  <a:extraClrSchemeLst/>
-  <a:extLst>
-    <a:ext uri="{05A4C25C-085E-4340-85A3-A5531E510DB2}">
-      <thm15:themeFamily xmlns:thm15="http://schemas.microsoft.com/office/thememl/2012/main" name="Office Theme" id="{2E142A2C-CD16-42D6-873A-C26D2A0506FA}" vid="{1BDDFF52-6CD6-40A5-AB3C-68EB2F1E4D0A}"/>
-    </a:ext>
-  </a:extLst>
-</a:theme>
 </file>